--- a/Bayesian Data Analysis in R.pptx
+++ b/Bayesian Data Analysis in R.pptx
@@ -5,10 +5,10 @@
     <p:sldMasterId id="2147483648" r:id="rId1"/>
   </p:sldMasterIdLst>
   <p:notesMasterIdLst>
-    <p:notesMasterId r:id="rId31"/>
+    <p:notesMasterId r:id="rId37"/>
   </p:notesMasterIdLst>
   <p:handoutMasterIdLst>
-    <p:handoutMasterId r:id="rId32"/>
+    <p:handoutMasterId r:id="rId38"/>
   </p:handoutMasterIdLst>
   <p:sldIdLst>
     <p:sldId id="275" r:id="rId2"/>
@@ -34,12 +34,18 @@
     <p:sldId id="340" r:id="rId22"/>
     <p:sldId id="343" r:id="rId23"/>
     <p:sldId id="341" r:id="rId24"/>
-    <p:sldId id="348" r:id="rId25"/>
-    <p:sldId id="349" r:id="rId26"/>
-    <p:sldId id="350" r:id="rId27"/>
-    <p:sldId id="342" r:id="rId28"/>
-    <p:sldId id="344" r:id="rId29"/>
-    <p:sldId id="347" r:id="rId30"/>
+    <p:sldId id="351" r:id="rId25"/>
+    <p:sldId id="348" r:id="rId26"/>
+    <p:sldId id="349" r:id="rId27"/>
+    <p:sldId id="350" r:id="rId28"/>
+    <p:sldId id="352" r:id="rId29"/>
+    <p:sldId id="353" r:id="rId30"/>
+    <p:sldId id="354" r:id="rId31"/>
+    <p:sldId id="355" r:id="rId32"/>
+    <p:sldId id="356" r:id="rId33"/>
+    <p:sldId id="342" r:id="rId34"/>
+    <p:sldId id="344" r:id="rId35"/>
+    <p:sldId id="347" r:id="rId36"/>
   </p:sldIdLst>
   <p:sldSz cx="12192000" cy="6858000"/>
   <p:notesSz cx="7099300" cy="10234613"/>
@@ -3031,11 +3037,7 @@
             <a:pPr lvl="0"/>
             <a:r>
               <a:rPr lang="en-AU" noProof="0" dirty="0" smtClean="0"/>
-              <a:t>28 </a:t>
-            </a:r>
-            <a:r>
-              <a:rPr lang="en-AU" noProof="0" dirty="0" smtClean="0"/>
-              <a:t>September 2018</a:t>
+              <a:t>28 September 2018</a:t>
             </a:r>
             <a:endParaRPr lang="en-AU" noProof="0" dirty="0"/>
           </a:p>
@@ -4985,15 +4987,7 @@
                   <a:schemeClr val="bg1"/>
                 </a:solidFill>
               </a:rPr>
-              <a:t>Bayesian </a:t>
-            </a:r>
-            <a:r>
-              <a:rPr lang="en-AU" dirty="0" smtClean="0">
-                <a:solidFill>
-                  <a:schemeClr val="bg1"/>
-                </a:solidFill>
-              </a:rPr>
-              <a:t>Data Analysis in R</a:t>
+              <a:t>Bayesian Data Analysis in R</a:t>
             </a:r>
             <a:endParaRPr lang="en-AU" dirty="0">
               <a:solidFill>
@@ -5393,11 +5387,11 @@
   <p:clrMapOvr>
     <a:masterClrMapping/>
   </p:clrMapOvr>
-  <mc:AlternateContent xmlns:mc="http://schemas.openxmlformats.org/markup-compatibility/2006">
-    <mc:Choice xmlns:p14="http://schemas.microsoft.com/office/powerpoint/2010/main" Requires="p14">
+  <mc:AlternateContent xmlns:mc="http://schemas.openxmlformats.org/markup-compatibility/2006" xmlns:p14="http://schemas.microsoft.com/office/powerpoint/2010/main">
+    <mc:Choice Requires="p14">
       <p:transition spd="slow" p14:dur="2000"/>
     </mc:Choice>
-    <mc:Fallback>
+    <mc:Fallback xmlns="">
       <p:transition spd="slow"/>
     </mc:Fallback>
   </mc:AlternateContent>
@@ -5933,11 +5927,11 @@
   <p:clrMapOvr>
     <a:masterClrMapping/>
   </p:clrMapOvr>
-  <mc:AlternateContent xmlns:mc="http://schemas.openxmlformats.org/markup-compatibility/2006">
-    <mc:Choice xmlns:p14="http://schemas.microsoft.com/office/powerpoint/2010/main" Requires="p14">
+  <mc:AlternateContent xmlns:mc="http://schemas.openxmlformats.org/markup-compatibility/2006" xmlns:p14="http://schemas.microsoft.com/office/powerpoint/2010/main">
+    <mc:Choice Requires="p14">
       <p:transition spd="slow" p14:dur="2000"/>
     </mc:Choice>
-    <mc:Fallback>
+    <mc:Fallback xmlns="">
       <p:transition spd="slow"/>
     </mc:Fallback>
   </mc:AlternateContent>
@@ -6447,11 +6441,11 @@
   <p:clrMapOvr>
     <a:masterClrMapping/>
   </p:clrMapOvr>
-  <mc:AlternateContent xmlns:mc="http://schemas.openxmlformats.org/markup-compatibility/2006">
-    <mc:Choice xmlns:p14="http://schemas.microsoft.com/office/powerpoint/2010/main" Requires="p14">
+  <mc:AlternateContent xmlns:mc="http://schemas.openxmlformats.org/markup-compatibility/2006" xmlns:p14="http://schemas.microsoft.com/office/powerpoint/2010/main">
+    <mc:Choice Requires="p14">
       <p:transition spd="slow" p14:dur="2000"/>
     </mc:Choice>
-    <mc:Fallback>
+    <mc:Fallback xmlns="">
       <p:transition spd="slow"/>
     </mc:Fallback>
   </mc:AlternateContent>
@@ -7001,11 +6995,11 @@
   <p:clrMapOvr>
     <a:masterClrMapping/>
   </p:clrMapOvr>
-  <mc:AlternateContent xmlns:mc="http://schemas.openxmlformats.org/markup-compatibility/2006">
-    <mc:Choice xmlns:p14="http://schemas.microsoft.com/office/powerpoint/2010/main" Requires="p14">
+  <mc:AlternateContent xmlns:mc="http://schemas.openxmlformats.org/markup-compatibility/2006" xmlns:p14="http://schemas.microsoft.com/office/powerpoint/2010/main">
+    <mc:Choice Requires="p14">
       <p:transition spd="slow" p14:dur="2000"/>
     </mc:Choice>
-    <mc:Fallback>
+    <mc:Fallback xmlns="">
       <p:transition spd="slow"/>
     </mc:Fallback>
   </mc:AlternateContent>
@@ -7486,11 +7480,11 @@
   <p:clrMapOvr>
     <a:masterClrMapping/>
   </p:clrMapOvr>
-  <mc:AlternateContent xmlns:mc="http://schemas.openxmlformats.org/markup-compatibility/2006">
-    <mc:Choice xmlns:p14="http://schemas.microsoft.com/office/powerpoint/2010/main" Requires="p14">
+  <mc:AlternateContent xmlns:mc="http://schemas.openxmlformats.org/markup-compatibility/2006" xmlns:p14="http://schemas.microsoft.com/office/powerpoint/2010/main">
+    <mc:Choice Requires="p14">
       <p:transition spd="slow" p14:dur="2000"/>
     </mc:Choice>
-    <mc:Fallback>
+    <mc:Fallback xmlns="">
       <p:transition spd="slow"/>
     </mc:Fallback>
   </mc:AlternateContent>
@@ -8370,11 +8364,11 @@
   <p:clrMapOvr>
     <a:masterClrMapping/>
   </p:clrMapOvr>
-  <mc:AlternateContent xmlns:mc="http://schemas.openxmlformats.org/markup-compatibility/2006">
-    <mc:Choice xmlns:p14="http://schemas.microsoft.com/office/powerpoint/2010/main" Requires="p14">
+  <mc:AlternateContent xmlns:mc="http://schemas.openxmlformats.org/markup-compatibility/2006" xmlns:p14="http://schemas.microsoft.com/office/powerpoint/2010/main">
+    <mc:Choice Requires="p14">
       <p:transition spd="slow" p14:dur="2000"/>
     </mc:Choice>
-    <mc:Fallback>
+    <mc:Fallback xmlns="">
       <p:transition spd="slow"/>
     </mc:Fallback>
   </mc:AlternateContent>
@@ -11174,6 +11168,145 @@
       </p:grpSpPr>
       <p:sp>
         <p:nvSpPr>
+          <p:cNvPr id="7" name="Content Placeholder 6"/>
+          <p:cNvSpPr>
+            <a:spLocks noGrp="1"/>
+          </p:cNvSpPr>
+          <p:nvPr>
+            <p:ph sz="quarter" idx="16"/>
+          </p:nvPr>
+        </p:nvSpPr>
+        <p:spPr/>
+        <p:txBody>
+          <a:bodyPr/>
+          <a:lstStyle/>
+          <a:p>
+            <a:r>
+              <a:rPr lang="en-AU" dirty="0" smtClean="0"/>
+              <a:t>Ensure you have these R packages installed</a:t>
+            </a:r>
+          </a:p>
+          <a:p>
+            <a:pPr lvl="1"/>
+            <a:r>
+              <a:rPr lang="en-AU" dirty="0" err="1" smtClean="0"/>
+              <a:t>BayesFactor</a:t>
+            </a:r>
+            <a:endParaRPr lang="en-AU" dirty="0" smtClean="0"/>
+          </a:p>
+          <a:p>
+            <a:pPr lvl="1"/>
+            <a:r>
+              <a:rPr lang="en-AU" dirty="0" err="1"/>
+              <a:t>b</a:t>
+            </a:r>
+            <a:r>
+              <a:rPr lang="en-AU" dirty="0" err="1" smtClean="0"/>
+              <a:t>rms</a:t>
+            </a:r>
+            <a:endParaRPr lang="en-AU" dirty="0" smtClean="0"/>
+          </a:p>
+          <a:p>
+            <a:pPr lvl="1"/>
+            <a:r>
+              <a:rPr lang="en-AU" dirty="0" err="1"/>
+              <a:t>r</a:t>
+            </a:r>
+            <a:r>
+              <a:rPr lang="en-AU" dirty="0" err="1" smtClean="0"/>
+              <a:t>jags</a:t>
+            </a:r>
+            <a:endParaRPr lang="en-AU" dirty="0" smtClean="0"/>
+          </a:p>
+          <a:p>
+            <a:r>
+              <a:rPr lang="en-AU" dirty="0" smtClean="0"/>
+              <a:t>All datasets are available from </a:t>
+            </a:r>
+            <a:r>
+              <a:rPr lang="en-AU" dirty="0" smtClean="0">
+                <a:hlinkClick r:id="rId2"/>
+              </a:rPr>
+              <a:t>https://humburg.github.io/bayesian-data-analysis-in-r/data.html</a:t>
+            </a:r>
+            <a:endParaRPr lang="en-AU" dirty="0"/>
+          </a:p>
+        </p:txBody>
+      </p:sp>
+      <p:sp>
+        <p:nvSpPr>
+          <p:cNvPr id="5" name="Title 4"/>
+          <p:cNvSpPr>
+            <a:spLocks noGrp="1"/>
+          </p:cNvSpPr>
+          <p:nvPr>
+            <p:ph type="title"/>
+          </p:nvPr>
+        </p:nvSpPr>
+        <p:spPr/>
+        <p:txBody>
+          <a:bodyPr/>
+          <a:lstStyle/>
+          <a:p>
+            <a:r>
+              <a:rPr lang="en-AU" dirty="0" smtClean="0"/>
+              <a:t>Before we get started</a:t>
+            </a:r>
+            <a:endParaRPr lang="en-AU" dirty="0"/>
+          </a:p>
+        </p:txBody>
+      </p:sp>
+      <p:sp>
+        <p:nvSpPr>
+          <p:cNvPr id="6" name="Text Placeholder 5"/>
+          <p:cNvSpPr>
+            <a:spLocks noGrp="1"/>
+          </p:cNvSpPr>
+          <p:nvPr>
+            <p:ph type="body" sz="quarter" idx="15"/>
+          </p:nvPr>
+        </p:nvSpPr>
+        <p:spPr/>
+        <p:txBody>
+          <a:bodyPr/>
+          <a:lstStyle/>
+          <a:p>
+            <a:endParaRPr lang="en-AU"/>
+          </a:p>
+        </p:txBody>
+      </p:sp>
+    </p:spTree>
+    <p:extLst>
+      <p:ext uri="{BB962C8B-B14F-4D97-AF65-F5344CB8AC3E}">
+        <p14:creationId xmlns:p14="http://schemas.microsoft.com/office/powerpoint/2010/main" val="3671504466"/>
+      </p:ext>
+    </p:extLst>
+  </p:cSld>
+  <p:clrMapOvr>
+    <a:masterClrMapping/>
+  </p:clrMapOvr>
+</p:sld>
+</file>
+
+<file path=ppt/slides/slide25.xml><?xml version="1.0" encoding="utf-8"?>
+<p:sld xmlns:a="http://schemas.openxmlformats.org/drawingml/2006/main" xmlns:r="http://schemas.openxmlformats.org/officeDocument/2006/relationships" xmlns:p="http://schemas.openxmlformats.org/presentationml/2006/main">
+  <p:cSld>
+    <p:spTree>
+      <p:nvGrpSpPr>
+        <p:cNvPr id="1" name=""/>
+        <p:cNvGrpSpPr/>
+        <p:nvPr/>
+      </p:nvGrpSpPr>
+      <p:grpSpPr>
+        <a:xfrm>
+          <a:off x="0" y="0"/>
+          <a:ext cx="0" cy="0"/>
+          <a:chOff x="0" y="0"/>
+          <a:chExt cx="0" cy="0"/>
+        </a:xfrm>
+      </p:grpSpPr>
+      <p:sp>
+        <p:nvSpPr>
           <p:cNvPr id="5" name="Title 4"/>
           <p:cNvSpPr>
             <a:spLocks noGrp="1"/>
@@ -11548,7 +11681,7 @@
 </p:sld>
 </file>
 
-<file path=ppt/slides/slide25.xml><?xml version="1.0" encoding="utf-8"?>
+<file path=ppt/slides/slide26.xml><?xml version="1.0" encoding="utf-8"?>
 <p:sld xmlns:a="http://schemas.openxmlformats.org/drawingml/2006/main" xmlns:r="http://schemas.openxmlformats.org/officeDocument/2006/relationships" xmlns:p="http://schemas.openxmlformats.org/presentationml/2006/main">
   <p:cSld>
     <p:spTree>
@@ -11588,8 +11721,8 @@
           </a:p>
         </p:txBody>
       </p:sp>
-      <mc:AlternateContent xmlns:mc="http://schemas.openxmlformats.org/markup-compatibility/2006">
-        <mc:Choice xmlns:a14="http://schemas.microsoft.com/office/drawing/2010/main" Requires="a14">
+      <mc:AlternateContent xmlns:mc="http://schemas.openxmlformats.org/markup-compatibility/2006" xmlns:a14="http://schemas.microsoft.com/office/drawing/2010/main">
+        <mc:Choice Requires="a14">
           <p:sp>
             <p:nvSpPr>
               <p:cNvPr id="3" name="Content Placeholder 2"/>
@@ -11952,7 +12085,7 @@
             </p:txBody>
           </p:sp>
         </mc:Choice>
-        <mc:Fallback>
+        <mc:Fallback xmlns="">
           <p:sp>
             <p:nvSpPr>
               <p:cNvPr id="3" name="Content Placeholder 2"/>
@@ -12026,7 +12159,7 @@
           <a:p>
             <a:fld id="{D9C42BCC-44E8-4F98-A8FE-EAF16D8C1E6E}" type="slidenum">
               <a:rPr lang="en-AU" smtClean="0"/>
-              <a:t>25</a:t>
+              <a:t>26</a:t>
             </a:fld>
             <a:endParaRPr lang="en-AU"/>
           </a:p>
@@ -12139,7 +12272,6 @@
               <a:rPr lang="en-AU" sz="1000" dirty="0"/>
               <a:t>Press / Elsevier.</a:t>
             </a:r>
-            <a:endParaRPr lang="en-AU" sz="1000" dirty="0"/>
           </a:p>
         </p:txBody>
       </p:sp>
@@ -12147,268 +12279,6 @@
     <p:extLst>
       <p:ext uri="{BB962C8B-B14F-4D97-AF65-F5344CB8AC3E}">
         <p14:creationId xmlns:p14="http://schemas.microsoft.com/office/powerpoint/2010/main" val="2602424665"/>
-      </p:ext>
-    </p:extLst>
-  </p:cSld>
-  <p:clrMapOvr>
-    <a:masterClrMapping/>
-  </p:clrMapOvr>
-  <p:timing>
-    <p:tnLst>
-      <p:par>
-        <p:cTn id="1" dur="indefinite" restart="never" nodeType="tmRoot"/>
-      </p:par>
-    </p:tnLst>
-  </p:timing>
-</p:sld>
-</file>
-
-<file path=ppt/slides/slide26.xml><?xml version="1.0" encoding="utf-8"?>
-<p:sld xmlns:a="http://schemas.openxmlformats.org/drawingml/2006/main" xmlns:r="http://schemas.openxmlformats.org/officeDocument/2006/relationships" xmlns:p="http://schemas.openxmlformats.org/presentationml/2006/main">
-  <p:cSld>
-    <p:spTree>
-      <p:nvGrpSpPr>
-        <p:cNvPr id="1" name=""/>
-        <p:cNvGrpSpPr/>
-        <p:nvPr/>
-      </p:nvGrpSpPr>
-      <p:grpSpPr>
-        <a:xfrm>
-          <a:off x="0" y="0"/>
-          <a:ext cx="0" cy="0"/>
-          <a:chOff x="0" y="0"/>
-          <a:chExt cx="0" cy="0"/>
-        </a:xfrm>
-      </p:grpSpPr>
-      <p:sp>
-        <p:nvSpPr>
-          <p:cNvPr id="2" name="Title 1"/>
-          <p:cNvSpPr>
-            <a:spLocks noGrp="1"/>
-          </p:cNvSpPr>
-          <p:nvPr>
-            <p:ph type="title"/>
-          </p:nvPr>
-        </p:nvSpPr>
-        <p:spPr/>
-        <p:txBody>
-          <a:bodyPr/>
-          <a:lstStyle/>
-          <a:p>
-            <a:r>
-              <a:rPr lang="en-AU" i="1" dirty="0" err="1" smtClean="0"/>
-              <a:t>BayesFactor</a:t>
-            </a:r>
-            <a:r>
-              <a:rPr lang="en-AU" dirty="0" smtClean="0"/>
-              <a:t> ANOVA</a:t>
-            </a:r>
-            <a:endParaRPr lang="en-AU" dirty="0"/>
-          </a:p>
-        </p:txBody>
-      </p:sp>
-      <p:sp>
-        <p:nvSpPr>
-          <p:cNvPr id="3" name="Content Placeholder 2"/>
-          <p:cNvSpPr>
-            <a:spLocks noGrp="1"/>
-          </p:cNvSpPr>
-          <p:nvPr>
-            <p:ph idx="1"/>
-          </p:nvPr>
-        </p:nvSpPr>
-        <p:spPr/>
-        <p:txBody>
-          <a:bodyPr/>
-          <a:lstStyle/>
-          <a:p>
-            <a:pPr marL="285750" indent="-285750">
-              <a:buFont typeface="Arial" panose="020B0604020202020204" pitchFamily="34" charset="0"/>
-              <a:buChar char="•"/>
-            </a:pPr>
-            <a:r>
-              <a:rPr lang="en-AU" dirty="0" smtClean="0"/>
-              <a:t>Default ANOVA model.</a:t>
-            </a:r>
-          </a:p>
-          <a:p>
-            <a:pPr marL="285750" indent="-285750">
-              <a:buFont typeface="Arial" panose="020B0604020202020204" pitchFamily="34" charset="0"/>
-              <a:buChar char="•"/>
-            </a:pPr>
-            <a:r>
-              <a:rPr lang="en-AU" dirty="0" smtClean="0"/>
-              <a:t>Allows for heterogeneous variances.</a:t>
-            </a:r>
-          </a:p>
-          <a:p>
-            <a:pPr marL="285750" indent="-285750">
-              <a:buFont typeface="Arial" panose="020B0604020202020204" pitchFamily="34" charset="0"/>
-              <a:buChar char="•"/>
-            </a:pPr>
-            <a:r>
-              <a:rPr lang="en-AU" dirty="0" smtClean="0"/>
-              <a:t>Value of </a:t>
-            </a:r>
-            <a:r>
-              <a:rPr lang="en-AU" i="1" dirty="0" smtClean="0"/>
-              <a:t>g </a:t>
-            </a:r>
-            <a:r>
-              <a:rPr lang="en-AU" dirty="0" smtClean="0"/>
-              <a:t>can be estimated from the data.</a:t>
-            </a:r>
-          </a:p>
-          <a:p>
-            <a:pPr marL="285750" indent="-285750">
-              <a:buFont typeface="Arial" panose="020B0604020202020204" pitchFamily="34" charset="0"/>
-              <a:buChar char="•"/>
-            </a:pPr>
-            <a:endParaRPr lang="en-AU" i="1" dirty="0"/>
-          </a:p>
-          <a:p>
-            <a:pPr marL="285750" indent="-285750">
-              <a:buFont typeface="Arial" panose="020B0604020202020204" pitchFamily="34" charset="0"/>
-              <a:buChar char="•"/>
-            </a:pPr>
-            <a:r>
-              <a:rPr lang="en-AU" dirty="0" smtClean="0"/>
-              <a:t>No analytical solution for Bayes factor.</a:t>
-            </a:r>
-          </a:p>
-          <a:p>
-            <a:pPr marL="285750" indent="-285750">
-              <a:buFont typeface="Arial" panose="020B0604020202020204" pitchFamily="34" charset="0"/>
-              <a:buChar char="•"/>
-            </a:pPr>
-            <a:r>
-              <a:rPr lang="en-AU" dirty="0" smtClean="0"/>
-              <a:t>Numeric approximation </a:t>
-            </a:r>
-            <a:r>
-              <a:rPr lang="en-AU" smtClean="0"/>
-              <a:t>relatively easy.</a:t>
-            </a:r>
-            <a:endParaRPr lang="en-AU" dirty="0"/>
-          </a:p>
-        </p:txBody>
-      </p:sp>
-      <p:sp>
-        <p:nvSpPr>
-          <p:cNvPr id="4" name="Footer Placeholder 3"/>
-          <p:cNvSpPr>
-            <a:spLocks noGrp="1"/>
-          </p:cNvSpPr>
-          <p:nvPr>
-            <p:ph type="ftr" sz="quarter" idx="11"/>
-          </p:nvPr>
-        </p:nvSpPr>
-        <p:spPr/>
-        <p:txBody>
-          <a:bodyPr/>
-          <a:lstStyle/>
-          <a:p>
-            <a:r>
-              <a:rPr lang="en-AU" smtClean="0"/>
-              <a:t>FACULTY RESEARCH OFFICE | HUMAN SCIENCES</a:t>
-            </a:r>
-            <a:endParaRPr lang="en-AU" dirty="0"/>
-          </a:p>
-        </p:txBody>
-      </p:sp>
-      <p:sp>
-        <p:nvSpPr>
-          <p:cNvPr id="5" name="Slide Number Placeholder 4"/>
-          <p:cNvSpPr>
-            <a:spLocks noGrp="1"/>
-          </p:cNvSpPr>
-          <p:nvPr>
-            <p:ph type="sldNum" sz="quarter" idx="12"/>
-          </p:nvPr>
-        </p:nvSpPr>
-        <p:spPr/>
-        <p:txBody>
-          <a:bodyPr/>
-          <a:lstStyle/>
-          <a:p>
-            <a:fld id="{D9C42BCC-44E8-4F98-A8FE-EAF16D8C1E6E}" type="slidenum">
-              <a:rPr lang="en-AU" smtClean="0"/>
-              <a:t>26</a:t>
-            </a:fld>
-            <a:endParaRPr lang="en-AU"/>
-          </a:p>
-        </p:txBody>
-      </p:sp>
-      <p:sp>
-        <p:nvSpPr>
-          <p:cNvPr id="6" name="Text Placeholder 5"/>
-          <p:cNvSpPr>
-            <a:spLocks noGrp="1"/>
-          </p:cNvSpPr>
-          <p:nvPr>
-            <p:ph type="body" sz="quarter" idx="15"/>
-          </p:nvPr>
-        </p:nvSpPr>
-        <p:spPr/>
-        <p:txBody>
-          <a:bodyPr/>
-          <a:lstStyle/>
-          <a:p>
-            <a:r>
-              <a:rPr lang="en-AU" dirty="0" smtClean="0"/>
-              <a:t>JZS model</a:t>
-            </a:r>
-            <a:endParaRPr lang="en-AU" dirty="0"/>
-          </a:p>
-        </p:txBody>
-      </p:sp>
-      <p:pic>
-        <p:nvPicPr>
-          <p:cNvPr id="4098" name="Picture 2" descr="https://www.tandfonline.com/na101/home/literatum/publisher/tandf/journals/content/utas20/2012/utas20.v066.i02/00031305.2012.695956/production/images/utas_a_695956_o_um0008.gif"/>
-          <p:cNvPicPr>
-            <a:picLocks noGrp="1" noChangeAspect="1" noChangeArrowheads="1"/>
-          </p:cNvPicPr>
-          <p:nvPr>
-            <p:ph idx="16"/>
-          </p:nvPr>
-        </p:nvPicPr>
-        <p:blipFill>
-          <a:blip r:embed="rId2">
-            <a:extLst>
-              <a:ext uri="{28A0092B-C50C-407E-A947-70E740481C1C}">
-                <a14:useLocalDpi xmlns:a14="http://schemas.microsoft.com/office/drawing/2010/main" val="0"/>
-              </a:ext>
-            </a:extLst>
-          </a:blip>
-          <a:srcRect/>
-          <a:stretch>
-            <a:fillRect/>
-          </a:stretch>
-        </p:blipFill>
-        <p:spPr bwMode="auto">
-          <a:xfrm>
-            <a:off x="6967537" y="3167856"/>
-            <a:ext cx="3781425" cy="1428750"/>
-          </a:xfrm>
-          <a:prstGeom prst="rect">
-            <a:avLst/>
-          </a:prstGeom>
-          <a:noFill/>
-          <a:extLst>
-            <a:ext uri="{909E8E84-426E-40DD-AFC4-6F175D3DCCD1}">
-              <a14:hiddenFill xmlns:a14="http://schemas.microsoft.com/office/drawing/2010/main">
-                <a:solidFill>
-                  <a:srgbClr val="FFFFFF"/>
-                </a:solidFill>
-              </a14:hiddenFill>
-            </a:ext>
-          </a:extLst>
-        </p:spPr>
-      </p:pic>
-    </p:spTree>
-    <p:extLst>
-      <p:ext uri="{BB962C8B-B14F-4D97-AF65-F5344CB8AC3E}">
-        <p14:creationId xmlns:p14="http://schemas.microsoft.com/office/powerpoint/2010/main" val="4279262500"/>
       </p:ext>
     </p:extLst>
   </p:cSld>
@@ -12444,12 +12314,12 @@
       </p:grpSpPr>
       <p:sp>
         <p:nvSpPr>
-          <p:cNvPr id="2" name="Text Placeholder 1"/>
-          <p:cNvSpPr>
-            <a:spLocks noGrp="1"/>
-          </p:cNvSpPr>
-          <p:nvPr>
-            <p:ph type="body" idx="14"/>
+          <p:cNvPr id="2" name="Title 1"/>
+          <p:cNvSpPr>
+            <a:spLocks noGrp="1"/>
+          </p:cNvSpPr>
+          <p:nvPr>
+            <p:ph type="title"/>
           </p:nvPr>
         </p:nvSpPr>
         <p:spPr/>
@@ -12457,18 +12327,231 @@
           <a:bodyPr/>
           <a:lstStyle/>
           <a:p>
+            <a:r>
+              <a:rPr lang="en-AU" i="1" dirty="0" err="1" smtClean="0"/>
+              <a:t>BayesFactor</a:t>
+            </a:r>
+            <a:r>
+              <a:rPr lang="en-AU" dirty="0" smtClean="0"/>
+              <a:t> ANOVA</a:t>
+            </a:r>
+            <a:endParaRPr lang="en-AU" dirty="0"/>
+          </a:p>
+        </p:txBody>
+      </p:sp>
+      <p:sp>
+        <p:nvSpPr>
+          <p:cNvPr id="3" name="Content Placeholder 2"/>
+          <p:cNvSpPr>
+            <a:spLocks noGrp="1"/>
+          </p:cNvSpPr>
+          <p:nvPr>
+            <p:ph idx="1"/>
+          </p:nvPr>
+        </p:nvSpPr>
+        <p:spPr/>
+        <p:txBody>
+          <a:bodyPr/>
+          <a:lstStyle/>
+          <a:p>
+            <a:pPr marL="285750" indent="-285750">
+              <a:buFont typeface="Arial" panose="020B0604020202020204" pitchFamily="34" charset="0"/>
+              <a:buChar char="•"/>
+            </a:pPr>
+            <a:r>
+              <a:rPr lang="en-AU" dirty="0"/>
+              <a:t>Standard approach developed by </a:t>
+            </a:r>
+            <a:r>
+              <a:rPr lang="en-AU" dirty="0" err="1"/>
+              <a:t>Jeffreys</a:t>
+            </a:r>
+            <a:r>
+              <a:rPr lang="en-AU" dirty="0"/>
+              <a:t>, </a:t>
+            </a:r>
+            <a:r>
+              <a:rPr lang="en-AU" dirty="0" err="1"/>
+              <a:t>Zellner</a:t>
+            </a:r>
+            <a:r>
+              <a:rPr lang="en-AU" dirty="0"/>
+              <a:t>, and </a:t>
+            </a:r>
+            <a:r>
+              <a:rPr lang="en-AU" dirty="0" err="1" smtClean="0"/>
+              <a:t>Siow</a:t>
+            </a:r>
+            <a:r>
+              <a:rPr lang="en-AU" dirty="0" smtClean="0"/>
+              <a:t>.</a:t>
+            </a:r>
+            <a:endParaRPr lang="en-AU" dirty="0"/>
+          </a:p>
+          <a:p>
+            <a:pPr marL="285750" indent="-285750">
+              <a:buFont typeface="Arial" panose="020B0604020202020204" pitchFamily="34" charset="0"/>
+              <a:buChar char="•"/>
+            </a:pPr>
+            <a:r>
+              <a:rPr lang="en-AU" dirty="0" smtClean="0"/>
+              <a:t>Allows </a:t>
+            </a:r>
+            <a:r>
+              <a:rPr lang="en-AU" dirty="0" smtClean="0"/>
+              <a:t>for heterogeneous variances.</a:t>
+            </a:r>
+          </a:p>
+          <a:p>
+            <a:pPr marL="285750" indent="-285750">
+              <a:buFont typeface="Arial" panose="020B0604020202020204" pitchFamily="34" charset="0"/>
+              <a:buChar char="•"/>
+            </a:pPr>
+            <a:r>
+              <a:rPr lang="en-AU" dirty="0" smtClean="0"/>
+              <a:t>Value of </a:t>
+            </a:r>
+            <a:r>
+              <a:rPr lang="en-AU" i="1" dirty="0" smtClean="0"/>
+              <a:t>g </a:t>
+            </a:r>
+            <a:r>
+              <a:rPr lang="en-AU" dirty="0" smtClean="0"/>
+              <a:t>can be estimated from the data.</a:t>
+            </a:r>
+          </a:p>
+          <a:p>
+            <a:pPr marL="285750" indent="-285750">
+              <a:buFont typeface="Arial" panose="020B0604020202020204" pitchFamily="34" charset="0"/>
+              <a:buChar char="•"/>
+            </a:pPr>
+            <a:endParaRPr lang="en-AU" i="1" dirty="0"/>
+          </a:p>
+          <a:p>
+            <a:pPr marL="285750" indent="-285750">
+              <a:buFont typeface="Arial" panose="020B0604020202020204" pitchFamily="34" charset="0"/>
+              <a:buChar char="•"/>
+            </a:pPr>
+            <a:r>
+              <a:rPr lang="en-AU" dirty="0" smtClean="0"/>
+              <a:t>No analytical solution for Bayes factor.</a:t>
+            </a:r>
+          </a:p>
+          <a:p>
+            <a:pPr marL="285750" indent="-285750">
+              <a:buFont typeface="Arial" panose="020B0604020202020204" pitchFamily="34" charset="0"/>
+              <a:buChar char="•"/>
+            </a:pPr>
+            <a:r>
+              <a:rPr lang="en-AU" dirty="0" smtClean="0"/>
+              <a:t>Numeric approximation relatively easy.</a:t>
+            </a:r>
+          </a:p>
+          <a:p>
+            <a:pPr marL="285750" indent="-285750">
+              <a:buFont typeface="Arial" panose="020B0604020202020204" pitchFamily="34" charset="0"/>
+              <a:buChar char="•"/>
+            </a:pPr>
+            <a:endParaRPr lang="en-AU" dirty="0"/>
+          </a:p>
+          <a:p>
+            <a:pPr marL="285750" indent="-285750">
+              <a:buFont typeface="Arial" panose="020B0604020202020204" pitchFamily="34" charset="0"/>
+              <a:buChar char="•"/>
+            </a:pPr>
+            <a:endParaRPr lang="en-AU" dirty="0" smtClean="0"/>
+          </a:p>
+          <a:p>
+            <a:pPr marL="285750" indent="-285750">
+              <a:buFont typeface="Arial" panose="020B0604020202020204" pitchFamily="34" charset="0"/>
+              <a:buChar char="•"/>
+            </a:pPr>
+            <a:endParaRPr lang="en-AU" dirty="0"/>
+          </a:p>
+          <a:p>
+            <a:pPr marL="285750" indent="-285750">
+              <a:buFont typeface="Arial" panose="020B0604020202020204" pitchFamily="34" charset="0"/>
+              <a:buChar char="•"/>
+            </a:pPr>
+            <a:r>
+              <a:rPr lang="en-AU" dirty="0" smtClean="0"/>
+              <a:t>Example </a:t>
+            </a:r>
+            <a:r>
+              <a:rPr lang="en-AU" dirty="0" smtClean="0"/>
+              <a:t>data: </a:t>
+            </a:r>
+            <a:r>
+              <a:rPr lang="en-AU" dirty="0" smtClean="0">
+                <a:hlinkClick r:id="rId2"/>
+              </a:rPr>
+              <a:t>https://humburg.github.io/bayesian-data-analysis-in-r/data/anova_data.csv</a:t>
+            </a:r>
+            <a:endParaRPr lang="en-AU" dirty="0" smtClean="0"/>
+          </a:p>
+          <a:p>
+            <a:pPr marL="285750" indent="-285750">
+              <a:buFont typeface="Arial" panose="020B0604020202020204" pitchFamily="34" charset="0"/>
+              <a:buChar char="•"/>
+            </a:pPr>
+            <a:endParaRPr lang="en-AU" dirty="0" smtClean="0"/>
+          </a:p>
+        </p:txBody>
+      </p:sp>
+      <p:sp>
+        <p:nvSpPr>
+          <p:cNvPr id="4" name="Footer Placeholder 3"/>
+          <p:cNvSpPr>
+            <a:spLocks noGrp="1"/>
+          </p:cNvSpPr>
+          <p:nvPr>
+            <p:ph type="ftr" sz="quarter" idx="11"/>
+          </p:nvPr>
+        </p:nvSpPr>
+        <p:spPr/>
+        <p:txBody>
+          <a:bodyPr/>
+          <a:lstStyle/>
+          <a:p>
+            <a:r>
+              <a:rPr lang="en-AU" smtClean="0"/>
+              <a:t>FACULTY RESEARCH OFFICE | HUMAN SCIENCES</a:t>
+            </a:r>
+            <a:endParaRPr lang="en-AU" dirty="0"/>
+          </a:p>
+        </p:txBody>
+      </p:sp>
+      <p:sp>
+        <p:nvSpPr>
+          <p:cNvPr id="5" name="Slide Number Placeholder 4"/>
+          <p:cNvSpPr>
+            <a:spLocks noGrp="1"/>
+          </p:cNvSpPr>
+          <p:nvPr>
+            <p:ph type="sldNum" sz="quarter" idx="12"/>
+          </p:nvPr>
+        </p:nvSpPr>
+        <p:spPr/>
+        <p:txBody>
+          <a:bodyPr/>
+          <a:lstStyle/>
+          <a:p>
+            <a:fld id="{D9C42BCC-44E8-4F98-A8FE-EAF16D8C1E6E}" type="slidenum">
+              <a:rPr lang="en-AU" smtClean="0"/>
+              <a:t>27</a:t>
+            </a:fld>
             <a:endParaRPr lang="en-AU"/>
           </a:p>
         </p:txBody>
       </p:sp>
       <p:sp>
         <p:nvSpPr>
-          <p:cNvPr id="3" name="Title 2"/>
-          <p:cNvSpPr>
-            <a:spLocks noGrp="1"/>
-          </p:cNvSpPr>
-          <p:nvPr>
-            <p:ph type="title"/>
+          <p:cNvPr id="6" name="Text Placeholder 5"/>
+          <p:cNvSpPr>
+            <a:spLocks noGrp="1"/>
+          </p:cNvSpPr>
+          <p:nvPr>
+            <p:ph type="body" sz="quarter" idx="15"/>
           </p:nvPr>
         </p:nvSpPr>
         <p:spPr/>
@@ -12478,39 +12561,59 @@
           <a:p>
             <a:r>
               <a:rPr lang="en-AU" dirty="0" smtClean="0"/>
-              <a:t>Bayesian Hypothesis Testing</a:t>
+              <a:t>JZS model</a:t>
             </a:r>
             <a:endParaRPr lang="en-AU" dirty="0"/>
           </a:p>
         </p:txBody>
       </p:sp>
-      <p:sp>
-        <p:nvSpPr>
-          <p:cNvPr id="4" name="Text Placeholder 3"/>
-          <p:cNvSpPr>
-            <a:spLocks noGrp="1"/>
-          </p:cNvSpPr>
-          <p:nvPr>
-            <p:ph type="body" sz="quarter" idx="15"/>
-          </p:nvPr>
-        </p:nvSpPr>
-        <p:spPr/>
-        <p:txBody>
-          <a:bodyPr/>
-          <a:lstStyle/>
-          <a:p>
-            <a:r>
-              <a:rPr lang="en-AU" dirty="0" smtClean="0"/>
-              <a:t>Examples in JASP</a:t>
-            </a:r>
-            <a:endParaRPr lang="en-AU" dirty="0"/>
-          </a:p>
-        </p:txBody>
-      </p:sp>
+      <p:pic>
+        <p:nvPicPr>
+          <p:cNvPr id="4098" name="Picture 2" descr="https://www.tandfonline.com/na101/home/literatum/publisher/tandf/journals/content/utas20/2012/utas20.v066.i02/00031305.2012.695956/production/images/utas_a_695956_o_um0008.gif"/>
+          <p:cNvPicPr>
+            <a:picLocks noGrp="1" noChangeAspect="1" noChangeArrowheads="1"/>
+          </p:cNvPicPr>
+          <p:nvPr>
+            <p:ph idx="16"/>
+          </p:nvPr>
+        </p:nvPicPr>
+        <p:blipFill>
+          <a:blip r:embed="rId3">
+            <a:extLst>
+              <a:ext uri="{28A0092B-C50C-407E-A947-70E740481C1C}">
+                <a14:useLocalDpi xmlns:a14="http://schemas.microsoft.com/office/drawing/2010/main" val="0"/>
+              </a:ext>
+            </a:extLst>
+          </a:blip>
+          <a:srcRect/>
+          <a:stretch>
+            <a:fillRect/>
+          </a:stretch>
+        </p:blipFill>
+        <p:spPr bwMode="auto">
+          <a:xfrm>
+            <a:off x="6967537" y="3167856"/>
+            <a:ext cx="3781425" cy="1428750"/>
+          </a:xfrm>
+          <a:prstGeom prst="rect">
+            <a:avLst/>
+          </a:prstGeom>
+          <a:noFill/>
+          <a:extLst>
+            <a:ext uri="{909E8E84-426E-40DD-AFC4-6F175D3DCCD1}">
+              <a14:hiddenFill xmlns:a14="http://schemas.microsoft.com/office/drawing/2010/main">
+                <a:solidFill>
+                  <a:srgbClr val="FFFFFF"/>
+                </a:solidFill>
+              </a14:hiddenFill>
+            </a:ext>
+          </a:extLst>
+        </p:spPr>
+      </p:pic>
     </p:spTree>
     <p:extLst>
       <p:ext uri="{BB962C8B-B14F-4D97-AF65-F5344CB8AC3E}">
-        <p14:creationId xmlns:p14="http://schemas.microsoft.com/office/powerpoint/2010/main" val="2658419660"/>
+        <p14:creationId xmlns:p14="http://schemas.microsoft.com/office/powerpoint/2010/main" val="4279262500"/>
       </p:ext>
     </p:extLst>
   </p:cSld>
@@ -12546,7 +12649,7 @@
       </p:grpSpPr>
       <p:sp>
         <p:nvSpPr>
-          <p:cNvPr id="5" name="Title 4"/>
+          <p:cNvPr id="8" name="Title 7"/>
           <p:cNvSpPr>
             <a:spLocks noGrp="1"/>
           </p:cNvSpPr>
@@ -12561,7 +12664,7 @@
           <a:p>
             <a:r>
               <a:rPr lang="en-AU" dirty="0" smtClean="0"/>
-              <a:t>Download data</a:t>
+              <a:t>Let’s try this</a:t>
             </a:r>
             <a:endParaRPr lang="en-AU" dirty="0"/>
           </a:p>
@@ -12569,7 +12672,53 @@
       </p:sp>
       <p:sp>
         <p:nvSpPr>
-          <p:cNvPr id="6" name="Text Placeholder 5"/>
+          <p:cNvPr id="4" name="Footer Placeholder 3"/>
+          <p:cNvSpPr>
+            <a:spLocks noGrp="1"/>
+          </p:cNvSpPr>
+          <p:nvPr>
+            <p:ph type="ftr" sz="quarter" idx="11"/>
+          </p:nvPr>
+        </p:nvSpPr>
+        <p:spPr/>
+        <p:txBody>
+          <a:bodyPr/>
+          <a:lstStyle/>
+          <a:p>
+            <a:r>
+              <a:rPr lang="en-AU" smtClean="0"/>
+              <a:t>FACULTY RESEARCH OFFICE | HUMAN SCIENCES</a:t>
+            </a:r>
+            <a:endParaRPr lang="en-AU" dirty="0"/>
+          </a:p>
+        </p:txBody>
+      </p:sp>
+      <p:sp>
+        <p:nvSpPr>
+          <p:cNvPr id="5" name="Slide Number Placeholder 4"/>
+          <p:cNvSpPr>
+            <a:spLocks noGrp="1"/>
+          </p:cNvSpPr>
+          <p:nvPr>
+            <p:ph type="sldNum" sz="quarter" idx="12"/>
+          </p:nvPr>
+        </p:nvSpPr>
+        <p:spPr/>
+        <p:txBody>
+          <a:bodyPr/>
+          <a:lstStyle/>
+          <a:p>
+            <a:fld id="{D9C42BCC-44E8-4F98-A8FE-EAF16D8C1E6E}" type="slidenum">
+              <a:rPr lang="en-AU" smtClean="0"/>
+              <a:t>28</a:t>
+            </a:fld>
+            <a:endParaRPr lang="en-AU"/>
+          </a:p>
+        </p:txBody>
+      </p:sp>
+      <p:sp>
+        <p:nvSpPr>
+          <p:cNvPr id="10" name="Text Placeholder 9"/>
           <p:cNvSpPr>
             <a:spLocks noGrp="1"/>
           </p:cNvSpPr>
@@ -12586,149 +12735,59 @@
           </a:p>
         </p:txBody>
       </p:sp>
-      <p:sp>
-        <p:nvSpPr>
-          <p:cNvPr id="7" name="Text Placeholder 6"/>
-          <p:cNvSpPr>
-            <a:spLocks noGrp="1"/>
-          </p:cNvSpPr>
-          <p:nvPr>
-            <p:ph type="body" sz="quarter" idx="17"/>
-          </p:nvPr>
-        </p:nvSpPr>
-        <p:spPr/>
-        <p:txBody>
-          <a:bodyPr/>
-          <a:lstStyle/>
-          <a:p>
-            <a:r>
-              <a:rPr lang="en-AU" dirty="0" smtClean="0"/>
-              <a:t>Coin toss data</a:t>
-            </a:r>
-          </a:p>
-          <a:p>
-            <a:pPr lvl="1"/>
-            <a:r>
-              <a:rPr lang="en-AU" dirty="0" smtClean="0">
-                <a:hlinkClick r:id="rId2"/>
-              </a:rPr>
-              <a:t>https://tinyurl.com/y8ro4ysf</a:t>
-            </a:r>
-            <a:endParaRPr lang="en-AU" dirty="0" smtClean="0"/>
-          </a:p>
-          <a:p>
-            <a:r>
-              <a:rPr lang="en-AU" dirty="0" smtClean="0"/>
-              <a:t>Large coin toss data</a:t>
-            </a:r>
-          </a:p>
-          <a:p>
-            <a:pPr lvl="1"/>
-            <a:r>
-              <a:rPr lang="en-AU" dirty="0" smtClean="0">
-                <a:hlinkClick r:id="rId3"/>
-              </a:rPr>
-              <a:t>https://tinyurl.com/y74hwe3u</a:t>
-            </a:r>
-            <a:endParaRPr lang="en-AU" dirty="0" smtClean="0"/>
-          </a:p>
-          <a:p>
-            <a:r>
-              <a:rPr lang="en-AU" dirty="0" smtClean="0"/>
-              <a:t>Gap minder traffic death data</a:t>
-            </a:r>
-          </a:p>
-          <a:p>
-            <a:pPr lvl="1"/>
-            <a:r>
-              <a:rPr lang="en-AU" dirty="0" smtClean="0">
-                <a:hlinkClick r:id="rId4"/>
-              </a:rPr>
-              <a:t>https://tinyurl.com/y8zz27rr</a:t>
-            </a:r>
-            <a:endParaRPr lang="en-AU" dirty="0" smtClean="0"/>
-          </a:p>
-          <a:p>
-            <a:r>
-              <a:rPr lang="en-AU" dirty="0" smtClean="0"/>
-              <a:t>Weight perception data</a:t>
-            </a:r>
-          </a:p>
-          <a:p>
-            <a:pPr lvl="1"/>
-            <a:r>
-              <a:rPr lang="en-AU" dirty="0" smtClean="0">
-                <a:hlinkClick r:id="rId5"/>
-              </a:rPr>
-              <a:t>https://tinyurl.com/ydfr8nlw</a:t>
-            </a:r>
-            <a:endParaRPr lang="en-AU" dirty="0" smtClean="0"/>
-          </a:p>
-          <a:p>
-            <a:pPr marL="0" indent="0">
-              <a:buNone/>
-            </a:pPr>
-            <a:endParaRPr lang="en-AU" dirty="0"/>
-          </a:p>
-          <a:p>
-            <a:pPr marL="0" indent="0">
-              <a:buNone/>
-            </a:pPr>
-            <a:r>
-              <a:rPr lang="en-AU" dirty="0" smtClean="0"/>
-              <a:t>Or get it all from here:</a:t>
-            </a:r>
-          </a:p>
-          <a:p>
-            <a:pPr marL="0" indent="0">
-              <a:buNone/>
-            </a:pPr>
-            <a:r>
-              <a:rPr lang="en-AU" dirty="0" smtClean="0">
-                <a:hlinkClick r:id="rId6"/>
-              </a:rPr>
-              <a:t>https://github.com/humburg/Introduction-to-Bayesian-Hypothesis-testing/tree/master/data</a:t>
-            </a:r>
-            <a:endParaRPr lang="en-AU" dirty="0"/>
-          </a:p>
-        </p:txBody>
-      </p:sp>
-      <p:sp>
-        <p:nvSpPr>
-          <p:cNvPr id="8" name="Text Placeholder 7"/>
-          <p:cNvSpPr>
-            <a:spLocks noGrp="1"/>
-          </p:cNvSpPr>
-          <p:nvPr>
-            <p:ph type="body" sz="quarter" idx="18"/>
-          </p:nvPr>
-        </p:nvSpPr>
-        <p:spPr/>
-        <p:txBody>
-          <a:bodyPr/>
-          <a:lstStyle/>
-          <a:p>
-            <a:endParaRPr lang="en-AU"/>
-          </a:p>
-        </p:txBody>
-      </p:sp>
+      <p:pic>
+        <p:nvPicPr>
+          <p:cNvPr id="1030" name="Picture 6" descr="Image result for r logo"/>
+          <p:cNvPicPr>
+            <a:picLocks noGrp="1" noChangeAspect="1" noChangeArrowheads="1"/>
+          </p:cNvPicPr>
+          <p:nvPr>
+            <p:ph idx="1"/>
+          </p:nvPr>
+        </p:nvPicPr>
+        <p:blipFill>
+          <a:blip r:embed="rId2">
+            <a:extLst>
+              <a:ext uri="{28A0092B-C50C-407E-A947-70E740481C1C}">
+                <a14:useLocalDpi xmlns:a14="http://schemas.microsoft.com/office/drawing/2010/main" val="0"/>
+              </a:ext>
+            </a:extLst>
+          </a:blip>
+          <a:srcRect/>
+          <a:stretch>
+            <a:fillRect/>
+          </a:stretch>
+        </p:blipFill>
+        <p:spPr bwMode="auto">
+          <a:xfrm>
+            <a:off x="3200110" y="1619250"/>
+            <a:ext cx="5840993" cy="4525963"/>
+          </a:xfrm>
+          <a:prstGeom prst="rect">
+            <a:avLst/>
+          </a:prstGeom>
+          <a:noFill/>
+          <a:extLst>
+            <a:ext uri="{909E8E84-426E-40DD-AFC4-6F175D3DCCD1}">
+              <a14:hiddenFill xmlns:a14="http://schemas.microsoft.com/office/drawing/2010/main">
+                <a:solidFill>
+                  <a:srgbClr val="FFFFFF"/>
+                </a:solidFill>
+              </a14:hiddenFill>
+            </a:ext>
+          </a:extLst>
+        </p:spPr>
+      </p:pic>
     </p:spTree>
     <p:extLst>
       <p:ext uri="{BB962C8B-B14F-4D97-AF65-F5344CB8AC3E}">
-        <p14:creationId xmlns:p14="http://schemas.microsoft.com/office/powerpoint/2010/main" val="256460468"/>
+        <p14:creationId xmlns:p14="http://schemas.microsoft.com/office/powerpoint/2010/main" val="1402326568"/>
       </p:ext>
     </p:extLst>
   </p:cSld>
   <p:clrMapOvr>
     <a:masterClrMapping/>
   </p:clrMapOvr>
-  <p:timing>
-    <p:tnLst>
-      <p:par>
-        <p:cTn id="1" dur="indefinite" restart="never" nodeType="tmRoot"/>
-      </p:par>
-    </p:tnLst>
-  </p:timing>
 </p:sld>
 </file>
 
@@ -12751,7 +12810,285 @@
       </p:grpSpPr>
       <p:sp>
         <p:nvSpPr>
-          <p:cNvPr id="6" name="Text Placeholder 5"/>
+          <p:cNvPr id="2" name="Title 1"/>
+          <p:cNvSpPr>
+            <a:spLocks noGrp="1"/>
+          </p:cNvSpPr>
+          <p:nvPr>
+            <p:ph type="title"/>
+          </p:nvPr>
+        </p:nvSpPr>
+        <p:spPr/>
+        <p:txBody>
+          <a:bodyPr/>
+          <a:lstStyle/>
+          <a:p>
+            <a:r>
+              <a:rPr lang="en-AU" dirty="0" smtClean="0"/>
+              <a:t>Linear Regression</a:t>
+            </a:r>
+            <a:endParaRPr lang="en-AU" dirty="0"/>
+          </a:p>
+        </p:txBody>
+      </p:sp>
+      <mc:AlternateContent xmlns:mc="http://schemas.openxmlformats.org/markup-compatibility/2006">
+        <mc:Choice xmlns:a14="http://schemas.microsoft.com/office/drawing/2010/main" Requires="a14">
+          <p:sp>
+            <p:nvSpPr>
+              <p:cNvPr id="10" name="Content Placeholder 9"/>
+              <p:cNvSpPr>
+                <a:spLocks noGrp="1"/>
+              </p:cNvSpPr>
+              <p:nvPr>
+                <p:ph idx="1"/>
+              </p:nvPr>
+            </p:nvSpPr>
+            <p:spPr/>
+            <p:txBody>
+              <a:bodyPr/>
+              <a:lstStyle/>
+              <a:p>
+                <a:pPr marL="285750" indent="-285750">
+                  <a:buFont typeface="Arial" panose="020B0604020202020204" pitchFamily="34" charset="0"/>
+                  <a:buChar char="•"/>
+                </a:pPr>
+                <a:r>
+                  <a:rPr lang="en-AU" dirty="0"/>
+                  <a:t>Model observation </a:t>
+                </a:r>
+                <a14:m>
+                  <m:oMath xmlns:m="http://schemas.openxmlformats.org/officeDocument/2006/math">
+                    <m:sSub>
+                      <m:sSubPr>
+                        <m:ctrlPr>
+                          <a:rPr lang="en-AU" i="1">
+                            <a:latin typeface="Cambria Math" panose="02040503050406030204" pitchFamily="18" charset="0"/>
+                          </a:rPr>
+                        </m:ctrlPr>
+                      </m:sSubPr>
+                      <m:e>
+                        <m:r>
+                          <a:rPr lang="en-AU" i="1">
+                            <a:latin typeface="Cambria Math" panose="02040503050406030204" pitchFamily="18" charset="0"/>
+                          </a:rPr>
+                          <m:t>𝑦</m:t>
+                        </m:r>
+                      </m:e>
+                      <m:sub>
+                        <m:r>
+                          <a:rPr lang="en-AU" i="1">
+                            <a:latin typeface="Cambria Math" panose="02040503050406030204" pitchFamily="18" charset="0"/>
+                          </a:rPr>
+                          <m:t>𝑖</m:t>
+                        </m:r>
+                      </m:sub>
+                    </m:sSub>
+                  </m:oMath>
+                </a14:m>
+                <a:r>
+                  <a:rPr lang="en-AU" dirty="0"/>
+                  <a:t> as </a:t>
+                </a:r>
+                <a:r>
+                  <a:rPr lang="en-AU" dirty="0" smtClean="0"/>
+                  <a:t>distributed </a:t>
+                </a:r>
+                <a:r>
+                  <a:rPr lang="en-AU" dirty="0"/>
+                  <a:t>around mean </a:t>
+                </a:r>
+                <a14:m>
+                  <m:oMath xmlns:m="http://schemas.openxmlformats.org/officeDocument/2006/math">
+                    <m:sSub>
+                      <m:sSubPr>
+                        <m:ctrlPr>
+                          <a:rPr lang="en-AU" i="1">
+                            <a:latin typeface="Cambria Math" panose="02040503050406030204" pitchFamily="18" charset="0"/>
+                          </a:rPr>
+                        </m:ctrlPr>
+                      </m:sSubPr>
+                      <m:e>
+                        <m:r>
+                          <a:rPr lang="en-AU" i="1">
+                            <a:latin typeface="Cambria Math" panose="02040503050406030204" pitchFamily="18" charset="0"/>
+                            <a:ea typeface="Cambria Math" panose="02040503050406030204" pitchFamily="18" charset="0"/>
+                          </a:rPr>
+                          <m:t>𝜇</m:t>
+                        </m:r>
+                      </m:e>
+                      <m:sub>
+                        <m:r>
+                          <a:rPr lang="en-AU" i="1">
+                            <a:latin typeface="Cambria Math" panose="02040503050406030204" pitchFamily="18" charset="0"/>
+                          </a:rPr>
+                          <m:t>𝑖</m:t>
+                        </m:r>
+                      </m:sub>
+                    </m:sSub>
+                  </m:oMath>
+                </a14:m>
+                <a:r>
+                  <a:rPr lang="en-AU" dirty="0"/>
+                  <a:t> with standard deviation </a:t>
+                </a:r>
+                <a14:m>
+                  <m:oMath xmlns:m="http://schemas.openxmlformats.org/officeDocument/2006/math">
+                    <m:sSub>
+                      <m:sSubPr>
+                        <m:ctrlPr>
+                          <a:rPr lang="en-AU" i="1">
+                            <a:latin typeface="Cambria Math" panose="02040503050406030204" pitchFamily="18" charset="0"/>
+                          </a:rPr>
+                        </m:ctrlPr>
+                      </m:sSubPr>
+                      <m:e>
+                        <m:r>
+                          <a:rPr lang="en-AU" i="1">
+                            <a:latin typeface="Cambria Math" panose="02040503050406030204" pitchFamily="18" charset="0"/>
+                            <a:ea typeface="Cambria Math" panose="02040503050406030204" pitchFamily="18" charset="0"/>
+                          </a:rPr>
+                          <m:t>𝜎</m:t>
+                        </m:r>
+                      </m:e>
+                      <m:sub>
+                        <m:r>
+                          <a:rPr lang="en-AU" i="1">
+                            <a:latin typeface="Cambria Math" panose="02040503050406030204" pitchFamily="18" charset="0"/>
+                          </a:rPr>
+                          <m:t>𝑦</m:t>
+                        </m:r>
+                      </m:sub>
+                    </m:sSub>
+                  </m:oMath>
+                </a14:m>
+                <a:r>
+                  <a:rPr lang="en-AU" dirty="0" smtClean="0"/>
+                  <a:t>.</a:t>
+                </a:r>
+              </a:p>
+              <a:p>
+                <a:pPr marL="285750" indent="-285750">
+                  <a:buFont typeface="Arial" panose="020B0604020202020204" pitchFamily="34" charset="0"/>
+                  <a:buChar char="•"/>
+                </a:pPr>
+                <a:r>
+                  <a:rPr lang="en-AU" dirty="0" smtClean="0"/>
+                  <a:t>Can use </a:t>
+                </a:r>
+                <a:r>
+                  <a:rPr lang="en-AU" i="1" dirty="0" smtClean="0"/>
+                  <a:t>t</a:t>
+                </a:r>
+                <a:r>
+                  <a:rPr lang="en-AU" dirty="0" smtClean="0"/>
+                  <a:t> distribution to increase robustness towards outliers.</a:t>
+                </a:r>
+              </a:p>
+              <a:p>
+                <a:pPr marL="285750" indent="-285750">
+                  <a:buFont typeface="Arial" panose="020B0604020202020204" pitchFamily="34" charset="0"/>
+                  <a:buChar char="•"/>
+                </a:pPr>
+                <a:r>
+                  <a:rPr lang="en-AU" dirty="0" smtClean="0"/>
+                  <a:t>Use of hyper prior on slope coefficients.</a:t>
+                </a:r>
+                <a:endParaRPr lang="en-AU" dirty="0"/>
+              </a:p>
+              <a:p>
+                <a:pPr marL="285750" indent="-285750">
+                  <a:buFont typeface="Arial" panose="020B0604020202020204" pitchFamily="34" charset="0"/>
+                  <a:buChar char="•"/>
+                </a:pPr>
+                <a:endParaRPr lang="en-AU" dirty="0"/>
+              </a:p>
+            </p:txBody>
+          </p:sp>
+        </mc:Choice>
+        <mc:Fallback>
+          <p:sp>
+            <p:nvSpPr>
+              <p:cNvPr id="10" name="Content Placeholder 9"/>
+              <p:cNvSpPr>
+                <a:spLocks noGrp="1" noRot="1" noChangeAspect="1" noMove="1" noResize="1" noEditPoints="1" noAdjustHandles="1" noChangeArrowheads="1" noChangeShapeType="1" noTextEdit="1"/>
+              </p:cNvSpPr>
+              <p:nvPr>
+                <p:ph idx="1"/>
+              </p:nvPr>
+            </p:nvSpPr>
+            <p:spPr>
+              <a:blipFill>
+                <a:blip r:embed="rId2"/>
+                <a:stretch>
+                  <a:fillRect l="-2453" t="-1752"/>
+                </a:stretch>
+              </a:blipFill>
+            </p:spPr>
+            <p:txBody>
+              <a:bodyPr/>
+              <a:lstStyle/>
+              <a:p>
+                <a:r>
+                  <a:rPr lang="en-AU">
+                    <a:noFill/>
+                  </a:rPr>
+                  <a:t> </a:t>
+                </a:r>
+              </a:p>
+            </p:txBody>
+          </p:sp>
+        </mc:Fallback>
+      </mc:AlternateContent>
+      <p:sp>
+        <p:nvSpPr>
+          <p:cNvPr id="4" name="Footer Placeholder 3"/>
+          <p:cNvSpPr>
+            <a:spLocks noGrp="1"/>
+          </p:cNvSpPr>
+          <p:nvPr>
+            <p:ph type="ftr" sz="quarter" idx="11"/>
+          </p:nvPr>
+        </p:nvSpPr>
+        <p:spPr/>
+        <p:txBody>
+          <a:bodyPr/>
+          <a:lstStyle/>
+          <a:p>
+            <a:r>
+              <a:rPr lang="en-AU" smtClean="0"/>
+              <a:t>FACULTY RESEARCH OFFICE | HUMAN SCIENCES</a:t>
+            </a:r>
+            <a:endParaRPr lang="en-AU" dirty="0"/>
+          </a:p>
+        </p:txBody>
+      </p:sp>
+      <p:sp>
+        <p:nvSpPr>
+          <p:cNvPr id="5" name="Slide Number Placeholder 4"/>
+          <p:cNvSpPr>
+            <a:spLocks noGrp="1"/>
+          </p:cNvSpPr>
+          <p:nvPr>
+            <p:ph type="sldNum" sz="quarter" idx="12"/>
+          </p:nvPr>
+        </p:nvSpPr>
+        <p:spPr/>
+        <p:txBody>
+          <a:bodyPr/>
+          <a:lstStyle/>
+          <a:p>
+            <a:fld id="{D9C42BCC-44E8-4F98-A8FE-EAF16D8C1E6E}" type="slidenum">
+              <a:rPr lang="en-AU" smtClean="0"/>
+              <a:pPr/>
+              <a:t>29</a:t>
+            </a:fld>
+            <a:endParaRPr lang="en-AU"/>
+          </a:p>
+        </p:txBody>
+      </p:sp>
+      <p:sp>
+        <p:nvSpPr>
+          <p:cNvPr id="11" name="Text Placeholder 10"/>
           <p:cNvSpPr>
             <a:spLocks noGrp="1"/>
           </p:cNvSpPr>
@@ -12759,68 +13096,55 @@
             <p:ph type="body" sz="quarter" idx="15"/>
           </p:nvPr>
         </p:nvSpPr>
-        <p:spPr>
-          <a:xfrm>
-            <a:off x="720000" y="5969234"/>
-            <a:ext cx="6407150" cy="503238"/>
-          </a:xfrm>
-        </p:spPr>
-        <p:txBody>
-          <a:bodyPr/>
-          <a:lstStyle/>
-          <a:p>
-            <a:r>
-              <a:rPr lang="en-AU" dirty="0" smtClean="0">
-                <a:solidFill>
-                  <a:schemeClr val="bg1"/>
-                </a:solidFill>
-              </a:rPr>
-              <a:t>A large posterior</a:t>
-            </a:r>
-            <a:endParaRPr lang="en-AU" dirty="0">
-              <a:solidFill>
-                <a:schemeClr val="bg1"/>
-              </a:solidFill>
-            </a:endParaRPr>
-          </a:p>
-        </p:txBody>
-      </p:sp>
-      <p:sp>
-        <p:nvSpPr>
-          <p:cNvPr id="2" name="Title 1"/>
-          <p:cNvSpPr>
-            <a:spLocks noGrp="1"/>
-          </p:cNvSpPr>
-          <p:nvPr>
-            <p:ph type="title"/>
-          </p:nvPr>
-        </p:nvSpPr>
         <p:spPr/>
         <p:txBody>
           <a:bodyPr/>
           <a:lstStyle/>
           <a:p>
-            <a:endParaRPr lang="en-AU"/>
-          </a:p>
-        </p:txBody>
-      </p:sp>
+            <a:r>
+              <a:rPr lang="en-AU" dirty="0" smtClean="0"/>
+              <a:t>General Concepts</a:t>
+            </a:r>
+            <a:endParaRPr lang="en-AU" dirty="0"/>
+          </a:p>
+        </p:txBody>
+      </p:sp>
+      <p:pic>
+        <p:nvPicPr>
+          <p:cNvPr id="13" name="Content Placeholder 12"/>
+          <p:cNvPicPr>
+            <a:picLocks noGrp="1" noChangeAspect="1"/>
+          </p:cNvPicPr>
+          <p:nvPr>
+            <p:ph idx="16"/>
+          </p:nvPr>
+        </p:nvPicPr>
+        <p:blipFill>
+          <a:blip r:embed="rId3"/>
+          <a:stretch>
+            <a:fillRect/>
+          </a:stretch>
+        </p:blipFill>
+        <p:spPr>
+          <a:xfrm>
+            <a:off x="6598990" y="1619250"/>
+            <a:ext cx="4518520" cy="4525963"/>
+          </a:xfrm>
+          <a:prstGeom prst="rect">
+            <a:avLst/>
+          </a:prstGeom>
+        </p:spPr>
+      </p:pic>
     </p:spTree>
     <p:extLst>
       <p:ext uri="{BB962C8B-B14F-4D97-AF65-F5344CB8AC3E}">
-        <p14:creationId xmlns:p14="http://schemas.microsoft.com/office/powerpoint/2010/main" val="754052268"/>
+        <p14:creationId xmlns:p14="http://schemas.microsoft.com/office/powerpoint/2010/main" val="2224631367"/>
       </p:ext>
     </p:extLst>
   </p:cSld>
   <p:clrMapOvr>
     <a:masterClrMapping/>
   </p:clrMapOvr>
-  <p:timing>
-    <p:tnLst>
-      <p:par>
-        <p:cTn id="1" dur="indefinite" restart="never" nodeType="tmRoot"/>
-      </p:par>
-    </p:tnLst>
-  </p:timing>
 </p:sld>
 </file>
 
@@ -13273,7 +13597,6 @@
               <a:rPr lang="en-AU" dirty="0" smtClean="0"/>
               <a:t>Bayesian Statistics </a:t>
             </a:r>
-            <a:endParaRPr lang="en-AU" dirty="0" smtClean="0"/>
           </a:p>
           <a:p>
             <a:pPr>
@@ -13330,7 +13653,6 @@
               <a:rPr lang="en-AU" dirty="0" smtClean="0"/>
               <a:t>Linear regression models</a:t>
             </a:r>
-            <a:endParaRPr lang="en-AU" dirty="0" smtClean="0"/>
           </a:p>
           <a:p>
             <a:pPr>
@@ -13404,7 +13726,6 @@
               <a:rPr lang="en-AU" i="1" dirty="0" smtClean="0"/>
               <a:t>JAGS</a:t>
             </a:r>
-            <a:endParaRPr lang="en-AU" i="1" dirty="0" smtClean="0"/>
           </a:p>
         </p:txBody>
       </p:sp>
@@ -13441,6 +13762,991 @@
     <p:extLst>
       <p:ext uri="{BB962C8B-B14F-4D97-AF65-F5344CB8AC3E}">
         <p14:creationId xmlns:p14="http://schemas.microsoft.com/office/powerpoint/2010/main" val="2534551221"/>
+      </p:ext>
+    </p:extLst>
+  </p:cSld>
+  <p:clrMapOvr>
+    <a:masterClrMapping/>
+  </p:clrMapOvr>
+  <p:timing>
+    <p:tnLst>
+      <p:par>
+        <p:cTn id="1" dur="indefinite" restart="never" nodeType="tmRoot"/>
+      </p:par>
+    </p:tnLst>
+  </p:timing>
+</p:sld>
+</file>
+
+<file path=ppt/slides/slide30.xml><?xml version="1.0" encoding="utf-8"?>
+<p:sld xmlns:a="http://schemas.openxmlformats.org/drawingml/2006/main" xmlns:r="http://schemas.openxmlformats.org/officeDocument/2006/relationships" xmlns:p="http://schemas.openxmlformats.org/presentationml/2006/main">
+  <p:cSld>
+    <p:spTree>
+      <p:nvGrpSpPr>
+        <p:cNvPr id="1" name=""/>
+        <p:cNvGrpSpPr/>
+        <p:nvPr/>
+      </p:nvGrpSpPr>
+      <p:grpSpPr>
+        <a:xfrm>
+          <a:off x="0" y="0"/>
+          <a:ext cx="0" cy="0"/>
+          <a:chOff x="0" y="0"/>
+          <a:chExt cx="0" cy="0"/>
+        </a:xfrm>
+      </p:grpSpPr>
+      <p:sp>
+        <p:nvSpPr>
+          <p:cNvPr id="2" name="Title 1"/>
+          <p:cNvSpPr>
+            <a:spLocks noGrp="1"/>
+          </p:cNvSpPr>
+          <p:nvPr>
+            <p:ph type="title"/>
+          </p:nvPr>
+        </p:nvSpPr>
+        <p:spPr/>
+        <p:txBody>
+          <a:bodyPr/>
+          <a:lstStyle/>
+          <a:p>
+            <a:r>
+              <a:rPr lang="en-AU" dirty="0" smtClean="0"/>
+              <a:t>Linear Regression with </a:t>
+            </a:r>
+            <a:r>
+              <a:rPr lang="en-AU" i="1" dirty="0" err="1" smtClean="0"/>
+              <a:t>BayesFactor</a:t>
+            </a:r>
+            <a:endParaRPr lang="en-AU" dirty="0"/>
+          </a:p>
+        </p:txBody>
+      </p:sp>
+      <p:sp>
+        <p:nvSpPr>
+          <p:cNvPr id="3" name="Content Placeholder 2"/>
+          <p:cNvSpPr>
+            <a:spLocks noGrp="1"/>
+          </p:cNvSpPr>
+          <p:nvPr>
+            <p:ph idx="1"/>
+          </p:nvPr>
+        </p:nvSpPr>
+        <p:spPr/>
+        <p:txBody>
+          <a:bodyPr/>
+          <a:lstStyle/>
+          <a:p>
+            <a:pPr marL="285750" indent="-285750">
+              <a:buFont typeface="Arial" panose="020B0604020202020204" pitchFamily="34" charset="0"/>
+              <a:buChar char="•"/>
+            </a:pPr>
+            <a:r>
+              <a:rPr lang="en-AU" dirty="0" smtClean="0"/>
+              <a:t>Standard approach developed by </a:t>
+            </a:r>
+            <a:r>
+              <a:rPr lang="en-AU" dirty="0" err="1" smtClean="0"/>
+              <a:t>Jeffreys</a:t>
+            </a:r>
+            <a:r>
+              <a:rPr lang="en-AU" dirty="0" smtClean="0"/>
+              <a:t>, </a:t>
+            </a:r>
+            <a:r>
+              <a:rPr lang="en-AU" dirty="0" err="1" smtClean="0"/>
+              <a:t>Zellner</a:t>
+            </a:r>
+            <a:r>
+              <a:rPr lang="en-AU" dirty="0" smtClean="0"/>
+              <a:t>, and </a:t>
+            </a:r>
+            <a:r>
+              <a:rPr lang="en-AU" dirty="0" err="1" smtClean="0"/>
+              <a:t>Siow</a:t>
+            </a:r>
+            <a:r>
+              <a:rPr lang="en-AU" dirty="0" smtClean="0"/>
+              <a:t>.</a:t>
+            </a:r>
+          </a:p>
+          <a:p>
+            <a:pPr marL="285750" indent="-285750">
+              <a:buFont typeface="Arial" panose="020B0604020202020204" pitchFamily="34" charset="0"/>
+              <a:buChar char="•"/>
+            </a:pPr>
+            <a:r>
+              <a:rPr lang="en-AU" dirty="0" smtClean="0"/>
+              <a:t>Models variance of slope coefficients as Inverse Gamma.</a:t>
+            </a:r>
+          </a:p>
+          <a:p>
+            <a:pPr marL="285750" indent="-285750">
+              <a:buFont typeface="Arial" panose="020B0604020202020204" pitchFamily="34" charset="0"/>
+              <a:buChar char="•"/>
+            </a:pPr>
+            <a:endParaRPr lang="en-AU" dirty="0" smtClean="0"/>
+          </a:p>
+          <a:p>
+            <a:pPr marL="285750" indent="-285750">
+              <a:buFont typeface="Arial" panose="020B0604020202020204" pitchFamily="34" charset="0"/>
+              <a:buChar char="•"/>
+            </a:pPr>
+            <a:endParaRPr lang="en-AU" dirty="0"/>
+          </a:p>
+          <a:p>
+            <a:pPr marL="285750" indent="-285750">
+              <a:buFont typeface="Arial" panose="020B0604020202020204" pitchFamily="34" charset="0"/>
+              <a:buChar char="•"/>
+            </a:pPr>
+            <a:endParaRPr lang="en-AU" dirty="0" smtClean="0"/>
+          </a:p>
+          <a:p>
+            <a:pPr marL="285750" indent="-285750">
+              <a:buFont typeface="Arial" panose="020B0604020202020204" pitchFamily="34" charset="0"/>
+              <a:buChar char="•"/>
+            </a:pPr>
+            <a:endParaRPr lang="en-AU" dirty="0"/>
+          </a:p>
+          <a:p>
+            <a:pPr marL="285750" indent="-285750">
+              <a:buFont typeface="Arial" panose="020B0604020202020204" pitchFamily="34" charset="0"/>
+              <a:buChar char="•"/>
+            </a:pPr>
+            <a:endParaRPr lang="en-AU" dirty="0"/>
+          </a:p>
+          <a:p>
+            <a:pPr marL="285750" indent="-285750">
+              <a:buFont typeface="Arial" panose="020B0604020202020204" pitchFamily="34" charset="0"/>
+              <a:buChar char="•"/>
+            </a:pPr>
+            <a:r>
+              <a:rPr lang="en-AU" dirty="0" smtClean="0"/>
+              <a:t>Example data:</a:t>
+            </a:r>
+          </a:p>
+          <a:p>
+            <a:r>
+              <a:rPr lang="en-AU" dirty="0" smtClean="0">
+                <a:hlinkClick r:id="rId2"/>
+              </a:rPr>
+              <a:t>https://humburg.github.io/bayesian-data-analysis-in-r/data/regression_data.csv</a:t>
+            </a:r>
+            <a:endParaRPr lang="en-AU" dirty="0" smtClean="0"/>
+          </a:p>
+        </p:txBody>
+      </p:sp>
+      <p:sp>
+        <p:nvSpPr>
+          <p:cNvPr id="4" name="Footer Placeholder 3"/>
+          <p:cNvSpPr>
+            <a:spLocks noGrp="1"/>
+          </p:cNvSpPr>
+          <p:nvPr>
+            <p:ph type="ftr" sz="quarter" idx="11"/>
+          </p:nvPr>
+        </p:nvSpPr>
+        <p:spPr/>
+        <p:txBody>
+          <a:bodyPr/>
+          <a:lstStyle/>
+          <a:p>
+            <a:r>
+              <a:rPr lang="en-AU" smtClean="0"/>
+              <a:t>FACULTY RESEARCH OFFICE | HUMAN SCIENCES</a:t>
+            </a:r>
+            <a:endParaRPr lang="en-AU" dirty="0"/>
+          </a:p>
+        </p:txBody>
+      </p:sp>
+      <p:sp>
+        <p:nvSpPr>
+          <p:cNvPr id="5" name="Slide Number Placeholder 4"/>
+          <p:cNvSpPr>
+            <a:spLocks noGrp="1"/>
+          </p:cNvSpPr>
+          <p:nvPr>
+            <p:ph type="sldNum" sz="quarter" idx="12"/>
+          </p:nvPr>
+        </p:nvSpPr>
+        <p:spPr/>
+        <p:txBody>
+          <a:bodyPr/>
+          <a:lstStyle/>
+          <a:p>
+            <a:fld id="{D9C42BCC-44E8-4F98-A8FE-EAF16D8C1E6E}" type="slidenum">
+              <a:rPr lang="en-AU" smtClean="0"/>
+              <a:t>30</a:t>
+            </a:fld>
+            <a:endParaRPr lang="en-AU"/>
+          </a:p>
+        </p:txBody>
+      </p:sp>
+      <p:sp>
+        <p:nvSpPr>
+          <p:cNvPr id="6" name="Text Placeholder 5"/>
+          <p:cNvSpPr>
+            <a:spLocks noGrp="1"/>
+          </p:cNvSpPr>
+          <p:nvPr>
+            <p:ph type="body" sz="quarter" idx="15"/>
+          </p:nvPr>
+        </p:nvSpPr>
+        <p:spPr/>
+        <p:txBody>
+          <a:bodyPr/>
+          <a:lstStyle/>
+          <a:p>
+            <a:r>
+              <a:rPr lang="en-AU" dirty="0" smtClean="0"/>
+              <a:t>JZS</a:t>
+            </a:r>
+            <a:endParaRPr lang="en-AU" dirty="0"/>
+          </a:p>
+        </p:txBody>
+      </p:sp>
+      <p:pic>
+        <p:nvPicPr>
+          <p:cNvPr id="2050" name="Picture 2" descr="https://www.tandfonline.com/na101/home/literatum/publisher/tandf/journals/content/hmbr20/2012/hmbr20.v047.i06/00273171.2012.734737/20130122/images/hmbr_a_734737_o_um0010g.gif"/>
+          <p:cNvPicPr>
+            <a:picLocks noGrp="1" noChangeAspect="1" noChangeArrowheads="1"/>
+          </p:cNvPicPr>
+          <p:nvPr>
+            <p:ph idx="16"/>
+          </p:nvPr>
+        </p:nvPicPr>
+        <p:blipFill>
+          <a:blip r:embed="rId3">
+            <a:extLst>
+              <a:ext uri="{28A0092B-C50C-407E-A947-70E740481C1C}">
+                <a14:useLocalDpi xmlns:a14="http://schemas.microsoft.com/office/drawing/2010/main" val="0"/>
+              </a:ext>
+            </a:extLst>
+          </a:blip>
+          <a:srcRect/>
+          <a:stretch>
+            <a:fillRect/>
+          </a:stretch>
+        </p:blipFill>
+        <p:spPr bwMode="auto">
+          <a:xfrm>
+            <a:off x="6248400" y="3236742"/>
+            <a:ext cx="5219700" cy="1290979"/>
+          </a:xfrm>
+          <a:prstGeom prst="rect">
+            <a:avLst/>
+          </a:prstGeom>
+          <a:noFill/>
+          <a:extLst>
+            <a:ext uri="{909E8E84-426E-40DD-AFC4-6F175D3DCCD1}">
+              <a14:hiddenFill xmlns:a14="http://schemas.microsoft.com/office/drawing/2010/main">
+                <a:solidFill>
+                  <a:srgbClr val="FFFFFF"/>
+                </a:solidFill>
+              </a14:hiddenFill>
+            </a:ext>
+          </a:extLst>
+        </p:spPr>
+      </p:pic>
+    </p:spTree>
+    <p:extLst>
+      <p:ext uri="{BB962C8B-B14F-4D97-AF65-F5344CB8AC3E}">
+        <p14:creationId xmlns:p14="http://schemas.microsoft.com/office/powerpoint/2010/main" val="1385554852"/>
+      </p:ext>
+    </p:extLst>
+  </p:cSld>
+  <p:clrMapOvr>
+    <a:masterClrMapping/>
+  </p:clrMapOvr>
+</p:sld>
+</file>
+
+<file path=ppt/slides/slide31.xml><?xml version="1.0" encoding="utf-8"?>
+<p:sld xmlns:a="http://schemas.openxmlformats.org/drawingml/2006/main" xmlns:r="http://schemas.openxmlformats.org/officeDocument/2006/relationships" xmlns:p="http://schemas.openxmlformats.org/presentationml/2006/main">
+  <p:cSld>
+    <p:spTree>
+      <p:nvGrpSpPr>
+        <p:cNvPr id="1" name=""/>
+        <p:cNvGrpSpPr/>
+        <p:nvPr/>
+      </p:nvGrpSpPr>
+      <p:grpSpPr>
+        <a:xfrm>
+          <a:off x="0" y="0"/>
+          <a:ext cx="0" cy="0"/>
+          <a:chOff x="0" y="0"/>
+          <a:chExt cx="0" cy="0"/>
+        </a:xfrm>
+      </p:grpSpPr>
+      <p:sp>
+        <p:nvSpPr>
+          <p:cNvPr id="8" name="Title 7"/>
+          <p:cNvSpPr>
+            <a:spLocks noGrp="1"/>
+          </p:cNvSpPr>
+          <p:nvPr>
+            <p:ph type="title"/>
+          </p:nvPr>
+        </p:nvSpPr>
+        <p:spPr/>
+        <p:txBody>
+          <a:bodyPr/>
+          <a:lstStyle/>
+          <a:p>
+            <a:r>
+              <a:rPr lang="en-AU" dirty="0" smtClean="0"/>
+              <a:t>Let’s try this</a:t>
+            </a:r>
+            <a:endParaRPr lang="en-AU" dirty="0"/>
+          </a:p>
+        </p:txBody>
+      </p:sp>
+      <p:sp>
+        <p:nvSpPr>
+          <p:cNvPr id="4" name="Footer Placeholder 3"/>
+          <p:cNvSpPr>
+            <a:spLocks noGrp="1"/>
+          </p:cNvSpPr>
+          <p:nvPr>
+            <p:ph type="ftr" sz="quarter" idx="11"/>
+          </p:nvPr>
+        </p:nvSpPr>
+        <p:spPr/>
+        <p:txBody>
+          <a:bodyPr/>
+          <a:lstStyle/>
+          <a:p>
+            <a:r>
+              <a:rPr lang="en-AU" smtClean="0"/>
+              <a:t>FACULTY RESEARCH OFFICE | HUMAN SCIENCES</a:t>
+            </a:r>
+            <a:endParaRPr lang="en-AU" dirty="0"/>
+          </a:p>
+        </p:txBody>
+      </p:sp>
+      <p:sp>
+        <p:nvSpPr>
+          <p:cNvPr id="5" name="Slide Number Placeholder 4"/>
+          <p:cNvSpPr>
+            <a:spLocks noGrp="1"/>
+          </p:cNvSpPr>
+          <p:nvPr>
+            <p:ph type="sldNum" sz="quarter" idx="12"/>
+          </p:nvPr>
+        </p:nvSpPr>
+        <p:spPr/>
+        <p:txBody>
+          <a:bodyPr/>
+          <a:lstStyle/>
+          <a:p>
+            <a:fld id="{D9C42BCC-44E8-4F98-A8FE-EAF16D8C1E6E}" type="slidenum">
+              <a:rPr lang="en-AU" smtClean="0"/>
+              <a:t>31</a:t>
+            </a:fld>
+            <a:endParaRPr lang="en-AU"/>
+          </a:p>
+        </p:txBody>
+      </p:sp>
+      <p:sp>
+        <p:nvSpPr>
+          <p:cNvPr id="10" name="Text Placeholder 9"/>
+          <p:cNvSpPr>
+            <a:spLocks noGrp="1"/>
+          </p:cNvSpPr>
+          <p:nvPr>
+            <p:ph type="body" sz="quarter" idx="15"/>
+          </p:nvPr>
+        </p:nvSpPr>
+        <p:spPr/>
+        <p:txBody>
+          <a:bodyPr/>
+          <a:lstStyle/>
+          <a:p>
+            <a:endParaRPr lang="en-AU"/>
+          </a:p>
+        </p:txBody>
+      </p:sp>
+      <p:pic>
+        <p:nvPicPr>
+          <p:cNvPr id="1030" name="Picture 6" descr="Image result for r logo"/>
+          <p:cNvPicPr>
+            <a:picLocks noGrp="1" noChangeAspect="1" noChangeArrowheads="1"/>
+          </p:cNvPicPr>
+          <p:nvPr>
+            <p:ph idx="1"/>
+          </p:nvPr>
+        </p:nvPicPr>
+        <p:blipFill>
+          <a:blip r:embed="rId2">
+            <a:extLst>
+              <a:ext uri="{28A0092B-C50C-407E-A947-70E740481C1C}">
+                <a14:useLocalDpi xmlns:a14="http://schemas.microsoft.com/office/drawing/2010/main" val="0"/>
+              </a:ext>
+            </a:extLst>
+          </a:blip>
+          <a:srcRect/>
+          <a:stretch>
+            <a:fillRect/>
+          </a:stretch>
+        </p:blipFill>
+        <p:spPr bwMode="auto">
+          <a:xfrm>
+            <a:off x="3200110" y="1619250"/>
+            <a:ext cx="5840993" cy="4525963"/>
+          </a:xfrm>
+          <a:prstGeom prst="rect">
+            <a:avLst/>
+          </a:prstGeom>
+          <a:noFill/>
+          <a:extLst>
+            <a:ext uri="{909E8E84-426E-40DD-AFC4-6F175D3DCCD1}">
+              <a14:hiddenFill xmlns:a14="http://schemas.microsoft.com/office/drawing/2010/main">
+                <a:solidFill>
+                  <a:srgbClr val="FFFFFF"/>
+                </a:solidFill>
+              </a14:hiddenFill>
+            </a:ext>
+          </a:extLst>
+        </p:spPr>
+      </p:pic>
+    </p:spTree>
+    <p:extLst>
+      <p:ext uri="{BB962C8B-B14F-4D97-AF65-F5344CB8AC3E}">
+        <p14:creationId xmlns:p14="http://schemas.microsoft.com/office/powerpoint/2010/main" val="3522392303"/>
+      </p:ext>
+    </p:extLst>
+  </p:cSld>
+  <p:clrMapOvr>
+    <a:masterClrMapping/>
+  </p:clrMapOvr>
+</p:sld>
+</file>
+
+<file path=ppt/slides/slide32.xml><?xml version="1.0" encoding="utf-8"?>
+<p:sld xmlns:a="http://schemas.openxmlformats.org/drawingml/2006/main" xmlns:r="http://schemas.openxmlformats.org/officeDocument/2006/relationships" xmlns:p="http://schemas.openxmlformats.org/presentationml/2006/main">
+  <p:cSld>
+    <p:spTree>
+      <p:nvGrpSpPr>
+        <p:cNvPr id="1" name=""/>
+        <p:cNvGrpSpPr/>
+        <p:nvPr/>
+      </p:nvGrpSpPr>
+      <p:grpSpPr>
+        <a:xfrm>
+          <a:off x="0" y="0"/>
+          <a:ext cx="0" cy="0"/>
+          <a:chOff x="0" y="0"/>
+          <a:chExt cx="0" cy="0"/>
+        </a:xfrm>
+      </p:grpSpPr>
+      <p:sp>
+        <p:nvSpPr>
+          <p:cNvPr id="2" name="Title 1"/>
+          <p:cNvSpPr>
+            <a:spLocks noGrp="1"/>
+          </p:cNvSpPr>
+          <p:nvPr>
+            <p:ph type="title"/>
+          </p:nvPr>
+        </p:nvSpPr>
+        <p:spPr/>
+        <p:txBody>
+          <a:bodyPr/>
+          <a:lstStyle/>
+          <a:p>
+            <a:r>
+              <a:rPr lang="en-AU" dirty="0" smtClean="0"/>
+              <a:t>Exercise: Weight </a:t>
+            </a:r>
+            <a:r>
+              <a:rPr lang="en-AU" smtClean="0"/>
+              <a:t>and Height</a:t>
+            </a:r>
+            <a:endParaRPr lang="en-AU"/>
+          </a:p>
+        </p:txBody>
+      </p:sp>
+      <p:sp>
+        <p:nvSpPr>
+          <p:cNvPr id="3" name="Content Placeholder 2"/>
+          <p:cNvSpPr>
+            <a:spLocks noGrp="1"/>
+          </p:cNvSpPr>
+          <p:nvPr>
+            <p:ph idx="1"/>
+          </p:nvPr>
+        </p:nvSpPr>
+        <p:spPr/>
+        <p:txBody>
+          <a:bodyPr/>
+          <a:lstStyle/>
+          <a:p>
+            <a:endParaRPr lang="en-AU"/>
+          </a:p>
+        </p:txBody>
+      </p:sp>
+      <p:sp>
+        <p:nvSpPr>
+          <p:cNvPr id="4" name="Footer Placeholder 3"/>
+          <p:cNvSpPr>
+            <a:spLocks noGrp="1"/>
+          </p:cNvSpPr>
+          <p:nvPr>
+            <p:ph type="ftr" sz="quarter" idx="11"/>
+          </p:nvPr>
+        </p:nvSpPr>
+        <p:spPr/>
+        <p:txBody>
+          <a:bodyPr/>
+          <a:lstStyle/>
+          <a:p>
+            <a:r>
+              <a:rPr lang="en-AU" smtClean="0"/>
+              <a:t>FACULTY RESEARCH OFFICE | HUMAN SCIENCES</a:t>
+            </a:r>
+            <a:endParaRPr lang="en-AU" dirty="0"/>
+          </a:p>
+        </p:txBody>
+      </p:sp>
+      <p:sp>
+        <p:nvSpPr>
+          <p:cNvPr id="5" name="Slide Number Placeholder 4"/>
+          <p:cNvSpPr>
+            <a:spLocks noGrp="1"/>
+          </p:cNvSpPr>
+          <p:nvPr>
+            <p:ph type="sldNum" sz="quarter" idx="12"/>
+          </p:nvPr>
+        </p:nvSpPr>
+        <p:spPr/>
+        <p:txBody>
+          <a:bodyPr/>
+          <a:lstStyle/>
+          <a:p>
+            <a:fld id="{D9C42BCC-44E8-4F98-A8FE-EAF16D8C1E6E}" type="slidenum">
+              <a:rPr lang="en-AU" smtClean="0"/>
+              <a:pPr/>
+              <a:t>32</a:t>
+            </a:fld>
+            <a:endParaRPr lang="en-AU"/>
+          </a:p>
+        </p:txBody>
+      </p:sp>
+      <p:sp>
+        <p:nvSpPr>
+          <p:cNvPr id="6" name="Text Placeholder 5"/>
+          <p:cNvSpPr>
+            <a:spLocks noGrp="1"/>
+          </p:cNvSpPr>
+          <p:nvPr>
+            <p:ph type="body" sz="quarter" idx="15"/>
+          </p:nvPr>
+        </p:nvSpPr>
+        <p:spPr/>
+        <p:txBody>
+          <a:bodyPr/>
+          <a:lstStyle/>
+          <a:p>
+            <a:endParaRPr lang="en-AU"/>
+          </a:p>
+        </p:txBody>
+      </p:sp>
+    </p:spTree>
+    <p:extLst>
+      <p:ext uri="{BB962C8B-B14F-4D97-AF65-F5344CB8AC3E}">
+        <p14:creationId xmlns:p14="http://schemas.microsoft.com/office/powerpoint/2010/main" val="2144051375"/>
+      </p:ext>
+    </p:extLst>
+  </p:cSld>
+  <p:clrMapOvr>
+    <a:masterClrMapping/>
+  </p:clrMapOvr>
+</p:sld>
+</file>
+
+<file path=ppt/slides/slide33.xml><?xml version="1.0" encoding="utf-8"?>
+<p:sld xmlns:a="http://schemas.openxmlformats.org/drawingml/2006/main" xmlns:r="http://schemas.openxmlformats.org/officeDocument/2006/relationships" xmlns:p="http://schemas.openxmlformats.org/presentationml/2006/main">
+  <p:cSld>
+    <p:spTree>
+      <p:nvGrpSpPr>
+        <p:cNvPr id="1" name=""/>
+        <p:cNvGrpSpPr/>
+        <p:nvPr/>
+      </p:nvGrpSpPr>
+      <p:grpSpPr>
+        <a:xfrm>
+          <a:off x="0" y="0"/>
+          <a:ext cx="0" cy="0"/>
+          <a:chOff x="0" y="0"/>
+          <a:chExt cx="0" cy="0"/>
+        </a:xfrm>
+      </p:grpSpPr>
+      <p:sp>
+        <p:nvSpPr>
+          <p:cNvPr id="2" name="Text Placeholder 1"/>
+          <p:cNvSpPr>
+            <a:spLocks noGrp="1"/>
+          </p:cNvSpPr>
+          <p:nvPr>
+            <p:ph type="body" idx="14"/>
+          </p:nvPr>
+        </p:nvSpPr>
+        <p:spPr/>
+        <p:txBody>
+          <a:bodyPr/>
+          <a:lstStyle/>
+          <a:p>
+            <a:endParaRPr lang="en-AU"/>
+          </a:p>
+        </p:txBody>
+      </p:sp>
+      <p:sp>
+        <p:nvSpPr>
+          <p:cNvPr id="3" name="Title 2"/>
+          <p:cNvSpPr>
+            <a:spLocks noGrp="1"/>
+          </p:cNvSpPr>
+          <p:nvPr>
+            <p:ph type="title"/>
+          </p:nvPr>
+        </p:nvSpPr>
+        <p:spPr/>
+        <p:txBody>
+          <a:bodyPr/>
+          <a:lstStyle/>
+          <a:p>
+            <a:r>
+              <a:rPr lang="en-AU" dirty="0" smtClean="0"/>
+              <a:t>Bayesian Hypothesis Testing</a:t>
+            </a:r>
+            <a:endParaRPr lang="en-AU" dirty="0"/>
+          </a:p>
+        </p:txBody>
+      </p:sp>
+      <p:sp>
+        <p:nvSpPr>
+          <p:cNvPr id="4" name="Text Placeholder 3"/>
+          <p:cNvSpPr>
+            <a:spLocks noGrp="1"/>
+          </p:cNvSpPr>
+          <p:nvPr>
+            <p:ph type="body" sz="quarter" idx="15"/>
+          </p:nvPr>
+        </p:nvSpPr>
+        <p:spPr/>
+        <p:txBody>
+          <a:bodyPr/>
+          <a:lstStyle/>
+          <a:p>
+            <a:r>
+              <a:rPr lang="en-AU" dirty="0" smtClean="0"/>
+              <a:t>Examples in JASP</a:t>
+            </a:r>
+            <a:endParaRPr lang="en-AU" dirty="0"/>
+          </a:p>
+        </p:txBody>
+      </p:sp>
+    </p:spTree>
+    <p:extLst>
+      <p:ext uri="{BB962C8B-B14F-4D97-AF65-F5344CB8AC3E}">
+        <p14:creationId xmlns:p14="http://schemas.microsoft.com/office/powerpoint/2010/main" val="2658419660"/>
+      </p:ext>
+    </p:extLst>
+  </p:cSld>
+  <p:clrMapOvr>
+    <a:masterClrMapping/>
+  </p:clrMapOvr>
+  <p:timing>
+    <p:tnLst>
+      <p:par>
+        <p:cTn id="1" dur="indefinite" restart="never" nodeType="tmRoot"/>
+      </p:par>
+    </p:tnLst>
+  </p:timing>
+</p:sld>
+</file>
+
+<file path=ppt/slides/slide34.xml><?xml version="1.0" encoding="utf-8"?>
+<p:sld xmlns:a="http://schemas.openxmlformats.org/drawingml/2006/main" xmlns:r="http://schemas.openxmlformats.org/officeDocument/2006/relationships" xmlns:p="http://schemas.openxmlformats.org/presentationml/2006/main">
+  <p:cSld>
+    <p:spTree>
+      <p:nvGrpSpPr>
+        <p:cNvPr id="1" name=""/>
+        <p:cNvGrpSpPr/>
+        <p:nvPr/>
+      </p:nvGrpSpPr>
+      <p:grpSpPr>
+        <a:xfrm>
+          <a:off x="0" y="0"/>
+          <a:ext cx="0" cy="0"/>
+          <a:chOff x="0" y="0"/>
+          <a:chExt cx="0" cy="0"/>
+        </a:xfrm>
+      </p:grpSpPr>
+      <p:sp>
+        <p:nvSpPr>
+          <p:cNvPr id="5" name="Title 4"/>
+          <p:cNvSpPr>
+            <a:spLocks noGrp="1"/>
+          </p:cNvSpPr>
+          <p:nvPr>
+            <p:ph type="title"/>
+          </p:nvPr>
+        </p:nvSpPr>
+        <p:spPr/>
+        <p:txBody>
+          <a:bodyPr/>
+          <a:lstStyle/>
+          <a:p>
+            <a:r>
+              <a:rPr lang="en-AU" dirty="0" smtClean="0"/>
+              <a:t>Download data</a:t>
+            </a:r>
+            <a:endParaRPr lang="en-AU" dirty="0"/>
+          </a:p>
+        </p:txBody>
+      </p:sp>
+      <p:sp>
+        <p:nvSpPr>
+          <p:cNvPr id="6" name="Text Placeholder 5"/>
+          <p:cNvSpPr>
+            <a:spLocks noGrp="1"/>
+          </p:cNvSpPr>
+          <p:nvPr>
+            <p:ph type="body" sz="quarter" idx="15"/>
+          </p:nvPr>
+        </p:nvSpPr>
+        <p:spPr/>
+        <p:txBody>
+          <a:bodyPr/>
+          <a:lstStyle/>
+          <a:p>
+            <a:endParaRPr lang="en-AU"/>
+          </a:p>
+        </p:txBody>
+      </p:sp>
+      <p:sp>
+        <p:nvSpPr>
+          <p:cNvPr id="7" name="Text Placeholder 6"/>
+          <p:cNvSpPr>
+            <a:spLocks noGrp="1"/>
+          </p:cNvSpPr>
+          <p:nvPr>
+            <p:ph type="body" sz="quarter" idx="17"/>
+          </p:nvPr>
+        </p:nvSpPr>
+        <p:spPr/>
+        <p:txBody>
+          <a:bodyPr/>
+          <a:lstStyle/>
+          <a:p>
+            <a:r>
+              <a:rPr lang="en-AU" dirty="0" smtClean="0"/>
+              <a:t>Coin toss data</a:t>
+            </a:r>
+          </a:p>
+          <a:p>
+            <a:pPr lvl="1"/>
+            <a:r>
+              <a:rPr lang="en-AU" dirty="0" smtClean="0">
+                <a:hlinkClick r:id="rId2"/>
+              </a:rPr>
+              <a:t>https://tinyurl.com/y8ro4ysf</a:t>
+            </a:r>
+            <a:endParaRPr lang="en-AU" dirty="0" smtClean="0"/>
+          </a:p>
+          <a:p>
+            <a:r>
+              <a:rPr lang="en-AU" dirty="0" smtClean="0"/>
+              <a:t>Large coin toss data</a:t>
+            </a:r>
+          </a:p>
+          <a:p>
+            <a:pPr lvl="1"/>
+            <a:r>
+              <a:rPr lang="en-AU" dirty="0" smtClean="0">
+                <a:hlinkClick r:id="rId3"/>
+              </a:rPr>
+              <a:t>https://tinyurl.com/y74hwe3u</a:t>
+            </a:r>
+            <a:endParaRPr lang="en-AU" dirty="0" smtClean="0"/>
+          </a:p>
+          <a:p>
+            <a:r>
+              <a:rPr lang="en-AU" dirty="0" smtClean="0"/>
+              <a:t>Gap minder traffic death data</a:t>
+            </a:r>
+          </a:p>
+          <a:p>
+            <a:pPr lvl="1"/>
+            <a:r>
+              <a:rPr lang="en-AU" dirty="0" smtClean="0">
+                <a:hlinkClick r:id="rId4"/>
+              </a:rPr>
+              <a:t>https://tinyurl.com/y8zz27rr</a:t>
+            </a:r>
+            <a:endParaRPr lang="en-AU" dirty="0" smtClean="0"/>
+          </a:p>
+          <a:p>
+            <a:r>
+              <a:rPr lang="en-AU" dirty="0" smtClean="0"/>
+              <a:t>Weight perception data</a:t>
+            </a:r>
+          </a:p>
+          <a:p>
+            <a:pPr lvl="1"/>
+            <a:r>
+              <a:rPr lang="en-AU" dirty="0" smtClean="0">
+                <a:hlinkClick r:id="rId5"/>
+              </a:rPr>
+              <a:t>https://tinyurl.com/ydfr8nlw</a:t>
+            </a:r>
+            <a:endParaRPr lang="en-AU" dirty="0" smtClean="0"/>
+          </a:p>
+          <a:p>
+            <a:pPr marL="0" indent="0">
+              <a:buNone/>
+            </a:pPr>
+            <a:endParaRPr lang="en-AU" dirty="0"/>
+          </a:p>
+          <a:p>
+            <a:pPr marL="0" indent="0">
+              <a:buNone/>
+            </a:pPr>
+            <a:r>
+              <a:rPr lang="en-AU" dirty="0" smtClean="0"/>
+              <a:t>Or get it all from here:</a:t>
+            </a:r>
+          </a:p>
+          <a:p>
+            <a:pPr marL="0" indent="0">
+              <a:buNone/>
+            </a:pPr>
+            <a:r>
+              <a:rPr lang="en-AU" dirty="0" smtClean="0">
+                <a:hlinkClick r:id="rId6"/>
+              </a:rPr>
+              <a:t>https://github.com/humburg/Introduction-to-Bayesian-Hypothesis-testing/tree/master/data</a:t>
+            </a:r>
+            <a:endParaRPr lang="en-AU" dirty="0"/>
+          </a:p>
+        </p:txBody>
+      </p:sp>
+      <p:sp>
+        <p:nvSpPr>
+          <p:cNvPr id="8" name="Text Placeholder 7"/>
+          <p:cNvSpPr>
+            <a:spLocks noGrp="1"/>
+          </p:cNvSpPr>
+          <p:nvPr>
+            <p:ph type="body" sz="quarter" idx="18"/>
+          </p:nvPr>
+        </p:nvSpPr>
+        <p:spPr/>
+        <p:txBody>
+          <a:bodyPr/>
+          <a:lstStyle/>
+          <a:p>
+            <a:endParaRPr lang="en-AU"/>
+          </a:p>
+        </p:txBody>
+      </p:sp>
+    </p:spTree>
+    <p:extLst>
+      <p:ext uri="{BB962C8B-B14F-4D97-AF65-F5344CB8AC3E}">
+        <p14:creationId xmlns:p14="http://schemas.microsoft.com/office/powerpoint/2010/main" val="256460468"/>
+      </p:ext>
+    </p:extLst>
+  </p:cSld>
+  <p:clrMapOvr>
+    <a:masterClrMapping/>
+  </p:clrMapOvr>
+  <p:timing>
+    <p:tnLst>
+      <p:par>
+        <p:cTn id="1" dur="indefinite" restart="never" nodeType="tmRoot"/>
+      </p:par>
+    </p:tnLst>
+  </p:timing>
+</p:sld>
+</file>
+
+<file path=ppt/slides/slide35.xml><?xml version="1.0" encoding="utf-8"?>
+<p:sld xmlns:a="http://schemas.openxmlformats.org/drawingml/2006/main" xmlns:r="http://schemas.openxmlformats.org/officeDocument/2006/relationships" xmlns:p="http://schemas.openxmlformats.org/presentationml/2006/main">
+  <p:cSld>
+    <p:spTree>
+      <p:nvGrpSpPr>
+        <p:cNvPr id="1" name=""/>
+        <p:cNvGrpSpPr/>
+        <p:nvPr/>
+      </p:nvGrpSpPr>
+      <p:grpSpPr>
+        <a:xfrm>
+          <a:off x="0" y="0"/>
+          <a:ext cx="0" cy="0"/>
+          <a:chOff x="0" y="0"/>
+          <a:chExt cx="0" cy="0"/>
+        </a:xfrm>
+      </p:grpSpPr>
+      <p:sp>
+        <p:nvSpPr>
+          <p:cNvPr id="6" name="Text Placeholder 5"/>
+          <p:cNvSpPr>
+            <a:spLocks noGrp="1"/>
+          </p:cNvSpPr>
+          <p:nvPr>
+            <p:ph type="body" sz="quarter" idx="15"/>
+          </p:nvPr>
+        </p:nvSpPr>
+        <p:spPr>
+          <a:xfrm>
+            <a:off x="720000" y="5969234"/>
+            <a:ext cx="6407150" cy="503238"/>
+          </a:xfrm>
+        </p:spPr>
+        <p:txBody>
+          <a:bodyPr/>
+          <a:lstStyle/>
+          <a:p>
+            <a:r>
+              <a:rPr lang="en-AU" dirty="0" smtClean="0">
+                <a:solidFill>
+                  <a:schemeClr val="bg1"/>
+                </a:solidFill>
+              </a:rPr>
+              <a:t>A large posterior</a:t>
+            </a:r>
+            <a:endParaRPr lang="en-AU" dirty="0">
+              <a:solidFill>
+                <a:schemeClr val="bg1"/>
+              </a:solidFill>
+            </a:endParaRPr>
+          </a:p>
+        </p:txBody>
+      </p:sp>
+      <p:sp>
+        <p:nvSpPr>
+          <p:cNvPr id="2" name="Title 1"/>
+          <p:cNvSpPr>
+            <a:spLocks noGrp="1"/>
+          </p:cNvSpPr>
+          <p:nvPr>
+            <p:ph type="title"/>
+          </p:nvPr>
+        </p:nvSpPr>
+        <p:spPr/>
+        <p:txBody>
+          <a:bodyPr/>
+          <a:lstStyle/>
+          <a:p>
+            <a:endParaRPr lang="en-AU"/>
+          </a:p>
+        </p:txBody>
+      </p:sp>
+    </p:spTree>
+    <p:extLst>
+      <p:ext uri="{BB962C8B-B14F-4D97-AF65-F5344CB8AC3E}">
+        <p14:creationId xmlns:p14="http://schemas.microsoft.com/office/powerpoint/2010/main" val="754052268"/>
       </p:ext>
     </p:extLst>
   </p:cSld>
@@ -13735,11 +15041,11 @@
   <p:clrMapOvr>
     <a:masterClrMapping/>
   </p:clrMapOvr>
-  <mc:AlternateContent xmlns:mc="http://schemas.openxmlformats.org/markup-compatibility/2006">
-    <mc:Choice xmlns:p14="http://schemas.microsoft.com/office/powerpoint/2010/main" Requires="p14">
+  <mc:AlternateContent xmlns:mc="http://schemas.openxmlformats.org/markup-compatibility/2006" xmlns:p14="http://schemas.microsoft.com/office/powerpoint/2010/main">
+    <mc:Choice Requires="p14">
       <p:transition spd="slow" p14:dur="2000"/>
     </mc:Choice>
-    <mc:Fallback>
+    <mc:Fallback xmlns="">
       <p:transition spd="slow"/>
     </mc:Fallback>
   </mc:AlternateContent>
@@ -13887,11 +15193,11 @@
   <p:clrMapOvr>
     <a:masterClrMapping/>
   </p:clrMapOvr>
-  <mc:AlternateContent xmlns:mc="http://schemas.openxmlformats.org/markup-compatibility/2006">
-    <mc:Choice xmlns:p14="http://schemas.microsoft.com/office/powerpoint/2010/main" Requires="p14">
+  <mc:AlternateContent xmlns:mc="http://schemas.openxmlformats.org/markup-compatibility/2006" xmlns:p14="http://schemas.microsoft.com/office/powerpoint/2010/main">
+    <mc:Choice Requires="p14">
       <p:transition spd="slow" p14:dur="2000"/>
     </mc:Choice>
-    <mc:Fallback>
+    <mc:Fallback xmlns="">
       <p:transition spd="slow"/>
     </mc:Fallback>
   </mc:AlternateContent>
@@ -14063,11 +15369,11 @@
   <p:clrMapOvr>
     <a:masterClrMapping/>
   </p:clrMapOvr>
-  <mc:AlternateContent xmlns:mc="http://schemas.openxmlformats.org/markup-compatibility/2006">
-    <mc:Choice xmlns:p14="http://schemas.microsoft.com/office/powerpoint/2010/main" Requires="p14">
+  <mc:AlternateContent xmlns:mc="http://schemas.openxmlformats.org/markup-compatibility/2006" xmlns:p14="http://schemas.microsoft.com/office/powerpoint/2010/main">
+    <mc:Choice Requires="p14">
       <p:transition spd="slow" p14:dur="2000"/>
     </mc:Choice>
-    <mc:Fallback>
+    <mc:Fallback xmlns="">
       <p:transition spd="slow"/>
     </mc:Fallback>
   </mc:AlternateContent>
@@ -14266,11 +15572,11 @@
   <p:clrMapOvr>
     <a:masterClrMapping/>
   </p:clrMapOvr>
-  <mc:AlternateContent xmlns:mc="http://schemas.openxmlformats.org/markup-compatibility/2006">
-    <mc:Choice xmlns:p14="http://schemas.microsoft.com/office/powerpoint/2010/main" Requires="p14">
+  <mc:AlternateContent xmlns:mc="http://schemas.openxmlformats.org/markup-compatibility/2006" xmlns:p14="http://schemas.microsoft.com/office/powerpoint/2010/main">
+    <mc:Choice Requires="p14">
       <p:transition spd="slow" p14:dur="2000"/>
     </mc:Choice>
-    <mc:Fallback>
+    <mc:Fallback xmlns="">
       <p:transition spd="slow"/>
     </mc:Fallback>
   </mc:AlternateContent>
@@ -14648,11 +15954,11 @@
   <p:clrMapOvr>
     <a:masterClrMapping/>
   </p:clrMapOvr>
-  <mc:AlternateContent xmlns:mc="http://schemas.openxmlformats.org/markup-compatibility/2006">
-    <mc:Choice xmlns:p14="http://schemas.microsoft.com/office/powerpoint/2010/main" Requires="p14">
+  <mc:AlternateContent xmlns:mc="http://schemas.openxmlformats.org/markup-compatibility/2006" xmlns:p14="http://schemas.microsoft.com/office/powerpoint/2010/main">
+    <mc:Choice Requires="p14">
       <p:transition spd="slow" p14:dur="2000"/>
     </mc:Choice>
-    <mc:Fallback>
+    <mc:Fallback xmlns="">
       <p:transition spd="slow"/>
     </mc:Fallback>
   </mc:AlternateContent>

--- a/Bayesian Data Analysis in R.pptx
+++ b/Bayesian Data Analysis in R.pptx
@@ -14256,19 +14256,15 @@
           <a:p>
             <a:r>
               <a:rPr lang="en-AU" dirty="0" smtClean="0"/>
-              <a:t>Exercise: Weight </a:t>
-            </a:r>
-            <a:r>
-              <a:rPr lang="en-AU" smtClean="0"/>
-              <a:t>and Height</a:t>
-            </a:r>
-            <a:endParaRPr lang="en-AU"/>
-          </a:p>
-        </p:txBody>
-      </p:sp>
-      <p:sp>
-        <p:nvSpPr>
-          <p:cNvPr id="3" name="Content Placeholder 2"/>
+              <a:t>Exercise: Weight and Height</a:t>
+            </a:r>
+            <a:endParaRPr lang="en-AU" dirty="0"/>
+          </a:p>
+        </p:txBody>
+      </p:sp>
+      <p:sp>
+        <p:nvSpPr>
+          <p:cNvPr id="7" name="Content Placeholder 6"/>
           <p:cNvSpPr>
             <a:spLocks noGrp="1"/>
           </p:cNvSpPr>
@@ -14281,7 +14277,67 @@
           <a:bodyPr/>
           <a:lstStyle/>
           <a:p>
-            <a:endParaRPr lang="en-AU"/>
+            <a:pPr marL="285750" indent="-285750">
+              <a:buFont typeface="Arial" panose="020B0604020202020204" pitchFamily="34" charset="0"/>
+              <a:buChar char="•"/>
+            </a:pPr>
+            <a:r>
+              <a:rPr lang="en-AU" dirty="0"/>
+              <a:t>W</a:t>
+            </a:r>
+            <a:r>
+              <a:rPr lang="en-AU" dirty="0" smtClean="0"/>
+              <a:t>eight (lbs) and height (in) of 14 – 20 year olds.</a:t>
+            </a:r>
+          </a:p>
+          <a:p>
+            <a:pPr marL="285750" indent="-285750">
+              <a:buFont typeface="Arial" panose="020B0604020202020204" pitchFamily="34" charset="0"/>
+              <a:buChar char="•"/>
+            </a:pPr>
+            <a:r>
+              <a:rPr lang="en-AU" dirty="0" smtClean="0"/>
+              <a:t>Take a look at the data.</a:t>
+            </a:r>
+          </a:p>
+          <a:p>
+            <a:pPr marL="285750" indent="-285750">
+              <a:buFont typeface="Arial" panose="020B0604020202020204" pitchFamily="34" charset="0"/>
+              <a:buChar char="•"/>
+            </a:pPr>
+            <a:r>
+              <a:rPr lang="en-AU" dirty="0" smtClean="0"/>
+              <a:t>Use </a:t>
+            </a:r>
+            <a:r>
+              <a:rPr lang="en-AU" i="1" dirty="0" err="1" smtClean="0"/>
+              <a:t>BayesFactor</a:t>
+            </a:r>
+            <a:r>
+              <a:rPr lang="en-AU" dirty="0" smtClean="0"/>
+              <a:t> to model weight as a function of height, age, and gender.</a:t>
+            </a:r>
+          </a:p>
+          <a:p>
+            <a:pPr marL="285750" indent="-285750">
+              <a:buFont typeface="Arial" panose="020B0604020202020204" pitchFamily="34" charset="0"/>
+              <a:buChar char="•"/>
+            </a:pPr>
+            <a:r>
+              <a:rPr lang="en-AU" dirty="0" smtClean="0"/>
+              <a:t>Which model seems reasonable?</a:t>
+            </a:r>
+          </a:p>
+          <a:p>
+            <a:pPr marL="285750" indent="-285750">
+              <a:buFont typeface="Arial" panose="020B0604020202020204" pitchFamily="34" charset="0"/>
+              <a:buChar char="•"/>
+            </a:pPr>
+            <a:r>
+              <a:rPr lang="en-AU" dirty="0" smtClean="0"/>
+              <a:t>What are the effects of the variables you included in the model?</a:t>
+            </a:r>
+            <a:endParaRPr lang="en-AU" dirty="0"/>
           </a:p>
         </p:txBody>
       </p:sp>
@@ -14334,7 +14390,7 @@
       </p:sp>
       <p:sp>
         <p:nvSpPr>
-          <p:cNvPr id="6" name="Text Placeholder 5"/>
+          <p:cNvPr id="8" name="Text Placeholder 7"/>
           <p:cNvSpPr>
             <a:spLocks noGrp="1"/>
           </p:cNvSpPr>
@@ -14351,6 +14407,78 @@
           </a:p>
         </p:txBody>
       </p:sp>
+      <p:sp>
+        <p:nvSpPr>
+          <p:cNvPr id="9" name="Content Placeholder 8"/>
+          <p:cNvSpPr>
+            <a:spLocks noGrp="1"/>
+          </p:cNvSpPr>
+          <p:nvPr>
+            <p:ph idx="16"/>
+          </p:nvPr>
+        </p:nvSpPr>
+        <p:spPr/>
+        <p:txBody>
+          <a:bodyPr/>
+          <a:lstStyle/>
+          <a:p>
+            <a:r>
+              <a:rPr lang="en-AU" dirty="0" smtClean="0"/>
+              <a:t>Dataset</a:t>
+            </a:r>
+          </a:p>
+          <a:p>
+            <a:r>
+              <a:rPr lang="en-AU" dirty="0" smtClean="0">
+                <a:hlinkClick r:id="rId2"/>
+              </a:rPr>
+              <a:t>https://humburg.github.io/bayesian-data-analysis-in-r/data/weight_perception.csv</a:t>
+            </a:r>
+            <a:endParaRPr lang="en-AU" dirty="0"/>
+          </a:p>
+        </p:txBody>
+      </p:sp>
+      <p:pic>
+        <p:nvPicPr>
+          <p:cNvPr id="10" name="Picture 6" descr="Image result for r logo"/>
+          <p:cNvPicPr>
+            <a:picLocks noChangeAspect="1" noChangeArrowheads="1"/>
+          </p:cNvPicPr>
+          <p:nvPr/>
+        </p:nvPicPr>
+        <p:blipFill>
+          <a:blip r:embed="rId3">
+            <a:extLst>
+              <a:ext uri="{28A0092B-C50C-407E-A947-70E740481C1C}">
+                <a14:useLocalDpi xmlns:a14="http://schemas.microsoft.com/office/drawing/2010/main" val="0"/>
+              </a:ext>
+            </a:extLst>
+          </a:blip>
+          <a:srcRect/>
+          <a:stretch>
+            <a:fillRect/>
+          </a:stretch>
+        </p:blipFill>
+        <p:spPr bwMode="auto">
+          <a:xfrm>
+            <a:off x="6248400" y="3295290"/>
+            <a:ext cx="3522115" cy="2729153"/>
+          </a:xfrm>
+          <a:prstGeom prst="rect">
+            <a:avLst/>
+          </a:prstGeom>
+          <a:noFill/>
+          <a:extLst>
+            <a:ext uri="{909E8E84-426E-40DD-AFC4-6F175D3DCCD1}">
+              <a14:hiddenFill xmlns:a14="http://schemas.microsoft.com/office/drawing/2010/main">
+                <a:solidFill>
+                  <a:srgbClr val="FFFFFF"/>
+                </a:solidFill>
+              </a14:hiddenFill>
+            </a:ext>
+          </a:extLst>
+        </p:spPr>
+      </p:pic>
     </p:spTree>
     <p:extLst>
       <p:ext uri="{BB962C8B-B14F-4D97-AF65-F5344CB8AC3E}">

--- a/Bayesian Data Analysis in R.pptx
+++ b/Bayesian Data Analysis in R.pptx
@@ -5,10 +5,10 @@
     <p:sldMasterId id="2147483648" r:id="rId1"/>
   </p:sldMasterIdLst>
   <p:notesMasterIdLst>
-    <p:notesMasterId r:id="rId37"/>
+    <p:notesMasterId r:id="rId38"/>
   </p:notesMasterIdLst>
   <p:handoutMasterIdLst>
-    <p:handoutMasterId r:id="rId38"/>
+    <p:handoutMasterId r:id="rId39"/>
   </p:handoutMasterIdLst>
   <p:sldIdLst>
     <p:sldId id="275" r:id="rId2"/>
@@ -33,19 +33,20 @@
     <p:sldId id="339" r:id="rId21"/>
     <p:sldId id="340" r:id="rId22"/>
     <p:sldId id="343" r:id="rId23"/>
-    <p:sldId id="341" r:id="rId24"/>
-    <p:sldId id="351" r:id="rId25"/>
-    <p:sldId id="348" r:id="rId26"/>
-    <p:sldId id="349" r:id="rId27"/>
-    <p:sldId id="350" r:id="rId28"/>
-    <p:sldId id="352" r:id="rId29"/>
-    <p:sldId id="353" r:id="rId30"/>
-    <p:sldId id="354" r:id="rId31"/>
-    <p:sldId id="355" r:id="rId32"/>
-    <p:sldId id="356" r:id="rId33"/>
-    <p:sldId id="342" r:id="rId34"/>
-    <p:sldId id="344" r:id="rId35"/>
-    <p:sldId id="347" r:id="rId36"/>
+    <p:sldId id="358" r:id="rId24"/>
+    <p:sldId id="341" r:id="rId25"/>
+    <p:sldId id="351" r:id="rId26"/>
+    <p:sldId id="348" r:id="rId27"/>
+    <p:sldId id="349" r:id="rId28"/>
+    <p:sldId id="350" r:id="rId29"/>
+    <p:sldId id="352" r:id="rId30"/>
+    <p:sldId id="353" r:id="rId31"/>
+    <p:sldId id="354" r:id="rId32"/>
+    <p:sldId id="355" r:id="rId33"/>
+    <p:sldId id="356" r:id="rId34"/>
+    <p:sldId id="342" r:id="rId35"/>
+    <p:sldId id="344" r:id="rId36"/>
+    <p:sldId id="347" r:id="rId37"/>
   </p:sldIdLst>
   <p:sldSz cx="12192000" cy="6858000"/>
   <p:notesSz cx="7099300" cy="10234613"/>
@@ -146,7 +147,7 @@
   </p:defaultTextStyle>
   <p:extLst>
     <p:ext uri="{EFAFB233-063F-42B5-8137-9DF3F51BA10A}">
-      <p15:sldGuideLst xmlns:p15="http://schemas.microsoft.com/office/powerpoint/2012/main">
+      <p15:sldGuideLst xmlns:p15="http://schemas.microsoft.com/office/powerpoint/2012/main" xmlns="">
         <p15:guide id="1" orient="horz" pos="981" userDrawn="1">
           <p15:clr>
             <a:srgbClr val="A4A3A4"/>
@@ -3853,7 +3854,7 @@
   </p:clrMapOvr>
   <p:extLst mod="1">
     <p:ext uri="{DCECCB84-F9BA-43D5-87BE-67443E8EF086}">
-      <p15:sldGuideLst xmlns:p15="http://schemas.microsoft.com/office/powerpoint/2012/main">
+      <p15:sldGuideLst xmlns:p15="http://schemas.microsoft.com/office/powerpoint/2012/main" xmlns="">
         <p15:guide id="1" orient="horz" pos="2160" userDrawn="1">
           <p15:clr>
             <a:srgbClr val="FBAE40"/>
@@ -4932,7 +4933,7 @@
   </p:txStyles>
   <p:extLst mod="1">
     <p:ext uri="{27BBF7A9-308A-43DC-89C8-2F10F3537804}">
-      <p15:sldGuideLst xmlns:p15="http://schemas.microsoft.com/office/powerpoint/2012/main">
+      <p15:sldGuideLst xmlns:p15="http://schemas.microsoft.com/office/powerpoint/2012/main" xmlns="">
         <p15:guide id="1" orient="horz" pos="232" userDrawn="1">
           <p15:clr>
             <a:srgbClr val="F26B43"/>
@@ -7546,8 +7547,8 @@
         </p:nvSpPr>
         <p:spPr>
           <a:xfrm>
-            <a:off x="4813540" y="2708920"/>
-            <a:ext cx="6491136" cy="648000"/>
+            <a:off x="5640705" y="2708920"/>
+            <a:ext cx="5663970" cy="648000"/>
           </a:xfrm>
         </p:spPr>
         <p:txBody>
@@ -7557,8 +7558,8 @@
           <a:lstStyle/>
           <a:p>
             <a:r>
-              <a:rPr lang="en-AU" dirty="0" smtClean="0"/>
-              <a:t>Introduction to (Bayesian) Statistics</a:t>
+              <a:rPr lang="en-AU" dirty="0"/>
+              <a:t>Likelihoods and Bayes Factors</a:t>
             </a:r>
             <a:endParaRPr lang="en-AU" dirty="0"/>
           </a:p>
@@ -7579,10 +7580,6 @@
           <a:bodyPr/>
           <a:lstStyle/>
           <a:p>
-            <a:r>
-              <a:rPr lang="en-AU" dirty="0" smtClean="0"/>
-              <a:t>Likelihoods and Bayes Factors</a:t>
-            </a:r>
             <a:endParaRPr lang="en-AU" dirty="0"/>
           </a:p>
         </p:txBody>
@@ -9886,7 +9883,7 @@
                         <m:fPr>
                           <m:ctrlPr>
                             <a:rPr lang="en-AU" i="1" smtClean="0">
-                              <a:latin typeface="Cambria Math" panose="02040503050406030204" pitchFamily="18" charset="0"/>
+                              <a:latin typeface="Cambria Math"/>
                             </a:rPr>
                           </m:ctrlPr>
                         </m:fPr>
@@ -9907,7 +9904,7 @@
                             <m:sSubPr>
                               <m:ctrlPr>
                                 <a:rPr lang="en-AU" i="1">
-                                  <a:latin typeface="Cambria Math" panose="02040503050406030204" pitchFamily="18" charset="0"/>
+                                  <a:latin typeface="Cambria Math"/>
                                 </a:rPr>
                               </m:ctrlPr>
                             </m:sSubPr>
@@ -9964,7 +9961,7 @@
                             <m:sSubPr>
                               <m:ctrlPr>
                                 <a:rPr lang="en-AU" i="1">
-                                  <a:latin typeface="Cambria Math" panose="02040503050406030204" pitchFamily="18" charset="0"/>
+                                  <a:latin typeface="Cambria Math"/>
                                 </a:rPr>
                               </m:ctrlPr>
                             </m:sSubPr>
@@ -10015,7 +10012,7 @@
                         <m:fPr>
                           <m:ctrlPr>
                             <a:rPr lang="en-AU" i="1">
-                              <a:latin typeface="Cambria Math" panose="02040503050406030204" pitchFamily="18" charset="0"/>
+                              <a:latin typeface="Cambria Math"/>
                             </a:rPr>
                           </m:ctrlPr>
                         </m:fPr>
@@ -10036,7 +10033,7 @@
                             <m:sSubPr>
                               <m:ctrlPr>
                                 <a:rPr lang="en-AU" i="1">
-                                  <a:latin typeface="Cambria Math" panose="02040503050406030204" pitchFamily="18" charset="0"/>
+                                  <a:latin typeface="Cambria Math"/>
                                 </a:rPr>
                               </m:ctrlPr>
                             </m:sSubPr>
@@ -10081,7 +10078,7 @@
                             <m:sSubPr>
                               <m:ctrlPr>
                                 <a:rPr lang="en-AU" i="1">
-                                  <a:latin typeface="Cambria Math" panose="02040503050406030204" pitchFamily="18" charset="0"/>
+                                  <a:latin typeface="Cambria Math"/>
                                 </a:rPr>
                               </m:ctrlPr>
                             </m:sSubPr>
@@ -10121,7 +10118,7 @@
                         <m:fPr>
                           <m:ctrlPr>
                             <a:rPr lang="en-AU" i="1">
-                              <a:latin typeface="Cambria Math" panose="02040503050406030204" pitchFamily="18" charset="0"/>
+                              <a:latin typeface="Cambria Math"/>
                             </a:rPr>
                           </m:ctrlPr>
                         </m:fPr>
@@ -10142,7 +10139,7 @@
                             <m:sSubPr>
                               <m:ctrlPr>
                                 <a:rPr lang="en-AU" i="1">
-                                  <a:latin typeface="Cambria Math" panose="02040503050406030204" pitchFamily="18" charset="0"/>
+                                  <a:latin typeface="Cambria Math"/>
                                 </a:rPr>
                               </m:ctrlPr>
                             </m:sSubPr>
@@ -10199,7 +10196,7 @@
                             <m:sSubPr>
                               <m:ctrlPr>
                                 <a:rPr lang="en-AU" i="1">
-                                  <a:latin typeface="Cambria Math" panose="02040503050406030204" pitchFamily="18" charset="0"/>
+                                  <a:latin typeface="Cambria Math"/>
                                 </a:rPr>
                               </m:ctrlPr>
                             </m:sSubPr>
@@ -10429,14 +10426,14 @@
                 <a:gridCol w="2609850">
                   <a:extLst>
                     <a:ext uri="{9D8B030D-6E8A-4147-A177-3AD203B41FA5}">
-                      <a16:colId xmlns:a16="http://schemas.microsoft.com/office/drawing/2014/main" val="996537443"/>
+                      <a16:colId xmlns:a16="http://schemas.microsoft.com/office/drawing/2014/main" xmlns="" val="996537443"/>
                     </a:ext>
                   </a:extLst>
                 </a:gridCol>
                 <a:gridCol w="2609850">
                   <a:extLst>
                     <a:ext uri="{9D8B030D-6E8A-4147-A177-3AD203B41FA5}">
-                      <a16:colId xmlns:a16="http://schemas.microsoft.com/office/drawing/2014/main" val="282334746"/>
+                      <a16:colId xmlns:a16="http://schemas.microsoft.com/office/drawing/2014/main" xmlns="" val="282334746"/>
                     </a:ext>
                   </a:extLst>
                 </a:gridCol>
@@ -10472,7 +10469,7 @@
                 </a:tc>
                 <a:extLst>
                   <a:ext uri="{0D108BD9-81ED-4DB2-BD59-A6C34878D82A}">
-                    <a16:rowId xmlns:a16="http://schemas.microsoft.com/office/drawing/2014/main" val="1092054788"/>
+                    <a16:rowId xmlns:a16="http://schemas.microsoft.com/office/drawing/2014/main" xmlns="" val="1092054788"/>
                   </a:ext>
                 </a:extLst>
               </a:tr>
@@ -10507,7 +10504,7 @@
                 </a:tc>
                 <a:extLst>
                   <a:ext uri="{0D108BD9-81ED-4DB2-BD59-A6C34878D82A}">
-                    <a16:rowId xmlns:a16="http://schemas.microsoft.com/office/drawing/2014/main" val="324320658"/>
+                    <a16:rowId xmlns:a16="http://schemas.microsoft.com/office/drawing/2014/main" xmlns="" val="324320658"/>
                   </a:ext>
                 </a:extLst>
               </a:tr>
@@ -10542,7 +10539,7 @@
                 </a:tc>
                 <a:extLst>
                   <a:ext uri="{0D108BD9-81ED-4DB2-BD59-A6C34878D82A}">
-                    <a16:rowId xmlns:a16="http://schemas.microsoft.com/office/drawing/2014/main" val="1861592566"/>
+                    <a16:rowId xmlns:a16="http://schemas.microsoft.com/office/drawing/2014/main" xmlns="" val="1861592566"/>
                   </a:ext>
                 </a:extLst>
               </a:tr>
@@ -10577,7 +10574,7 @@
                 </a:tc>
                 <a:extLst>
                   <a:ext uri="{0D108BD9-81ED-4DB2-BD59-A6C34878D82A}">
-                    <a16:rowId xmlns:a16="http://schemas.microsoft.com/office/drawing/2014/main" val="1580096104"/>
+                    <a16:rowId xmlns:a16="http://schemas.microsoft.com/office/drawing/2014/main" xmlns="" val="1580096104"/>
                   </a:ext>
                 </a:extLst>
               </a:tr>
@@ -10612,7 +10609,7 @@
                 </a:tc>
                 <a:extLst>
                   <a:ext uri="{0D108BD9-81ED-4DB2-BD59-A6C34878D82A}">
-                    <a16:rowId xmlns:a16="http://schemas.microsoft.com/office/drawing/2014/main" val="42513339"/>
+                    <a16:rowId xmlns:a16="http://schemas.microsoft.com/office/drawing/2014/main" xmlns="" val="42513339"/>
                   </a:ext>
                 </a:extLst>
               </a:tr>
@@ -10647,7 +10644,7 @@
                 </a:tc>
                 <a:extLst>
                   <a:ext uri="{0D108BD9-81ED-4DB2-BD59-A6C34878D82A}">
-                    <a16:rowId xmlns:a16="http://schemas.microsoft.com/office/drawing/2014/main" val="2479670305"/>
+                    <a16:rowId xmlns:a16="http://schemas.microsoft.com/office/drawing/2014/main" xmlns="" val="2479670305"/>
                   </a:ext>
                 </a:extLst>
               </a:tr>
@@ -10682,7 +10679,7 @@
                 </a:tc>
                 <a:extLst>
                   <a:ext uri="{0D108BD9-81ED-4DB2-BD59-A6C34878D82A}">
-                    <a16:rowId xmlns:a16="http://schemas.microsoft.com/office/drawing/2014/main" val="583443752"/>
+                    <a16:rowId xmlns:a16="http://schemas.microsoft.com/office/drawing/2014/main" xmlns="" val="583443752"/>
                   </a:ext>
                 </a:extLst>
               </a:tr>
@@ -11030,12 +11027,12 @@
       </p:grpSpPr>
       <p:sp>
         <p:nvSpPr>
-          <p:cNvPr id="9" name="Text Placeholder 8"/>
-          <p:cNvSpPr>
-            <a:spLocks noGrp="1"/>
-          </p:cNvSpPr>
-          <p:nvPr>
-            <p:ph type="body" idx="14"/>
+          <p:cNvPr id="5" name="Title 4"/>
+          <p:cNvSpPr>
+            <a:spLocks noGrp="1"/>
+          </p:cNvSpPr>
+          <p:nvPr>
+            <p:ph type="title"/>
           </p:nvPr>
         </p:nvSpPr>
         <p:spPr/>
@@ -11043,18 +11040,22 @@
           <a:bodyPr/>
           <a:lstStyle/>
           <a:p>
-            <a:endParaRPr lang="en-AU"/>
-          </a:p>
-        </p:txBody>
-      </p:sp>
-      <p:sp>
-        <p:nvSpPr>
-          <p:cNvPr id="8" name="Title 7"/>
-          <p:cNvSpPr>
-            <a:spLocks noGrp="1"/>
-          </p:cNvSpPr>
-          <p:nvPr>
-            <p:ph type="title"/>
+            <a:r>
+              <a:rPr lang="en-AU" dirty="0" smtClean="0"/>
+              <a:t>Beyond Bayes Factors</a:t>
+            </a:r>
+            <a:endParaRPr lang="en-AU" dirty="0"/>
+          </a:p>
+        </p:txBody>
+      </p:sp>
+      <p:sp>
+        <p:nvSpPr>
+          <p:cNvPr id="6" name="Content Placeholder 5"/>
+          <p:cNvSpPr>
+            <a:spLocks noGrp="1"/>
+          </p:cNvSpPr>
+          <p:nvPr>
+            <p:ph idx="1"/>
           </p:nvPr>
         </p:nvSpPr>
         <p:spPr/>
@@ -11062,25 +11063,67 @@
           <a:bodyPr/>
           <a:lstStyle/>
           <a:p>
+            <a:pPr marL="285750" indent="-285750">
+              <a:buFont typeface="Arial" panose="020B0604020202020204" pitchFamily="34" charset="0"/>
+              <a:buChar char="•"/>
+            </a:pPr>
             <a:r>
               <a:rPr lang="en-AU" dirty="0" smtClean="0"/>
-              <a:t>The </a:t>
-            </a:r>
-            <a:r>
-              <a:rPr lang="en-AU" i="1" dirty="0" err="1" smtClean="0"/>
-              <a:t>BayesFactor</a:t>
-            </a:r>
+              <a:t>Bayes factors summarise evidence in support of two competing models.</a:t>
+            </a:r>
+          </a:p>
+          <a:p>
+            <a:pPr marL="285750" indent="-285750">
+              <a:buFont typeface="Arial" panose="020B0604020202020204" pitchFamily="34" charset="0"/>
+              <a:buChar char="•"/>
+            </a:pPr>
             <a:r>
               <a:rPr lang="en-AU" dirty="0" smtClean="0"/>
-              <a:t> package</a:t>
-            </a:r>
+              <a:t>The posterior holds information about plausible parameter values.</a:t>
+            </a:r>
+          </a:p>
+          <a:p>
+            <a:pPr marL="285750" indent="-285750">
+              <a:buFont typeface="Arial" panose="020B0604020202020204" pitchFamily="34" charset="0"/>
+              <a:buChar char="•"/>
+            </a:pPr>
+            <a:r>
+              <a:rPr lang="en-AU" dirty="0" smtClean="0"/>
+              <a:t>The posterior can tell us what effects are credible after considering the data.</a:t>
+            </a:r>
+          </a:p>
+          <a:p>
+            <a:pPr marL="285750" indent="-285750">
+              <a:buFont typeface="Arial" panose="020B0604020202020204" pitchFamily="34" charset="0"/>
+              <a:buChar char="•"/>
+            </a:pPr>
+            <a:r>
+              <a:rPr lang="en-AU" dirty="0" smtClean="0"/>
+              <a:t>Can construct credible intervals that include 95% of the probability mass such that all values within the interval have higher density than those outside (HDI).</a:t>
+            </a:r>
+          </a:p>
+          <a:p>
+            <a:pPr marL="285750" indent="-285750">
+              <a:buFont typeface="Arial" panose="020B0604020202020204" pitchFamily="34" charset="0"/>
+              <a:buChar char="•"/>
+            </a:pPr>
+            <a:r>
+              <a:rPr lang="en-AU" dirty="0"/>
+              <a:t>The mode of the posterior provides a point estimate (MAP).</a:t>
+            </a:r>
+          </a:p>
+          <a:p>
+            <a:pPr marL="285750" indent="-285750">
+              <a:buFont typeface="Arial" panose="020B0604020202020204" pitchFamily="34" charset="0"/>
+              <a:buChar char="•"/>
+            </a:pPr>
             <a:endParaRPr lang="en-AU" dirty="0"/>
           </a:p>
         </p:txBody>
       </p:sp>
       <p:sp>
         <p:nvSpPr>
-          <p:cNvPr id="10" name="Text Placeholder 9"/>
+          <p:cNvPr id="7" name="Text Placeholder 6"/>
           <p:cNvSpPr>
             <a:spLocks noGrp="1"/>
           </p:cNvSpPr>
@@ -11095,7 +11138,7 @@
           <a:p>
             <a:r>
               <a:rPr lang="en-AU" dirty="0" smtClean="0"/>
-              <a:t>Bayesian Hypothesis Testing with R</a:t>
+              <a:t>Point estimates and Credible intervals</a:t>
             </a:r>
             <a:endParaRPr lang="en-AU" dirty="0"/>
           </a:p>
@@ -11103,36 +11146,145 @@
       </p:sp>
       <p:sp>
         <p:nvSpPr>
-          <p:cNvPr id="5" name="Slide Number Placeholder 4"/>
-          <p:cNvSpPr>
-            <a:spLocks noGrp="1"/>
-          </p:cNvSpPr>
-          <p:nvPr>
-            <p:ph type="sldNum" sz="quarter" idx="4294967295"/>
-          </p:nvPr>
-        </p:nvSpPr>
-        <p:spPr>
-          <a:xfrm>
-            <a:off x="9347200" y="6381750"/>
-            <a:ext cx="2844800" cy="365125"/>
-          </a:xfrm>
-        </p:spPr>
-        <p:txBody>
-          <a:bodyPr/>
-          <a:lstStyle/>
-          <a:p>
-            <a:fld id="{D9C42BCC-44E8-4F98-A8FE-EAF16D8C1E6E}" type="slidenum">
-              <a:rPr lang="en-AU" smtClean="0"/>
-              <a:t>23</a:t>
-            </a:fld>
-            <a:endParaRPr lang="en-AU"/>
-          </a:p>
-        </p:txBody>
-      </p:sp>
+          <p:cNvPr id="9" name="TextBox 8"/>
+          <p:cNvSpPr txBox="1"/>
+          <p:nvPr/>
+        </p:nvSpPr>
+        <p:spPr>
+          <a:xfrm>
+            <a:off x="6663690" y="5474970"/>
+            <a:ext cx="4751625" cy="400110"/>
+          </a:xfrm>
+          <a:prstGeom prst="rect">
+            <a:avLst/>
+          </a:prstGeom>
+          <a:noFill/>
+        </p:spPr>
+        <p:txBody>
+          <a:bodyPr wrap="square" rtlCol="0">
+            <a:spAutoFit/>
+          </a:bodyPr>
+          <a:lstStyle/>
+          <a:p>
+            <a:r>
+              <a:rPr lang="en-GB" sz="1000" dirty="0" err="1"/>
+              <a:t>Kruschke</a:t>
+            </a:r>
+            <a:r>
+              <a:rPr lang="en-GB" sz="1000" dirty="0"/>
+              <a:t>, J. K. (2014). </a:t>
+            </a:r>
+            <a:r>
+              <a:rPr lang="en-GB" sz="1000" i="1" dirty="0"/>
+              <a:t>Doing Bayesian </a:t>
+            </a:r>
+            <a:r>
+              <a:rPr lang="en-GB" sz="1000" i="1" dirty="0" smtClean="0"/>
+              <a:t>Data Analysis</a:t>
+            </a:r>
+            <a:r>
+              <a:rPr lang="en-GB" sz="1000" i="1" dirty="0"/>
+              <a:t>: A Tutorial with R, JAGS, and Stan. 2nd Edition. </a:t>
+            </a:r>
+            <a:r>
+              <a:rPr lang="en-GB" sz="1000" dirty="0"/>
+              <a:t>Academic Press / Elsevier.</a:t>
+            </a:r>
+            <a:endParaRPr lang="en-AU" sz="1000" dirty="0"/>
+          </a:p>
+        </p:txBody>
+      </p:sp>
+      <p:cxnSp>
+        <p:nvCxnSpPr>
+          <p:cNvPr id="11" name="Straight Connector 10"/>
+          <p:cNvCxnSpPr/>
+          <p:nvPr/>
+        </p:nvCxnSpPr>
+        <p:spPr>
+          <a:xfrm>
+            <a:off x="9875520" y="2971800"/>
+            <a:ext cx="22860" cy="1771650"/>
+          </a:xfrm>
+          <a:prstGeom prst="line">
+            <a:avLst/>
+          </a:prstGeom>
+          <a:ln w="28575"/>
+        </p:spPr>
+        <p:style>
+          <a:lnRef idx="1">
+            <a:schemeClr val="accent1"/>
+          </a:lnRef>
+          <a:fillRef idx="0">
+            <a:schemeClr val="accent1"/>
+          </a:fillRef>
+          <a:effectRef idx="0">
+            <a:schemeClr val="accent1"/>
+          </a:effectRef>
+          <a:fontRef idx="minor">
+            <a:schemeClr val="tx1"/>
+          </a:fontRef>
+        </p:style>
+      </p:cxnSp>
+      <p:pic>
+        <p:nvPicPr>
+          <p:cNvPr id="1028" name="Picture 4"/>
+          <p:cNvPicPr>
+            <a:picLocks noGrp="1" noChangeAspect="1" noChangeArrowheads="1"/>
+          </p:cNvPicPr>
+          <p:nvPr>
+            <p:ph idx="16"/>
+          </p:nvPr>
+        </p:nvPicPr>
+        <p:blipFill>
+          <a:blip r:embed="rId2">
+            <a:extLst>
+              <a:ext uri="{28A0092B-C50C-407E-A947-70E740481C1C}">
+                <a14:useLocalDpi xmlns:a14="http://schemas.microsoft.com/office/drawing/2010/main" val="0"/>
+              </a:ext>
+            </a:extLst>
+          </a:blip>
+          <a:srcRect/>
+          <a:stretch>
+            <a:fillRect/>
+          </a:stretch>
+        </p:blipFill>
+        <p:spPr bwMode="auto">
+          <a:xfrm>
+            <a:off x="6248400" y="2082862"/>
+            <a:ext cx="5219700" cy="2844358"/>
+          </a:xfrm>
+          <a:prstGeom prst="rect">
+            <a:avLst/>
+          </a:prstGeom>
+          <a:noFill/>
+          <a:ln>
+            <a:noFill/>
+          </a:ln>
+          <a:extLst>
+            <a:ext uri="{909E8E84-426E-40DD-AFC4-6F175D3DCCD1}">
+              <a14:hiddenFill xmlns:a14="http://schemas.microsoft.com/office/drawing/2010/main">
+                <a:solidFill>
+                  <a:schemeClr val="accent1"/>
+                </a:solidFill>
+              </a14:hiddenFill>
+            </a:ext>
+            <a:ext uri="{91240B29-F687-4F45-9708-019B960494DF}">
+              <a14:hiddenLine xmlns:a14="http://schemas.microsoft.com/office/drawing/2010/main" w="9525">
+                <a:solidFill>
+                  <a:schemeClr val="tx1"/>
+                </a:solidFill>
+                <a:miter lim="800000"/>
+                <a:headEnd/>
+                <a:tailEnd/>
+              </a14:hiddenLine>
+            </a:ext>
+          </a:extLst>
+        </p:spPr>
+      </p:pic>
     </p:spTree>
     <p:extLst>
       <p:ext uri="{BB962C8B-B14F-4D97-AF65-F5344CB8AC3E}">
-        <p14:creationId xmlns:p14="http://schemas.microsoft.com/office/powerpoint/2010/main" val="1922930977"/>
+        <p14:creationId xmlns:p14="http://schemas.microsoft.com/office/powerpoint/2010/main" val="4091470093"/>
       </p:ext>
     </p:extLst>
   </p:cSld>
@@ -11142,9 +11294,247 @@
   <p:timing>
     <p:tnLst>
       <p:par>
-        <p:cTn id="1" dur="indefinite" restart="never" nodeType="tmRoot"/>
+        <p:cTn id="1" dur="indefinite" restart="never" nodeType="tmRoot">
+          <p:childTnLst>
+            <p:seq concurrent="1" nextAc="seek">
+              <p:cTn id="2" dur="indefinite" nodeType="mainSeq">
+                <p:childTnLst>
+                  <p:par>
+                    <p:cTn id="3" fill="hold">
+                      <p:stCondLst>
+                        <p:cond delay="indefinite"/>
+                        <p:cond evt="onBegin" delay="0">
+                          <p:tn val="2"/>
+                        </p:cond>
+                      </p:stCondLst>
+                      <p:childTnLst>
+                        <p:par>
+                          <p:cTn id="4" fill="hold">
+                            <p:stCondLst>
+                              <p:cond delay="0"/>
+                            </p:stCondLst>
+                            <p:childTnLst>
+                              <p:par>
+                                <p:cTn id="5" presetID="1" presetClass="entr" presetSubtype="0" fill="hold" grpId="0" nodeType="withEffect">
+                                  <p:stCondLst>
+                                    <p:cond delay="0"/>
+                                  </p:stCondLst>
+                                  <p:childTnLst>
+                                    <p:set>
+                                      <p:cBhvr>
+                                        <p:cTn id="6" dur="1" fill="hold">
+                                          <p:stCondLst>
+                                            <p:cond delay="0"/>
+                                          </p:stCondLst>
+                                        </p:cTn>
+                                        <p:tgtEl>
+                                          <p:spTgt spid="6">
+                                            <p:txEl>
+                                              <p:pRg st="0" end="0"/>
+                                            </p:txEl>
+                                          </p:spTgt>
+                                        </p:tgtEl>
+                                        <p:attrNameLst>
+                                          <p:attrName>style.visibility</p:attrName>
+                                        </p:attrNameLst>
+                                      </p:cBhvr>
+                                      <p:to>
+                                        <p:strVal val="visible"/>
+                                      </p:to>
+                                    </p:set>
+                                  </p:childTnLst>
+                                </p:cTn>
+                              </p:par>
+                              <p:par>
+                                <p:cTn id="7" presetID="1" presetClass="entr" presetSubtype="0" fill="hold" grpId="0" nodeType="withEffect">
+                                  <p:stCondLst>
+                                    <p:cond delay="0"/>
+                                  </p:stCondLst>
+                                  <p:childTnLst>
+                                    <p:set>
+                                      <p:cBhvr>
+                                        <p:cTn id="8" dur="1" fill="hold">
+                                          <p:stCondLst>
+                                            <p:cond delay="0"/>
+                                          </p:stCondLst>
+                                        </p:cTn>
+                                        <p:tgtEl>
+                                          <p:spTgt spid="6">
+                                            <p:txEl>
+                                              <p:pRg st="1" end="1"/>
+                                            </p:txEl>
+                                          </p:spTgt>
+                                        </p:tgtEl>
+                                        <p:attrNameLst>
+                                          <p:attrName>style.visibility</p:attrName>
+                                        </p:attrNameLst>
+                                      </p:cBhvr>
+                                      <p:to>
+                                        <p:strVal val="visible"/>
+                                      </p:to>
+                                    </p:set>
+                                  </p:childTnLst>
+                                </p:cTn>
+                              </p:par>
+                              <p:par>
+                                <p:cTn id="9" presetID="1" presetClass="entr" presetSubtype="0" fill="hold" grpId="0" nodeType="withEffect">
+                                  <p:stCondLst>
+                                    <p:cond delay="0"/>
+                                  </p:stCondLst>
+                                  <p:childTnLst>
+                                    <p:set>
+                                      <p:cBhvr>
+                                        <p:cTn id="10" dur="1" fill="hold">
+                                          <p:stCondLst>
+                                            <p:cond delay="0"/>
+                                          </p:stCondLst>
+                                        </p:cTn>
+                                        <p:tgtEl>
+                                          <p:spTgt spid="6">
+                                            <p:txEl>
+                                              <p:pRg st="2" end="2"/>
+                                            </p:txEl>
+                                          </p:spTgt>
+                                        </p:tgtEl>
+                                        <p:attrNameLst>
+                                          <p:attrName>style.visibility</p:attrName>
+                                        </p:attrNameLst>
+                                      </p:cBhvr>
+                                      <p:to>
+                                        <p:strVal val="visible"/>
+                                      </p:to>
+                                    </p:set>
+                                  </p:childTnLst>
+                                </p:cTn>
+                              </p:par>
+                            </p:childTnLst>
+                          </p:cTn>
+                        </p:par>
+                      </p:childTnLst>
+                    </p:cTn>
+                  </p:par>
+                  <p:par>
+                    <p:cTn id="11" fill="hold">
+                      <p:stCondLst>
+                        <p:cond delay="indefinite"/>
+                      </p:stCondLst>
+                      <p:childTnLst>
+                        <p:par>
+                          <p:cTn id="12" fill="hold">
+                            <p:stCondLst>
+                              <p:cond delay="0"/>
+                            </p:stCondLst>
+                            <p:childTnLst>
+                              <p:par>
+                                <p:cTn id="13" presetID="1" presetClass="entr" presetSubtype="0" fill="hold" grpId="0" nodeType="clickEffect">
+                                  <p:stCondLst>
+                                    <p:cond delay="0"/>
+                                  </p:stCondLst>
+                                  <p:childTnLst>
+                                    <p:set>
+                                      <p:cBhvr>
+                                        <p:cTn id="14" dur="1" fill="hold">
+                                          <p:stCondLst>
+                                            <p:cond delay="0"/>
+                                          </p:stCondLst>
+                                        </p:cTn>
+                                        <p:tgtEl>
+                                          <p:spTgt spid="6">
+                                            <p:txEl>
+                                              <p:pRg st="3" end="3"/>
+                                            </p:txEl>
+                                          </p:spTgt>
+                                        </p:tgtEl>
+                                        <p:attrNameLst>
+                                          <p:attrName>style.visibility</p:attrName>
+                                        </p:attrNameLst>
+                                      </p:cBhvr>
+                                      <p:to>
+                                        <p:strVal val="visible"/>
+                                      </p:to>
+                                    </p:set>
+                                  </p:childTnLst>
+                                </p:cTn>
+                              </p:par>
+                            </p:childTnLst>
+                          </p:cTn>
+                        </p:par>
+                      </p:childTnLst>
+                    </p:cTn>
+                  </p:par>
+                  <p:par>
+                    <p:cTn id="15" fill="hold">
+                      <p:stCondLst>
+                        <p:cond delay="indefinite"/>
+                      </p:stCondLst>
+                      <p:childTnLst>
+                        <p:par>
+                          <p:cTn id="16" fill="hold">
+                            <p:stCondLst>
+                              <p:cond delay="0"/>
+                            </p:stCondLst>
+                            <p:childTnLst>
+                              <p:par>
+                                <p:cTn id="17" presetID="1" presetClass="entr" presetSubtype="0" fill="hold" grpId="0" nodeType="clickEffect">
+                                  <p:stCondLst>
+                                    <p:cond delay="0"/>
+                                  </p:stCondLst>
+                                  <p:childTnLst>
+                                    <p:set>
+                                      <p:cBhvr>
+                                        <p:cTn id="18" dur="1" fill="hold">
+                                          <p:stCondLst>
+                                            <p:cond delay="0"/>
+                                          </p:stCondLst>
+                                        </p:cTn>
+                                        <p:tgtEl>
+                                          <p:spTgt spid="6">
+                                            <p:txEl>
+                                              <p:pRg st="4" end="4"/>
+                                            </p:txEl>
+                                          </p:spTgt>
+                                        </p:tgtEl>
+                                        <p:attrNameLst>
+                                          <p:attrName>style.visibility</p:attrName>
+                                        </p:attrNameLst>
+                                      </p:cBhvr>
+                                      <p:to>
+                                        <p:strVal val="visible"/>
+                                      </p:to>
+                                    </p:set>
+                                  </p:childTnLst>
+                                </p:cTn>
+                              </p:par>
+                            </p:childTnLst>
+                          </p:cTn>
+                        </p:par>
+                      </p:childTnLst>
+                    </p:cTn>
+                  </p:par>
+                </p:childTnLst>
+              </p:cTn>
+              <p:prevCondLst>
+                <p:cond evt="onPrev" delay="0">
+                  <p:tgtEl>
+                    <p:sldTgt/>
+                  </p:tgtEl>
+                </p:cond>
+              </p:prevCondLst>
+              <p:nextCondLst>
+                <p:cond evt="onNext" delay="0">
+                  <p:tgtEl>
+                    <p:sldTgt/>
+                  </p:tgtEl>
+                </p:cond>
+              </p:nextCondLst>
+            </p:seq>
+          </p:childTnLst>
+        </p:cTn>
       </p:par>
     </p:tnLst>
+    <p:bldLst>
+      <p:bldP spid="6" grpId="0" uiExpand="1" build="p"/>
+    </p:bldLst>
   </p:timing>
 </p:sld>
 </file>
@@ -11168,6 +11558,144 @@
       </p:grpSpPr>
       <p:sp>
         <p:nvSpPr>
+          <p:cNvPr id="9" name="Text Placeholder 8"/>
+          <p:cNvSpPr>
+            <a:spLocks noGrp="1"/>
+          </p:cNvSpPr>
+          <p:nvPr>
+            <p:ph type="body" idx="14"/>
+          </p:nvPr>
+        </p:nvSpPr>
+        <p:spPr/>
+        <p:txBody>
+          <a:bodyPr/>
+          <a:lstStyle/>
+          <a:p>
+            <a:endParaRPr lang="en-AU"/>
+          </a:p>
+        </p:txBody>
+      </p:sp>
+      <p:sp>
+        <p:nvSpPr>
+          <p:cNvPr id="8" name="Title 7"/>
+          <p:cNvSpPr>
+            <a:spLocks noGrp="1"/>
+          </p:cNvSpPr>
+          <p:nvPr>
+            <p:ph type="title"/>
+          </p:nvPr>
+        </p:nvSpPr>
+        <p:spPr/>
+        <p:txBody>
+          <a:bodyPr/>
+          <a:lstStyle/>
+          <a:p>
+            <a:r>
+              <a:rPr lang="en-AU" dirty="0" smtClean="0"/>
+              <a:t>The </a:t>
+            </a:r>
+            <a:r>
+              <a:rPr lang="en-AU" i="1" dirty="0" err="1" smtClean="0"/>
+              <a:t>BayesFactor</a:t>
+            </a:r>
+            <a:r>
+              <a:rPr lang="en-AU" dirty="0" smtClean="0"/>
+              <a:t> package</a:t>
+            </a:r>
+            <a:endParaRPr lang="en-AU" dirty="0"/>
+          </a:p>
+        </p:txBody>
+      </p:sp>
+      <p:sp>
+        <p:nvSpPr>
+          <p:cNvPr id="10" name="Text Placeholder 9"/>
+          <p:cNvSpPr>
+            <a:spLocks noGrp="1"/>
+          </p:cNvSpPr>
+          <p:nvPr>
+            <p:ph type="body" sz="quarter" idx="15"/>
+          </p:nvPr>
+        </p:nvSpPr>
+        <p:spPr/>
+        <p:txBody>
+          <a:bodyPr/>
+          <a:lstStyle/>
+          <a:p>
+            <a:r>
+              <a:rPr lang="en-AU" dirty="0" smtClean="0"/>
+              <a:t>Bayesian Hypothesis Testing with R</a:t>
+            </a:r>
+            <a:endParaRPr lang="en-AU" dirty="0"/>
+          </a:p>
+        </p:txBody>
+      </p:sp>
+      <p:sp>
+        <p:nvSpPr>
+          <p:cNvPr id="5" name="Slide Number Placeholder 4"/>
+          <p:cNvSpPr>
+            <a:spLocks noGrp="1"/>
+          </p:cNvSpPr>
+          <p:nvPr>
+            <p:ph type="sldNum" sz="quarter" idx="4294967295"/>
+          </p:nvPr>
+        </p:nvSpPr>
+        <p:spPr>
+          <a:xfrm>
+            <a:off x="9347200" y="6381750"/>
+            <a:ext cx="2844800" cy="365125"/>
+          </a:xfrm>
+        </p:spPr>
+        <p:txBody>
+          <a:bodyPr/>
+          <a:lstStyle/>
+          <a:p>
+            <a:fld id="{D9C42BCC-44E8-4F98-A8FE-EAF16D8C1E6E}" type="slidenum">
+              <a:rPr lang="en-AU" smtClean="0"/>
+              <a:t>24</a:t>
+            </a:fld>
+            <a:endParaRPr lang="en-AU"/>
+          </a:p>
+        </p:txBody>
+      </p:sp>
+    </p:spTree>
+    <p:extLst>
+      <p:ext uri="{BB962C8B-B14F-4D97-AF65-F5344CB8AC3E}">
+        <p14:creationId xmlns:p14="http://schemas.microsoft.com/office/powerpoint/2010/main" val="1922930977"/>
+      </p:ext>
+    </p:extLst>
+  </p:cSld>
+  <p:clrMapOvr>
+    <a:masterClrMapping/>
+  </p:clrMapOvr>
+  <p:timing>
+    <p:tnLst>
+      <p:par>
+        <p:cTn id="1" dur="indefinite" restart="never" nodeType="tmRoot"/>
+      </p:par>
+    </p:tnLst>
+  </p:timing>
+</p:sld>
+</file>
+
+<file path=ppt/slides/slide25.xml><?xml version="1.0" encoding="utf-8"?>
+<p:sld xmlns:a="http://schemas.openxmlformats.org/drawingml/2006/main" xmlns:r="http://schemas.openxmlformats.org/officeDocument/2006/relationships" xmlns:p="http://schemas.openxmlformats.org/presentationml/2006/main">
+  <p:cSld>
+    <p:spTree>
+      <p:nvGrpSpPr>
+        <p:cNvPr id="1" name=""/>
+        <p:cNvGrpSpPr/>
+        <p:nvPr/>
+      </p:nvGrpSpPr>
+      <p:grpSpPr>
+        <a:xfrm>
+          <a:off x="0" y="0"/>
+          <a:ext cx="0" cy="0"/>
+          <a:chOff x="0" y="0"/>
+          <a:chExt cx="0" cy="0"/>
+        </a:xfrm>
+      </p:grpSpPr>
+      <p:sp>
+        <p:nvSpPr>
           <p:cNvPr id="7" name="Content Placeholder 6"/>
           <p:cNvSpPr>
             <a:spLocks noGrp="1"/>
@@ -11209,13 +11737,21 @@
           <a:p>
             <a:pPr lvl="1"/>
             <a:r>
-              <a:rPr lang="en-AU" dirty="0" err="1"/>
-              <a:t>r</a:t>
-            </a:r>
-            <a:r>
               <a:rPr lang="en-AU" dirty="0" err="1" smtClean="0"/>
-              <a:t>jags</a:t>
-            </a:r>
+              <a:t>rjags</a:t>
+            </a:r>
+            <a:endParaRPr lang="en-AU" dirty="0" smtClean="0"/>
+          </a:p>
+          <a:p>
+            <a:pPr lvl="1"/>
+            <a:r>
+              <a:rPr lang="en-AU" dirty="0" err="1" smtClean="0"/>
+              <a:t>HDInterval</a:t>
+            </a:r>
+            <a:endParaRPr lang="en-AU" smtClean="0"/>
+          </a:p>
+          <a:p>
+            <a:pPr lvl="1"/>
             <a:endParaRPr lang="en-AU" dirty="0" smtClean="0"/>
           </a:p>
           <a:p>
@@ -11285,10 +11821,17 @@
   <p:clrMapOvr>
     <a:masterClrMapping/>
   </p:clrMapOvr>
+  <p:timing>
+    <p:tnLst>
+      <p:par>
+        <p:cTn id="1" dur="indefinite" restart="never" nodeType="tmRoot"/>
+      </p:par>
+    </p:tnLst>
+  </p:timing>
 </p:sld>
 </file>
 
-<file path=ppt/slides/slide25.xml><?xml version="1.0" encoding="utf-8"?>
+<file path=ppt/slides/slide26.xml><?xml version="1.0" encoding="utf-8"?>
 <p:sld xmlns:a="http://schemas.openxmlformats.org/drawingml/2006/main" xmlns:r="http://schemas.openxmlformats.org/officeDocument/2006/relationships" xmlns:p="http://schemas.openxmlformats.org/presentationml/2006/main">
   <p:cSld>
     <p:spTree>
@@ -11681,7 +12224,7 @@
 </p:sld>
 </file>
 
-<file path=ppt/slides/slide26.xml><?xml version="1.0" encoding="utf-8"?>
+<file path=ppt/slides/slide27.xml><?xml version="1.0" encoding="utf-8"?>
 <p:sld xmlns:a="http://schemas.openxmlformats.org/drawingml/2006/main" xmlns:r="http://schemas.openxmlformats.org/officeDocument/2006/relationships" xmlns:p="http://schemas.openxmlformats.org/presentationml/2006/main">
   <p:cSld>
     <p:spTree>
@@ -11752,7 +12295,7 @@
                       <m:sSubPr>
                         <m:ctrlPr>
                           <a:rPr lang="en-AU" i="1" smtClean="0">
-                            <a:latin typeface="Cambria Math" panose="02040503050406030204" pitchFamily="18" charset="0"/>
+                            <a:latin typeface="Cambria Math"/>
                           </a:rPr>
                         </m:ctrlPr>
                       </m:sSubPr>
@@ -11785,7 +12328,7 @@
                       <m:sSubPr>
                         <m:ctrlPr>
                           <a:rPr lang="en-AU" i="1" smtClean="0">
-                            <a:latin typeface="Cambria Math" panose="02040503050406030204" pitchFamily="18" charset="0"/>
+                            <a:latin typeface="Cambria Math"/>
                           </a:rPr>
                         </m:ctrlPr>
                       </m:sSubPr>
@@ -11819,7 +12362,7 @@
                       <m:sSubPr>
                         <m:ctrlPr>
                           <a:rPr lang="en-AU" b="0" i="1" smtClean="0">
-                            <a:latin typeface="Cambria Math" panose="02040503050406030204" pitchFamily="18" charset="0"/>
+                            <a:latin typeface="Cambria Math"/>
                           </a:rPr>
                         </m:ctrlPr>
                       </m:sSubPr>
@@ -11859,7 +12402,7 @@
                       <m:sSubPr>
                         <m:ctrlPr>
                           <a:rPr lang="en-AU" b="0" i="1" smtClean="0">
-                            <a:latin typeface="Cambria Math" panose="02040503050406030204" pitchFamily="18" charset="0"/>
+                            <a:latin typeface="Cambria Math"/>
                           </a:rPr>
                         </m:ctrlPr>
                       </m:sSubPr>
@@ -11891,7 +12434,7 @@
                       <m:sSubPr>
                         <m:ctrlPr>
                           <a:rPr lang="en-AU" b="0" i="1" smtClean="0">
-                            <a:latin typeface="Cambria Math" panose="02040503050406030204" pitchFamily="18" charset="0"/>
+                            <a:latin typeface="Cambria Math"/>
                           </a:rPr>
                         </m:ctrlPr>
                       </m:sSubPr>
@@ -11926,7 +12469,7 @@
                         <m:supHide m:val="on"/>
                         <m:ctrlPr>
                           <a:rPr lang="en-AU" b="0" i="1" smtClean="0">
-                            <a:latin typeface="Cambria Math" panose="02040503050406030204" pitchFamily="18" charset="0"/>
+                            <a:latin typeface="Cambria Math"/>
                           </a:rPr>
                         </m:ctrlPr>
                       </m:naryPr>
@@ -11947,7 +12490,7 @@
                           <m:sSubPr>
                             <m:ctrlPr>
                               <a:rPr lang="en-AU" b="0" i="1" smtClean="0">
-                                <a:latin typeface="Cambria Math" panose="02040503050406030204" pitchFamily="18" charset="0"/>
+                                <a:latin typeface="Cambria Math"/>
                               </a:rPr>
                             </m:ctrlPr>
                           </m:sSubPr>
@@ -11973,7 +12516,7 @@
                           <m:sSubPr>
                             <m:ctrlPr>
                               <a:rPr lang="en-AU" b="0" i="1" smtClean="0">
-                                <a:latin typeface="Cambria Math" panose="02040503050406030204" pitchFamily="18" charset="0"/>
+                                <a:latin typeface="Cambria Math"/>
                               </a:rPr>
                             </m:ctrlPr>
                           </m:sSubPr>
@@ -12053,7 +12596,7 @@
                       <m:sSubPr>
                         <m:ctrlPr>
                           <a:rPr lang="en-AU" i="1">
-                            <a:latin typeface="Cambria Math" panose="02040503050406030204" pitchFamily="18" charset="0"/>
+                            <a:latin typeface="Cambria Math"/>
                           </a:rPr>
                         </m:ctrlPr>
                       </m:sSubPr>
@@ -12159,7 +12702,7 @@
           <a:p>
             <a:fld id="{D9C42BCC-44E8-4F98-A8FE-EAF16D8C1E6E}" type="slidenum">
               <a:rPr lang="en-AU" smtClean="0"/>
-              <a:t>26</a:t>
+              <a:t>27</a:t>
             </a:fld>
             <a:endParaRPr lang="en-AU"/>
           </a:p>
@@ -12279,341 +12822,6 @@
     <p:extLst>
       <p:ext uri="{BB962C8B-B14F-4D97-AF65-F5344CB8AC3E}">
         <p14:creationId xmlns:p14="http://schemas.microsoft.com/office/powerpoint/2010/main" val="2602424665"/>
-      </p:ext>
-    </p:extLst>
-  </p:cSld>
-  <p:clrMapOvr>
-    <a:masterClrMapping/>
-  </p:clrMapOvr>
-  <p:timing>
-    <p:tnLst>
-      <p:par>
-        <p:cTn id="1" dur="indefinite" restart="never" nodeType="tmRoot"/>
-      </p:par>
-    </p:tnLst>
-  </p:timing>
-</p:sld>
-</file>
-
-<file path=ppt/slides/slide27.xml><?xml version="1.0" encoding="utf-8"?>
-<p:sld xmlns:a="http://schemas.openxmlformats.org/drawingml/2006/main" xmlns:r="http://schemas.openxmlformats.org/officeDocument/2006/relationships" xmlns:p="http://schemas.openxmlformats.org/presentationml/2006/main">
-  <p:cSld>
-    <p:spTree>
-      <p:nvGrpSpPr>
-        <p:cNvPr id="1" name=""/>
-        <p:cNvGrpSpPr/>
-        <p:nvPr/>
-      </p:nvGrpSpPr>
-      <p:grpSpPr>
-        <a:xfrm>
-          <a:off x="0" y="0"/>
-          <a:ext cx="0" cy="0"/>
-          <a:chOff x="0" y="0"/>
-          <a:chExt cx="0" cy="0"/>
-        </a:xfrm>
-      </p:grpSpPr>
-      <p:sp>
-        <p:nvSpPr>
-          <p:cNvPr id="2" name="Title 1"/>
-          <p:cNvSpPr>
-            <a:spLocks noGrp="1"/>
-          </p:cNvSpPr>
-          <p:nvPr>
-            <p:ph type="title"/>
-          </p:nvPr>
-        </p:nvSpPr>
-        <p:spPr/>
-        <p:txBody>
-          <a:bodyPr/>
-          <a:lstStyle/>
-          <a:p>
-            <a:r>
-              <a:rPr lang="en-AU" i="1" dirty="0" err="1" smtClean="0"/>
-              <a:t>BayesFactor</a:t>
-            </a:r>
-            <a:r>
-              <a:rPr lang="en-AU" dirty="0" smtClean="0"/>
-              <a:t> ANOVA</a:t>
-            </a:r>
-            <a:endParaRPr lang="en-AU" dirty="0"/>
-          </a:p>
-        </p:txBody>
-      </p:sp>
-      <p:sp>
-        <p:nvSpPr>
-          <p:cNvPr id="3" name="Content Placeholder 2"/>
-          <p:cNvSpPr>
-            <a:spLocks noGrp="1"/>
-          </p:cNvSpPr>
-          <p:nvPr>
-            <p:ph idx="1"/>
-          </p:nvPr>
-        </p:nvSpPr>
-        <p:spPr/>
-        <p:txBody>
-          <a:bodyPr/>
-          <a:lstStyle/>
-          <a:p>
-            <a:pPr marL="285750" indent="-285750">
-              <a:buFont typeface="Arial" panose="020B0604020202020204" pitchFamily="34" charset="0"/>
-              <a:buChar char="•"/>
-            </a:pPr>
-            <a:r>
-              <a:rPr lang="en-AU" dirty="0"/>
-              <a:t>Standard approach developed by </a:t>
-            </a:r>
-            <a:r>
-              <a:rPr lang="en-AU" dirty="0" err="1"/>
-              <a:t>Jeffreys</a:t>
-            </a:r>
-            <a:r>
-              <a:rPr lang="en-AU" dirty="0"/>
-              <a:t>, </a:t>
-            </a:r>
-            <a:r>
-              <a:rPr lang="en-AU" dirty="0" err="1"/>
-              <a:t>Zellner</a:t>
-            </a:r>
-            <a:r>
-              <a:rPr lang="en-AU" dirty="0"/>
-              <a:t>, and </a:t>
-            </a:r>
-            <a:r>
-              <a:rPr lang="en-AU" dirty="0" err="1" smtClean="0"/>
-              <a:t>Siow</a:t>
-            </a:r>
-            <a:r>
-              <a:rPr lang="en-AU" dirty="0" smtClean="0"/>
-              <a:t>.</a:t>
-            </a:r>
-            <a:endParaRPr lang="en-AU" dirty="0"/>
-          </a:p>
-          <a:p>
-            <a:pPr marL="285750" indent="-285750">
-              <a:buFont typeface="Arial" panose="020B0604020202020204" pitchFamily="34" charset="0"/>
-              <a:buChar char="•"/>
-            </a:pPr>
-            <a:r>
-              <a:rPr lang="en-AU" dirty="0" smtClean="0"/>
-              <a:t>Allows </a:t>
-            </a:r>
-            <a:r>
-              <a:rPr lang="en-AU" dirty="0" smtClean="0"/>
-              <a:t>for heterogeneous variances.</a:t>
-            </a:r>
-          </a:p>
-          <a:p>
-            <a:pPr marL="285750" indent="-285750">
-              <a:buFont typeface="Arial" panose="020B0604020202020204" pitchFamily="34" charset="0"/>
-              <a:buChar char="•"/>
-            </a:pPr>
-            <a:r>
-              <a:rPr lang="en-AU" dirty="0" smtClean="0"/>
-              <a:t>Value of </a:t>
-            </a:r>
-            <a:r>
-              <a:rPr lang="en-AU" i="1" dirty="0" smtClean="0"/>
-              <a:t>g </a:t>
-            </a:r>
-            <a:r>
-              <a:rPr lang="en-AU" dirty="0" smtClean="0"/>
-              <a:t>can be estimated from the data.</a:t>
-            </a:r>
-          </a:p>
-          <a:p>
-            <a:pPr marL="285750" indent="-285750">
-              <a:buFont typeface="Arial" panose="020B0604020202020204" pitchFamily="34" charset="0"/>
-              <a:buChar char="•"/>
-            </a:pPr>
-            <a:endParaRPr lang="en-AU" i="1" dirty="0"/>
-          </a:p>
-          <a:p>
-            <a:pPr marL="285750" indent="-285750">
-              <a:buFont typeface="Arial" panose="020B0604020202020204" pitchFamily="34" charset="0"/>
-              <a:buChar char="•"/>
-            </a:pPr>
-            <a:r>
-              <a:rPr lang="en-AU" dirty="0" smtClean="0"/>
-              <a:t>No analytical solution for Bayes factor.</a:t>
-            </a:r>
-          </a:p>
-          <a:p>
-            <a:pPr marL="285750" indent="-285750">
-              <a:buFont typeface="Arial" panose="020B0604020202020204" pitchFamily="34" charset="0"/>
-              <a:buChar char="•"/>
-            </a:pPr>
-            <a:r>
-              <a:rPr lang="en-AU" dirty="0" smtClean="0"/>
-              <a:t>Numeric approximation relatively easy.</a:t>
-            </a:r>
-          </a:p>
-          <a:p>
-            <a:pPr marL="285750" indent="-285750">
-              <a:buFont typeface="Arial" panose="020B0604020202020204" pitchFamily="34" charset="0"/>
-              <a:buChar char="•"/>
-            </a:pPr>
-            <a:endParaRPr lang="en-AU" dirty="0"/>
-          </a:p>
-          <a:p>
-            <a:pPr marL="285750" indent="-285750">
-              <a:buFont typeface="Arial" panose="020B0604020202020204" pitchFamily="34" charset="0"/>
-              <a:buChar char="•"/>
-            </a:pPr>
-            <a:endParaRPr lang="en-AU" dirty="0" smtClean="0"/>
-          </a:p>
-          <a:p>
-            <a:pPr marL="285750" indent="-285750">
-              <a:buFont typeface="Arial" panose="020B0604020202020204" pitchFamily="34" charset="0"/>
-              <a:buChar char="•"/>
-            </a:pPr>
-            <a:endParaRPr lang="en-AU" dirty="0"/>
-          </a:p>
-          <a:p>
-            <a:pPr marL="285750" indent="-285750">
-              <a:buFont typeface="Arial" panose="020B0604020202020204" pitchFamily="34" charset="0"/>
-              <a:buChar char="•"/>
-            </a:pPr>
-            <a:r>
-              <a:rPr lang="en-AU" dirty="0" smtClean="0"/>
-              <a:t>Example </a:t>
-            </a:r>
-            <a:r>
-              <a:rPr lang="en-AU" dirty="0" smtClean="0"/>
-              <a:t>data: </a:t>
-            </a:r>
-            <a:r>
-              <a:rPr lang="en-AU" dirty="0" smtClean="0">
-                <a:hlinkClick r:id="rId2"/>
-              </a:rPr>
-              <a:t>https://humburg.github.io/bayesian-data-analysis-in-r/data/anova_data.csv</a:t>
-            </a:r>
-            <a:endParaRPr lang="en-AU" dirty="0" smtClean="0"/>
-          </a:p>
-          <a:p>
-            <a:pPr marL="285750" indent="-285750">
-              <a:buFont typeface="Arial" panose="020B0604020202020204" pitchFamily="34" charset="0"/>
-              <a:buChar char="•"/>
-            </a:pPr>
-            <a:endParaRPr lang="en-AU" dirty="0" smtClean="0"/>
-          </a:p>
-        </p:txBody>
-      </p:sp>
-      <p:sp>
-        <p:nvSpPr>
-          <p:cNvPr id="4" name="Footer Placeholder 3"/>
-          <p:cNvSpPr>
-            <a:spLocks noGrp="1"/>
-          </p:cNvSpPr>
-          <p:nvPr>
-            <p:ph type="ftr" sz="quarter" idx="11"/>
-          </p:nvPr>
-        </p:nvSpPr>
-        <p:spPr/>
-        <p:txBody>
-          <a:bodyPr/>
-          <a:lstStyle/>
-          <a:p>
-            <a:r>
-              <a:rPr lang="en-AU" smtClean="0"/>
-              <a:t>FACULTY RESEARCH OFFICE | HUMAN SCIENCES</a:t>
-            </a:r>
-            <a:endParaRPr lang="en-AU" dirty="0"/>
-          </a:p>
-        </p:txBody>
-      </p:sp>
-      <p:sp>
-        <p:nvSpPr>
-          <p:cNvPr id="5" name="Slide Number Placeholder 4"/>
-          <p:cNvSpPr>
-            <a:spLocks noGrp="1"/>
-          </p:cNvSpPr>
-          <p:nvPr>
-            <p:ph type="sldNum" sz="quarter" idx="12"/>
-          </p:nvPr>
-        </p:nvSpPr>
-        <p:spPr/>
-        <p:txBody>
-          <a:bodyPr/>
-          <a:lstStyle/>
-          <a:p>
-            <a:fld id="{D9C42BCC-44E8-4F98-A8FE-EAF16D8C1E6E}" type="slidenum">
-              <a:rPr lang="en-AU" smtClean="0"/>
-              <a:t>27</a:t>
-            </a:fld>
-            <a:endParaRPr lang="en-AU"/>
-          </a:p>
-        </p:txBody>
-      </p:sp>
-      <p:sp>
-        <p:nvSpPr>
-          <p:cNvPr id="6" name="Text Placeholder 5"/>
-          <p:cNvSpPr>
-            <a:spLocks noGrp="1"/>
-          </p:cNvSpPr>
-          <p:nvPr>
-            <p:ph type="body" sz="quarter" idx="15"/>
-          </p:nvPr>
-        </p:nvSpPr>
-        <p:spPr/>
-        <p:txBody>
-          <a:bodyPr/>
-          <a:lstStyle/>
-          <a:p>
-            <a:r>
-              <a:rPr lang="en-AU" dirty="0" smtClean="0"/>
-              <a:t>JZS model</a:t>
-            </a:r>
-            <a:endParaRPr lang="en-AU" dirty="0"/>
-          </a:p>
-        </p:txBody>
-      </p:sp>
-      <p:pic>
-        <p:nvPicPr>
-          <p:cNvPr id="4098" name="Picture 2" descr="https://www.tandfonline.com/na101/home/literatum/publisher/tandf/journals/content/utas20/2012/utas20.v066.i02/00031305.2012.695956/production/images/utas_a_695956_o_um0008.gif"/>
-          <p:cNvPicPr>
-            <a:picLocks noGrp="1" noChangeAspect="1" noChangeArrowheads="1"/>
-          </p:cNvPicPr>
-          <p:nvPr>
-            <p:ph idx="16"/>
-          </p:nvPr>
-        </p:nvPicPr>
-        <p:blipFill>
-          <a:blip r:embed="rId3">
-            <a:extLst>
-              <a:ext uri="{28A0092B-C50C-407E-A947-70E740481C1C}">
-                <a14:useLocalDpi xmlns:a14="http://schemas.microsoft.com/office/drawing/2010/main" val="0"/>
-              </a:ext>
-            </a:extLst>
-          </a:blip>
-          <a:srcRect/>
-          <a:stretch>
-            <a:fillRect/>
-          </a:stretch>
-        </p:blipFill>
-        <p:spPr bwMode="auto">
-          <a:xfrm>
-            <a:off x="6967537" y="3167856"/>
-            <a:ext cx="3781425" cy="1428750"/>
-          </a:xfrm>
-          <a:prstGeom prst="rect">
-            <a:avLst/>
-          </a:prstGeom>
-          <a:noFill/>
-          <a:extLst>
-            <a:ext uri="{909E8E84-426E-40DD-AFC4-6F175D3DCCD1}">
-              <a14:hiddenFill xmlns:a14="http://schemas.microsoft.com/office/drawing/2010/main">
-                <a:solidFill>
-                  <a:srgbClr val="FFFFFF"/>
-                </a:solidFill>
-              </a14:hiddenFill>
-            </a:ext>
-          </a:extLst>
-        </p:spPr>
-      </p:pic>
-    </p:spTree>
-    <p:extLst>
-      <p:ext uri="{BB962C8B-B14F-4D97-AF65-F5344CB8AC3E}">
-        <p14:creationId xmlns:p14="http://schemas.microsoft.com/office/powerpoint/2010/main" val="4279262500"/>
       </p:ext>
     </p:extLst>
   </p:cSld>
@@ -12649,7 +12857,7 @@
       </p:grpSpPr>
       <p:sp>
         <p:nvSpPr>
-          <p:cNvPr id="8" name="Title 7"/>
+          <p:cNvPr id="2" name="Title 1"/>
           <p:cNvSpPr>
             <a:spLocks noGrp="1"/>
           </p:cNvSpPr>
@@ -12663,10 +12871,165 @@
           <a:lstStyle/>
           <a:p>
             <a:r>
+              <a:rPr lang="en-AU" i="1" dirty="0" err="1" smtClean="0"/>
+              <a:t>BayesFactor</a:t>
+            </a:r>
+            <a:r>
               <a:rPr lang="en-AU" dirty="0" smtClean="0"/>
-              <a:t>Let’s try this</a:t>
+              <a:t> ANOVA</a:t>
             </a:r>
             <a:endParaRPr lang="en-AU" dirty="0"/>
+          </a:p>
+        </p:txBody>
+      </p:sp>
+      <p:sp>
+        <p:nvSpPr>
+          <p:cNvPr id="3" name="Content Placeholder 2"/>
+          <p:cNvSpPr>
+            <a:spLocks noGrp="1"/>
+          </p:cNvSpPr>
+          <p:nvPr>
+            <p:ph idx="1"/>
+          </p:nvPr>
+        </p:nvSpPr>
+        <p:spPr/>
+        <p:txBody>
+          <a:bodyPr/>
+          <a:lstStyle/>
+          <a:p>
+            <a:pPr marL="285750" indent="-285750">
+              <a:buFont typeface="Arial" panose="020B0604020202020204" pitchFamily="34" charset="0"/>
+              <a:buChar char="•"/>
+            </a:pPr>
+            <a:r>
+              <a:rPr lang="en-AU" dirty="0"/>
+              <a:t>Standard approach developed by </a:t>
+            </a:r>
+            <a:r>
+              <a:rPr lang="en-AU" dirty="0" err="1"/>
+              <a:t>Jeffreys</a:t>
+            </a:r>
+            <a:r>
+              <a:rPr lang="en-AU" dirty="0"/>
+              <a:t>, </a:t>
+            </a:r>
+            <a:r>
+              <a:rPr lang="en-AU" dirty="0" err="1"/>
+              <a:t>Zellner</a:t>
+            </a:r>
+            <a:r>
+              <a:rPr lang="en-AU" dirty="0"/>
+              <a:t>, and </a:t>
+            </a:r>
+            <a:r>
+              <a:rPr lang="en-AU" dirty="0" err="1" smtClean="0"/>
+              <a:t>Siow</a:t>
+            </a:r>
+            <a:r>
+              <a:rPr lang="en-AU" dirty="0" smtClean="0"/>
+              <a:t>.</a:t>
+            </a:r>
+            <a:endParaRPr lang="en-AU" dirty="0"/>
+          </a:p>
+          <a:p>
+            <a:pPr marL="285750" indent="-285750">
+              <a:buFont typeface="Arial" panose="020B0604020202020204" pitchFamily="34" charset="0"/>
+              <a:buChar char="•"/>
+            </a:pPr>
+            <a:r>
+              <a:rPr lang="en-AU" dirty="0" smtClean="0"/>
+              <a:t>Allows for heterogeneous variances.</a:t>
+            </a:r>
+          </a:p>
+          <a:p>
+            <a:pPr marL="285750" indent="-285750">
+              <a:buFont typeface="Arial" panose="020B0604020202020204" pitchFamily="34" charset="0"/>
+              <a:buChar char="•"/>
+            </a:pPr>
+            <a:r>
+              <a:rPr lang="en-AU" dirty="0" smtClean="0"/>
+              <a:t>Value of </a:t>
+            </a:r>
+            <a:r>
+              <a:rPr lang="en-AU" i="1" dirty="0" smtClean="0"/>
+              <a:t>g </a:t>
+            </a:r>
+            <a:r>
+              <a:rPr lang="en-AU" dirty="0" smtClean="0"/>
+              <a:t>can be estimated from the data.</a:t>
+            </a:r>
+          </a:p>
+          <a:p>
+            <a:pPr marL="285750" indent="-285750">
+              <a:buFont typeface="Arial" panose="020B0604020202020204" pitchFamily="34" charset="0"/>
+              <a:buChar char="•"/>
+            </a:pPr>
+            <a:endParaRPr lang="en-AU" i="1" dirty="0"/>
+          </a:p>
+          <a:p>
+            <a:pPr marL="285750" indent="-285750">
+              <a:buFont typeface="Arial" panose="020B0604020202020204" pitchFamily="34" charset="0"/>
+              <a:buChar char="•"/>
+            </a:pPr>
+            <a:r>
+              <a:rPr lang="en-AU" dirty="0" smtClean="0"/>
+              <a:t>No analytical solution for Bayes factor.</a:t>
+            </a:r>
+          </a:p>
+          <a:p>
+            <a:pPr marL="285750" indent="-285750">
+              <a:buFont typeface="Arial" panose="020B0604020202020204" pitchFamily="34" charset="0"/>
+              <a:buChar char="•"/>
+            </a:pPr>
+            <a:r>
+              <a:rPr lang="en-AU" dirty="0" smtClean="0"/>
+              <a:t>Numeric approximation relatively easy.</a:t>
+            </a:r>
+          </a:p>
+          <a:p>
+            <a:pPr marL="285750" indent="-285750">
+              <a:buFont typeface="Arial" panose="020B0604020202020204" pitchFamily="34" charset="0"/>
+              <a:buChar char="•"/>
+            </a:pPr>
+            <a:endParaRPr lang="en-AU" dirty="0"/>
+          </a:p>
+          <a:p>
+            <a:pPr marL="285750" indent="-285750">
+              <a:buFont typeface="Arial" panose="020B0604020202020204" pitchFamily="34" charset="0"/>
+              <a:buChar char="•"/>
+            </a:pPr>
+            <a:endParaRPr lang="en-AU" dirty="0" smtClean="0"/>
+          </a:p>
+          <a:p>
+            <a:pPr marL="285750" indent="-285750">
+              <a:buFont typeface="Arial" panose="020B0604020202020204" pitchFamily="34" charset="0"/>
+              <a:buChar char="•"/>
+            </a:pPr>
+            <a:endParaRPr lang="en-AU" dirty="0"/>
+          </a:p>
+          <a:p>
+            <a:pPr marL="285750" indent="-285750">
+              <a:buFont typeface="Arial" panose="020B0604020202020204" pitchFamily="34" charset="0"/>
+              <a:buChar char="•"/>
+            </a:pPr>
+            <a:r>
+              <a:rPr lang="en-AU" dirty="0" smtClean="0"/>
+              <a:t>Example data: </a:t>
+            </a:r>
+            <a:r>
+              <a:rPr lang="en-AU" dirty="0" smtClean="0">
+                <a:hlinkClick r:id="rId2"/>
+              </a:rPr>
+              <a:t>https://humburg.github.io/bayesian-data-analysis-in-r/data/anova_data.csv</a:t>
+            </a:r>
+            <a:endParaRPr lang="en-AU" dirty="0" smtClean="0"/>
+          </a:p>
+          <a:p>
+            <a:pPr marL="285750" indent="-285750">
+              <a:buFont typeface="Arial" panose="020B0604020202020204" pitchFamily="34" charset="0"/>
+              <a:buChar char="•"/>
+            </a:pPr>
+            <a:endParaRPr lang="en-AU" dirty="0" smtClean="0"/>
           </a:p>
         </p:txBody>
       </p:sp>
@@ -12718,7 +13081,7 @@
       </p:sp>
       <p:sp>
         <p:nvSpPr>
-          <p:cNvPr id="10" name="Text Placeholder 9"/>
+          <p:cNvPr id="6" name="Text Placeholder 5"/>
           <p:cNvSpPr>
             <a:spLocks noGrp="1"/>
           </p:cNvSpPr>
@@ -12731,22 +13094,26 @@
           <a:bodyPr/>
           <a:lstStyle/>
           <a:p>
-            <a:endParaRPr lang="en-AU"/>
+            <a:r>
+              <a:rPr lang="en-AU" dirty="0" smtClean="0"/>
+              <a:t>JZS model</a:t>
+            </a:r>
+            <a:endParaRPr lang="en-AU" dirty="0"/>
           </a:p>
         </p:txBody>
       </p:sp>
       <p:pic>
         <p:nvPicPr>
-          <p:cNvPr id="1030" name="Picture 6" descr="Image result for r logo"/>
+          <p:cNvPr id="4098" name="Picture 2" descr="https://www.tandfonline.com/na101/home/literatum/publisher/tandf/journals/content/utas20/2012/utas20.v066.i02/00031305.2012.695956/production/images/utas_a_695956_o_um0008.gif"/>
           <p:cNvPicPr>
             <a:picLocks noGrp="1" noChangeAspect="1" noChangeArrowheads="1"/>
           </p:cNvPicPr>
           <p:nvPr>
-            <p:ph idx="1"/>
+            <p:ph idx="16"/>
           </p:nvPr>
         </p:nvPicPr>
         <p:blipFill>
-          <a:blip r:embed="rId2">
+          <a:blip r:embed="rId3">
             <a:extLst>
               <a:ext uri="{28A0092B-C50C-407E-A947-70E740481C1C}">
                 <a14:useLocalDpi xmlns:a14="http://schemas.microsoft.com/office/drawing/2010/main" val="0"/>
@@ -12760,8 +13127,8 @@
         </p:blipFill>
         <p:spPr bwMode="auto">
           <a:xfrm>
-            <a:off x="3200110" y="1619250"/>
-            <a:ext cx="5840993" cy="4525963"/>
+            <a:off x="6967537" y="3167856"/>
+            <a:ext cx="3781425" cy="1428750"/>
           </a:xfrm>
           <a:prstGeom prst="rect">
             <a:avLst/>
@@ -12781,13 +13148,20 @@
     </p:spTree>
     <p:extLst>
       <p:ext uri="{BB962C8B-B14F-4D97-AF65-F5344CB8AC3E}">
-        <p14:creationId xmlns:p14="http://schemas.microsoft.com/office/powerpoint/2010/main" val="1402326568"/>
+        <p14:creationId xmlns:p14="http://schemas.microsoft.com/office/powerpoint/2010/main" val="4279262500"/>
       </p:ext>
     </p:extLst>
   </p:cSld>
   <p:clrMapOvr>
     <a:masterClrMapping/>
   </p:clrMapOvr>
+  <p:timing>
+    <p:tnLst>
+      <p:par>
+        <p:cTn id="1" dur="indefinite" restart="never" nodeType="tmRoot"/>
+      </p:par>
+    </p:tnLst>
+  </p:timing>
 </p:sld>
 </file>
 
@@ -12810,7 +13184,7 @@
       </p:grpSpPr>
       <p:sp>
         <p:nvSpPr>
-          <p:cNvPr id="2" name="Title 1"/>
+          <p:cNvPr id="8" name="Title 7"/>
           <p:cNvSpPr>
             <a:spLocks noGrp="1"/>
           </p:cNvSpPr>
@@ -12825,220 +13199,12 @@
           <a:p>
             <a:r>
               <a:rPr lang="en-AU" dirty="0" smtClean="0"/>
-              <a:t>Linear Regression</a:t>
+              <a:t>Let’s try this</a:t>
             </a:r>
             <a:endParaRPr lang="en-AU" dirty="0"/>
           </a:p>
         </p:txBody>
       </p:sp>
-      <mc:AlternateContent xmlns:mc="http://schemas.openxmlformats.org/markup-compatibility/2006">
-        <mc:Choice xmlns:a14="http://schemas.microsoft.com/office/drawing/2010/main" Requires="a14">
-          <p:sp>
-            <p:nvSpPr>
-              <p:cNvPr id="10" name="Content Placeholder 9"/>
-              <p:cNvSpPr>
-                <a:spLocks noGrp="1"/>
-              </p:cNvSpPr>
-              <p:nvPr>
-                <p:ph idx="1"/>
-              </p:nvPr>
-            </p:nvSpPr>
-            <p:spPr/>
-            <p:txBody>
-              <a:bodyPr/>
-              <a:lstStyle/>
-              <a:p>
-                <a:pPr marL="285750" indent="-285750">
-                  <a:buFont typeface="Arial" panose="020B0604020202020204" pitchFamily="34" charset="0"/>
-                  <a:buChar char="•"/>
-                </a:pPr>
-                <a:r>
-                  <a:rPr lang="en-AU" dirty="0"/>
-                  <a:t>Model observation </a:t>
-                </a:r>
-                <a14:m>
-                  <m:oMath xmlns:m="http://schemas.openxmlformats.org/officeDocument/2006/math">
-                    <m:sSub>
-                      <m:sSubPr>
-                        <m:ctrlPr>
-                          <a:rPr lang="en-AU" i="1">
-                            <a:latin typeface="Cambria Math" panose="02040503050406030204" pitchFamily="18" charset="0"/>
-                          </a:rPr>
-                        </m:ctrlPr>
-                      </m:sSubPr>
-                      <m:e>
-                        <m:r>
-                          <a:rPr lang="en-AU" i="1">
-                            <a:latin typeface="Cambria Math" panose="02040503050406030204" pitchFamily="18" charset="0"/>
-                          </a:rPr>
-                          <m:t>𝑦</m:t>
-                        </m:r>
-                      </m:e>
-                      <m:sub>
-                        <m:r>
-                          <a:rPr lang="en-AU" i="1">
-                            <a:latin typeface="Cambria Math" panose="02040503050406030204" pitchFamily="18" charset="0"/>
-                          </a:rPr>
-                          <m:t>𝑖</m:t>
-                        </m:r>
-                      </m:sub>
-                    </m:sSub>
-                  </m:oMath>
-                </a14:m>
-                <a:r>
-                  <a:rPr lang="en-AU" dirty="0"/>
-                  <a:t> as </a:t>
-                </a:r>
-                <a:r>
-                  <a:rPr lang="en-AU" dirty="0" smtClean="0"/>
-                  <a:t>distributed </a:t>
-                </a:r>
-                <a:r>
-                  <a:rPr lang="en-AU" dirty="0"/>
-                  <a:t>around mean </a:t>
-                </a:r>
-                <a14:m>
-                  <m:oMath xmlns:m="http://schemas.openxmlformats.org/officeDocument/2006/math">
-                    <m:sSub>
-                      <m:sSubPr>
-                        <m:ctrlPr>
-                          <a:rPr lang="en-AU" i="1">
-                            <a:latin typeface="Cambria Math" panose="02040503050406030204" pitchFamily="18" charset="0"/>
-                          </a:rPr>
-                        </m:ctrlPr>
-                      </m:sSubPr>
-                      <m:e>
-                        <m:r>
-                          <a:rPr lang="en-AU" i="1">
-                            <a:latin typeface="Cambria Math" panose="02040503050406030204" pitchFamily="18" charset="0"/>
-                            <a:ea typeface="Cambria Math" panose="02040503050406030204" pitchFamily="18" charset="0"/>
-                          </a:rPr>
-                          <m:t>𝜇</m:t>
-                        </m:r>
-                      </m:e>
-                      <m:sub>
-                        <m:r>
-                          <a:rPr lang="en-AU" i="1">
-                            <a:latin typeface="Cambria Math" panose="02040503050406030204" pitchFamily="18" charset="0"/>
-                          </a:rPr>
-                          <m:t>𝑖</m:t>
-                        </m:r>
-                      </m:sub>
-                    </m:sSub>
-                  </m:oMath>
-                </a14:m>
-                <a:r>
-                  <a:rPr lang="en-AU" dirty="0"/>
-                  <a:t> with standard deviation </a:t>
-                </a:r>
-                <a14:m>
-                  <m:oMath xmlns:m="http://schemas.openxmlformats.org/officeDocument/2006/math">
-                    <m:sSub>
-                      <m:sSubPr>
-                        <m:ctrlPr>
-                          <a:rPr lang="en-AU" i="1">
-                            <a:latin typeface="Cambria Math" panose="02040503050406030204" pitchFamily="18" charset="0"/>
-                          </a:rPr>
-                        </m:ctrlPr>
-                      </m:sSubPr>
-                      <m:e>
-                        <m:r>
-                          <a:rPr lang="en-AU" i="1">
-                            <a:latin typeface="Cambria Math" panose="02040503050406030204" pitchFamily="18" charset="0"/>
-                            <a:ea typeface="Cambria Math" panose="02040503050406030204" pitchFamily="18" charset="0"/>
-                          </a:rPr>
-                          <m:t>𝜎</m:t>
-                        </m:r>
-                      </m:e>
-                      <m:sub>
-                        <m:r>
-                          <a:rPr lang="en-AU" i="1">
-                            <a:latin typeface="Cambria Math" panose="02040503050406030204" pitchFamily="18" charset="0"/>
-                          </a:rPr>
-                          <m:t>𝑦</m:t>
-                        </m:r>
-                      </m:sub>
-                    </m:sSub>
-                  </m:oMath>
-                </a14:m>
-                <a:r>
-                  <a:rPr lang="en-AU" dirty="0" smtClean="0"/>
-                  <a:t>.</a:t>
-                </a:r>
-              </a:p>
-              <a:p>
-                <a:pPr marL="285750" indent="-285750">
-                  <a:buFont typeface="Arial" panose="020B0604020202020204" pitchFamily="34" charset="0"/>
-                  <a:buChar char="•"/>
-                </a:pPr>
-                <a:r>
-                  <a:rPr lang="en-AU" dirty="0" smtClean="0"/>
-                  <a:t>Can use </a:t>
-                </a:r>
-                <a:r>
-                  <a:rPr lang="en-AU" i="1" dirty="0" smtClean="0"/>
-                  <a:t>t</a:t>
-                </a:r>
-                <a:r>
-                  <a:rPr lang="en-AU" dirty="0" smtClean="0"/>
-                  <a:t> distribution to increase robustness towards outliers.</a:t>
-                </a:r>
-              </a:p>
-              <a:p>
-                <a:pPr marL="285750" indent="-285750">
-                  <a:buFont typeface="Arial" panose="020B0604020202020204" pitchFamily="34" charset="0"/>
-                  <a:buChar char="•"/>
-                </a:pPr>
-                <a:r>
-                  <a:rPr lang="en-AU" dirty="0" smtClean="0"/>
-                  <a:t>Use of hyper prior on slope coefficients.</a:t>
-                </a:r>
-                <a:endParaRPr lang="en-AU" dirty="0"/>
-              </a:p>
-              <a:p>
-                <a:pPr marL="285750" indent="-285750">
-                  <a:buFont typeface="Arial" panose="020B0604020202020204" pitchFamily="34" charset="0"/>
-                  <a:buChar char="•"/>
-                </a:pPr>
-                <a:endParaRPr lang="en-AU" dirty="0"/>
-              </a:p>
-            </p:txBody>
-          </p:sp>
-        </mc:Choice>
-        <mc:Fallback>
-          <p:sp>
-            <p:nvSpPr>
-              <p:cNvPr id="10" name="Content Placeholder 9"/>
-              <p:cNvSpPr>
-                <a:spLocks noGrp="1" noRot="1" noChangeAspect="1" noMove="1" noResize="1" noEditPoints="1" noAdjustHandles="1" noChangeArrowheads="1" noChangeShapeType="1" noTextEdit="1"/>
-              </p:cNvSpPr>
-              <p:nvPr>
-                <p:ph idx="1"/>
-              </p:nvPr>
-            </p:nvSpPr>
-            <p:spPr>
-              <a:blipFill>
-                <a:blip r:embed="rId2"/>
-                <a:stretch>
-                  <a:fillRect l="-2453" t="-1752"/>
-                </a:stretch>
-              </a:blipFill>
-            </p:spPr>
-            <p:txBody>
-              <a:bodyPr/>
-              <a:lstStyle/>
-              <a:p>
-                <a:r>
-                  <a:rPr lang="en-AU">
-                    <a:noFill/>
-                  </a:rPr>
-                  <a:t> </a:t>
-                </a:r>
-              </a:p>
-            </p:txBody>
-          </p:sp>
-        </mc:Fallback>
-      </mc:AlternateContent>
       <p:sp>
         <p:nvSpPr>
           <p:cNvPr id="4" name="Footer Placeholder 3"/>
@@ -13079,7 +13245,6 @@
           <a:p>
             <a:fld id="{D9C42BCC-44E8-4F98-A8FE-EAF16D8C1E6E}" type="slidenum">
               <a:rPr lang="en-AU" smtClean="0"/>
-              <a:pPr/>
               <a:t>29</a:t>
             </a:fld>
             <a:endParaRPr lang="en-AU"/>
@@ -13088,7 +13253,7 @@
       </p:sp>
       <p:sp>
         <p:nvSpPr>
-          <p:cNvPr id="11" name="Text Placeholder 10"/>
+          <p:cNvPr id="10" name="Text Placeholder 9"/>
           <p:cNvSpPr>
             <a:spLocks noGrp="1"/>
           </p:cNvSpPr>
@@ -13101,44 +13266,57 @@
           <a:bodyPr/>
           <a:lstStyle/>
           <a:p>
-            <a:r>
-              <a:rPr lang="en-AU" dirty="0" smtClean="0"/>
-              <a:t>General Concepts</a:t>
-            </a:r>
-            <a:endParaRPr lang="en-AU" dirty="0"/>
+            <a:endParaRPr lang="en-AU"/>
           </a:p>
         </p:txBody>
       </p:sp>
       <p:pic>
         <p:nvPicPr>
-          <p:cNvPr id="13" name="Content Placeholder 12"/>
+          <p:cNvPr id="1030" name="Picture 6" descr="Image result for r logo"/>
           <p:cNvPicPr>
-            <a:picLocks noGrp="1" noChangeAspect="1"/>
+            <a:picLocks noGrp="1" noChangeAspect="1" noChangeArrowheads="1"/>
           </p:cNvPicPr>
           <p:nvPr>
-            <p:ph idx="16"/>
+            <p:ph idx="1"/>
           </p:nvPr>
         </p:nvPicPr>
         <p:blipFill>
-          <a:blip r:embed="rId3"/>
+          <a:blip r:embed="rId2">
+            <a:extLst>
+              <a:ext uri="{28A0092B-C50C-407E-A947-70E740481C1C}">
+                <a14:useLocalDpi xmlns:a14="http://schemas.microsoft.com/office/drawing/2010/main" val="0"/>
+              </a:ext>
+            </a:extLst>
+          </a:blip>
+          <a:srcRect/>
           <a:stretch>
             <a:fillRect/>
           </a:stretch>
         </p:blipFill>
-        <p:spPr>
-          <a:xfrm>
-            <a:off x="6598990" y="1619250"/>
-            <a:ext cx="4518520" cy="4525963"/>
+        <p:spPr bwMode="auto">
+          <a:xfrm>
+            <a:off x="3200110" y="1619250"/>
+            <a:ext cx="5840993" cy="4525963"/>
           </a:xfrm>
           <a:prstGeom prst="rect">
             <a:avLst/>
           </a:prstGeom>
+          <a:noFill/>
+          <a:extLst>
+            <a:ext uri="{909E8E84-426E-40DD-AFC4-6F175D3DCCD1}">
+              <a14:hiddenFill xmlns:a14="http://schemas.microsoft.com/office/drawing/2010/main">
+                <a:solidFill>
+                  <a:srgbClr val="FFFFFF"/>
+                </a:solidFill>
+              </a14:hiddenFill>
+            </a:ext>
+          </a:extLst>
         </p:spPr>
       </p:pic>
     </p:spTree>
     <p:extLst>
       <p:ext uri="{BB962C8B-B14F-4D97-AF65-F5344CB8AC3E}">
-        <p14:creationId xmlns:p14="http://schemas.microsoft.com/office/powerpoint/2010/main" val="2224631367"/>
+        <p14:creationId xmlns:p14="http://schemas.microsoft.com/office/powerpoint/2010/main" val="1402326568"/>
       </p:ext>
     </p:extLst>
   </p:cSld>
@@ -13812,130 +13990,220 @@
           <a:p>
             <a:r>
               <a:rPr lang="en-AU" dirty="0" smtClean="0"/>
-              <a:t>Linear Regression with </a:t>
-            </a:r>
-            <a:r>
-              <a:rPr lang="en-AU" i="1" dirty="0" err="1" smtClean="0"/>
-              <a:t>BayesFactor</a:t>
+              <a:t>Linear Regression</a:t>
             </a:r>
             <a:endParaRPr lang="en-AU" dirty="0"/>
           </a:p>
         </p:txBody>
       </p:sp>
-      <p:sp>
-        <p:nvSpPr>
-          <p:cNvPr id="3" name="Content Placeholder 2"/>
-          <p:cNvSpPr>
-            <a:spLocks noGrp="1"/>
-          </p:cNvSpPr>
-          <p:nvPr>
-            <p:ph idx="1"/>
-          </p:nvPr>
-        </p:nvSpPr>
-        <p:spPr/>
-        <p:txBody>
-          <a:bodyPr/>
-          <a:lstStyle/>
-          <a:p>
-            <a:pPr marL="285750" indent="-285750">
-              <a:buFont typeface="Arial" panose="020B0604020202020204" pitchFamily="34" charset="0"/>
-              <a:buChar char="•"/>
-            </a:pPr>
-            <a:r>
-              <a:rPr lang="en-AU" dirty="0" smtClean="0"/>
-              <a:t>Standard approach developed by </a:t>
-            </a:r>
-            <a:r>
-              <a:rPr lang="en-AU" dirty="0" err="1" smtClean="0"/>
-              <a:t>Jeffreys</a:t>
-            </a:r>
-            <a:r>
-              <a:rPr lang="en-AU" dirty="0" smtClean="0"/>
-              <a:t>, </a:t>
-            </a:r>
-            <a:r>
-              <a:rPr lang="en-AU" dirty="0" err="1" smtClean="0"/>
-              <a:t>Zellner</a:t>
-            </a:r>
-            <a:r>
-              <a:rPr lang="en-AU" dirty="0" smtClean="0"/>
-              <a:t>, and </a:t>
-            </a:r>
-            <a:r>
-              <a:rPr lang="en-AU" dirty="0" err="1" smtClean="0"/>
-              <a:t>Siow</a:t>
-            </a:r>
-            <a:r>
-              <a:rPr lang="en-AU" dirty="0" smtClean="0"/>
-              <a:t>.</a:t>
-            </a:r>
-          </a:p>
-          <a:p>
-            <a:pPr marL="285750" indent="-285750">
-              <a:buFont typeface="Arial" panose="020B0604020202020204" pitchFamily="34" charset="0"/>
-              <a:buChar char="•"/>
-            </a:pPr>
-            <a:r>
-              <a:rPr lang="en-AU" dirty="0" smtClean="0"/>
-              <a:t>Models variance of slope coefficients as Inverse Gamma.</a:t>
-            </a:r>
-          </a:p>
-          <a:p>
-            <a:pPr marL="285750" indent="-285750">
-              <a:buFont typeface="Arial" panose="020B0604020202020204" pitchFamily="34" charset="0"/>
-              <a:buChar char="•"/>
-            </a:pPr>
-            <a:endParaRPr lang="en-AU" dirty="0" smtClean="0"/>
-          </a:p>
-          <a:p>
-            <a:pPr marL="285750" indent="-285750">
-              <a:buFont typeface="Arial" panose="020B0604020202020204" pitchFamily="34" charset="0"/>
-              <a:buChar char="•"/>
-            </a:pPr>
-            <a:endParaRPr lang="en-AU" dirty="0"/>
-          </a:p>
-          <a:p>
-            <a:pPr marL="285750" indent="-285750">
-              <a:buFont typeface="Arial" panose="020B0604020202020204" pitchFamily="34" charset="0"/>
-              <a:buChar char="•"/>
-            </a:pPr>
-            <a:endParaRPr lang="en-AU" dirty="0" smtClean="0"/>
-          </a:p>
-          <a:p>
-            <a:pPr marL="285750" indent="-285750">
-              <a:buFont typeface="Arial" panose="020B0604020202020204" pitchFamily="34" charset="0"/>
-              <a:buChar char="•"/>
-            </a:pPr>
-            <a:endParaRPr lang="en-AU" dirty="0"/>
-          </a:p>
-          <a:p>
-            <a:pPr marL="285750" indent="-285750">
-              <a:buFont typeface="Arial" panose="020B0604020202020204" pitchFamily="34" charset="0"/>
-              <a:buChar char="•"/>
-            </a:pPr>
-            <a:endParaRPr lang="en-AU" dirty="0"/>
-          </a:p>
-          <a:p>
-            <a:pPr marL="285750" indent="-285750">
-              <a:buFont typeface="Arial" panose="020B0604020202020204" pitchFamily="34" charset="0"/>
-              <a:buChar char="•"/>
-            </a:pPr>
-            <a:r>
-              <a:rPr lang="en-AU" dirty="0" smtClean="0"/>
-              <a:t>Example data:</a:t>
-            </a:r>
-          </a:p>
-          <a:p>
-            <a:r>
-              <a:rPr lang="en-AU" dirty="0" smtClean="0">
-                <a:hlinkClick r:id="rId2"/>
-              </a:rPr>
-              <a:t>https://humburg.github.io/bayesian-data-analysis-in-r/data/regression_data.csv</a:t>
-            </a:r>
-            <a:endParaRPr lang="en-AU" dirty="0" smtClean="0"/>
-          </a:p>
-        </p:txBody>
-      </p:sp>
+      <mc:AlternateContent xmlns:mc="http://schemas.openxmlformats.org/markup-compatibility/2006" xmlns:a14="http://schemas.microsoft.com/office/drawing/2010/main">
+        <mc:Choice Requires="a14">
+          <p:sp>
+            <p:nvSpPr>
+              <p:cNvPr id="10" name="Content Placeholder 9"/>
+              <p:cNvSpPr>
+                <a:spLocks noGrp="1"/>
+              </p:cNvSpPr>
+              <p:nvPr>
+                <p:ph idx="1"/>
+              </p:nvPr>
+            </p:nvSpPr>
+            <p:spPr/>
+            <p:txBody>
+              <a:bodyPr/>
+              <a:lstStyle/>
+              <a:p>
+                <a:pPr marL="285750" indent="-285750">
+                  <a:buFont typeface="Arial" panose="020B0604020202020204" pitchFamily="34" charset="0"/>
+                  <a:buChar char="•"/>
+                </a:pPr>
+                <a:r>
+                  <a:rPr lang="en-AU" dirty="0"/>
+                  <a:t>Model observation </a:t>
+                </a:r>
+                <a14:m>
+                  <m:oMath xmlns:m="http://schemas.openxmlformats.org/officeDocument/2006/math">
+                    <m:sSub>
+                      <m:sSubPr>
+                        <m:ctrlPr>
+                          <a:rPr lang="en-AU" i="1">
+                            <a:latin typeface="Cambria Math"/>
+                          </a:rPr>
+                        </m:ctrlPr>
+                      </m:sSubPr>
+                      <m:e>
+                        <m:r>
+                          <a:rPr lang="en-AU" i="1">
+                            <a:latin typeface="Cambria Math" panose="02040503050406030204" pitchFamily="18" charset="0"/>
+                          </a:rPr>
+                          <m:t>𝑦</m:t>
+                        </m:r>
+                      </m:e>
+                      <m:sub>
+                        <m:r>
+                          <a:rPr lang="en-AU" i="1">
+                            <a:latin typeface="Cambria Math" panose="02040503050406030204" pitchFamily="18" charset="0"/>
+                          </a:rPr>
+                          <m:t>𝑖</m:t>
+                        </m:r>
+                      </m:sub>
+                    </m:sSub>
+                  </m:oMath>
+                </a14:m>
+                <a:r>
+                  <a:rPr lang="en-AU" dirty="0"/>
+                  <a:t> as </a:t>
+                </a:r>
+                <a:r>
+                  <a:rPr lang="en-AU" dirty="0" smtClean="0"/>
+                  <a:t>distributed </a:t>
+                </a:r>
+                <a:r>
+                  <a:rPr lang="en-AU" dirty="0"/>
+                  <a:t>around mean </a:t>
+                </a:r>
+                <a14:m>
+                  <m:oMath xmlns:m="http://schemas.openxmlformats.org/officeDocument/2006/math">
+                    <m:sSub>
+                      <m:sSubPr>
+                        <m:ctrlPr>
+                          <a:rPr lang="en-AU" i="1">
+                            <a:latin typeface="Cambria Math"/>
+                          </a:rPr>
+                        </m:ctrlPr>
+                      </m:sSubPr>
+                      <m:e>
+                        <m:r>
+                          <a:rPr lang="en-AU" i="1">
+                            <a:latin typeface="Cambria Math" panose="02040503050406030204" pitchFamily="18" charset="0"/>
+                            <a:ea typeface="Cambria Math" panose="02040503050406030204" pitchFamily="18" charset="0"/>
+                          </a:rPr>
+                          <m:t>𝜇</m:t>
+                        </m:r>
+                      </m:e>
+                      <m:sub>
+                        <m:r>
+                          <a:rPr lang="en-AU" i="1">
+                            <a:latin typeface="Cambria Math" panose="02040503050406030204" pitchFamily="18" charset="0"/>
+                          </a:rPr>
+                          <m:t>𝑖</m:t>
+                        </m:r>
+                      </m:sub>
+                    </m:sSub>
+                  </m:oMath>
+                </a14:m>
+                <a:r>
+                  <a:rPr lang="en-AU" dirty="0"/>
+                  <a:t> with standard deviation </a:t>
+                </a:r>
+                <a14:m>
+                  <m:oMath xmlns:m="http://schemas.openxmlformats.org/officeDocument/2006/math">
+                    <m:sSub>
+                      <m:sSubPr>
+                        <m:ctrlPr>
+                          <a:rPr lang="en-AU" i="1">
+                            <a:latin typeface="Cambria Math"/>
+                          </a:rPr>
+                        </m:ctrlPr>
+                      </m:sSubPr>
+                      <m:e>
+                        <m:r>
+                          <a:rPr lang="en-AU" i="1">
+                            <a:latin typeface="Cambria Math" panose="02040503050406030204" pitchFamily="18" charset="0"/>
+                            <a:ea typeface="Cambria Math" panose="02040503050406030204" pitchFamily="18" charset="0"/>
+                          </a:rPr>
+                          <m:t>𝜎</m:t>
+                        </m:r>
+                      </m:e>
+                      <m:sub>
+                        <m:r>
+                          <a:rPr lang="en-AU" i="1">
+                            <a:latin typeface="Cambria Math" panose="02040503050406030204" pitchFamily="18" charset="0"/>
+                          </a:rPr>
+                          <m:t>𝑦</m:t>
+                        </m:r>
+                      </m:sub>
+                    </m:sSub>
+                  </m:oMath>
+                </a14:m>
+                <a:r>
+                  <a:rPr lang="en-AU" dirty="0" smtClean="0"/>
+                  <a:t>.</a:t>
+                </a:r>
+              </a:p>
+              <a:p>
+                <a:pPr marL="285750" indent="-285750">
+                  <a:buFont typeface="Arial" panose="020B0604020202020204" pitchFamily="34" charset="0"/>
+                  <a:buChar char="•"/>
+                </a:pPr>
+                <a:r>
+                  <a:rPr lang="en-AU" dirty="0" smtClean="0"/>
+                  <a:t>Can use </a:t>
+                </a:r>
+                <a:r>
+                  <a:rPr lang="en-AU" i="1" dirty="0" smtClean="0"/>
+                  <a:t>t</a:t>
+                </a:r>
+                <a:r>
+                  <a:rPr lang="en-AU" dirty="0" smtClean="0"/>
+                  <a:t> distribution to increase robustness towards outliers.</a:t>
+                </a:r>
+              </a:p>
+              <a:p>
+                <a:pPr marL="285750" indent="-285750">
+                  <a:buFont typeface="Arial" panose="020B0604020202020204" pitchFamily="34" charset="0"/>
+                  <a:buChar char="•"/>
+                </a:pPr>
+                <a:r>
+                  <a:rPr lang="en-AU" dirty="0" smtClean="0"/>
+                  <a:t>Use of hyper prior on slope coefficients.</a:t>
+                </a:r>
+                <a:endParaRPr lang="en-AU" dirty="0"/>
+              </a:p>
+              <a:p>
+                <a:pPr marL="285750" indent="-285750">
+                  <a:buFont typeface="Arial" panose="020B0604020202020204" pitchFamily="34" charset="0"/>
+                  <a:buChar char="•"/>
+                </a:pPr>
+                <a:endParaRPr lang="en-AU" dirty="0"/>
+              </a:p>
+            </p:txBody>
+          </p:sp>
+        </mc:Choice>
+        <mc:Fallback xmlns="">
+          <p:sp>
+            <p:nvSpPr>
+              <p:cNvPr id="10" name="Content Placeholder 9"/>
+              <p:cNvSpPr>
+                <a:spLocks noGrp="1" noRot="1" noChangeAspect="1" noMove="1" noResize="1" noEditPoints="1" noAdjustHandles="1" noChangeArrowheads="1" noChangeShapeType="1" noTextEdit="1"/>
+              </p:cNvSpPr>
+              <p:nvPr>
+                <p:ph idx="1"/>
+              </p:nvPr>
+            </p:nvSpPr>
+            <p:spPr>
+              <a:blipFill>
+                <a:blip r:embed="rId2"/>
+                <a:stretch>
+                  <a:fillRect l="-2453" t="-1752"/>
+                </a:stretch>
+              </a:blipFill>
+            </p:spPr>
+            <p:txBody>
+              <a:bodyPr/>
+              <a:lstStyle/>
+              <a:p>
+                <a:r>
+                  <a:rPr lang="en-AU">
+                    <a:noFill/>
+                  </a:rPr>
+                  <a:t> </a:t>
+                </a:r>
+              </a:p>
+            </p:txBody>
+          </p:sp>
+        </mc:Fallback>
+      </mc:AlternateContent>
       <p:sp>
         <p:nvSpPr>
           <p:cNvPr id="4" name="Footer Placeholder 3"/>
@@ -13976,6 +14244,7 @@
           <a:p>
             <a:fld id="{D9C42BCC-44E8-4F98-A8FE-EAF16D8C1E6E}" type="slidenum">
               <a:rPr lang="en-AU" smtClean="0"/>
+              <a:pPr/>
               <a:t>30</a:t>
             </a:fld>
             <a:endParaRPr lang="en-AU"/>
@@ -13984,7 +14253,7 @@
       </p:sp>
       <p:sp>
         <p:nvSpPr>
-          <p:cNvPr id="6" name="Text Placeholder 5"/>
+          <p:cNvPr id="11" name="Text Placeholder 10"/>
           <p:cNvSpPr>
             <a:spLocks noGrp="1"/>
           </p:cNvSpPr>
@@ -13999,7 +14268,7 @@
           <a:p>
             <a:r>
               <a:rPr lang="en-AU" dirty="0" smtClean="0"/>
-              <a:t>JZS</a:t>
+              <a:t>General Concepts</a:t>
             </a:r>
             <a:endParaRPr lang="en-AU" dirty="0"/>
           </a:p>
@@ -14007,51 +14276,34 @@
       </p:sp>
       <p:pic>
         <p:nvPicPr>
-          <p:cNvPr id="2050" name="Picture 2" descr="https://www.tandfonline.com/na101/home/literatum/publisher/tandf/journals/content/hmbr20/2012/hmbr20.v047.i06/00273171.2012.734737/20130122/images/hmbr_a_734737_o_um0010g.gif"/>
+          <p:cNvPr id="13" name="Content Placeholder 12"/>
           <p:cNvPicPr>
-            <a:picLocks noGrp="1" noChangeAspect="1" noChangeArrowheads="1"/>
+            <a:picLocks noGrp="1" noChangeAspect="1"/>
           </p:cNvPicPr>
           <p:nvPr>
             <p:ph idx="16"/>
           </p:nvPr>
         </p:nvPicPr>
         <p:blipFill>
-          <a:blip r:embed="rId3">
-            <a:extLst>
-              <a:ext uri="{28A0092B-C50C-407E-A947-70E740481C1C}">
-                <a14:useLocalDpi xmlns:a14="http://schemas.microsoft.com/office/drawing/2010/main" val="0"/>
-              </a:ext>
-            </a:extLst>
-          </a:blip>
-          <a:srcRect/>
+          <a:blip r:embed="rId3"/>
           <a:stretch>
             <a:fillRect/>
           </a:stretch>
         </p:blipFill>
-        <p:spPr bwMode="auto">
-          <a:xfrm>
-            <a:off x="6248400" y="3236742"/>
-            <a:ext cx="5219700" cy="1290979"/>
+        <p:spPr>
+          <a:xfrm>
+            <a:off x="6598990" y="1619250"/>
+            <a:ext cx="4518520" cy="4525963"/>
           </a:xfrm>
           <a:prstGeom prst="rect">
             <a:avLst/>
           </a:prstGeom>
-          <a:noFill/>
-          <a:extLst>
-            <a:ext uri="{909E8E84-426E-40DD-AFC4-6F175D3DCCD1}">
-              <a14:hiddenFill xmlns:a14="http://schemas.microsoft.com/office/drawing/2010/main">
-                <a:solidFill>
-                  <a:srgbClr val="FFFFFF"/>
-                </a:solidFill>
-              </a14:hiddenFill>
-            </a:ext>
-          </a:extLst>
         </p:spPr>
       </p:pic>
     </p:spTree>
     <p:extLst>
       <p:ext uri="{BB962C8B-B14F-4D97-AF65-F5344CB8AC3E}">
-        <p14:creationId xmlns:p14="http://schemas.microsoft.com/office/powerpoint/2010/main" val="1385554852"/>
+        <p14:creationId xmlns:p14="http://schemas.microsoft.com/office/powerpoint/2010/main" val="2224631367"/>
       </p:ext>
     </p:extLst>
   </p:cSld>
@@ -14080,7 +14332,7 @@
       </p:grpSpPr>
       <p:sp>
         <p:nvSpPr>
-          <p:cNvPr id="8" name="Title 7"/>
+          <p:cNvPr id="2" name="Title 1"/>
           <p:cNvSpPr>
             <a:spLocks noGrp="1"/>
           </p:cNvSpPr>
@@ -14095,9 +14347,127 @@
           <a:p>
             <a:r>
               <a:rPr lang="en-AU" dirty="0" smtClean="0"/>
-              <a:t>Let’s try this</a:t>
+              <a:t>Linear Regression with </a:t>
+            </a:r>
+            <a:r>
+              <a:rPr lang="en-AU" i="1" dirty="0" err="1" smtClean="0"/>
+              <a:t>BayesFactor</a:t>
             </a:r>
             <a:endParaRPr lang="en-AU" dirty="0"/>
+          </a:p>
+        </p:txBody>
+      </p:sp>
+      <p:sp>
+        <p:nvSpPr>
+          <p:cNvPr id="3" name="Content Placeholder 2"/>
+          <p:cNvSpPr>
+            <a:spLocks noGrp="1"/>
+          </p:cNvSpPr>
+          <p:nvPr>
+            <p:ph idx="1"/>
+          </p:nvPr>
+        </p:nvSpPr>
+        <p:spPr/>
+        <p:txBody>
+          <a:bodyPr/>
+          <a:lstStyle/>
+          <a:p>
+            <a:pPr marL="285750" indent="-285750">
+              <a:buFont typeface="Arial" panose="020B0604020202020204" pitchFamily="34" charset="0"/>
+              <a:buChar char="•"/>
+            </a:pPr>
+            <a:r>
+              <a:rPr lang="en-AU" dirty="0" smtClean="0"/>
+              <a:t>Standard approach developed by </a:t>
+            </a:r>
+            <a:r>
+              <a:rPr lang="en-AU" dirty="0" err="1" smtClean="0"/>
+              <a:t>Jeffreys</a:t>
+            </a:r>
+            <a:r>
+              <a:rPr lang="en-AU" dirty="0" smtClean="0"/>
+              <a:t>, </a:t>
+            </a:r>
+            <a:r>
+              <a:rPr lang="en-AU" dirty="0" err="1" smtClean="0"/>
+              <a:t>Zellner</a:t>
+            </a:r>
+            <a:r>
+              <a:rPr lang="en-AU" dirty="0" smtClean="0"/>
+              <a:t>, and </a:t>
+            </a:r>
+            <a:r>
+              <a:rPr lang="en-AU" dirty="0" err="1" smtClean="0"/>
+              <a:t>Siow</a:t>
+            </a:r>
+            <a:r>
+              <a:rPr lang="en-AU" dirty="0" smtClean="0"/>
+              <a:t>.</a:t>
+            </a:r>
+          </a:p>
+          <a:p>
+            <a:pPr marL="285750" indent="-285750">
+              <a:buFont typeface="Arial" panose="020B0604020202020204" pitchFamily="34" charset="0"/>
+              <a:buChar char="•"/>
+            </a:pPr>
+            <a:r>
+              <a:rPr lang="en-AU" dirty="0" smtClean="0"/>
+              <a:t>Models variance of slope coefficients as Inverse Gamma.</a:t>
+            </a:r>
+          </a:p>
+          <a:p>
+            <a:pPr marL="285750" indent="-285750">
+              <a:buFont typeface="Arial" panose="020B0604020202020204" pitchFamily="34" charset="0"/>
+              <a:buChar char="•"/>
+            </a:pPr>
+            <a:endParaRPr lang="en-AU" dirty="0" smtClean="0"/>
+          </a:p>
+          <a:p>
+            <a:pPr marL="285750" indent="-285750">
+              <a:buFont typeface="Arial" panose="020B0604020202020204" pitchFamily="34" charset="0"/>
+              <a:buChar char="•"/>
+            </a:pPr>
+            <a:endParaRPr lang="en-AU" dirty="0"/>
+          </a:p>
+          <a:p>
+            <a:pPr marL="285750" indent="-285750">
+              <a:buFont typeface="Arial" panose="020B0604020202020204" pitchFamily="34" charset="0"/>
+              <a:buChar char="•"/>
+            </a:pPr>
+            <a:endParaRPr lang="en-AU" dirty="0" smtClean="0"/>
+          </a:p>
+          <a:p>
+            <a:pPr marL="285750" indent="-285750">
+              <a:buFont typeface="Arial" panose="020B0604020202020204" pitchFamily="34" charset="0"/>
+              <a:buChar char="•"/>
+            </a:pPr>
+            <a:endParaRPr lang="en-AU" dirty="0"/>
+          </a:p>
+          <a:p>
+            <a:pPr marL="285750" indent="-285750">
+              <a:buFont typeface="Arial" panose="020B0604020202020204" pitchFamily="34" charset="0"/>
+              <a:buChar char="•"/>
+            </a:pPr>
+            <a:endParaRPr lang="en-AU" dirty="0"/>
+          </a:p>
+          <a:p>
+            <a:pPr marL="285750" indent="-285750">
+              <a:buFont typeface="Arial" panose="020B0604020202020204" pitchFamily="34" charset="0"/>
+              <a:buChar char="•"/>
+            </a:pPr>
+            <a:r>
+              <a:rPr lang="en-AU" dirty="0" smtClean="0"/>
+              <a:t>Example data:</a:t>
+            </a:r>
+          </a:p>
+          <a:p>
+            <a:r>
+              <a:rPr lang="en-AU" dirty="0" smtClean="0">
+                <a:hlinkClick r:id="rId2"/>
+              </a:rPr>
+              <a:t>https://humburg.github.io/bayesian-data-analysis-in-r/data/regression_data.csv</a:t>
+            </a:r>
+            <a:endParaRPr lang="en-AU" dirty="0" smtClean="0"/>
           </a:p>
         </p:txBody>
       </p:sp>
@@ -14149,7 +14519,7 @@
       </p:sp>
       <p:sp>
         <p:nvSpPr>
-          <p:cNvPr id="10" name="Text Placeholder 9"/>
+          <p:cNvPr id="6" name="Text Placeholder 5"/>
           <p:cNvSpPr>
             <a:spLocks noGrp="1"/>
           </p:cNvSpPr>
@@ -14162,22 +14532,26 @@
           <a:bodyPr/>
           <a:lstStyle/>
           <a:p>
-            <a:endParaRPr lang="en-AU"/>
+            <a:r>
+              <a:rPr lang="en-AU" dirty="0" smtClean="0"/>
+              <a:t>JZS</a:t>
+            </a:r>
+            <a:endParaRPr lang="en-AU" dirty="0"/>
           </a:p>
         </p:txBody>
       </p:sp>
       <p:pic>
         <p:nvPicPr>
-          <p:cNvPr id="1030" name="Picture 6" descr="Image result for r logo"/>
+          <p:cNvPr id="2050" name="Picture 2" descr="https://www.tandfonline.com/na101/home/literatum/publisher/tandf/journals/content/hmbr20/2012/hmbr20.v047.i06/00273171.2012.734737/20130122/images/hmbr_a_734737_o_um0010g.gif"/>
           <p:cNvPicPr>
             <a:picLocks noGrp="1" noChangeAspect="1" noChangeArrowheads="1"/>
           </p:cNvPicPr>
           <p:nvPr>
-            <p:ph idx="1"/>
+            <p:ph idx="16"/>
           </p:nvPr>
         </p:nvPicPr>
         <p:blipFill>
-          <a:blip r:embed="rId2">
+          <a:blip r:embed="rId3">
             <a:extLst>
               <a:ext uri="{28A0092B-C50C-407E-A947-70E740481C1C}">
                 <a14:useLocalDpi xmlns:a14="http://schemas.microsoft.com/office/drawing/2010/main" val="0"/>
@@ -14191,8 +14565,8 @@
         </p:blipFill>
         <p:spPr bwMode="auto">
           <a:xfrm>
-            <a:off x="3200110" y="1619250"/>
-            <a:ext cx="5840993" cy="4525963"/>
+            <a:off x="6248400" y="3236742"/>
+            <a:ext cx="5219700" cy="1290979"/>
           </a:xfrm>
           <a:prstGeom prst="rect">
             <a:avLst/>
@@ -14212,7 +14586,7 @@
     </p:spTree>
     <p:extLst>
       <p:ext uri="{BB962C8B-B14F-4D97-AF65-F5344CB8AC3E}">
-        <p14:creationId xmlns:p14="http://schemas.microsoft.com/office/powerpoint/2010/main" val="3522392303"/>
+        <p14:creationId xmlns:p14="http://schemas.microsoft.com/office/powerpoint/2010/main" val="1385554852"/>
       </p:ext>
     </p:extLst>
   </p:cSld>
@@ -14241,7 +14615,7 @@
       </p:grpSpPr>
       <p:sp>
         <p:nvSpPr>
-          <p:cNvPr id="2" name="Title 1"/>
+          <p:cNvPr id="8" name="Title 7"/>
           <p:cNvSpPr>
             <a:spLocks noGrp="1"/>
           </p:cNvSpPr>
@@ -14256,86 +14630,7 @@
           <a:p>
             <a:r>
               <a:rPr lang="en-AU" dirty="0" smtClean="0"/>
-              <a:t>Exercise: Weight and Height</a:t>
-            </a:r>
-            <a:endParaRPr lang="en-AU" dirty="0"/>
-          </a:p>
-        </p:txBody>
-      </p:sp>
-      <p:sp>
-        <p:nvSpPr>
-          <p:cNvPr id="7" name="Content Placeholder 6"/>
-          <p:cNvSpPr>
-            <a:spLocks noGrp="1"/>
-          </p:cNvSpPr>
-          <p:nvPr>
-            <p:ph idx="1"/>
-          </p:nvPr>
-        </p:nvSpPr>
-        <p:spPr/>
-        <p:txBody>
-          <a:bodyPr/>
-          <a:lstStyle/>
-          <a:p>
-            <a:pPr marL="285750" indent="-285750">
-              <a:buFont typeface="Arial" panose="020B0604020202020204" pitchFamily="34" charset="0"/>
-              <a:buChar char="•"/>
-            </a:pPr>
-            <a:r>
-              <a:rPr lang="en-AU" dirty="0"/>
-              <a:t>W</a:t>
-            </a:r>
-            <a:r>
-              <a:rPr lang="en-AU" dirty="0" smtClean="0"/>
-              <a:t>eight (lbs) and height (in) of 14 – 20 year olds.</a:t>
-            </a:r>
-          </a:p>
-          <a:p>
-            <a:pPr marL="285750" indent="-285750">
-              <a:buFont typeface="Arial" panose="020B0604020202020204" pitchFamily="34" charset="0"/>
-              <a:buChar char="•"/>
-            </a:pPr>
-            <a:r>
-              <a:rPr lang="en-AU" dirty="0" smtClean="0"/>
-              <a:t>Take a look at the data.</a:t>
-            </a:r>
-          </a:p>
-          <a:p>
-            <a:pPr marL="285750" indent="-285750">
-              <a:buFont typeface="Arial" panose="020B0604020202020204" pitchFamily="34" charset="0"/>
-              <a:buChar char="•"/>
-            </a:pPr>
-            <a:r>
-              <a:rPr lang="en-AU" dirty="0" smtClean="0"/>
-              <a:t>Use </a:t>
-            </a:r>
-            <a:r>
-              <a:rPr lang="en-AU" i="1" dirty="0" err="1" smtClean="0"/>
-              <a:t>BayesFactor</a:t>
-            </a:r>
-            <a:r>
-              <a:rPr lang="en-AU" dirty="0" smtClean="0"/>
-              <a:t> to model weight as a function of height, age, and gender.</a:t>
-            </a:r>
-          </a:p>
-          <a:p>
-            <a:pPr marL="285750" indent="-285750">
-              <a:buFont typeface="Arial" panose="020B0604020202020204" pitchFamily="34" charset="0"/>
-              <a:buChar char="•"/>
-            </a:pPr>
-            <a:r>
-              <a:rPr lang="en-AU" dirty="0" smtClean="0"/>
-              <a:t>Which model seems reasonable?</a:t>
-            </a:r>
-          </a:p>
-          <a:p>
-            <a:pPr marL="285750" indent="-285750">
-              <a:buFont typeface="Arial" panose="020B0604020202020204" pitchFamily="34" charset="0"/>
-              <a:buChar char="•"/>
-            </a:pPr>
-            <a:r>
-              <a:rPr lang="en-AU" dirty="0" smtClean="0"/>
-              <a:t>What are the effects of the variables you included in the model?</a:t>
+              <a:t>Let’s try this</a:t>
             </a:r>
             <a:endParaRPr lang="en-AU" dirty="0"/>
           </a:p>
@@ -14381,7 +14676,6 @@
           <a:p>
             <a:fld id="{D9C42BCC-44E8-4F98-A8FE-EAF16D8C1E6E}" type="slidenum">
               <a:rPr lang="en-AU" smtClean="0"/>
-              <a:pPr/>
               <a:t>32</a:t>
             </a:fld>
             <a:endParaRPr lang="en-AU"/>
@@ -14390,7 +14684,7 @@
       </p:sp>
       <p:sp>
         <p:nvSpPr>
-          <p:cNvPr id="8" name="Text Placeholder 7"/>
+          <p:cNvPr id="10" name="Text Placeholder 9"/>
           <p:cNvSpPr>
             <a:spLocks noGrp="1"/>
           </p:cNvSpPr>
@@ -14404,50 +14698,21 @@
           <a:lstStyle/>
           <a:p>
             <a:endParaRPr lang="en-AU"/>
-          </a:p>
-        </p:txBody>
-      </p:sp>
-      <p:sp>
-        <p:nvSpPr>
-          <p:cNvPr id="9" name="Content Placeholder 8"/>
-          <p:cNvSpPr>
-            <a:spLocks noGrp="1"/>
-          </p:cNvSpPr>
-          <p:nvPr>
-            <p:ph idx="16"/>
-          </p:nvPr>
-        </p:nvSpPr>
-        <p:spPr/>
-        <p:txBody>
-          <a:bodyPr/>
-          <a:lstStyle/>
-          <a:p>
-            <a:r>
-              <a:rPr lang="en-AU" dirty="0" smtClean="0"/>
-              <a:t>Dataset</a:t>
-            </a:r>
-          </a:p>
-          <a:p>
-            <a:r>
-              <a:rPr lang="en-AU" dirty="0" smtClean="0">
-                <a:hlinkClick r:id="rId2"/>
-              </a:rPr>
-              <a:t>https://humburg.github.io/bayesian-data-analysis-in-r/data/weight_perception.csv</a:t>
-            </a:r>
-            <a:endParaRPr lang="en-AU" dirty="0"/>
           </a:p>
         </p:txBody>
       </p:sp>
       <p:pic>
         <p:nvPicPr>
-          <p:cNvPr id="10" name="Picture 6" descr="Image result for r logo"/>
+          <p:cNvPr id="1030" name="Picture 6" descr="Image result for r logo"/>
           <p:cNvPicPr>
-            <a:picLocks noChangeAspect="1" noChangeArrowheads="1"/>
+            <a:picLocks noGrp="1" noChangeAspect="1" noChangeArrowheads="1"/>
           </p:cNvPicPr>
-          <p:nvPr/>
+          <p:nvPr>
+            <p:ph idx="1"/>
+          </p:nvPr>
         </p:nvPicPr>
         <p:blipFill>
-          <a:blip r:embed="rId3">
+          <a:blip r:embed="rId2">
             <a:extLst>
               <a:ext uri="{28A0092B-C50C-407E-A947-70E740481C1C}">
                 <a14:useLocalDpi xmlns:a14="http://schemas.microsoft.com/office/drawing/2010/main" val="0"/>
@@ -14461,8 +14726,8 @@
         </p:blipFill>
         <p:spPr bwMode="auto">
           <a:xfrm>
-            <a:off x="6248400" y="3295290"/>
-            <a:ext cx="3522115" cy="2729153"/>
+            <a:off x="3200110" y="1619250"/>
+            <a:ext cx="5840993" cy="4525963"/>
           </a:xfrm>
           <a:prstGeom prst="rect">
             <a:avLst/>
@@ -14482,7 +14747,7 @@
     </p:spTree>
     <p:extLst>
       <p:ext uri="{BB962C8B-B14F-4D97-AF65-F5344CB8AC3E}">
-        <p14:creationId xmlns:p14="http://schemas.microsoft.com/office/powerpoint/2010/main" val="2144051375"/>
+        <p14:creationId xmlns:p14="http://schemas.microsoft.com/office/powerpoint/2010/main" val="3522392303"/>
       </p:ext>
     </p:extLst>
   </p:cSld>
@@ -14511,6 +14776,276 @@
       </p:grpSpPr>
       <p:sp>
         <p:nvSpPr>
+          <p:cNvPr id="2" name="Title 1"/>
+          <p:cNvSpPr>
+            <a:spLocks noGrp="1"/>
+          </p:cNvSpPr>
+          <p:nvPr>
+            <p:ph type="title"/>
+          </p:nvPr>
+        </p:nvSpPr>
+        <p:spPr/>
+        <p:txBody>
+          <a:bodyPr/>
+          <a:lstStyle/>
+          <a:p>
+            <a:r>
+              <a:rPr lang="en-AU" dirty="0" smtClean="0"/>
+              <a:t>Exercise: Weight and Height</a:t>
+            </a:r>
+            <a:endParaRPr lang="en-AU" dirty="0"/>
+          </a:p>
+        </p:txBody>
+      </p:sp>
+      <p:sp>
+        <p:nvSpPr>
+          <p:cNvPr id="7" name="Content Placeholder 6"/>
+          <p:cNvSpPr>
+            <a:spLocks noGrp="1"/>
+          </p:cNvSpPr>
+          <p:nvPr>
+            <p:ph idx="1"/>
+          </p:nvPr>
+        </p:nvSpPr>
+        <p:spPr/>
+        <p:txBody>
+          <a:bodyPr/>
+          <a:lstStyle/>
+          <a:p>
+            <a:pPr marL="285750" indent="-285750">
+              <a:buFont typeface="Arial" panose="020B0604020202020204" pitchFamily="34" charset="0"/>
+              <a:buChar char="•"/>
+            </a:pPr>
+            <a:r>
+              <a:rPr lang="en-AU" dirty="0"/>
+              <a:t>W</a:t>
+            </a:r>
+            <a:r>
+              <a:rPr lang="en-AU" dirty="0" smtClean="0"/>
+              <a:t>eight (lbs) and height (in) of 14 – 20 year olds.</a:t>
+            </a:r>
+          </a:p>
+          <a:p>
+            <a:pPr marL="285750" indent="-285750">
+              <a:buFont typeface="Arial" panose="020B0604020202020204" pitchFamily="34" charset="0"/>
+              <a:buChar char="•"/>
+            </a:pPr>
+            <a:r>
+              <a:rPr lang="en-AU" dirty="0" smtClean="0"/>
+              <a:t>Take a look at the data.</a:t>
+            </a:r>
+          </a:p>
+          <a:p>
+            <a:pPr marL="285750" indent="-285750">
+              <a:buFont typeface="Arial" panose="020B0604020202020204" pitchFamily="34" charset="0"/>
+              <a:buChar char="•"/>
+            </a:pPr>
+            <a:r>
+              <a:rPr lang="en-AU" dirty="0" smtClean="0"/>
+              <a:t>Use </a:t>
+            </a:r>
+            <a:r>
+              <a:rPr lang="en-AU" i="1" dirty="0" err="1" smtClean="0"/>
+              <a:t>BayesFactor</a:t>
+            </a:r>
+            <a:r>
+              <a:rPr lang="en-AU" dirty="0" smtClean="0"/>
+              <a:t> to model weight as a function of height, age, and gender.</a:t>
+            </a:r>
+          </a:p>
+          <a:p>
+            <a:pPr marL="285750" indent="-285750">
+              <a:buFont typeface="Arial" panose="020B0604020202020204" pitchFamily="34" charset="0"/>
+              <a:buChar char="•"/>
+            </a:pPr>
+            <a:r>
+              <a:rPr lang="en-AU" dirty="0" smtClean="0"/>
+              <a:t>Which model seems reasonable?</a:t>
+            </a:r>
+          </a:p>
+          <a:p>
+            <a:pPr marL="285750" indent="-285750">
+              <a:buFont typeface="Arial" panose="020B0604020202020204" pitchFamily="34" charset="0"/>
+              <a:buChar char="•"/>
+            </a:pPr>
+            <a:r>
+              <a:rPr lang="en-AU" dirty="0" smtClean="0"/>
+              <a:t>What are the effects of the variables you included in the model?</a:t>
+            </a:r>
+            <a:endParaRPr lang="en-AU" dirty="0"/>
+          </a:p>
+        </p:txBody>
+      </p:sp>
+      <p:sp>
+        <p:nvSpPr>
+          <p:cNvPr id="4" name="Footer Placeholder 3"/>
+          <p:cNvSpPr>
+            <a:spLocks noGrp="1"/>
+          </p:cNvSpPr>
+          <p:nvPr>
+            <p:ph type="ftr" sz="quarter" idx="11"/>
+          </p:nvPr>
+        </p:nvSpPr>
+        <p:spPr/>
+        <p:txBody>
+          <a:bodyPr/>
+          <a:lstStyle/>
+          <a:p>
+            <a:r>
+              <a:rPr lang="en-AU" smtClean="0"/>
+              <a:t>FACULTY RESEARCH OFFICE | HUMAN SCIENCES</a:t>
+            </a:r>
+            <a:endParaRPr lang="en-AU" dirty="0"/>
+          </a:p>
+        </p:txBody>
+      </p:sp>
+      <p:sp>
+        <p:nvSpPr>
+          <p:cNvPr id="5" name="Slide Number Placeholder 4"/>
+          <p:cNvSpPr>
+            <a:spLocks noGrp="1"/>
+          </p:cNvSpPr>
+          <p:nvPr>
+            <p:ph type="sldNum" sz="quarter" idx="12"/>
+          </p:nvPr>
+        </p:nvSpPr>
+        <p:spPr/>
+        <p:txBody>
+          <a:bodyPr/>
+          <a:lstStyle/>
+          <a:p>
+            <a:fld id="{D9C42BCC-44E8-4F98-A8FE-EAF16D8C1E6E}" type="slidenum">
+              <a:rPr lang="en-AU" smtClean="0"/>
+              <a:pPr/>
+              <a:t>33</a:t>
+            </a:fld>
+            <a:endParaRPr lang="en-AU"/>
+          </a:p>
+        </p:txBody>
+      </p:sp>
+      <p:sp>
+        <p:nvSpPr>
+          <p:cNvPr id="8" name="Text Placeholder 7"/>
+          <p:cNvSpPr>
+            <a:spLocks noGrp="1"/>
+          </p:cNvSpPr>
+          <p:nvPr>
+            <p:ph type="body" sz="quarter" idx="15"/>
+          </p:nvPr>
+        </p:nvSpPr>
+        <p:spPr/>
+        <p:txBody>
+          <a:bodyPr/>
+          <a:lstStyle/>
+          <a:p>
+            <a:endParaRPr lang="en-AU"/>
+          </a:p>
+        </p:txBody>
+      </p:sp>
+      <p:sp>
+        <p:nvSpPr>
+          <p:cNvPr id="9" name="Content Placeholder 8"/>
+          <p:cNvSpPr>
+            <a:spLocks noGrp="1"/>
+          </p:cNvSpPr>
+          <p:nvPr>
+            <p:ph idx="16"/>
+          </p:nvPr>
+        </p:nvSpPr>
+        <p:spPr/>
+        <p:txBody>
+          <a:bodyPr/>
+          <a:lstStyle/>
+          <a:p>
+            <a:r>
+              <a:rPr lang="en-AU" dirty="0" smtClean="0"/>
+              <a:t>Dataset</a:t>
+            </a:r>
+          </a:p>
+          <a:p>
+            <a:r>
+              <a:rPr lang="en-AU" dirty="0" smtClean="0">
+                <a:hlinkClick r:id="rId2"/>
+              </a:rPr>
+              <a:t>https://humburg.github.io/bayesian-data-analysis-in-r/data/weight_perception.csv</a:t>
+            </a:r>
+            <a:endParaRPr lang="en-AU" dirty="0"/>
+          </a:p>
+        </p:txBody>
+      </p:sp>
+      <p:pic>
+        <p:nvPicPr>
+          <p:cNvPr id="10" name="Picture 6" descr="Image result for r logo"/>
+          <p:cNvPicPr>
+            <a:picLocks noChangeAspect="1" noChangeArrowheads="1"/>
+          </p:cNvPicPr>
+          <p:nvPr/>
+        </p:nvPicPr>
+        <p:blipFill>
+          <a:blip r:embed="rId3">
+            <a:extLst>
+              <a:ext uri="{28A0092B-C50C-407E-A947-70E740481C1C}">
+                <a14:useLocalDpi xmlns:a14="http://schemas.microsoft.com/office/drawing/2010/main" val="0"/>
+              </a:ext>
+            </a:extLst>
+          </a:blip>
+          <a:srcRect/>
+          <a:stretch>
+            <a:fillRect/>
+          </a:stretch>
+        </p:blipFill>
+        <p:spPr bwMode="auto">
+          <a:xfrm>
+            <a:off x="6248400" y="3295290"/>
+            <a:ext cx="3522115" cy="2729153"/>
+          </a:xfrm>
+          <a:prstGeom prst="rect">
+            <a:avLst/>
+          </a:prstGeom>
+          <a:noFill/>
+          <a:extLst>
+            <a:ext uri="{909E8E84-426E-40DD-AFC4-6F175D3DCCD1}">
+              <a14:hiddenFill xmlns:a14="http://schemas.microsoft.com/office/drawing/2010/main">
+                <a:solidFill>
+                  <a:srgbClr val="FFFFFF"/>
+                </a:solidFill>
+              </a14:hiddenFill>
+            </a:ext>
+          </a:extLst>
+        </p:spPr>
+      </p:pic>
+    </p:spTree>
+    <p:extLst>
+      <p:ext uri="{BB962C8B-B14F-4D97-AF65-F5344CB8AC3E}">
+        <p14:creationId xmlns:p14="http://schemas.microsoft.com/office/powerpoint/2010/main" val="2144051375"/>
+      </p:ext>
+    </p:extLst>
+  </p:cSld>
+  <p:clrMapOvr>
+    <a:masterClrMapping/>
+  </p:clrMapOvr>
+</p:sld>
+</file>
+
+<file path=ppt/slides/slide34.xml><?xml version="1.0" encoding="utf-8"?>
+<p:sld xmlns:a="http://schemas.openxmlformats.org/drawingml/2006/main" xmlns:r="http://schemas.openxmlformats.org/officeDocument/2006/relationships" xmlns:p="http://schemas.openxmlformats.org/presentationml/2006/main">
+  <p:cSld>
+    <p:spTree>
+      <p:nvGrpSpPr>
+        <p:cNvPr id="1" name=""/>
+        <p:cNvGrpSpPr/>
+        <p:nvPr/>
+      </p:nvGrpSpPr>
+      <p:grpSpPr>
+        <a:xfrm>
+          <a:off x="0" y="0"/>
+          <a:ext cx="0" cy="0"/>
+          <a:chOff x="0" y="0"/>
+          <a:chExt cx="0" cy="0"/>
+        </a:xfrm>
+      </p:grpSpPr>
+      <p:sp>
+        <p:nvSpPr>
           <p:cNvPr id="2" name="Text Placeholder 1"/>
           <p:cNvSpPr>
             <a:spLocks noGrp="1"/>
@@ -14594,7 +15129,7 @@
 </p:sld>
 </file>
 
-<file path=ppt/slides/slide34.xml><?xml version="1.0" encoding="utf-8"?>
+<file path=ppt/slides/slide35.xml><?xml version="1.0" encoding="utf-8"?>
 <p:sld xmlns:a="http://schemas.openxmlformats.org/drawingml/2006/main" xmlns:r="http://schemas.openxmlformats.org/officeDocument/2006/relationships" xmlns:p="http://schemas.openxmlformats.org/presentationml/2006/main">
   <p:cSld>
     <p:spTree>
@@ -14799,7 +15334,7 @@
 </p:sld>
 </file>
 
-<file path=ppt/slides/slide35.xml><?xml version="1.0" encoding="utf-8"?>
+<file path=ppt/slides/slide36.xml><?xml version="1.0" encoding="utf-8"?>
 <p:sld xmlns:a="http://schemas.openxmlformats.org/drawingml/2006/main" xmlns:r="http://schemas.openxmlformats.org/officeDocument/2006/relationships" xmlns:p="http://schemas.openxmlformats.org/presentationml/2006/main">
   <p:cSld>
     <p:spTree>
@@ -16324,7 +16859,7 @@
   <a:extraClrSchemeLst/>
   <a:extLst>
     <a:ext uri="{05A4C25C-085E-4340-85A3-A5531E510DB2}">
-      <thm15:themeFamily xmlns:thm15="http://schemas.microsoft.com/office/thememl/2012/main" name="MU 16x9 Template _2016.potx" id="{125E643F-61E8-434A-83A2-6285A785939C}" vid="{C2B616D7-CC77-413F-9557-31813D9600C3}"/>
+      <thm15:themeFamily xmlns:thm15="http://schemas.microsoft.com/office/thememl/2012/main" xmlns="" name="MU 16x9 Template _2016.potx" id="{125E643F-61E8-434A-83A2-6285A785939C}" vid="{C2B616D7-CC77-413F-9557-31813D9600C3}"/>
     </a:ext>
   </a:extLst>
 </a:theme>
@@ -16870,7 +17405,7 @@
   <a:extraClrSchemeLst/>
   <a:extLst>
     <a:ext uri="{05A4C25C-085E-4340-85A3-A5531E510DB2}">
-      <thm15:themeFamily xmlns:thm15="http://schemas.microsoft.com/office/thememl/2012/main" name="Office Theme" id="{62F939B6-93AF-4DB8-9C6B-D6C7DFDC589F}" vid="{4A3C46E8-61CC-4603-A589-7422A47A8E4A}"/>
+      <thm15:themeFamily xmlns:thm15="http://schemas.microsoft.com/office/thememl/2012/main" xmlns="" name="Office Theme" id="{62F939B6-93AF-4DB8-9C6B-D6C7DFDC589F}" vid="{4A3C46E8-61CC-4603-A589-7422A47A8E4A}"/>
     </a:ext>
   </a:extLst>
 </a:theme>

--- a/Bayesian Data Analysis in R.pptx
+++ b/Bayesian Data Analysis in R.pptx
@@ -5,10 +5,10 @@
     <p:sldMasterId id="2147483648" r:id="rId1"/>
   </p:sldMasterIdLst>
   <p:notesMasterIdLst>
-    <p:notesMasterId r:id="rId38"/>
+    <p:notesMasterId r:id="rId40"/>
   </p:notesMasterIdLst>
   <p:handoutMasterIdLst>
-    <p:handoutMasterId r:id="rId39"/>
+    <p:handoutMasterId r:id="rId41"/>
   </p:handoutMasterIdLst>
   <p:sldIdLst>
     <p:sldId id="275" r:id="rId2"/>
@@ -45,8 +45,10 @@
     <p:sldId id="355" r:id="rId33"/>
     <p:sldId id="356" r:id="rId34"/>
     <p:sldId id="342" r:id="rId35"/>
-    <p:sldId id="344" r:id="rId36"/>
-    <p:sldId id="347" r:id="rId37"/>
+    <p:sldId id="359" r:id="rId36"/>
+    <p:sldId id="360" r:id="rId37"/>
+    <p:sldId id="361" r:id="rId38"/>
+    <p:sldId id="347" r:id="rId39"/>
   </p:sldIdLst>
   <p:sldSz cx="12192000" cy="6858000"/>
   <p:notesSz cx="7099300" cy="10234613"/>
@@ -147,7 +149,7 @@
   </p:defaultTextStyle>
   <p:extLst>
     <p:ext uri="{EFAFB233-063F-42B5-8137-9DF3F51BA10A}">
-      <p15:sldGuideLst xmlns:p15="http://schemas.microsoft.com/office/powerpoint/2012/main" xmlns="">
+      <p15:sldGuideLst xmlns:p15="http://schemas.microsoft.com/office/powerpoint/2012/main">
         <p15:guide id="1" orient="horz" pos="981" userDrawn="1">
           <p15:clr>
             <a:srgbClr val="A4A3A4"/>
@@ -252,7 +254,7 @@
           <a:p>
             <a:fld id="{96C6AA85-543A-49BD-AAEA-D8BCB9E3072D}" type="datetimeFigureOut">
               <a:rPr lang="en-AU" smtClean="0"/>
-              <a:t>25/09/2018</a:t>
+              <a:t>26/09/2018</a:t>
             </a:fld>
             <a:endParaRPr lang="en-AU"/>
           </a:p>
@@ -417,7 +419,7 @@
           <a:p>
             <a:fld id="{AC062A73-2E64-49D6-ABD8-1FCFA8272204}" type="datetimeFigureOut">
               <a:rPr lang="en-AU" smtClean="0"/>
-              <a:t>25/09/2018</a:t>
+              <a:t>26/09/2018</a:t>
             </a:fld>
             <a:endParaRPr lang="en-AU"/>
           </a:p>
@@ -3854,7 +3856,7 @@
   </p:clrMapOvr>
   <p:extLst mod="1">
     <p:ext uri="{DCECCB84-F9BA-43D5-87BE-67443E8EF086}">
-      <p15:sldGuideLst xmlns:p15="http://schemas.microsoft.com/office/powerpoint/2012/main" xmlns="">
+      <p15:sldGuideLst xmlns:p15="http://schemas.microsoft.com/office/powerpoint/2012/main">
         <p15:guide id="1" orient="horz" pos="2160" userDrawn="1">
           <p15:clr>
             <a:srgbClr val="FBAE40"/>
@@ -4933,7 +4935,7 @@
   </p:txStyles>
   <p:extLst mod="1">
     <p:ext uri="{27BBF7A9-308A-43DC-89C8-2F10F3537804}">
-      <p15:sldGuideLst xmlns:p15="http://schemas.microsoft.com/office/powerpoint/2012/main" xmlns="">
+      <p15:sldGuideLst xmlns:p15="http://schemas.microsoft.com/office/powerpoint/2012/main">
         <p15:guide id="1" orient="horz" pos="232" userDrawn="1">
           <p15:clr>
             <a:srgbClr val="F26B43"/>
@@ -7561,7 +7563,6 @@
               <a:rPr lang="en-AU" dirty="0"/>
               <a:t>Likelihoods and Bayes Factors</a:t>
             </a:r>
-            <a:endParaRPr lang="en-AU" dirty="0"/>
           </a:p>
         </p:txBody>
       </p:sp>
@@ -9883,7 +9884,7 @@
                         <m:fPr>
                           <m:ctrlPr>
                             <a:rPr lang="en-AU" i="1" smtClean="0">
-                              <a:latin typeface="Cambria Math"/>
+                              <a:latin typeface="Cambria Math" panose="02040503050406030204" pitchFamily="18" charset="0"/>
                             </a:rPr>
                           </m:ctrlPr>
                         </m:fPr>
@@ -9904,7 +9905,7 @@
                             <m:sSubPr>
                               <m:ctrlPr>
                                 <a:rPr lang="en-AU" i="1">
-                                  <a:latin typeface="Cambria Math"/>
+                                  <a:latin typeface="Cambria Math" panose="02040503050406030204" pitchFamily="18" charset="0"/>
                                 </a:rPr>
                               </m:ctrlPr>
                             </m:sSubPr>
@@ -9961,7 +9962,7 @@
                             <m:sSubPr>
                               <m:ctrlPr>
                                 <a:rPr lang="en-AU" i="1">
-                                  <a:latin typeface="Cambria Math"/>
+                                  <a:latin typeface="Cambria Math" panose="02040503050406030204" pitchFamily="18" charset="0"/>
                                 </a:rPr>
                               </m:ctrlPr>
                             </m:sSubPr>
@@ -10012,7 +10013,7 @@
                         <m:fPr>
                           <m:ctrlPr>
                             <a:rPr lang="en-AU" i="1">
-                              <a:latin typeface="Cambria Math"/>
+                              <a:latin typeface="Cambria Math" panose="02040503050406030204" pitchFamily="18" charset="0"/>
                             </a:rPr>
                           </m:ctrlPr>
                         </m:fPr>
@@ -10033,7 +10034,7 @@
                             <m:sSubPr>
                               <m:ctrlPr>
                                 <a:rPr lang="en-AU" i="1">
-                                  <a:latin typeface="Cambria Math"/>
+                                  <a:latin typeface="Cambria Math" panose="02040503050406030204" pitchFamily="18" charset="0"/>
                                 </a:rPr>
                               </m:ctrlPr>
                             </m:sSubPr>
@@ -10078,7 +10079,7 @@
                             <m:sSubPr>
                               <m:ctrlPr>
                                 <a:rPr lang="en-AU" i="1">
-                                  <a:latin typeface="Cambria Math"/>
+                                  <a:latin typeface="Cambria Math" panose="02040503050406030204" pitchFamily="18" charset="0"/>
                                 </a:rPr>
                               </m:ctrlPr>
                             </m:sSubPr>
@@ -10118,7 +10119,7 @@
                         <m:fPr>
                           <m:ctrlPr>
                             <a:rPr lang="en-AU" i="1">
-                              <a:latin typeface="Cambria Math"/>
+                              <a:latin typeface="Cambria Math" panose="02040503050406030204" pitchFamily="18" charset="0"/>
                             </a:rPr>
                           </m:ctrlPr>
                         </m:fPr>
@@ -10139,7 +10140,7 @@
                             <m:sSubPr>
                               <m:ctrlPr>
                                 <a:rPr lang="en-AU" i="1">
-                                  <a:latin typeface="Cambria Math"/>
+                                  <a:latin typeface="Cambria Math" panose="02040503050406030204" pitchFamily="18" charset="0"/>
                                 </a:rPr>
                               </m:ctrlPr>
                             </m:sSubPr>
@@ -10196,7 +10197,7 @@
                             <m:sSubPr>
                               <m:ctrlPr>
                                 <a:rPr lang="en-AU" i="1">
-                                  <a:latin typeface="Cambria Math"/>
+                                  <a:latin typeface="Cambria Math" panose="02040503050406030204" pitchFamily="18" charset="0"/>
                                 </a:rPr>
                               </m:ctrlPr>
                             </m:sSubPr>
@@ -10426,14 +10427,14 @@
                 <a:gridCol w="2609850">
                   <a:extLst>
                     <a:ext uri="{9D8B030D-6E8A-4147-A177-3AD203B41FA5}">
-                      <a16:colId xmlns:a16="http://schemas.microsoft.com/office/drawing/2014/main" xmlns="" val="996537443"/>
+                      <a16:colId xmlns:a16="http://schemas.microsoft.com/office/drawing/2014/main" val="996537443"/>
                     </a:ext>
                   </a:extLst>
                 </a:gridCol>
                 <a:gridCol w="2609850">
                   <a:extLst>
                     <a:ext uri="{9D8B030D-6E8A-4147-A177-3AD203B41FA5}">
-                      <a16:colId xmlns:a16="http://schemas.microsoft.com/office/drawing/2014/main" xmlns="" val="282334746"/>
+                      <a16:colId xmlns:a16="http://schemas.microsoft.com/office/drawing/2014/main" val="282334746"/>
                     </a:ext>
                   </a:extLst>
                 </a:gridCol>
@@ -10469,7 +10470,7 @@
                 </a:tc>
                 <a:extLst>
                   <a:ext uri="{0D108BD9-81ED-4DB2-BD59-A6C34878D82A}">
-                    <a16:rowId xmlns:a16="http://schemas.microsoft.com/office/drawing/2014/main" xmlns="" val="1092054788"/>
+                    <a16:rowId xmlns:a16="http://schemas.microsoft.com/office/drawing/2014/main" val="1092054788"/>
                   </a:ext>
                 </a:extLst>
               </a:tr>
@@ -10504,7 +10505,7 @@
                 </a:tc>
                 <a:extLst>
                   <a:ext uri="{0D108BD9-81ED-4DB2-BD59-A6C34878D82A}">
-                    <a16:rowId xmlns:a16="http://schemas.microsoft.com/office/drawing/2014/main" xmlns="" val="324320658"/>
+                    <a16:rowId xmlns:a16="http://schemas.microsoft.com/office/drawing/2014/main" val="324320658"/>
                   </a:ext>
                 </a:extLst>
               </a:tr>
@@ -10539,7 +10540,7 @@
                 </a:tc>
                 <a:extLst>
                   <a:ext uri="{0D108BD9-81ED-4DB2-BD59-A6C34878D82A}">
-                    <a16:rowId xmlns:a16="http://schemas.microsoft.com/office/drawing/2014/main" xmlns="" val="1861592566"/>
+                    <a16:rowId xmlns:a16="http://schemas.microsoft.com/office/drawing/2014/main" val="1861592566"/>
                   </a:ext>
                 </a:extLst>
               </a:tr>
@@ -10574,7 +10575,7 @@
                 </a:tc>
                 <a:extLst>
                   <a:ext uri="{0D108BD9-81ED-4DB2-BD59-A6C34878D82A}">
-                    <a16:rowId xmlns:a16="http://schemas.microsoft.com/office/drawing/2014/main" xmlns="" val="1580096104"/>
+                    <a16:rowId xmlns:a16="http://schemas.microsoft.com/office/drawing/2014/main" val="1580096104"/>
                   </a:ext>
                 </a:extLst>
               </a:tr>
@@ -10609,7 +10610,7 @@
                 </a:tc>
                 <a:extLst>
                   <a:ext uri="{0D108BD9-81ED-4DB2-BD59-A6C34878D82A}">
-                    <a16:rowId xmlns:a16="http://schemas.microsoft.com/office/drawing/2014/main" xmlns="" val="42513339"/>
+                    <a16:rowId xmlns:a16="http://schemas.microsoft.com/office/drawing/2014/main" val="42513339"/>
                   </a:ext>
                 </a:extLst>
               </a:tr>
@@ -10644,7 +10645,7 @@
                 </a:tc>
                 <a:extLst>
                   <a:ext uri="{0D108BD9-81ED-4DB2-BD59-A6C34878D82A}">
-                    <a16:rowId xmlns:a16="http://schemas.microsoft.com/office/drawing/2014/main" xmlns="" val="2479670305"/>
+                    <a16:rowId xmlns:a16="http://schemas.microsoft.com/office/drawing/2014/main" val="2479670305"/>
                   </a:ext>
                 </a:extLst>
               </a:tr>
@@ -10679,7 +10680,7 @@
                 </a:tc>
                 <a:extLst>
                   <a:ext uri="{0D108BD9-81ED-4DB2-BD59-A6C34878D82A}">
-                    <a16:rowId xmlns:a16="http://schemas.microsoft.com/office/drawing/2014/main" xmlns="" val="583443752"/>
+                    <a16:rowId xmlns:a16="http://schemas.microsoft.com/office/drawing/2014/main" val="583443752"/>
                   </a:ext>
                 </a:extLst>
               </a:tr>
@@ -12295,7 +12296,7 @@
                       <m:sSubPr>
                         <m:ctrlPr>
                           <a:rPr lang="en-AU" i="1" smtClean="0">
-                            <a:latin typeface="Cambria Math"/>
+                            <a:latin typeface="Cambria Math" panose="02040503050406030204" pitchFamily="18" charset="0"/>
                           </a:rPr>
                         </m:ctrlPr>
                       </m:sSubPr>
@@ -12328,7 +12329,7 @@
                       <m:sSubPr>
                         <m:ctrlPr>
                           <a:rPr lang="en-AU" i="1" smtClean="0">
-                            <a:latin typeface="Cambria Math"/>
+                            <a:latin typeface="Cambria Math" panose="02040503050406030204" pitchFamily="18" charset="0"/>
                           </a:rPr>
                         </m:ctrlPr>
                       </m:sSubPr>
@@ -12362,7 +12363,7 @@
                       <m:sSubPr>
                         <m:ctrlPr>
                           <a:rPr lang="en-AU" b="0" i="1" smtClean="0">
-                            <a:latin typeface="Cambria Math"/>
+                            <a:latin typeface="Cambria Math" panose="02040503050406030204" pitchFamily="18" charset="0"/>
                           </a:rPr>
                         </m:ctrlPr>
                       </m:sSubPr>
@@ -12402,7 +12403,7 @@
                       <m:sSubPr>
                         <m:ctrlPr>
                           <a:rPr lang="en-AU" b="0" i="1" smtClean="0">
-                            <a:latin typeface="Cambria Math"/>
+                            <a:latin typeface="Cambria Math" panose="02040503050406030204" pitchFamily="18" charset="0"/>
                           </a:rPr>
                         </m:ctrlPr>
                       </m:sSubPr>
@@ -12434,7 +12435,7 @@
                       <m:sSubPr>
                         <m:ctrlPr>
                           <a:rPr lang="en-AU" b="0" i="1" smtClean="0">
-                            <a:latin typeface="Cambria Math"/>
+                            <a:latin typeface="Cambria Math" panose="02040503050406030204" pitchFamily="18" charset="0"/>
                           </a:rPr>
                         </m:ctrlPr>
                       </m:sSubPr>
@@ -12469,7 +12470,7 @@
                         <m:supHide m:val="on"/>
                         <m:ctrlPr>
                           <a:rPr lang="en-AU" b="0" i="1" smtClean="0">
-                            <a:latin typeface="Cambria Math"/>
+                            <a:latin typeface="Cambria Math" panose="02040503050406030204" pitchFamily="18" charset="0"/>
                           </a:rPr>
                         </m:ctrlPr>
                       </m:naryPr>
@@ -12490,7 +12491,7 @@
                           <m:sSubPr>
                             <m:ctrlPr>
                               <a:rPr lang="en-AU" b="0" i="1" smtClean="0">
-                                <a:latin typeface="Cambria Math"/>
+                                <a:latin typeface="Cambria Math" panose="02040503050406030204" pitchFamily="18" charset="0"/>
                               </a:rPr>
                             </m:ctrlPr>
                           </m:sSubPr>
@@ -12516,7 +12517,7 @@
                           <m:sSubPr>
                             <m:ctrlPr>
                               <a:rPr lang="en-AU" b="0" i="1" smtClean="0">
-                                <a:latin typeface="Cambria Math"/>
+                                <a:latin typeface="Cambria Math" panose="02040503050406030204" pitchFamily="18" charset="0"/>
                               </a:rPr>
                             </m:ctrlPr>
                           </m:sSubPr>
@@ -12596,7 +12597,7 @@
                       <m:sSubPr>
                         <m:ctrlPr>
                           <a:rPr lang="en-AU" i="1">
-                            <a:latin typeface="Cambria Math"/>
+                            <a:latin typeface="Cambria Math" panose="02040503050406030204" pitchFamily="18" charset="0"/>
                           </a:rPr>
                         </m:ctrlPr>
                       </m:sSubPr>
@@ -14027,7 +14028,7 @@
                       <m:sSubPr>
                         <m:ctrlPr>
                           <a:rPr lang="en-AU" i="1">
-                            <a:latin typeface="Cambria Math"/>
+                            <a:latin typeface="Cambria Math" panose="02040503050406030204" pitchFamily="18" charset="0"/>
                           </a:rPr>
                         </m:ctrlPr>
                       </m:sSubPr>
@@ -14068,7 +14069,7 @@
                       <m:sSubPr>
                         <m:ctrlPr>
                           <a:rPr lang="en-AU" i="1">
-                            <a:latin typeface="Cambria Math"/>
+                            <a:latin typeface="Cambria Math" panose="02040503050406030204" pitchFamily="18" charset="0"/>
                           </a:rPr>
                         </m:ctrlPr>
                       </m:sSubPr>
@@ -14102,7 +14103,7 @@
                       <m:sSubPr>
                         <m:ctrlPr>
                           <a:rPr lang="en-AU" i="1">
-                            <a:latin typeface="Cambria Math"/>
+                            <a:latin typeface="Cambria Math" panose="02040503050406030204" pitchFamily="18" charset="0"/>
                           </a:rPr>
                         </m:ctrlPr>
                       </m:sSubPr>
@@ -15080,7 +15081,19 @@
           <a:p>
             <a:r>
               <a:rPr lang="en-AU" dirty="0" smtClean="0"/>
-              <a:t>Bayesian Hypothesis Testing</a:t>
+              <a:t>The </a:t>
+            </a:r>
+            <a:r>
+              <a:rPr lang="en-AU" i="1" dirty="0" err="1"/>
+              <a:t>b</a:t>
+            </a:r>
+            <a:r>
+              <a:rPr lang="en-AU" i="1" dirty="0" err="1" smtClean="0"/>
+              <a:t>rms</a:t>
+            </a:r>
+            <a:r>
+              <a:rPr lang="en-AU" dirty="0" smtClean="0"/>
+              <a:t> package</a:t>
             </a:r>
             <a:endParaRPr lang="en-AU" dirty="0"/>
           </a:p>
@@ -15103,7 +15116,7 @@
           <a:p>
             <a:r>
               <a:rPr lang="en-AU" dirty="0" smtClean="0"/>
-              <a:t>Examples in JASP</a:t>
+              <a:t>Bayesian mixed effect models</a:t>
             </a:r>
             <a:endParaRPr lang="en-AU" dirty="0"/>
           </a:p>
@@ -15162,8 +15175,16 @@
           <a:lstStyle/>
           <a:p>
             <a:r>
+              <a:rPr lang="en-AU" i="1" dirty="0" err="1"/>
+              <a:t>b</a:t>
+            </a:r>
+            <a:r>
+              <a:rPr lang="en-AU" i="1" dirty="0" err="1" smtClean="0"/>
+              <a:t>rms</a:t>
+            </a:r>
+            <a:r>
               <a:rPr lang="en-AU" dirty="0" smtClean="0"/>
-              <a:t>Download data</a:t>
+              <a:t> Overview</a:t>
             </a:r>
             <a:endParaRPr lang="en-AU" dirty="0"/>
           </a:p>
@@ -15205,136 +15226,1416 @@
           <a:p>
             <a:r>
               <a:rPr lang="en-AU" dirty="0" smtClean="0"/>
-              <a:t>Coin toss data</a:t>
-            </a:r>
-          </a:p>
-          <a:p>
-            <a:pPr lvl="1"/>
+              <a:t>Designed to fit mixed models.</a:t>
+            </a:r>
+          </a:p>
+          <a:p>
+            <a:r>
+              <a:rPr lang="en-AU" dirty="0" smtClean="0"/>
+              <a:t>Supports variety of response distributions.</a:t>
+            </a:r>
+          </a:p>
+          <a:p>
+            <a:r>
+              <a:rPr lang="en-AU" dirty="0" smtClean="0"/>
+              <a:t>Uses formula syntax similar to </a:t>
+            </a:r>
+            <a:r>
+              <a:rPr lang="en-AU" i="1" dirty="0" smtClean="0"/>
+              <a:t>lme4</a:t>
+            </a:r>
+            <a:r>
+              <a:rPr lang="en-AU" dirty="0" smtClean="0"/>
+              <a:t>.</a:t>
+            </a:r>
+          </a:p>
+          <a:p>
+            <a:endParaRPr lang="en-AU" dirty="0"/>
+          </a:p>
+          <a:p>
+            <a:r>
+              <a:rPr lang="en-AU" dirty="0" smtClean="0"/>
+              <a:t>Models require compilation (slow).</a:t>
+            </a:r>
+          </a:p>
+          <a:p>
+            <a:r>
+              <a:rPr lang="en-AU" dirty="0" smtClean="0"/>
+              <a:t>Can avoid repeated compilation with </a:t>
+            </a:r>
             <a:r>
               <a:rPr lang="en-AU" dirty="0" smtClean="0">
-                <a:hlinkClick r:id="rId2"/>
+                <a:latin typeface="Courier New" panose="02070309020205020404" pitchFamily="49" charset="0"/>
+                <a:cs typeface="Courier New" panose="02070309020205020404" pitchFamily="49" charset="0"/>
               </a:rPr>
-              <a:t>https://tinyurl.com/y8ro4ysf</a:t>
-            </a:r>
-            <a:endParaRPr lang="en-AU" dirty="0" smtClean="0"/>
-          </a:p>
-          <a:p>
+              <a:t>update</a:t>
+            </a:r>
+            <a:r>
+              <a:rPr lang="en-AU" dirty="0" smtClean="0">
+                <a:latin typeface="Courier New" panose="02070309020205020404" pitchFamily="49" charset="0"/>
+                <a:cs typeface="Courier New" panose="02070309020205020404" pitchFamily="49" charset="0"/>
+              </a:rPr>
+              <a:t>()</a:t>
+            </a:r>
             <a:r>
               <a:rPr lang="en-AU" dirty="0" smtClean="0"/>
-              <a:t>Large coin toss data</a:t>
-            </a:r>
-          </a:p>
-          <a:p>
-            <a:pPr lvl="1"/>
+              <a:t>.</a:t>
+            </a:r>
+          </a:p>
+          <a:p>
+            <a:r>
+              <a:rPr lang="en-AU" dirty="0" smtClean="0"/>
+              <a:t>Sampling required to approximate posterior may be slow.</a:t>
+            </a:r>
+          </a:p>
+          <a:p>
+            <a:r>
+              <a:rPr lang="en-AU" dirty="0" smtClean="0"/>
+              <a:t>Use multiple cores as appropriate.</a:t>
+            </a:r>
+            <a:endParaRPr lang="en-AU" dirty="0"/>
+          </a:p>
+        </p:txBody>
+      </p:sp>
+      <p:pic>
+        <p:nvPicPr>
+          <p:cNvPr id="1028" name="Picture 4" descr="brms Logo"/>
+          <p:cNvPicPr>
+            <a:picLocks noChangeAspect="1" noChangeArrowheads="1"/>
+          </p:cNvPicPr>
+          <p:nvPr/>
+        </p:nvPicPr>
+        <p:blipFill>
+          <a:blip r:embed="rId2" cstate="print">
+            <a:extLst>
+              <a:ext uri="{28A0092B-C50C-407E-A947-70E740481C1C}">
+                <a14:useLocalDpi xmlns:a14="http://schemas.microsoft.com/office/drawing/2010/main" val="0"/>
+              </a:ext>
+            </a:extLst>
+          </a:blip>
+          <a:srcRect/>
+          <a:stretch>
+            <a:fillRect/>
+          </a:stretch>
+        </p:blipFill>
+        <p:spPr bwMode="auto">
+          <a:xfrm>
+            <a:off x="720000" y="5366690"/>
+            <a:ext cx="681365" cy="782447"/>
+          </a:xfrm>
+          <a:prstGeom prst="rect">
+            <a:avLst/>
+          </a:prstGeom>
+          <a:noFill/>
+          <a:extLst>
+            <a:ext uri="{909E8E84-426E-40DD-AFC4-6F175D3DCCD1}">
+              <a14:hiddenFill xmlns:a14="http://schemas.microsoft.com/office/drawing/2010/main">
+                <a:solidFill>
+                  <a:srgbClr val="FFFFFF"/>
+                </a:solidFill>
+              </a14:hiddenFill>
+            </a:ext>
+          </a:extLst>
+        </p:spPr>
+      </p:pic>
+      <p:sp>
+        <p:nvSpPr>
+          <p:cNvPr id="10" name="TextBox 9"/>
+          <p:cNvSpPr txBox="1"/>
+          <p:nvPr/>
+        </p:nvSpPr>
+        <p:spPr>
+          <a:xfrm>
+            <a:off x="1635510" y="5573247"/>
+            <a:ext cx="4070345" cy="369332"/>
+          </a:xfrm>
+          <a:prstGeom prst="rect">
+            <a:avLst/>
+          </a:prstGeom>
+          <a:noFill/>
+        </p:spPr>
+        <p:txBody>
+          <a:bodyPr wrap="none" rtlCol="0">
+            <a:spAutoFit/>
+          </a:bodyPr>
+          <a:lstStyle/>
+          <a:p>
             <a:r>
               <a:rPr lang="en-AU" dirty="0" smtClean="0">
                 <a:hlinkClick r:id="rId3"/>
               </a:rPr>
-              <a:t>https://tinyurl.com/y74hwe3u</a:t>
-            </a:r>
-            <a:endParaRPr lang="en-AU" dirty="0" smtClean="0"/>
-          </a:p>
-          <a:p>
-            <a:r>
-              <a:rPr lang="en-AU" dirty="0" smtClean="0"/>
-              <a:t>Gap minder traffic death data</a:t>
-            </a:r>
-          </a:p>
-          <a:p>
-            <a:pPr lvl="1"/>
-            <a:r>
-              <a:rPr lang="en-AU" dirty="0" smtClean="0">
-                <a:hlinkClick r:id="rId4"/>
-              </a:rPr>
-              <a:t>https://tinyurl.com/y8zz27rr</a:t>
-            </a:r>
-            <a:endParaRPr lang="en-AU" dirty="0" smtClean="0"/>
-          </a:p>
-          <a:p>
-            <a:r>
-              <a:rPr lang="en-AU" dirty="0" smtClean="0"/>
-              <a:t>Weight perception data</a:t>
-            </a:r>
-          </a:p>
-          <a:p>
-            <a:pPr lvl="1"/>
+              <a:t>https://github.com/paul-buerkner/brms</a:t>
+            </a:r>
+            <a:endParaRPr lang="en-AU" dirty="0"/>
+          </a:p>
+        </p:txBody>
+      </p:sp>
+      <p:pic>
+        <p:nvPicPr>
+          <p:cNvPr id="2" name="Picture 4" descr="Compiling"/>
+          <p:cNvPicPr>
+            <a:picLocks noChangeAspect="1" noChangeArrowheads="1"/>
+          </p:cNvPicPr>
+          <p:nvPr/>
+        </p:nvPicPr>
+        <p:blipFill>
+          <a:blip r:embed="rId4">
+            <a:extLst>
+              <a:ext uri="{28A0092B-C50C-407E-A947-70E740481C1C}">
+                <a14:useLocalDpi xmlns:a14="http://schemas.microsoft.com/office/drawing/2010/main" val="0"/>
+              </a:ext>
+            </a:extLst>
+          </a:blip>
+          <a:srcRect/>
+          <a:stretch>
+            <a:fillRect/>
+          </a:stretch>
+        </p:blipFill>
+        <p:spPr bwMode="auto">
+          <a:xfrm>
+            <a:off x="7401930" y="1750390"/>
+            <a:ext cx="3933825" cy="3429001"/>
+          </a:xfrm>
+          <a:prstGeom prst="rect">
+            <a:avLst/>
+          </a:prstGeom>
+          <a:noFill/>
+          <a:extLst>
+            <a:ext uri="{909E8E84-426E-40DD-AFC4-6F175D3DCCD1}">
+              <a14:hiddenFill xmlns:a14="http://schemas.microsoft.com/office/drawing/2010/main">
+                <a:solidFill>
+                  <a:srgbClr val="FFFFFF"/>
+                </a:solidFill>
+              </a14:hiddenFill>
+            </a:ext>
+          </a:extLst>
+        </p:spPr>
+      </p:pic>
+      <p:sp>
+        <p:nvSpPr>
+          <p:cNvPr id="3" name="TextBox 2"/>
+          <p:cNvSpPr txBox="1"/>
+          <p:nvPr/>
+        </p:nvSpPr>
+        <p:spPr>
+          <a:xfrm>
+            <a:off x="8186468" y="5573247"/>
+            <a:ext cx="2364750" cy="369332"/>
+          </a:xfrm>
+          <a:prstGeom prst="rect">
+            <a:avLst/>
+          </a:prstGeom>
+          <a:noFill/>
+        </p:spPr>
+        <p:txBody>
+          <a:bodyPr wrap="none" rtlCol="0">
+            <a:spAutoFit/>
+          </a:bodyPr>
+          <a:lstStyle/>
+          <a:p>
             <a:r>
               <a:rPr lang="en-AU" dirty="0" smtClean="0">
                 <a:hlinkClick r:id="rId5"/>
               </a:rPr>
-              <a:t>https://tinyurl.com/ydfr8nlw</a:t>
-            </a:r>
-            <a:endParaRPr lang="en-AU" dirty="0" smtClean="0"/>
-          </a:p>
-          <a:p>
-            <a:pPr marL="0" indent="0">
-              <a:buNone/>
-            </a:pPr>
+              <a:t>https://xkcd.com/303/</a:t>
+            </a:r>
             <a:endParaRPr lang="en-AU" dirty="0"/>
-          </a:p>
-          <a:p>
-            <a:pPr marL="0" indent="0">
-              <a:buNone/>
-            </a:pPr>
-            <a:r>
-              <a:rPr lang="en-AU" dirty="0" smtClean="0"/>
-              <a:t>Or get it all from here:</a:t>
-            </a:r>
-          </a:p>
-          <a:p>
-            <a:pPr marL="0" indent="0">
-              <a:buNone/>
-            </a:pPr>
-            <a:r>
-              <a:rPr lang="en-AU" dirty="0" smtClean="0">
-                <a:hlinkClick r:id="rId6"/>
-              </a:rPr>
-              <a:t>https://github.com/humburg/Introduction-to-Bayesian-Hypothesis-testing/tree/master/data</a:t>
-            </a:r>
-            <a:endParaRPr lang="en-AU" dirty="0"/>
-          </a:p>
-        </p:txBody>
-      </p:sp>
-      <p:sp>
-        <p:nvSpPr>
-          <p:cNvPr id="8" name="Text Placeholder 7"/>
-          <p:cNvSpPr>
-            <a:spLocks noGrp="1"/>
-          </p:cNvSpPr>
-          <p:nvPr>
-            <p:ph type="body" sz="quarter" idx="18"/>
-          </p:nvPr>
-        </p:nvSpPr>
-        <p:spPr/>
-        <p:txBody>
-          <a:bodyPr/>
-          <a:lstStyle/>
-          <a:p>
-            <a:endParaRPr lang="en-AU"/>
           </a:p>
         </p:txBody>
       </p:sp>
     </p:spTree>
     <p:extLst>
       <p:ext uri="{BB962C8B-B14F-4D97-AF65-F5344CB8AC3E}">
-        <p14:creationId xmlns:p14="http://schemas.microsoft.com/office/powerpoint/2010/main" val="256460468"/>
+        <p14:creationId xmlns:p14="http://schemas.microsoft.com/office/powerpoint/2010/main" val="4147103017"/>
       </p:ext>
     </p:extLst>
   </p:cSld>
   <p:clrMapOvr>
     <a:masterClrMapping/>
   </p:clrMapOvr>
-  <p:timing>
-    <p:tnLst>
-      <p:par>
-        <p:cTn id="1" dur="indefinite" restart="never" nodeType="tmRoot"/>
-      </p:par>
-    </p:tnLst>
-  </p:timing>
 </p:sld>
 </file>
 
 <file path=ppt/slides/slide36.xml><?xml version="1.0" encoding="utf-8"?>
+<p:sld xmlns:a="http://schemas.openxmlformats.org/drawingml/2006/main" xmlns:r="http://schemas.openxmlformats.org/officeDocument/2006/relationships" xmlns:p="http://schemas.openxmlformats.org/presentationml/2006/main">
+  <p:cSld>
+    <p:spTree>
+      <p:nvGrpSpPr>
+        <p:cNvPr id="1" name=""/>
+        <p:cNvGrpSpPr/>
+        <p:nvPr/>
+      </p:nvGrpSpPr>
+      <p:grpSpPr>
+        <a:xfrm>
+          <a:off x="0" y="0"/>
+          <a:ext cx="0" cy="0"/>
+          <a:chOff x="0" y="0"/>
+          <a:chExt cx="0" cy="0"/>
+        </a:xfrm>
+      </p:grpSpPr>
+      <p:sp>
+        <p:nvSpPr>
+          <p:cNvPr id="2" name="Title 1"/>
+          <p:cNvSpPr>
+            <a:spLocks noGrp="1"/>
+          </p:cNvSpPr>
+          <p:nvPr>
+            <p:ph type="title"/>
+          </p:nvPr>
+        </p:nvSpPr>
+        <p:spPr/>
+        <p:txBody>
+          <a:bodyPr/>
+          <a:lstStyle/>
+          <a:p>
+            <a:r>
+              <a:rPr lang="en-AU" dirty="0" smtClean="0"/>
+              <a:t>Accuracy &amp; Reaction Time</a:t>
+            </a:r>
+            <a:endParaRPr lang="en-AU" dirty="0"/>
+          </a:p>
+        </p:txBody>
+      </p:sp>
+      <p:sp>
+        <p:nvSpPr>
+          <p:cNvPr id="3" name="Footer Placeholder 2"/>
+          <p:cNvSpPr>
+            <a:spLocks noGrp="1"/>
+          </p:cNvSpPr>
+          <p:nvPr>
+            <p:ph type="ftr" sz="quarter" idx="11"/>
+          </p:nvPr>
+        </p:nvSpPr>
+        <p:spPr/>
+        <p:txBody>
+          <a:bodyPr/>
+          <a:lstStyle/>
+          <a:p>
+            <a:r>
+              <a:rPr lang="en-AU" smtClean="0"/>
+              <a:t>FACULTY RESEARCH OFFICE | HUMAN SCIENCES</a:t>
+            </a:r>
+            <a:endParaRPr lang="en-AU" dirty="0"/>
+          </a:p>
+        </p:txBody>
+      </p:sp>
+      <p:sp>
+        <p:nvSpPr>
+          <p:cNvPr id="4" name="Slide Number Placeholder 3"/>
+          <p:cNvSpPr>
+            <a:spLocks noGrp="1"/>
+          </p:cNvSpPr>
+          <p:nvPr>
+            <p:ph type="sldNum" sz="quarter" idx="12"/>
+          </p:nvPr>
+        </p:nvSpPr>
+        <p:spPr/>
+        <p:txBody>
+          <a:bodyPr/>
+          <a:lstStyle/>
+          <a:p>
+            <a:fld id="{D9C42BCC-44E8-4F98-A8FE-EAF16D8C1E6E}" type="slidenum">
+              <a:rPr lang="en-AU" smtClean="0"/>
+              <a:pPr/>
+              <a:t>36</a:t>
+            </a:fld>
+            <a:endParaRPr lang="en-AU"/>
+          </a:p>
+        </p:txBody>
+      </p:sp>
+      <p:sp>
+        <p:nvSpPr>
+          <p:cNvPr id="5" name="Text Placeholder 4"/>
+          <p:cNvSpPr>
+            <a:spLocks noGrp="1"/>
+          </p:cNvSpPr>
+          <p:nvPr>
+            <p:ph type="body" sz="quarter" idx="15"/>
+          </p:nvPr>
+        </p:nvSpPr>
+        <p:spPr/>
+        <p:txBody>
+          <a:bodyPr/>
+          <a:lstStyle/>
+          <a:p>
+            <a:r>
+              <a:rPr lang="en-AU" dirty="0" smtClean="0"/>
+              <a:t>An Example</a:t>
+            </a:r>
+            <a:endParaRPr lang="en-AU" dirty="0"/>
+          </a:p>
+        </p:txBody>
+      </p:sp>
+      <p:sp>
+        <p:nvSpPr>
+          <p:cNvPr id="6" name="Text Placeholder 5"/>
+          <p:cNvSpPr>
+            <a:spLocks noGrp="1"/>
+          </p:cNvSpPr>
+          <p:nvPr>
+            <p:ph type="body" sz="quarter" idx="17"/>
+          </p:nvPr>
+        </p:nvSpPr>
+        <p:spPr/>
+        <p:txBody>
+          <a:bodyPr/>
+          <a:lstStyle/>
+          <a:p>
+            <a:r>
+              <a:rPr lang="en-AU" dirty="0" smtClean="0"/>
+              <a:t>Simulated data of reaction time and accuracy.</a:t>
+            </a:r>
+          </a:p>
+          <a:p>
+            <a:r>
+              <a:rPr lang="en-AU" dirty="0" smtClean="0"/>
+              <a:t>16 participants provide 100 responses each.</a:t>
+            </a:r>
+          </a:p>
+          <a:p>
+            <a:r>
+              <a:rPr lang="en-AU" dirty="0" smtClean="0"/>
+              <a:t>Single condition. </a:t>
+            </a:r>
+          </a:p>
+          <a:p>
+            <a:r>
+              <a:rPr lang="en-AU" dirty="0" smtClean="0"/>
+              <a:t>Can model this as mixed effects logistic regression.</a:t>
+            </a:r>
+          </a:p>
+          <a:p>
+            <a:r>
+              <a:rPr lang="en-AU" dirty="0" smtClean="0"/>
+              <a:t>Could fit this with </a:t>
+            </a:r>
+            <a:r>
+              <a:rPr lang="en-AU" i="1" dirty="0" smtClean="0"/>
+              <a:t>lme4.</a:t>
+            </a:r>
+          </a:p>
+          <a:p>
+            <a:endParaRPr lang="en-AU" i="1" dirty="0"/>
+          </a:p>
+          <a:p>
+            <a:endParaRPr lang="en-AU" i="1" dirty="0" smtClean="0"/>
+          </a:p>
+          <a:p>
+            <a:r>
+              <a:rPr lang="en-AU" dirty="0" smtClean="0"/>
+              <a:t>Dataset: mixed_sim1.csv</a:t>
+            </a:r>
+          </a:p>
+          <a:p>
+            <a:endParaRPr lang="en-AU" dirty="0"/>
+          </a:p>
+        </p:txBody>
+      </p:sp>
+      <mc:AlternateContent xmlns:mc="http://schemas.openxmlformats.org/markup-compatibility/2006">
+        <mc:Choice xmlns:a14="http://schemas.microsoft.com/office/drawing/2010/main" Requires="a14">
+          <p:sp>
+            <p:nvSpPr>
+              <p:cNvPr id="7" name="Text Placeholder 6"/>
+              <p:cNvSpPr>
+                <a:spLocks noGrp="1"/>
+              </p:cNvSpPr>
+              <p:nvPr>
+                <p:ph type="body" sz="quarter" idx="18"/>
+              </p:nvPr>
+            </p:nvSpPr>
+            <p:spPr/>
+            <p:txBody>
+              <a:bodyPr/>
+              <a:lstStyle/>
+              <a:p>
+                <a:pPr marL="0" indent="0">
+                  <a:buNone/>
+                </a:pPr>
+                <a14:m>
+                  <m:oMathPara xmlns:m="http://schemas.openxmlformats.org/officeDocument/2006/math">
+                    <m:oMathParaPr>
+                      <m:jc m:val="centerGroup"/>
+                    </m:oMathParaPr>
+                    <m:oMath xmlns:m="http://schemas.openxmlformats.org/officeDocument/2006/math">
+                      <m:r>
+                        <a:rPr lang="en-AU" i="1" smtClean="0">
+                          <a:latin typeface="Cambria Math" panose="02040503050406030204" pitchFamily="18" charset="0"/>
+                        </a:rPr>
+                        <m:t>𝑅𝑒𝑠𝑝</m:t>
+                      </m:r>
+                      <m:r>
+                        <a:rPr lang="en-AU" i="1" smtClean="0">
+                          <a:latin typeface="Cambria Math" panose="02040503050406030204" pitchFamily="18" charset="0"/>
+                        </a:rPr>
+                        <m:t>~</m:t>
+                      </m:r>
+                      <m:r>
+                        <a:rPr lang="en-AU" i="1" smtClean="0">
+                          <a:latin typeface="Cambria Math" panose="02040503050406030204" pitchFamily="18" charset="0"/>
+                        </a:rPr>
+                        <m:t>𝑅𝑇</m:t>
+                      </m:r>
+                      <m:r>
+                        <a:rPr lang="en-AU" i="1" smtClean="0">
+                          <a:latin typeface="Cambria Math" panose="02040503050406030204" pitchFamily="18" charset="0"/>
+                        </a:rPr>
+                        <m:t>+</m:t>
+                      </m:r>
+                      <m:d>
+                        <m:dPr>
+                          <m:ctrlPr>
+                            <a:rPr lang="en-AU" i="1" smtClean="0">
+                              <a:latin typeface="Cambria Math" panose="02040503050406030204" pitchFamily="18" charset="0"/>
+                            </a:rPr>
+                          </m:ctrlPr>
+                        </m:dPr>
+                        <m:e>
+                          <m:r>
+                            <a:rPr lang="en-AU" i="1" smtClean="0">
+                              <a:latin typeface="Cambria Math" panose="02040503050406030204" pitchFamily="18" charset="0"/>
+                            </a:rPr>
+                            <m:t>1</m:t>
+                          </m:r>
+                        </m:e>
+                        <m:e>
+                          <m:r>
+                            <a:rPr lang="en-AU" i="1" smtClean="0">
+                              <a:latin typeface="Cambria Math" panose="02040503050406030204" pitchFamily="18" charset="0"/>
+                            </a:rPr>
+                            <m:t>𝑆𝑏𝑗</m:t>
+                          </m:r>
+                        </m:e>
+                      </m:d>
+                    </m:oMath>
+                  </m:oMathPara>
+                </a14:m>
+                <a:endParaRPr lang="en-AU" dirty="0" smtClean="0"/>
+              </a:p>
+              <a:p>
+                <a:pPr marL="0" indent="0">
+                  <a:buNone/>
+                </a:pPr>
+                <a:r>
+                  <a:rPr lang="en-AU" dirty="0" smtClean="0"/>
+                  <a:t>Or </a:t>
+                </a:r>
+              </a:p>
+              <a:p>
+                <a:pPr marL="0" indent="0">
+                  <a:buNone/>
+                </a:pPr>
+                <a14:m>
+                  <m:oMathPara xmlns:m="http://schemas.openxmlformats.org/officeDocument/2006/math">
+                    <m:oMathParaPr>
+                      <m:jc m:val="centerGroup"/>
+                    </m:oMathParaPr>
+                    <m:oMath xmlns:m="http://schemas.openxmlformats.org/officeDocument/2006/math">
+                      <m:r>
+                        <a:rPr lang="en-AU" i="1">
+                          <a:latin typeface="Cambria Math" panose="02040503050406030204" pitchFamily="18" charset="0"/>
+                        </a:rPr>
+                        <m:t>𝑅𝑒𝑠𝑝</m:t>
+                      </m:r>
+                      <m:r>
+                        <a:rPr lang="en-AU" i="1">
+                          <a:latin typeface="Cambria Math" panose="02040503050406030204" pitchFamily="18" charset="0"/>
+                        </a:rPr>
+                        <m:t>~</m:t>
+                      </m:r>
+                      <m:r>
+                        <a:rPr lang="en-AU" i="1">
+                          <a:latin typeface="Cambria Math" panose="02040503050406030204" pitchFamily="18" charset="0"/>
+                        </a:rPr>
+                        <m:t>𝑅𝑇</m:t>
+                      </m:r>
+                      <m:r>
+                        <a:rPr lang="en-AU" i="1">
+                          <a:latin typeface="Cambria Math" panose="02040503050406030204" pitchFamily="18" charset="0"/>
+                        </a:rPr>
+                        <m:t>+(</m:t>
+                      </m:r>
+                      <m:r>
+                        <a:rPr lang="en-AU" b="0" i="1" smtClean="0">
+                          <a:latin typeface="Cambria Math" panose="02040503050406030204" pitchFamily="18" charset="0"/>
+                        </a:rPr>
+                        <m:t>𝑅𝑇</m:t>
+                      </m:r>
+                      <m:r>
+                        <a:rPr lang="en-AU" i="1">
+                          <a:latin typeface="Cambria Math" panose="02040503050406030204" pitchFamily="18" charset="0"/>
+                        </a:rPr>
+                        <m:t>|</m:t>
+                      </m:r>
+                      <m:r>
+                        <a:rPr lang="en-AU" i="1">
+                          <a:latin typeface="Cambria Math" panose="02040503050406030204" pitchFamily="18" charset="0"/>
+                        </a:rPr>
+                        <m:t>𝑆𝑏𝑗</m:t>
+                      </m:r>
+                      <m:r>
+                        <a:rPr lang="en-AU" i="1">
+                          <a:latin typeface="Cambria Math" panose="02040503050406030204" pitchFamily="18" charset="0"/>
+                        </a:rPr>
+                        <m:t>)</m:t>
+                      </m:r>
+                    </m:oMath>
+                  </m:oMathPara>
+                </a14:m>
+                <a:endParaRPr lang="en-AU" dirty="0"/>
+              </a:p>
+            </p:txBody>
+          </p:sp>
+        </mc:Choice>
+        <mc:Fallback>
+          <p:sp>
+            <p:nvSpPr>
+              <p:cNvPr id="7" name="Text Placeholder 6"/>
+              <p:cNvSpPr>
+                <a:spLocks noGrp="1" noRot="1" noChangeAspect="1" noMove="1" noResize="1" noEditPoints="1" noAdjustHandles="1" noChangeArrowheads="1" noChangeShapeType="1" noTextEdit="1"/>
+              </p:cNvSpPr>
+              <p:nvPr>
+                <p:ph type="body" sz="quarter" idx="18"/>
+              </p:nvPr>
+            </p:nvSpPr>
+            <p:spPr>
+              <a:blipFill>
+                <a:blip r:embed="rId2"/>
+                <a:stretch>
+                  <a:fillRect l="-2804" t="-135"/>
+                </a:stretch>
+              </a:blipFill>
+            </p:spPr>
+            <p:txBody>
+              <a:bodyPr/>
+              <a:lstStyle/>
+              <a:p>
+                <a:r>
+                  <a:rPr lang="en-AU">
+                    <a:noFill/>
+                  </a:rPr>
+                  <a:t> </a:t>
+                </a:r>
+              </a:p>
+            </p:txBody>
+          </p:sp>
+        </mc:Fallback>
+      </mc:AlternateContent>
+      <p:pic>
+        <p:nvPicPr>
+          <p:cNvPr id="8" name="Picture 6" descr="Image result for r logo"/>
+          <p:cNvPicPr>
+            <a:picLocks noChangeAspect="1" noChangeArrowheads="1"/>
+          </p:cNvPicPr>
+          <p:nvPr/>
+        </p:nvPicPr>
+        <p:blipFill>
+          <a:blip r:embed="rId3">
+            <a:extLst>
+              <a:ext uri="{28A0092B-C50C-407E-A947-70E740481C1C}">
+                <a14:useLocalDpi xmlns:a14="http://schemas.microsoft.com/office/drawing/2010/main" val="0"/>
+              </a:ext>
+            </a:extLst>
+          </a:blip>
+          <a:srcRect/>
+          <a:stretch>
+            <a:fillRect/>
+          </a:stretch>
+        </p:blipFill>
+        <p:spPr bwMode="auto">
+          <a:xfrm>
+            <a:off x="7758022" y="3419984"/>
+            <a:ext cx="3522115" cy="2729153"/>
+          </a:xfrm>
+          <a:prstGeom prst="rect">
+            <a:avLst/>
+          </a:prstGeom>
+          <a:noFill/>
+          <a:extLst>
+            <a:ext uri="{909E8E84-426E-40DD-AFC4-6F175D3DCCD1}">
+              <a14:hiddenFill xmlns:a14="http://schemas.microsoft.com/office/drawing/2010/main">
+                <a:solidFill>
+                  <a:srgbClr val="FFFFFF"/>
+                </a:solidFill>
+              </a14:hiddenFill>
+            </a:ext>
+          </a:extLst>
+        </p:spPr>
+      </p:pic>
+      <p:sp>
+        <p:nvSpPr>
+          <p:cNvPr id="9" name="TextBox 8"/>
+          <p:cNvSpPr txBox="1"/>
+          <p:nvPr/>
+        </p:nvSpPr>
+        <p:spPr>
+          <a:xfrm>
+            <a:off x="590603" y="5751362"/>
+            <a:ext cx="7273145" cy="400110"/>
+          </a:xfrm>
+          <a:prstGeom prst="rect">
+            <a:avLst/>
+          </a:prstGeom>
+          <a:noFill/>
+        </p:spPr>
+        <p:txBody>
+          <a:bodyPr wrap="none" rtlCol="0">
+            <a:spAutoFit/>
+          </a:bodyPr>
+          <a:lstStyle/>
+          <a:p>
+            <a:r>
+              <a:rPr lang="en-US" sz="1000" dirty="0"/>
+              <a:t>D.J. Davidson, A.E. </a:t>
+            </a:r>
+            <a:r>
+              <a:rPr lang="en-US" sz="1000" dirty="0" smtClean="0"/>
+              <a:t>Martin, Modeling </a:t>
+            </a:r>
+            <a:r>
+              <a:rPr lang="en-US" sz="1000" dirty="0"/>
+              <a:t>accuracy as a function of response time with the generalized linear mixed effects model,</a:t>
+            </a:r>
+          </a:p>
+          <a:p>
+            <a:r>
+              <a:rPr lang="en-US" sz="1000" dirty="0" err="1"/>
+              <a:t>Acta</a:t>
+            </a:r>
+            <a:r>
+              <a:rPr lang="en-US" sz="1000" dirty="0"/>
+              <a:t> </a:t>
+            </a:r>
+            <a:r>
+              <a:rPr lang="en-US" sz="1000" dirty="0" err="1" smtClean="0"/>
+              <a:t>Psychologica</a:t>
+            </a:r>
+            <a:r>
+              <a:rPr lang="en-US" sz="1000" dirty="0" smtClean="0"/>
+              <a:t>, 144:1 (2013).</a:t>
+            </a:r>
+            <a:endParaRPr lang="en-AU" sz="1000" dirty="0"/>
+          </a:p>
+        </p:txBody>
+      </p:sp>
+    </p:spTree>
+    <p:extLst>
+      <p:ext uri="{BB962C8B-B14F-4D97-AF65-F5344CB8AC3E}">
+        <p14:creationId xmlns:p14="http://schemas.microsoft.com/office/powerpoint/2010/main" val="2462839891"/>
+      </p:ext>
+    </p:extLst>
+  </p:cSld>
+  <p:clrMapOvr>
+    <a:masterClrMapping/>
+  </p:clrMapOvr>
+</p:sld>
+</file>
+
+<file path=ppt/slides/slide37.xml><?xml version="1.0" encoding="utf-8"?>
+<p:sld xmlns:a="http://schemas.openxmlformats.org/drawingml/2006/main" xmlns:r="http://schemas.openxmlformats.org/officeDocument/2006/relationships" xmlns:p="http://schemas.openxmlformats.org/presentationml/2006/main">
+  <p:cSld>
+    <p:spTree>
+      <p:nvGrpSpPr>
+        <p:cNvPr id="1" name=""/>
+        <p:cNvGrpSpPr/>
+        <p:nvPr/>
+      </p:nvGrpSpPr>
+      <p:grpSpPr>
+        <a:xfrm>
+          <a:off x="0" y="0"/>
+          <a:ext cx="0" cy="0"/>
+          <a:chOff x="0" y="0"/>
+          <a:chExt cx="0" cy="0"/>
+        </a:xfrm>
+      </p:grpSpPr>
+      <p:sp>
+        <p:nvSpPr>
+          <p:cNvPr id="2" name="Title 1"/>
+          <p:cNvSpPr>
+            <a:spLocks noGrp="1"/>
+          </p:cNvSpPr>
+          <p:nvPr>
+            <p:ph type="title"/>
+          </p:nvPr>
+        </p:nvSpPr>
+        <p:spPr/>
+        <p:txBody>
+          <a:bodyPr/>
+          <a:lstStyle/>
+          <a:p>
+            <a:r>
+              <a:rPr lang="en-AU" dirty="0" smtClean="0"/>
+              <a:t>Exercise: Accuracy &amp; Reaction Time</a:t>
+            </a:r>
+            <a:endParaRPr lang="en-AU" dirty="0"/>
+          </a:p>
+        </p:txBody>
+      </p:sp>
+      <p:sp>
+        <p:nvSpPr>
+          <p:cNvPr id="3" name="Footer Placeholder 2"/>
+          <p:cNvSpPr>
+            <a:spLocks noGrp="1"/>
+          </p:cNvSpPr>
+          <p:nvPr>
+            <p:ph type="ftr" sz="quarter" idx="11"/>
+          </p:nvPr>
+        </p:nvSpPr>
+        <p:spPr/>
+        <p:txBody>
+          <a:bodyPr/>
+          <a:lstStyle/>
+          <a:p>
+            <a:r>
+              <a:rPr lang="en-AU" smtClean="0"/>
+              <a:t>FACULTY RESEARCH OFFICE | HUMAN SCIENCES</a:t>
+            </a:r>
+            <a:endParaRPr lang="en-AU" dirty="0"/>
+          </a:p>
+        </p:txBody>
+      </p:sp>
+      <p:sp>
+        <p:nvSpPr>
+          <p:cNvPr id="4" name="Slide Number Placeholder 3"/>
+          <p:cNvSpPr>
+            <a:spLocks noGrp="1"/>
+          </p:cNvSpPr>
+          <p:nvPr>
+            <p:ph type="sldNum" sz="quarter" idx="12"/>
+          </p:nvPr>
+        </p:nvSpPr>
+        <p:spPr/>
+        <p:txBody>
+          <a:bodyPr/>
+          <a:lstStyle/>
+          <a:p>
+            <a:fld id="{D9C42BCC-44E8-4F98-A8FE-EAF16D8C1E6E}" type="slidenum">
+              <a:rPr lang="en-AU" smtClean="0"/>
+              <a:pPr/>
+              <a:t>37</a:t>
+            </a:fld>
+            <a:endParaRPr lang="en-AU"/>
+          </a:p>
+        </p:txBody>
+      </p:sp>
+      <p:sp>
+        <p:nvSpPr>
+          <p:cNvPr id="5" name="Text Placeholder 4"/>
+          <p:cNvSpPr>
+            <a:spLocks noGrp="1"/>
+          </p:cNvSpPr>
+          <p:nvPr>
+            <p:ph type="body" sz="quarter" idx="15"/>
+          </p:nvPr>
+        </p:nvSpPr>
+        <p:spPr/>
+        <p:txBody>
+          <a:bodyPr/>
+          <a:lstStyle/>
+          <a:p>
+            <a:endParaRPr lang="en-AU" dirty="0"/>
+          </a:p>
+        </p:txBody>
+      </p:sp>
+      <p:sp>
+        <p:nvSpPr>
+          <p:cNvPr id="6" name="Text Placeholder 5"/>
+          <p:cNvSpPr>
+            <a:spLocks noGrp="1"/>
+          </p:cNvSpPr>
+          <p:nvPr>
+            <p:ph type="body" sz="quarter" idx="17"/>
+          </p:nvPr>
+        </p:nvSpPr>
+        <p:spPr/>
+        <p:txBody>
+          <a:bodyPr/>
+          <a:lstStyle/>
+          <a:p>
+            <a:r>
+              <a:rPr lang="en-AU" dirty="0" smtClean="0"/>
+              <a:t>Simulated data of reaction time and accuracy.</a:t>
+            </a:r>
+          </a:p>
+          <a:p>
+            <a:r>
+              <a:rPr lang="en-AU" dirty="0" smtClean="0"/>
+              <a:t>16 participants provide 100 responses each.</a:t>
+            </a:r>
+          </a:p>
+          <a:p>
+            <a:r>
+              <a:rPr lang="en-AU" b="1" dirty="0" smtClean="0"/>
+              <a:t>Two conditions. </a:t>
+            </a:r>
+          </a:p>
+          <a:p>
+            <a:r>
+              <a:rPr lang="en-AU" dirty="0" smtClean="0"/>
+              <a:t>Can model this as mixed effects logistic regression.</a:t>
+            </a:r>
+          </a:p>
+          <a:p>
+            <a:r>
+              <a:rPr lang="en-AU" dirty="0" smtClean="0"/>
+              <a:t>Could fit this with </a:t>
+            </a:r>
+            <a:r>
+              <a:rPr lang="en-AU" i="1" dirty="0" smtClean="0"/>
+              <a:t>lme4.</a:t>
+            </a:r>
+          </a:p>
+          <a:p>
+            <a:endParaRPr lang="en-AU" i="1" dirty="0"/>
+          </a:p>
+          <a:p>
+            <a:endParaRPr lang="en-AU" i="1" dirty="0" smtClean="0"/>
+          </a:p>
+          <a:p>
+            <a:r>
+              <a:rPr lang="en-AU" dirty="0" smtClean="0"/>
+              <a:t>Dataset: mixed_sim2.csv</a:t>
+            </a:r>
+          </a:p>
+          <a:p>
+            <a:endParaRPr lang="en-AU" dirty="0"/>
+          </a:p>
+        </p:txBody>
+      </p:sp>
+      <mc:AlternateContent xmlns:mc="http://schemas.openxmlformats.org/markup-compatibility/2006">
+        <mc:Choice xmlns:a14="http://schemas.microsoft.com/office/drawing/2010/main" Requires="a14">
+          <p:sp>
+            <p:nvSpPr>
+              <p:cNvPr id="7" name="Text Placeholder 6"/>
+              <p:cNvSpPr>
+                <a:spLocks noGrp="1"/>
+              </p:cNvSpPr>
+              <p:nvPr>
+                <p:ph type="body" sz="quarter" idx="18"/>
+              </p:nvPr>
+            </p:nvSpPr>
+            <p:spPr/>
+            <p:txBody>
+              <a:bodyPr>
+                <a:normAutofit/>
+              </a:bodyPr>
+              <a:lstStyle/>
+              <a:p>
+                <a:pPr marL="0" indent="0">
+                  <a:buNone/>
+                </a:pPr>
+                <a14:m>
+                  <m:oMathPara xmlns:m="http://schemas.openxmlformats.org/officeDocument/2006/math">
+                    <m:oMathParaPr>
+                      <m:jc m:val="centerGroup"/>
+                    </m:oMathParaPr>
+                    <m:oMath xmlns:m="http://schemas.openxmlformats.org/officeDocument/2006/math">
+                      <m:r>
+                        <a:rPr lang="en-AU" i="1" smtClean="0">
+                          <a:latin typeface="Cambria Math" panose="02040503050406030204" pitchFamily="18" charset="0"/>
+                        </a:rPr>
+                        <m:t>𝑅𝑒𝑠𝑝</m:t>
+                      </m:r>
+                      <m:r>
+                        <a:rPr lang="en-AU" i="1" smtClean="0">
+                          <a:latin typeface="Cambria Math" panose="02040503050406030204" pitchFamily="18" charset="0"/>
+                        </a:rPr>
+                        <m:t>~</m:t>
+                      </m:r>
+                      <m:r>
+                        <a:rPr lang="en-AU" i="1" smtClean="0">
+                          <a:latin typeface="Cambria Math" panose="02040503050406030204" pitchFamily="18" charset="0"/>
+                        </a:rPr>
+                        <m:t>𝑅𝑇</m:t>
+                      </m:r>
+                      <m:r>
+                        <a:rPr lang="en-AU" i="1" smtClean="0">
+                          <a:latin typeface="Cambria Math" panose="02040503050406030204" pitchFamily="18" charset="0"/>
+                        </a:rPr>
+                        <m:t>+</m:t>
+                      </m:r>
+                      <m:r>
+                        <a:rPr lang="en-AU" b="0" i="1" smtClean="0">
+                          <a:latin typeface="Cambria Math" panose="02040503050406030204" pitchFamily="18" charset="0"/>
+                        </a:rPr>
+                        <m:t>𝐶𝑜𝑛𝑑</m:t>
+                      </m:r>
+                      <m:r>
+                        <a:rPr lang="en-AU" b="0" i="1" smtClean="0">
+                          <a:latin typeface="Cambria Math" panose="02040503050406030204" pitchFamily="18" charset="0"/>
+                        </a:rPr>
+                        <m:t>+</m:t>
+                      </m:r>
+                      <m:d>
+                        <m:dPr>
+                          <m:ctrlPr>
+                            <a:rPr lang="en-AU" i="1" smtClean="0">
+                              <a:latin typeface="Cambria Math" panose="02040503050406030204" pitchFamily="18" charset="0"/>
+                            </a:rPr>
+                          </m:ctrlPr>
+                        </m:dPr>
+                        <m:e>
+                          <m:r>
+                            <a:rPr lang="en-AU" i="1" smtClean="0">
+                              <a:latin typeface="Cambria Math" panose="02040503050406030204" pitchFamily="18" charset="0"/>
+                            </a:rPr>
+                            <m:t>1</m:t>
+                          </m:r>
+                        </m:e>
+                        <m:e>
+                          <m:r>
+                            <a:rPr lang="en-AU" i="1" smtClean="0">
+                              <a:latin typeface="Cambria Math" panose="02040503050406030204" pitchFamily="18" charset="0"/>
+                            </a:rPr>
+                            <m:t>𝑆𝑏𝑗</m:t>
+                          </m:r>
+                        </m:e>
+                      </m:d>
+                    </m:oMath>
+                  </m:oMathPara>
+                </a14:m>
+                <a:endParaRPr lang="en-AU" dirty="0" smtClean="0"/>
+              </a:p>
+              <a:p>
+                <a:pPr marL="0" indent="0">
+                  <a:buNone/>
+                </a:pPr>
+                <a:r>
+                  <a:rPr lang="en-AU" dirty="0" smtClean="0"/>
+                  <a:t>Or </a:t>
+                </a:r>
+              </a:p>
+              <a:p>
+                <a:pPr marL="0" indent="0">
+                  <a:buNone/>
+                </a:pPr>
+                <a14:m>
+                  <m:oMathPara xmlns:m="http://schemas.openxmlformats.org/officeDocument/2006/math">
+                    <m:oMathParaPr>
+                      <m:jc m:val="centerGroup"/>
+                    </m:oMathParaPr>
+                    <m:oMath xmlns:m="http://schemas.openxmlformats.org/officeDocument/2006/math">
+                      <m:r>
+                        <a:rPr lang="en-AU" i="1">
+                          <a:latin typeface="Cambria Math" panose="02040503050406030204" pitchFamily="18" charset="0"/>
+                        </a:rPr>
+                        <m:t>𝑅𝑒𝑠𝑝</m:t>
+                      </m:r>
+                      <m:r>
+                        <a:rPr lang="en-AU" i="1">
+                          <a:latin typeface="Cambria Math" panose="02040503050406030204" pitchFamily="18" charset="0"/>
+                        </a:rPr>
+                        <m:t>~</m:t>
+                      </m:r>
+                      <m:r>
+                        <a:rPr lang="en-AU" i="1">
+                          <a:latin typeface="Cambria Math" panose="02040503050406030204" pitchFamily="18" charset="0"/>
+                        </a:rPr>
+                        <m:t>𝑅𝑇</m:t>
+                      </m:r>
+                      <m:r>
+                        <a:rPr lang="en-AU" i="1">
+                          <a:latin typeface="Cambria Math" panose="02040503050406030204" pitchFamily="18" charset="0"/>
+                        </a:rPr>
+                        <m:t>+</m:t>
+                      </m:r>
+                      <m:r>
+                        <a:rPr lang="en-AU" b="0" i="1" smtClean="0">
+                          <a:latin typeface="Cambria Math" panose="02040503050406030204" pitchFamily="18" charset="0"/>
+                        </a:rPr>
+                        <m:t>𝐶𝑜𝑛𝑑</m:t>
+                      </m:r>
+                      <m:r>
+                        <a:rPr lang="en-AU" b="0" i="1" smtClean="0">
+                          <a:latin typeface="Cambria Math" panose="02040503050406030204" pitchFamily="18" charset="0"/>
+                        </a:rPr>
+                        <m:t>+</m:t>
+                      </m:r>
+                      <m:d>
+                        <m:dPr>
+                          <m:ctrlPr>
+                            <a:rPr lang="en-AU" b="0" i="1" smtClean="0">
+                              <a:latin typeface="Cambria Math" panose="02040503050406030204" pitchFamily="18" charset="0"/>
+                            </a:rPr>
+                          </m:ctrlPr>
+                        </m:dPr>
+                        <m:e>
+                          <m:r>
+                            <a:rPr lang="en-AU" b="0" i="1" smtClean="0">
+                              <a:latin typeface="Cambria Math" panose="02040503050406030204" pitchFamily="18" charset="0"/>
+                            </a:rPr>
+                            <m:t>1</m:t>
+                          </m:r>
+                        </m:e>
+                        <m:e>
+                          <m:r>
+                            <a:rPr lang="en-AU" i="1">
+                              <a:latin typeface="Cambria Math" panose="02040503050406030204" pitchFamily="18" charset="0"/>
+                            </a:rPr>
+                            <m:t>𝑆𝑏𝑗</m:t>
+                          </m:r>
+                        </m:e>
+                      </m:d>
+                      <m:r>
+                        <a:rPr lang="en-AU" b="0" i="1" smtClean="0">
+                          <a:latin typeface="Cambria Math" panose="02040503050406030204" pitchFamily="18" charset="0"/>
+                        </a:rPr>
+                        <m:t>+</m:t>
+                      </m:r>
+                      <m:d>
+                        <m:dPr>
+                          <m:ctrlPr>
+                            <a:rPr lang="en-AU" b="0" i="1" smtClean="0">
+                              <a:latin typeface="Cambria Math" panose="02040503050406030204" pitchFamily="18" charset="0"/>
+                            </a:rPr>
+                          </m:ctrlPr>
+                        </m:dPr>
+                        <m:e>
+                          <m:r>
+                            <a:rPr lang="en-AU" b="0" i="1" smtClean="0">
+                              <a:latin typeface="Cambria Math" panose="02040503050406030204" pitchFamily="18" charset="0"/>
+                            </a:rPr>
+                            <m:t>0+</m:t>
+                          </m:r>
+                          <m:r>
+                            <a:rPr lang="en-AU" b="0" i="1" smtClean="0">
+                              <a:latin typeface="Cambria Math" panose="02040503050406030204" pitchFamily="18" charset="0"/>
+                            </a:rPr>
+                            <m:t>𝑅𝑇</m:t>
+                          </m:r>
+                        </m:e>
+                        <m:e>
+                          <m:r>
+                            <a:rPr lang="en-AU" b="0" i="1" smtClean="0">
+                              <a:latin typeface="Cambria Math" panose="02040503050406030204" pitchFamily="18" charset="0"/>
+                            </a:rPr>
+                            <m:t>𝑆𝑏𝑗</m:t>
+                          </m:r>
+                        </m:e>
+                      </m:d>
+                      <m:r>
+                        <a:rPr lang="en-AU" b="0" i="1" smtClean="0">
+                          <a:latin typeface="Cambria Math" panose="02040503050406030204" pitchFamily="18" charset="0"/>
+                        </a:rPr>
+                        <m:t>+</m:t>
+                      </m:r>
+                      <m:d>
+                        <m:dPr>
+                          <m:ctrlPr>
+                            <a:rPr lang="en-AU" b="0" i="1" smtClean="0">
+                              <a:latin typeface="Cambria Math" panose="02040503050406030204" pitchFamily="18" charset="0"/>
+                            </a:rPr>
+                          </m:ctrlPr>
+                        </m:dPr>
+                        <m:e>
+                          <m:r>
+                            <a:rPr lang="en-AU" b="0" i="1" smtClean="0">
+                              <a:latin typeface="Cambria Math" panose="02040503050406030204" pitchFamily="18" charset="0"/>
+                            </a:rPr>
+                            <m:t>0+</m:t>
+                          </m:r>
+                          <m:r>
+                            <a:rPr lang="en-AU" b="0" i="1" smtClean="0">
+                              <a:latin typeface="Cambria Math" panose="02040503050406030204" pitchFamily="18" charset="0"/>
+                            </a:rPr>
+                            <m:t>𝐶𝑜𝑛𝑑</m:t>
+                          </m:r>
+                        </m:e>
+                        <m:e>
+                          <m:r>
+                            <a:rPr lang="en-AU" b="0" i="1" smtClean="0">
+                              <a:latin typeface="Cambria Math" panose="02040503050406030204" pitchFamily="18" charset="0"/>
+                            </a:rPr>
+                            <m:t>𝑆𝑏𝑗</m:t>
+                          </m:r>
+                        </m:e>
+                      </m:d>
+                    </m:oMath>
+                  </m:oMathPara>
+                </a14:m>
+                <a:endParaRPr lang="en-AU" b="0" dirty="0" smtClean="0"/>
+              </a:p>
+              <a:p>
+                <a:pPr marL="0" indent="0">
+                  <a:buNone/>
+                </a:pPr>
+                <a:r>
+                  <a:rPr lang="en-AU" dirty="0" smtClean="0"/>
+                  <a:t>Or</a:t>
+                </a:r>
+              </a:p>
+              <a:p>
+                <a:pPr marL="0" indent="0">
+                  <a:buNone/>
+                </a:pPr>
+                <a14:m>
+                  <m:oMathPara xmlns:m="http://schemas.openxmlformats.org/officeDocument/2006/math">
+                    <m:oMathParaPr>
+                      <m:jc m:val="centerGroup"/>
+                    </m:oMathParaPr>
+                    <m:oMath xmlns:m="http://schemas.openxmlformats.org/officeDocument/2006/math">
+                      <m:r>
+                        <a:rPr lang="en-AU" i="1">
+                          <a:latin typeface="Cambria Math" panose="02040503050406030204" pitchFamily="18" charset="0"/>
+                        </a:rPr>
+                        <m:t>𝑅𝑒𝑠𝑝</m:t>
+                      </m:r>
+                      <m:r>
+                        <a:rPr lang="en-AU" i="1">
+                          <a:latin typeface="Cambria Math" panose="02040503050406030204" pitchFamily="18" charset="0"/>
+                        </a:rPr>
+                        <m:t>~</m:t>
+                      </m:r>
+                      <m:r>
+                        <a:rPr lang="en-AU" i="1">
+                          <a:latin typeface="Cambria Math" panose="02040503050406030204" pitchFamily="18" charset="0"/>
+                        </a:rPr>
+                        <m:t>𝑅𝑇</m:t>
+                      </m:r>
+                      <m:r>
+                        <a:rPr lang="en-AU" b="0" i="1" smtClean="0">
+                          <a:latin typeface="Cambria Math" panose="02040503050406030204" pitchFamily="18" charset="0"/>
+                        </a:rPr>
+                        <m:t>∗</m:t>
+                      </m:r>
+                      <m:r>
+                        <a:rPr lang="en-AU" i="1">
+                          <a:latin typeface="Cambria Math" panose="02040503050406030204" pitchFamily="18" charset="0"/>
+                        </a:rPr>
+                        <m:t>𝐶𝑜𝑛𝑑</m:t>
+                      </m:r>
+                      <m:r>
+                        <a:rPr lang="en-AU" i="1">
+                          <a:latin typeface="Cambria Math" panose="02040503050406030204" pitchFamily="18" charset="0"/>
+                        </a:rPr>
+                        <m:t>+</m:t>
+                      </m:r>
+                      <m:d>
+                        <m:dPr>
+                          <m:ctrlPr>
+                            <a:rPr lang="en-AU" i="1">
+                              <a:latin typeface="Cambria Math" panose="02040503050406030204" pitchFamily="18" charset="0"/>
+                            </a:rPr>
+                          </m:ctrlPr>
+                        </m:dPr>
+                        <m:e>
+                          <m:r>
+                            <a:rPr lang="en-AU" i="1">
+                              <a:latin typeface="Cambria Math" panose="02040503050406030204" pitchFamily="18" charset="0"/>
+                            </a:rPr>
+                            <m:t>1</m:t>
+                          </m:r>
+                        </m:e>
+                        <m:e>
+                          <m:r>
+                            <a:rPr lang="en-AU" i="1">
+                              <a:latin typeface="Cambria Math" panose="02040503050406030204" pitchFamily="18" charset="0"/>
+                            </a:rPr>
+                            <m:t>𝑆𝑏𝑗</m:t>
+                          </m:r>
+                        </m:e>
+                      </m:d>
+                      <m:r>
+                        <a:rPr lang="en-AU" i="1">
+                          <a:latin typeface="Cambria Math" panose="02040503050406030204" pitchFamily="18" charset="0"/>
+                        </a:rPr>
+                        <m:t>+</m:t>
+                      </m:r>
+                      <m:d>
+                        <m:dPr>
+                          <m:ctrlPr>
+                            <a:rPr lang="en-AU" i="1">
+                              <a:latin typeface="Cambria Math" panose="02040503050406030204" pitchFamily="18" charset="0"/>
+                            </a:rPr>
+                          </m:ctrlPr>
+                        </m:dPr>
+                        <m:e>
+                          <m:r>
+                            <a:rPr lang="en-AU" i="1">
+                              <a:latin typeface="Cambria Math" panose="02040503050406030204" pitchFamily="18" charset="0"/>
+                            </a:rPr>
+                            <m:t>0+</m:t>
+                          </m:r>
+                          <m:r>
+                            <a:rPr lang="en-AU" i="1">
+                              <a:latin typeface="Cambria Math" panose="02040503050406030204" pitchFamily="18" charset="0"/>
+                            </a:rPr>
+                            <m:t>𝑅𝑇</m:t>
+                          </m:r>
+                          <m:r>
+                            <a:rPr lang="en-AU" b="0" i="1" smtClean="0">
+                              <a:latin typeface="Cambria Math" panose="02040503050406030204" pitchFamily="18" charset="0"/>
+                            </a:rPr>
+                            <m:t>+</m:t>
+                          </m:r>
+                          <m:r>
+                            <a:rPr lang="en-AU" b="0" i="1" smtClean="0">
+                              <a:latin typeface="Cambria Math" panose="02040503050406030204" pitchFamily="18" charset="0"/>
+                            </a:rPr>
+                            <m:t>𝐶𝑜𝑛𝑑</m:t>
+                          </m:r>
+                        </m:e>
+                        <m:e>
+                          <m:r>
+                            <a:rPr lang="en-AU" i="1">
+                              <a:latin typeface="Cambria Math" panose="02040503050406030204" pitchFamily="18" charset="0"/>
+                            </a:rPr>
+                            <m:t>𝑆𝑏𝑗</m:t>
+                          </m:r>
+                        </m:e>
+                      </m:d>
+                    </m:oMath>
+                  </m:oMathPara>
+                </a14:m>
+                <a:endParaRPr lang="en-AU" dirty="0"/>
+              </a:p>
+            </p:txBody>
+          </p:sp>
+        </mc:Choice>
+        <mc:Fallback>
+          <p:sp>
+            <p:nvSpPr>
+              <p:cNvPr id="7" name="Text Placeholder 6"/>
+              <p:cNvSpPr>
+                <a:spLocks noGrp="1" noRot="1" noChangeAspect="1" noMove="1" noResize="1" noEditPoints="1" noAdjustHandles="1" noChangeArrowheads="1" noChangeShapeType="1" noTextEdit="1"/>
+              </p:cNvSpPr>
+              <p:nvPr>
+                <p:ph type="body" sz="quarter" idx="18"/>
+              </p:nvPr>
+            </p:nvSpPr>
+            <p:spPr>
+              <a:blipFill>
+                <a:blip r:embed="rId2"/>
+                <a:stretch>
+                  <a:fillRect l="-2804" t="-135"/>
+                </a:stretch>
+              </a:blipFill>
+            </p:spPr>
+            <p:txBody>
+              <a:bodyPr/>
+              <a:lstStyle/>
+              <a:p>
+                <a:r>
+                  <a:rPr lang="en-AU">
+                    <a:noFill/>
+                  </a:rPr>
+                  <a:t> </a:t>
+                </a:r>
+              </a:p>
+            </p:txBody>
+          </p:sp>
+        </mc:Fallback>
+      </mc:AlternateContent>
+      <p:pic>
+        <p:nvPicPr>
+          <p:cNvPr id="8" name="Picture 6" descr="Image result for r logo"/>
+          <p:cNvPicPr>
+            <a:picLocks noChangeAspect="1" noChangeArrowheads="1"/>
+          </p:cNvPicPr>
+          <p:nvPr/>
+        </p:nvPicPr>
+        <p:blipFill>
+          <a:blip r:embed="rId3" cstate="print">
+            <a:extLst>
+              <a:ext uri="{28A0092B-C50C-407E-A947-70E740481C1C}">
+                <a14:useLocalDpi xmlns:a14="http://schemas.microsoft.com/office/drawing/2010/main" val="0"/>
+              </a:ext>
+            </a:extLst>
+          </a:blip>
+          <a:srcRect/>
+          <a:stretch>
+            <a:fillRect/>
+          </a:stretch>
+        </p:blipFill>
+        <p:spPr bwMode="auto">
+          <a:xfrm>
+            <a:off x="8354457" y="4041836"/>
+            <a:ext cx="2719582" cy="2107301"/>
+          </a:xfrm>
+          <a:prstGeom prst="rect">
+            <a:avLst/>
+          </a:prstGeom>
+          <a:noFill/>
+          <a:extLst>
+            <a:ext uri="{909E8E84-426E-40DD-AFC4-6F175D3DCCD1}">
+              <a14:hiddenFill xmlns:a14="http://schemas.microsoft.com/office/drawing/2010/main">
+                <a:solidFill>
+                  <a:srgbClr val="FFFFFF"/>
+                </a:solidFill>
+              </a14:hiddenFill>
+            </a:ext>
+          </a:extLst>
+        </p:spPr>
+      </p:pic>
+      <p:sp>
+        <p:nvSpPr>
+          <p:cNvPr id="9" name="TextBox 8"/>
+          <p:cNvSpPr txBox="1"/>
+          <p:nvPr/>
+        </p:nvSpPr>
+        <p:spPr>
+          <a:xfrm>
+            <a:off x="572951" y="5751362"/>
+            <a:ext cx="7273145" cy="400110"/>
+          </a:xfrm>
+          <a:prstGeom prst="rect">
+            <a:avLst/>
+          </a:prstGeom>
+          <a:noFill/>
+        </p:spPr>
+        <p:txBody>
+          <a:bodyPr wrap="none" rtlCol="0">
+            <a:spAutoFit/>
+          </a:bodyPr>
+          <a:lstStyle/>
+          <a:p>
+            <a:r>
+              <a:rPr lang="en-US" sz="1000" dirty="0"/>
+              <a:t>D.J. Davidson, A.E. </a:t>
+            </a:r>
+            <a:r>
+              <a:rPr lang="en-US" sz="1000" dirty="0" smtClean="0"/>
+              <a:t>Martin, Modeling </a:t>
+            </a:r>
+            <a:r>
+              <a:rPr lang="en-US" sz="1000" dirty="0"/>
+              <a:t>accuracy as a function of response time with the generalized linear mixed effects model,</a:t>
+            </a:r>
+          </a:p>
+          <a:p>
+            <a:r>
+              <a:rPr lang="en-US" sz="1000" dirty="0" err="1"/>
+              <a:t>Acta</a:t>
+            </a:r>
+            <a:r>
+              <a:rPr lang="en-US" sz="1000" dirty="0"/>
+              <a:t> </a:t>
+            </a:r>
+            <a:r>
+              <a:rPr lang="en-US" sz="1000" dirty="0" err="1" smtClean="0"/>
+              <a:t>Psychologica</a:t>
+            </a:r>
+            <a:r>
+              <a:rPr lang="en-US" sz="1000" dirty="0" smtClean="0"/>
+              <a:t>, 144:1 (2013).</a:t>
+            </a:r>
+            <a:endParaRPr lang="en-AU" sz="1000" dirty="0"/>
+          </a:p>
+        </p:txBody>
+      </p:sp>
+    </p:spTree>
+    <p:extLst>
+      <p:ext uri="{BB962C8B-B14F-4D97-AF65-F5344CB8AC3E}">
+        <p14:creationId xmlns:p14="http://schemas.microsoft.com/office/powerpoint/2010/main" val="3804121271"/>
+      </p:ext>
+    </p:extLst>
+  </p:cSld>
+  <p:clrMapOvr>
+    <a:masterClrMapping/>
+  </p:clrMapOvr>
+</p:sld>
+</file>
+
+<file path=ppt/slides/slide38.xml><?xml version="1.0" encoding="utf-8"?>
 <p:sld xmlns:a="http://schemas.openxmlformats.org/drawingml/2006/main" xmlns:r="http://schemas.openxmlformats.org/officeDocument/2006/relationships" xmlns:p="http://schemas.openxmlformats.org/presentationml/2006/main">
   <p:cSld>
     <p:spTree>
@@ -16859,7 +18160,7 @@
   <a:extraClrSchemeLst/>
   <a:extLst>
     <a:ext uri="{05A4C25C-085E-4340-85A3-A5531E510DB2}">
-      <thm15:themeFamily xmlns:thm15="http://schemas.microsoft.com/office/thememl/2012/main" xmlns="" name="MU 16x9 Template _2016.potx" id="{125E643F-61E8-434A-83A2-6285A785939C}" vid="{C2B616D7-CC77-413F-9557-31813D9600C3}"/>
+      <thm15:themeFamily xmlns:thm15="http://schemas.microsoft.com/office/thememl/2012/main" name="MU 16x9 Template _2016.potx" id="{125E643F-61E8-434A-83A2-6285A785939C}" vid="{C2B616D7-CC77-413F-9557-31813D9600C3}"/>
     </a:ext>
   </a:extLst>
 </a:theme>
@@ -17405,7 +18706,7 @@
   <a:extraClrSchemeLst/>
   <a:extLst>
     <a:ext uri="{05A4C25C-085E-4340-85A3-A5531E510DB2}">
-      <thm15:themeFamily xmlns:thm15="http://schemas.microsoft.com/office/thememl/2012/main" xmlns="" name="Office Theme" id="{62F939B6-93AF-4DB8-9C6B-D6C7DFDC589F}" vid="{4A3C46E8-61CC-4603-A589-7422A47A8E4A}"/>
+      <thm15:themeFamily xmlns:thm15="http://schemas.microsoft.com/office/thememl/2012/main" name="Office Theme" id="{62F939B6-93AF-4DB8-9C6B-D6C7DFDC589F}" vid="{4A3C46E8-61CC-4603-A589-7422A47A8E4A}"/>
     </a:ext>
   </a:extLst>
 </a:theme>

--- a/Bayesian Data Analysis in R.pptx
+++ b/Bayesian Data Analysis in R.pptx
@@ -254,7 +254,7 @@
           <a:p>
             <a:fld id="{96C6AA85-543A-49BD-AAEA-D8BCB9E3072D}" type="datetimeFigureOut">
               <a:rPr lang="en-AU" smtClean="0"/>
-              <a:t>26/09/2018</a:t>
+              <a:t>27/09/2018</a:t>
             </a:fld>
             <a:endParaRPr lang="en-AU"/>
           </a:p>
@@ -419,7 +419,7 @@
           <a:p>
             <a:fld id="{AC062A73-2E64-49D6-ABD8-1FCFA8272204}" type="datetimeFigureOut">
               <a:rPr lang="en-AU" smtClean="0"/>
-              <a:t>26/09/2018</a:t>
+              <a:t>27/09/2018</a:t>
             </a:fld>
             <a:endParaRPr lang="en-AU"/>
           </a:p>
@@ -13846,45 +13846,17 @@
             </a:pPr>
             <a:r>
               <a:rPr lang="en-AU" dirty="0" smtClean="0"/>
-              <a:t>More complex models with </a:t>
+              <a:t>Mixed effects </a:t>
+            </a:r>
+            <a:r>
+              <a:rPr lang="en-AU" dirty="0" smtClean="0"/>
+              <a:t>models with </a:t>
             </a:r>
             <a:r>
               <a:rPr lang="en-AU" i="1" dirty="0" err="1" smtClean="0"/>
               <a:t>brms</a:t>
             </a:r>
             <a:endParaRPr lang="en-AU" dirty="0" smtClean="0"/>
-          </a:p>
-          <a:p>
-            <a:pPr lvl="1">
-              <a:spcBef>
-                <a:spcPts val="1200"/>
-              </a:spcBef>
-              <a:buClr>
-                <a:srgbClr val="A6192E"/>
-              </a:buClr>
-              <a:buFont typeface="+mj-lt"/>
-              <a:buAutoNum type="alphaLcPeriod"/>
-            </a:pPr>
-            <a:r>
-              <a:rPr lang="en-AU" dirty="0" smtClean="0"/>
-              <a:t>Linear mixed effects models</a:t>
-            </a:r>
-          </a:p>
-          <a:p>
-            <a:pPr lvl="1">
-              <a:spcBef>
-                <a:spcPts val="1200"/>
-              </a:spcBef>
-              <a:buClr>
-                <a:srgbClr val="A6192E"/>
-              </a:buClr>
-              <a:buFont typeface="+mj-lt"/>
-              <a:buAutoNum type="alphaLcPeriod"/>
-            </a:pPr>
-            <a:r>
-              <a:rPr lang="en-AU" dirty="0" smtClean="0"/>
-              <a:t>Non-linear regression</a:t>
-            </a:r>
           </a:p>
           <a:p>
             <a:pPr>
@@ -13899,7 +13871,11 @@
             </a:pPr>
             <a:r>
               <a:rPr lang="en-AU" dirty="0" smtClean="0"/>
-              <a:t>Specifying custom models with </a:t>
+              <a:t>Specifying </a:t>
+            </a:r>
+            <a:r>
+              <a:rPr lang="en-AU" dirty="0" smtClean="0"/>
+              <a:t>custom models with </a:t>
             </a:r>
             <a:r>
               <a:rPr lang="en-AU" i="1" dirty="0" smtClean="0"/>
@@ -15268,14 +15244,7 @@
                 <a:latin typeface="Courier New" panose="02070309020205020404" pitchFamily="49" charset="0"/>
                 <a:cs typeface="Courier New" panose="02070309020205020404" pitchFamily="49" charset="0"/>
               </a:rPr>
-              <a:t>update</a:t>
-            </a:r>
-            <a:r>
-              <a:rPr lang="en-AU" dirty="0" smtClean="0">
-                <a:latin typeface="Courier New" panose="02070309020205020404" pitchFamily="49" charset="0"/>
-                <a:cs typeface="Courier New" panose="02070309020205020404" pitchFamily="49" charset="0"/>
-              </a:rPr>
-              <a:t>()</a:t>
+              <a:t>update()</a:t>
             </a:r>
             <a:r>
               <a:rPr lang="en-AU" dirty="0" smtClean="0"/>
@@ -15623,16 +15592,25 @@
           <a:p>
             <a:r>
               <a:rPr lang="en-AU" dirty="0" smtClean="0"/>
-              <a:t>Dataset: mixed_sim1.csv</a:t>
-            </a:r>
-          </a:p>
-          <a:p>
+              <a:t>Dataset:</a:t>
+            </a:r>
+          </a:p>
+          <a:p>
+            <a:pPr marL="0" indent="0">
+              <a:buNone/>
+            </a:pPr>
+            <a:r>
+              <a:rPr lang="en-AU" dirty="0" smtClean="0">
+                <a:hlinkClick r:id="rId2"/>
+              </a:rPr>
+              <a:t>https://humburg.github.io/bayesian-data-analysis-in-r/data/mixed_sim1.csv</a:t>
+            </a:r>
             <a:endParaRPr lang="en-AU" dirty="0"/>
           </a:p>
         </p:txBody>
       </p:sp>
-      <mc:AlternateContent xmlns:mc="http://schemas.openxmlformats.org/markup-compatibility/2006">
-        <mc:Choice xmlns:a14="http://schemas.microsoft.com/office/drawing/2010/main" Requires="a14">
+      <mc:AlternateContent xmlns:mc="http://schemas.openxmlformats.org/markup-compatibility/2006" xmlns:a14="http://schemas.microsoft.com/office/drawing/2010/main">
+        <mc:Choice Requires="a14">
           <p:sp>
             <p:nvSpPr>
               <p:cNvPr id="7" name="Text Placeholder 6"/>
@@ -15786,7 +15764,7 @@
             </p:txBody>
           </p:sp>
         </mc:Choice>
-        <mc:Fallback>
+        <mc:Fallback xmlns="">
           <p:sp>
             <p:nvSpPr>
               <p:cNvPr id="7" name="Text Placeholder 6"/>
@@ -15799,7 +15777,7 @@
             </p:nvSpPr>
             <p:spPr>
               <a:blipFill>
-                <a:blip r:embed="rId2"/>
+                <a:blip r:embed="rId3"/>
                 <a:stretch>
                   <a:fillRect l="-2804" t="-135"/>
                 </a:stretch>
@@ -15829,7 +15807,7 @@
           <p:nvPr/>
         </p:nvPicPr>
         <p:blipFill>
-          <a:blip r:embed="rId3">
+          <a:blip r:embed="rId4">
             <a:extLst>
               <a:ext uri="{28A0092B-C50C-407E-A947-70E740481C1C}">
                 <a14:useLocalDpi xmlns:a14="http://schemas.microsoft.com/office/drawing/2010/main" val="0"/>
@@ -15884,33 +15862,47 @@
           <a:lstStyle/>
           <a:p>
             <a:r>
-              <a:rPr lang="en-US" sz="1000" dirty="0"/>
+              <a:rPr lang="en-US" sz="1000" dirty="0">
+                <a:hlinkClick r:id="rId5"/>
+              </a:rPr>
               <a:t>D.J. Davidson, A.E. </a:t>
             </a:r>
             <a:r>
-              <a:rPr lang="en-US" sz="1000" dirty="0" smtClean="0"/>
+              <a:rPr lang="en-US" sz="1000" dirty="0" smtClean="0">
+                <a:hlinkClick r:id="rId5"/>
+              </a:rPr>
               <a:t>Martin, Modeling </a:t>
             </a:r>
             <a:r>
-              <a:rPr lang="en-US" sz="1000" dirty="0"/>
+              <a:rPr lang="en-US" sz="1000" dirty="0">
+                <a:hlinkClick r:id="rId5"/>
+              </a:rPr>
               <a:t>accuracy as a function of response time with the generalized linear mixed effects model,</a:t>
             </a:r>
           </a:p>
           <a:p>
             <a:r>
-              <a:rPr lang="en-US" sz="1000" dirty="0" err="1"/>
+              <a:rPr lang="en-US" sz="1000" dirty="0" err="1">
+                <a:hlinkClick r:id="rId5"/>
+              </a:rPr>
               <a:t>Acta</a:t>
             </a:r>
             <a:r>
-              <a:rPr lang="en-US" sz="1000" dirty="0"/>
+              <a:rPr lang="en-US" sz="1000" dirty="0">
+                <a:hlinkClick r:id="rId5"/>
+              </a:rPr>
               <a:t> </a:t>
             </a:r>
             <a:r>
-              <a:rPr lang="en-US" sz="1000" dirty="0" err="1" smtClean="0"/>
+              <a:rPr lang="en-US" sz="1000" dirty="0" err="1" smtClean="0">
+                <a:hlinkClick r:id="rId5"/>
+              </a:rPr>
               <a:t>Psychologica</a:t>
             </a:r>
             <a:r>
-              <a:rPr lang="en-US" sz="1000" dirty="0" smtClean="0"/>
+              <a:rPr lang="en-US" sz="1000" dirty="0" smtClean="0">
+                <a:hlinkClick r:id="rId5"/>
+              </a:rPr>
               <a:t>, 144:1 (2013).</a:t>
             </a:r>
             <a:endParaRPr lang="en-AU" sz="1000" dirty="0"/>
@@ -16093,10 +16085,19 @@
           <a:p>
             <a:r>
               <a:rPr lang="en-AU" dirty="0" smtClean="0"/>
-              <a:t>Dataset: mixed_sim2.csv</a:t>
-            </a:r>
-          </a:p>
-          <a:p>
+              <a:t>Dataset: </a:t>
+            </a:r>
+          </a:p>
+          <a:p>
+            <a:pPr marL="0" indent="0">
+              <a:buNone/>
+            </a:pPr>
+            <a:r>
+              <a:rPr lang="en-AU" dirty="0" smtClean="0">
+                <a:hlinkClick r:id="rId2"/>
+              </a:rPr>
+              <a:t>https://humburg.github.io/bayesian-data-analysis-in-r/data/mixed_sim2.csv</a:t>
+            </a:r>
             <a:endParaRPr lang="en-AU" dirty="0"/>
           </a:p>
         </p:txBody>
@@ -16486,6 +16487,115 @@
                     </m:oMath>
                   </m:oMathPara>
                 </a14:m>
+                <a:endParaRPr lang="en-AU" dirty="0" smtClean="0"/>
+              </a:p>
+              <a:p>
+                <a:pPr marL="0" indent="0">
+                  <a:buNone/>
+                </a:pPr>
+                <a:r>
+                  <a:rPr lang="en-AU" dirty="0" smtClean="0"/>
+                  <a:t>Or</a:t>
+                </a:r>
+              </a:p>
+              <a:p>
+                <a:pPr marL="0" indent="0">
+                  <a:buNone/>
+                </a:pPr>
+                <a14:m>
+                  <m:oMathPara xmlns:m="http://schemas.openxmlformats.org/officeDocument/2006/math">
+                    <m:oMathParaPr>
+                      <m:jc m:val="centerGroup"/>
+                    </m:oMathParaPr>
+                    <m:oMath xmlns:m="http://schemas.openxmlformats.org/officeDocument/2006/math">
+                      <m:r>
+                        <a:rPr lang="en-AU" i="1">
+                          <a:latin typeface="Cambria Math" panose="02040503050406030204" pitchFamily="18" charset="0"/>
+                        </a:rPr>
+                        <m:t>𝑅𝑒𝑠𝑝</m:t>
+                      </m:r>
+                      <m:r>
+                        <a:rPr lang="en-AU" i="1">
+                          <a:latin typeface="Cambria Math" panose="02040503050406030204" pitchFamily="18" charset="0"/>
+                        </a:rPr>
+                        <m:t>~</m:t>
+                      </m:r>
+                      <m:r>
+                        <a:rPr lang="en-AU" i="1">
+                          <a:latin typeface="Cambria Math" panose="02040503050406030204" pitchFamily="18" charset="0"/>
+                        </a:rPr>
+                        <m:t>𝑅𝑇</m:t>
+                      </m:r>
+                      <m:r>
+                        <a:rPr lang="en-AU" i="1">
+                          <a:latin typeface="Cambria Math" panose="02040503050406030204" pitchFamily="18" charset="0"/>
+                        </a:rPr>
+                        <m:t>∗</m:t>
+                      </m:r>
+                      <m:r>
+                        <a:rPr lang="en-AU" i="1">
+                          <a:latin typeface="Cambria Math" panose="02040503050406030204" pitchFamily="18" charset="0"/>
+                        </a:rPr>
+                        <m:t>𝐶𝑜𝑛</m:t>
+                      </m:r>
+                      <m:r>
+                        <a:rPr lang="en-AU" b="0" i="1" smtClean="0">
+                          <a:latin typeface="Cambria Math" panose="02040503050406030204" pitchFamily="18" charset="0"/>
+                        </a:rPr>
+                        <m:t>𝑑</m:t>
+                      </m:r>
+                      <m:r>
+                        <a:rPr lang="en-AU" b="0" i="1" smtClean="0">
+                          <a:latin typeface="Cambria Math" panose="02040503050406030204" pitchFamily="18" charset="0"/>
+                        </a:rPr>
+                        <m:t>+ </m:t>
+                      </m:r>
+                      <m:d>
+                        <m:dPr>
+                          <m:ctrlPr>
+                            <a:rPr lang="en-AU" i="1">
+                              <a:latin typeface="Cambria Math" panose="02040503050406030204" pitchFamily="18" charset="0"/>
+                            </a:rPr>
+                          </m:ctrlPr>
+                        </m:dPr>
+                        <m:e>
+                          <m:r>
+                            <a:rPr lang="en-AU" b="0" i="1" smtClean="0">
+                              <a:latin typeface="Cambria Math" panose="02040503050406030204" pitchFamily="18" charset="0"/>
+                            </a:rPr>
+                            <m:t>1+</m:t>
+                          </m:r>
+                          <m:r>
+                            <a:rPr lang="en-AU" i="1">
+                              <a:latin typeface="Cambria Math" panose="02040503050406030204" pitchFamily="18" charset="0"/>
+                            </a:rPr>
+                            <m:t>𝑅𝑇</m:t>
+                          </m:r>
+                          <m:r>
+                            <a:rPr lang="en-AU" b="0" i="1" smtClean="0">
+                              <a:latin typeface="Cambria Math" panose="02040503050406030204" pitchFamily="18" charset="0"/>
+                            </a:rPr>
+                            <m:t>∗</m:t>
+                          </m:r>
+                          <m:r>
+                            <a:rPr lang="en-AU" i="1">
+                              <a:latin typeface="Cambria Math" panose="02040503050406030204" pitchFamily="18" charset="0"/>
+                            </a:rPr>
+                            <m:t>𝐶𝑜𝑛𝑑</m:t>
+                          </m:r>
+                        </m:e>
+                        <m:e>
+                          <m:r>
+                            <a:rPr lang="en-AU" i="1">
+                              <a:latin typeface="Cambria Math" panose="02040503050406030204" pitchFamily="18" charset="0"/>
+                            </a:rPr>
+                            <m:t>𝑆𝑏𝑗</m:t>
+                          </m:r>
+                        </m:e>
+                      </m:d>
+                    </m:oMath>
+                  </m:oMathPara>
+                </a14:m>
                 <a:endParaRPr lang="en-AU" dirty="0"/>
               </a:p>
             </p:txBody>
@@ -16504,7 +16614,7 @@
             </p:nvSpPr>
             <p:spPr>
               <a:blipFill>
-                <a:blip r:embed="rId2"/>
+                <a:blip r:embed="rId3"/>
                 <a:stretch>
                   <a:fillRect l="-2804" t="-135"/>
                 </a:stretch>
@@ -16534,7 +16644,7 @@
           <p:nvPr/>
         </p:nvPicPr>
         <p:blipFill>
-          <a:blip r:embed="rId3" cstate="print">
+          <a:blip r:embed="rId4" cstate="print">
             <a:extLst>
               <a:ext uri="{28A0092B-C50C-407E-A947-70E740481C1C}">
                 <a14:useLocalDpi xmlns:a14="http://schemas.microsoft.com/office/drawing/2010/main" val="0"/>
@@ -16568,7 +16678,7 @@
       </p:pic>
       <p:sp>
         <p:nvSpPr>
-          <p:cNvPr id="9" name="TextBox 8"/>
+          <p:cNvPr id="10" name="TextBox 9"/>
           <p:cNvSpPr txBox="1"/>
           <p:nvPr/>
         </p:nvSpPr>
@@ -16589,33 +16699,47 @@
           <a:lstStyle/>
           <a:p>
             <a:r>
-              <a:rPr lang="en-US" sz="1000" dirty="0"/>
+              <a:rPr lang="en-US" sz="1000" dirty="0">
+                <a:hlinkClick r:id="rId5"/>
+              </a:rPr>
               <a:t>D.J. Davidson, A.E. </a:t>
             </a:r>
             <a:r>
-              <a:rPr lang="en-US" sz="1000" dirty="0" smtClean="0"/>
+              <a:rPr lang="en-US" sz="1000" dirty="0" smtClean="0">
+                <a:hlinkClick r:id="rId5"/>
+              </a:rPr>
               <a:t>Martin, Modeling </a:t>
             </a:r>
             <a:r>
-              <a:rPr lang="en-US" sz="1000" dirty="0"/>
+              <a:rPr lang="en-US" sz="1000" dirty="0">
+                <a:hlinkClick r:id="rId5"/>
+              </a:rPr>
               <a:t>accuracy as a function of response time with the generalized linear mixed effects model,</a:t>
             </a:r>
           </a:p>
           <a:p>
             <a:r>
-              <a:rPr lang="en-US" sz="1000" dirty="0" err="1"/>
+              <a:rPr lang="en-US" sz="1000" dirty="0" err="1">
+                <a:hlinkClick r:id="rId5"/>
+              </a:rPr>
               <a:t>Acta</a:t>
             </a:r>
             <a:r>
-              <a:rPr lang="en-US" sz="1000" dirty="0"/>
+              <a:rPr lang="en-US" sz="1000" dirty="0">
+                <a:hlinkClick r:id="rId5"/>
+              </a:rPr>
               <a:t> </a:t>
             </a:r>
             <a:r>
-              <a:rPr lang="en-US" sz="1000" dirty="0" err="1" smtClean="0"/>
+              <a:rPr lang="en-US" sz="1000" dirty="0" err="1" smtClean="0">
+                <a:hlinkClick r:id="rId5"/>
+              </a:rPr>
               <a:t>Psychologica</a:t>
             </a:r>
             <a:r>
-              <a:rPr lang="en-US" sz="1000" dirty="0" smtClean="0"/>
+              <a:rPr lang="en-US" sz="1000" dirty="0" smtClean="0">
+                <a:hlinkClick r:id="rId5"/>
+              </a:rPr>
               <a:t>, 144:1 (2013).</a:t>
             </a:r>
             <a:endParaRPr lang="en-AU" sz="1000" dirty="0"/>

--- a/Bayesian Data Analysis in R.pptx
+++ b/Bayesian Data Analysis in R.pptx
@@ -5,10 +5,10 @@
     <p:sldMasterId id="2147483648" r:id="rId1"/>
   </p:sldMasterIdLst>
   <p:notesMasterIdLst>
-    <p:notesMasterId r:id="rId40"/>
+    <p:notesMasterId r:id="rId44"/>
   </p:notesMasterIdLst>
   <p:handoutMasterIdLst>
-    <p:handoutMasterId r:id="rId41"/>
+    <p:handoutMasterId r:id="rId45"/>
   </p:handoutMasterIdLst>
   <p:sldIdLst>
     <p:sldId id="275" r:id="rId2"/>
@@ -48,7 +48,11 @@
     <p:sldId id="359" r:id="rId36"/>
     <p:sldId id="360" r:id="rId37"/>
     <p:sldId id="361" r:id="rId38"/>
-    <p:sldId id="347" r:id="rId39"/>
+    <p:sldId id="362" r:id="rId39"/>
+    <p:sldId id="363" r:id="rId40"/>
+    <p:sldId id="364" r:id="rId41"/>
+    <p:sldId id="365" r:id="rId42"/>
+    <p:sldId id="347" r:id="rId43"/>
   </p:sldIdLst>
   <p:sldSz cx="12192000" cy="6858000"/>
   <p:notesSz cx="7099300" cy="10234613"/>
@@ -13846,11 +13850,7 @@
             </a:pPr>
             <a:r>
               <a:rPr lang="en-AU" dirty="0" smtClean="0"/>
-              <a:t>Mixed effects </a:t>
-            </a:r>
-            <a:r>
-              <a:rPr lang="en-AU" dirty="0" smtClean="0"/>
-              <a:t>models with </a:t>
+              <a:t>Mixed effects models with </a:t>
             </a:r>
             <a:r>
               <a:rPr lang="en-AU" i="1" dirty="0" err="1" smtClean="0"/>
@@ -13871,11 +13871,7 @@
             </a:pPr>
             <a:r>
               <a:rPr lang="en-AU" dirty="0" smtClean="0"/>
-              <a:t>Specifying </a:t>
-            </a:r>
-            <a:r>
-              <a:rPr lang="en-AU" dirty="0" smtClean="0"/>
-              <a:t>custom models with </a:t>
+              <a:t>Specifying custom models with </a:t>
             </a:r>
             <a:r>
               <a:rPr lang="en-AU" i="1" dirty="0" smtClean="0"/>
@@ -16102,8 +16098,8 @@
           </a:p>
         </p:txBody>
       </p:sp>
-      <mc:AlternateContent xmlns:mc="http://schemas.openxmlformats.org/markup-compatibility/2006">
-        <mc:Choice xmlns:a14="http://schemas.microsoft.com/office/drawing/2010/main" Requires="a14">
+      <mc:AlternateContent xmlns:mc="http://schemas.openxmlformats.org/markup-compatibility/2006" xmlns:a14="http://schemas.microsoft.com/office/drawing/2010/main">
+        <mc:Choice Requires="a14">
           <p:sp>
             <p:nvSpPr>
               <p:cNvPr id="7" name="Text Placeholder 6"/>
@@ -16536,13 +16532,7 @@
                         <a:rPr lang="en-AU" i="1">
                           <a:latin typeface="Cambria Math" panose="02040503050406030204" pitchFamily="18" charset="0"/>
                         </a:rPr>
-                        <m:t>𝐶𝑜𝑛</m:t>
-                      </m:r>
-                      <m:r>
-                        <a:rPr lang="en-AU" b="0" i="1" smtClean="0">
-                          <a:latin typeface="Cambria Math" panose="02040503050406030204" pitchFamily="18" charset="0"/>
-                        </a:rPr>
-                        <m:t>𝑑</m:t>
+                        <m:t>𝐶𝑜𝑛𝑑</m:t>
                       </m:r>
                       <m:r>
                         <a:rPr lang="en-AU" b="0" i="1" smtClean="0">
@@ -16601,7 +16591,7 @@
             </p:txBody>
           </p:sp>
         </mc:Choice>
-        <mc:Fallback>
+        <mc:Fallback xmlns="">
           <p:sp>
             <p:nvSpPr>
               <p:cNvPr id="7" name="Text Placeholder 6"/>
@@ -16778,55 +16768,94 @@
       </p:grpSpPr>
       <p:sp>
         <p:nvSpPr>
-          <p:cNvPr id="6" name="Text Placeholder 5"/>
+          <p:cNvPr id="9" name="Text Placeholder 8"/>
+          <p:cNvSpPr>
+            <a:spLocks noGrp="1"/>
+          </p:cNvSpPr>
+          <p:nvPr>
+            <p:ph type="body" idx="14"/>
+          </p:nvPr>
+        </p:nvSpPr>
+        <p:spPr/>
+        <p:txBody>
+          <a:bodyPr/>
+          <a:lstStyle/>
+          <a:p>
+            <a:endParaRPr lang="en-AU"/>
+          </a:p>
+        </p:txBody>
+      </p:sp>
+      <p:sp>
+        <p:nvSpPr>
+          <p:cNvPr id="8" name="Title 7"/>
+          <p:cNvSpPr>
+            <a:spLocks noGrp="1"/>
+          </p:cNvSpPr>
+          <p:nvPr>
+            <p:ph type="title"/>
+          </p:nvPr>
+        </p:nvSpPr>
+        <p:spPr/>
+        <p:txBody>
+          <a:bodyPr/>
+          <a:lstStyle/>
+          <a:p>
+            <a:r>
+              <a:rPr lang="en-AU" dirty="0" smtClean="0"/>
+              <a:t>Specifying your own models</a:t>
+            </a:r>
+            <a:endParaRPr lang="en-AU" dirty="0"/>
+          </a:p>
+        </p:txBody>
+      </p:sp>
+      <p:sp>
+        <p:nvSpPr>
+          <p:cNvPr id="10" name="Text Placeholder 9"/>
           <p:cNvSpPr>
             <a:spLocks noGrp="1"/>
           </p:cNvSpPr>
           <p:nvPr>
             <p:ph type="body" sz="quarter" idx="15"/>
+          </p:nvPr>
+        </p:nvSpPr>
+        <p:spPr/>
+        <p:txBody>
+          <a:bodyPr/>
+          <a:lstStyle/>
+          <a:p>
+            <a:r>
+              <a:rPr lang="en-AU" dirty="0" smtClean="0"/>
+              <a:t>Describing models with JAGS</a:t>
+            </a:r>
+            <a:endParaRPr lang="en-AU" dirty="0"/>
+          </a:p>
+        </p:txBody>
+      </p:sp>
+      <p:sp>
+        <p:nvSpPr>
+          <p:cNvPr id="4" name="Slide Number Placeholder 3"/>
+          <p:cNvSpPr>
+            <a:spLocks noGrp="1"/>
+          </p:cNvSpPr>
+          <p:nvPr>
+            <p:ph type="sldNum" sz="quarter" idx="4294967295"/>
           </p:nvPr>
         </p:nvSpPr>
         <p:spPr>
           <a:xfrm>
-            <a:off x="720000" y="5969234"/>
-            <a:ext cx="6407150" cy="503238"/>
-          </a:xfrm>
-        </p:spPr>
-        <p:txBody>
-          <a:bodyPr/>
-          <a:lstStyle/>
-          <a:p>
-            <a:r>
-              <a:rPr lang="en-AU" dirty="0" smtClean="0">
-                <a:solidFill>
-                  <a:schemeClr val="bg1"/>
-                </a:solidFill>
-              </a:rPr>
-              <a:t>A large posterior</a:t>
-            </a:r>
-            <a:endParaRPr lang="en-AU" dirty="0">
-              <a:solidFill>
-                <a:schemeClr val="bg1"/>
-              </a:solidFill>
-            </a:endParaRPr>
-          </a:p>
-        </p:txBody>
-      </p:sp>
-      <p:sp>
-        <p:nvSpPr>
-          <p:cNvPr id="2" name="Title 1"/>
-          <p:cNvSpPr>
-            <a:spLocks noGrp="1"/>
-          </p:cNvSpPr>
-          <p:nvPr>
-            <p:ph type="title"/>
-          </p:nvPr>
-        </p:nvSpPr>
-        <p:spPr/>
-        <p:txBody>
-          <a:bodyPr/>
-          <a:lstStyle/>
-          <a:p>
+            <a:off x="9347200" y="6381750"/>
+            <a:ext cx="2844800" cy="365125"/>
+          </a:xfrm>
+        </p:spPr>
+        <p:txBody>
+          <a:bodyPr/>
+          <a:lstStyle/>
+          <a:p>
+            <a:fld id="{D9C42BCC-44E8-4F98-A8FE-EAF16D8C1E6E}" type="slidenum">
+              <a:rPr lang="en-AU" smtClean="0"/>
+              <a:pPr/>
+              <a:t>38</a:t>
+            </a:fld>
             <a:endParaRPr lang="en-AU"/>
           </a:p>
         </p:txBody>
@@ -16834,20 +16863,209 @@
     </p:spTree>
     <p:extLst>
       <p:ext uri="{BB962C8B-B14F-4D97-AF65-F5344CB8AC3E}">
-        <p14:creationId xmlns:p14="http://schemas.microsoft.com/office/powerpoint/2010/main" val="754052268"/>
+        <p14:creationId xmlns:p14="http://schemas.microsoft.com/office/powerpoint/2010/main" val="2482222425"/>
       </p:ext>
     </p:extLst>
   </p:cSld>
   <p:clrMapOvr>
     <a:masterClrMapping/>
   </p:clrMapOvr>
-  <p:timing>
-    <p:tnLst>
-      <p:par>
-        <p:cTn id="1" dur="indefinite" restart="never" nodeType="tmRoot"/>
-      </p:par>
-    </p:tnLst>
-  </p:timing>
+</p:sld>
+</file>
+
+<file path=ppt/slides/slide39.xml><?xml version="1.0" encoding="utf-8"?>
+<p:sld xmlns:a="http://schemas.openxmlformats.org/drawingml/2006/main" xmlns:r="http://schemas.openxmlformats.org/officeDocument/2006/relationships" xmlns:p="http://schemas.openxmlformats.org/presentationml/2006/main">
+  <p:cSld>
+    <p:spTree>
+      <p:nvGrpSpPr>
+        <p:cNvPr id="1" name=""/>
+        <p:cNvGrpSpPr/>
+        <p:nvPr/>
+      </p:nvGrpSpPr>
+      <p:grpSpPr>
+        <a:xfrm>
+          <a:off x="0" y="0"/>
+          <a:ext cx="0" cy="0"/>
+          <a:chOff x="0" y="0"/>
+          <a:chExt cx="0" cy="0"/>
+        </a:xfrm>
+      </p:grpSpPr>
+      <p:sp>
+        <p:nvSpPr>
+          <p:cNvPr id="5" name="Title 4"/>
+          <p:cNvSpPr>
+            <a:spLocks noGrp="1"/>
+          </p:cNvSpPr>
+          <p:nvPr>
+            <p:ph type="title"/>
+          </p:nvPr>
+        </p:nvSpPr>
+        <p:spPr/>
+        <p:txBody>
+          <a:bodyPr/>
+          <a:lstStyle/>
+          <a:p>
+            <a:r>
+              <a:rPr lang="en-AU" dirty="0" smtClean="0"/>
+              <a:t>What if you want a different model?</a:t>
+            </a:r>
+            <a:endParaRPr lang="en-AU" dirty="0"/>
+          </a:p>
+        </p:txBody>
+      </p:sp>
+      <p:sp>
+        <p:nvSpPr>
+          <p:cNvPr id="6" name="Content Placeholder 5"/>
+          <p:cNvSpPr>
+            <a:spLocks noGrp="1"/>
+          </p:cNvSpPr>
+          <p:nvPr>
+            <p:ph idx="1"/>
+          </p:nvPr>
+        </p:nvSpPr>
+        <p:spPr/>
+        <p:txBody>
+          <a:bodyPr/>
+          <a:lstStyle/>
+          <a:p>
+            <a:pPr marL="285750" indent="-285750">
+              <a:buFont typeface="Arial" panose="020B0604020202020204" pitchFamily="34" charset="0"/>
+              <a:buChar char="•"/>
+            </a:pPr>
+            <a:r>
+              <a:rPr lang="en-AU" dirty="0" smtClean="0"/>
+              <a:t>Don’t have to use pre-defined classes of models.</a:t>
+            </a:r>
+          </a:p>
+          <a:p>
+            <a:pPr marL="285750" indent="-285750">
+              <a:buFont typeface="Arial" panose="020B0604020202020204" pitchFamily="34" charset="0"/>
+              <a:buChar char="•"/>
+            </a:pPr>
+            <a:r>
+              <a:rPr lang="en-AU" dirty="0" smtClean="0"/>
+              <a:t>Can use </a:t>
+            </a:r>
+            <a:r>
+              <a:rPr lang="en-AU" i="1" dirty="0" smtClean="0"/>
+              <a:t>jags</a:t>
+            </a:r>
+            <a:r>
+              <a:rPr lang="en-AU" dirty="0" smtClean="0"/>
+              <a:t> or </a:t>
+            </a:r>
+            <a:r>
+              <a:rPr lang="en-AU" i="1" dirty="0" err="1" smtClean="0"/>
+              <a:t>stan</a:t>
+            </a:r>
+            <a:r>
+              <a:rPr lang="en-AU" i="1" dirty="0" smtClean="0"/>
+              <a:t> </a:t>
+            </a:r>
+            <a:r>
+              <a:rPr lang="en-AU" dirty="0" smtClean="0"/>
+              <a:t>to specify models directly.</a:t>
+            </a:r>
+          </a:p>
+          <a:p>
+            <a:pPr marL="285750" indent="-285750">
+              <a:buFont typeface="Arial" panose="020B0604020202020204" pitchFamily="34" charset="0"/>
+              <a:buChar char="•"/>
+            </a:pPr>
+            <a:r>
+              <a:rPr lang="en-AU" dirty="0" smtClean="0"/>
+              <a:t>Lots of flexibility.</a:t>
+            </a:r>
+          </a:p>
+          <a:p>
+            <a:pPr marL="285750" indent="-285750">
+              <a:buFont typeface="Arial" panose="020B0604020202020204" pitchFamily="34" charset="0"/>
+              <a:buChar char="•"/>
+            </a:pPr>
+            <a:r>
+              <a:rPr lang="en-AU" dirty="0" smtClean="0"/>
+              <a:t>May take some getting used to.</a:t>
+            </a:r>
+          </a:p>
+          <a:p>
+            <a:pPr marL="285750" indent="-285750">
+              <a:buFont typeface="Arial" panose="020B0604020202020204" pitchFamily="34" charset="0"/>
+              <a:buChar char="•"/>
+            </a:pPr>
+            <a:r>
+              <a:rPr lang="en-AU" dirty="0" smtClean="0"/>
+              <a:t>Jags uses language very similar to R.</a:t>
+            </a:r>
+          </a:p>
+          <a:p>
+            <a:pPr marL="285750" indent="-285750">
+              <a:buFont typeface="Arial" panose="020B0604020202020204" pitchFamily="34" charset="0"/>
+              <a:buChar char="•"/>
+            </a:pPr>
+            <a:r>
+              <a:rPr lang="en-AU" dirty="0" smtClean="0"/>
+              <a:t>Can interact with jags via </a:t>
+            </a:r>
+            <a:r>
+              <a:rPr lang="en-AU" i="1" dirty="0" err="1" smtClean="0"/>
+              <a:t>rjags</a:t>
+            </a:r>
+            <a:r>
+              <a:rPr lang="en-AU" dirty="0" smtClean="0"/>
+              <a:t> package.</a:t>
+            </a:r>
+            <a:endParaRPr lang="en-AU" dirty="0"/>
+          </a:p>
+        </p:txBody>
+      </p:sp>
+      <p:sp>
+        <p:nvSpPr>
+          <p:cNvPr id="7" name="Text Placeholder 6"/>
+          <p:cNvSpPr>
+            <a:spLocks noGrp="1"/>
+          </p:cNvSpPr>
+          <p:nvPr>
+            <p:ph type="body" sz="quarter" idx="15"/>
+          </p:nvPr>
+        </p:nvSpPr>
+        <p:spPr/>
+        <p:txBody>
+          <a:bodyPr/>
+          <a:lstStyle/>
+          <a:p>
+            <a:endParaRPr lang="en-AU"/>
+          </a:p>
+        </p:txBody>
+      </p:sp>
+      <p:sp>
+        <p:nvSpPr>
+          <p:cNvPr id="8" name="Content Placeholder 7"/>
+          <p:cNvSpPr>
+            <a:spLocks noGrp="1"/>
+          </p:cNvSpPr>
+          <p:nvPr>
+            <p:ph idx="16"/>
+          </p:nvPr>
+        </p:nvSpPr>
+        <p:spPr/>
+        <p:txBody>
+          <a:bodyPr/>
+          <a:lstStyle/>
+          <a:p>
+            <a:endParaRPr lang="en-AU"/>
+          </a:p>
+        </p:txBody>
+      </p:sp>
+    </p:spTree>
+    <p:extLst>
+      <p:ext uri="{BB962C8B-B14F-4D97-AF65-F5344CB8AC3E}">
+        <p14:creationId xmlns:p14="http://schemas.microsoft.com/office/powerpoint/2010/main" val="51541560"/>
+      </p:ext>
+    </p:extLst>
+  </p:cSld>
+  <p:clrMapOvr>
+    <a:masterClrMapping/>
+  </p:clrMapOvr>
 </p:sld>
 </file>
 
@@ -16980,6 +17198,533 @@
     <p:extLst>
       <p:ext uri="{BB962C8B-B14F-4D97-AF65-F5344CB8AC3E}">
         <p14:creationId xmlns:p14="http://schemas.microsoft.com/office/powerpoint/2010/main" val="2329801441"/>
+      </p:ext>
+    </p:extLst>
+  </p:cSld>
+  <p:clrMapOvr>
+    <a:masterClrMapping/>
+  </p:clrMapOvr>
+  <p:timing>
+    <p:tnLst>
+      <p:par>
+        <p:cTn id="1" dur="indefinite" restart="never" nodeType="tmRoot"/>
+      </p:par>
+    </p:tnLst>
+  </p:timing>
+</p:sld>
+</file>
+
+<file path=ppt/slides/slide40.xml><?xml version="1.0" encoding="utf-8"?>
+<p:sld xmlns:a="http://schemas.openxmlformats.org/drawingml/2006/main" xmlns:r="http://schemas.openxmlformats.org/officeDocument/2006/relationships" xmlns:p="http://schemas.openxmlformats.org/presentationml/2006/main">
+  <p:cSld>
+    <p:spTree>
+      <p:nvGrpSpPr>
+        <p:cNvPr id="1" name=""/>
+        <p:cNvGrpSpPr/>
+        <p:nvPr/>
+      </p:nvGrpSpPr>
+      <p:grpSpPr>
+        <a:xfrm>
+          <a:off x="0" y="0"/>
+          <a:ext cx="0" cy="0"/>
+          <a:chOff x="0" y="0"/>
+          <a:chExt cx="0" cy="0"/>
+        </a:xfrm>
+      </p:grpSpPr>
+      <p:sp>
+        <p:nvSpPr>
+          <p:cNvPr id="2" name="Title 1"/>
+          <p:cNvSpPr>
+            <a:spLocks noGrp="1"/>
+          </p:cNvSpPr>
+          <p:nvPr>
+            <p:ph type="title"/>
+          </p:nvPr>
+        </p:nvSpPr>
+        <p:spPr/>
+        <p:txBody>
+          <a:bodyPr/>
+          <a:lstStyle/>
+          <a:p>
+            <a:r>
+              <a:rPr lang="en-AU" dirty="0" smtClean="0"/>
+              <a:t>Example: linear regression with JAGS</a:t>
+            </a:r>
+            <a:endParaRPr lang="en-AU" dirty="0"/>
+          </a:p>
+        </p:txBody>
+      </p:sp>
+      <p:sp>
+        <p:nvSpPr>
+          <p:cNvPr id="3" name="Content Placeholder 2"/>
+          <p:cNvSpPr>
+            <a:spLocks noGrp="1"/>
+          </p:cNvSpPr>
+          <p:nvPr>
+            <p:ph idx="1"/>
+          </p:nvPr>
+        </p:nvSpPr>
+        <p:spPr/>
+        <p:txBody>
+          <a:bodyPr/>
+          <a:lstStyle/>
+          <a:p>
+            <a:pPr marL="285750" indent="-285750">
+              <a:buFont typeface="Arial" panose="020B0604020202020204" pitchFamily="34" charset="0"/>
+              <a:buChar char="•"/>
+            </a:pPr>
+            <a:r>
+              <a:rPr lang="en-AU" dirty="0" smtClean="0"/>
+              <a:t>Use same data as before:</a:t>
+            </a:r>
+          </a:p>
+          <a:p>
+            <a:r>
+              <a:rPr lang="en-AU" dirty="0">
+                <a:hlinkClick r:id="rId2"/>
+              </a:rPr>
+              <a:t>https://humburg.github.io/bayesian-data-analysis-in-r/data/regression_data.csv</a:t>
+            </a:r>
+            <a:endParaRPr lang="en-AU" dirty="0"/>
+          </a:p>
+          <a:p>
+            <a:endParaRPr lang="en-AU" dirty="0" smtClean="0"/>
+          </a:p>
+          <a:p>
+            <a:pPr marL="285750" indent="-285750">
+              <a:buFont typeface="Arial" panose="020B0604020202020204" pitchFamily="34" charset="0"/>
+              <a:buChar char="•"/>
+            </a:pPr>
+            <a:r>
+              <a:rPr lang="en-AU" dirty="0" smtClean="0"/>
+              <a:t>Fit simple model including only treatment effect.</a:t>
+            </a:r>
+          </a:p>
+          <a:p>
+            <a:pPr marL="285750" indent="-285750">
+              <a:buFont typeface="Arial" panose="020B0604020202020204" pitchFamily="34" charset="0"/>
+              <a:buChar char="•"/>
+            </a:pPr>
+            <a:endParaRPr lang="en-AU" dirty="0" smtClean="0"/>
+          </a:p>
+        </p:txBody>
+      </p:sp>
+      <p:sp>
+        <p:nvSpPr>
+          <p:cNvPr id="4" name="Footer Placeholder 3"/>
+          <p:cNvSpPr>
+            <a:spLocks noGrp="1"/>
+          </p:cNvSpPr>
+          <p:nvPr>
+            <p:ph type="ftr" sz="quarter" idx="11"/>
+          </p:nvPr>
+        </p:nvSpPr>
+        <p:spPr/>
+        <p:txBody>
+          <a:bodyPr/>
+          <a:lstStyle/>
+          <a:p>
+            <a:r>
+              <a:rPr lang="en-AU" smtClean="0"/>
+              <a:t>FACULTY RESEARCH OFFICE | HUMAN SCIENCES</a:t>
+            </a:r>
+            <a:endParaRPr lang="en-AU" dirty="0"/>
+          </a:p>
+        </p:txBody>
+      </p:sp>
+      <p:sp>
+        <p:nvSpPr>
+          <p:cNvPr id="5" name="Slide Number Placeholder 4"/>
+          <p:cNvSpPr>
+            <a:spLocks noGrp="1"/>
+          </p:cNvSpPr>
+          <p:nvPr>
+            <p:ph type="sldNum" sz="quarter" idx="12"/>
+          </p:nvPr>
+        </p:nvSpPr>
+        <p:spPr/>
+        <p:txBody>
+          <a:bodyPr/>
+          <a:lstStyle/>
+          <a:p>
+            <a:fld id="{D9C42BCC-44E8-4F98-A8FE-EAF16D8C1E6E}" type="slidenum">
+              <a:rPr lang="en-AU" smtClean="0"/>
+              <a:t>40</a:t>
+            </a:fld>
+            <a:endParaRPr lang="en-AU"/>
+          </a:p>
+        </p:txBody>
+      </p:sp>
+      <p:sp>
+        <p:nvSpPr>
+          <p:cNvPr id="6" name="Text Placeholder 5"/>
+          <p:cNvSpPr>
+            <a:spLocks noGrp="1"/>
+          </p:cNvSpPr>
+          <p:nvPr>
+            <p:ph type="body" sz="quarter" idx="15"/>
+          </p:nvPr>
+        </p:nvSpPr>
+        <p:spPr/>
+        <p:txBody>
+          <a:bodyPr/>
+          <a:lstStyle/>
+          <a:p>
+            <a:endParaRPr lang="en-AU"/>
+          </a:p>
+        </p:txBody>
+      </p:sp>
+      <p:pic>
+        <p:nvPicPr>
+          <p:cNvPr id="1026" name="Picture 2" descr="Related image"/>
+          <p:cNvPicPr>
+            <a:picLocks noGrp="1" noChangeAspect="1" noChangeArrowheads="1"/>
+          </p:cNvPicPr>
+          <p:nvPr>
+            <p:ph idx="16"/>
+          </p:nvPr>
+        </p:nvPicPr>
+        <p:blipFill>
+          <a:blip r:embed="rId3">
+            <a:extLst>
+              <a:ext uri="{28A0092B-C50C-407E-A947-70E740481C1C}">
+                <a14:useLocalDpi xmlns:a14="http://schemas.microsoft.com/office/drawing/2010/main" val="0"/>
+              </a:ext>
+            </a:extLst>
+          </a:blip>
+          <a:srcRect/>
+          <a:stretch>
+            <a:fillRect/>
+          </a:stretch>
+        </p:blipFill>
+        <p:spPr bwMode="auto">
+          <a:xfrm>
+            <a:off x="7414260" y="2784951"/>
+            <a:ext cx="2887980" cy="2194560"/>
+          </a:xfrm>
+          <a:prstGeom prst="rect">
+            <a:avLst/>
+          </a:prstGeom>
+          <a:noFill/>
+          <a:extLst>
+            <a:ext uri="{909E8E84-426E-40DD-AFC4-6F175D3DCCD1}">
+              <a14:hiddenFill xmlns:a14="http://schemas.microsoft.com/office/drawing/2010/main">
+                <a:solidFill>
+                  <a:srgbClr val="FFFFFF"/>
+                </a:solidFill>
+              </a14:hiddenFill>
+            </a:ext>
+          </a:extLst>
+        </p:spPr>
+      </p:pic>
+    </p:spTree>
+    <p:extLst>
+      <p:ext uri="{BB962C8B-B14F-4D97-AF65-F5344CB8AC3E}">
+        <p14:creationId xmlns:p14="http://schemas.microsoft.com/office/powerpoint/2010/main" val="2741930520"/>
+      </p:ext>
+    </p:extLst>
+  </p:cSld>
+  <p:clrMapOvr>
+    <a:masterClrMapping/>
+  </p:clrMapOvr>
+</p:sld>
+</file>
+
+<file path=ppt/slides/slide41.xml><?xml version="1.0" encoding="utf-8"?>
+<p:sld xmlns:a="http://schemas.openxmlformats.org/drawingml/2006/main" xmlns:r="http://schemas.openxmlformats.org/officeDocument/2006/relationships" xmlns:p="http://schemas.openxmlformats.org/presentationml/2006/main">
+  <p:cSld>
+    <p:spTree>
+      <p:nvGrpSpPr>
+        <p:cNvPr id="1" name=""/>
+        <p:cNvGrpSpPr/>
+        <p:nvPr/>
+      </p:nvGrpSpPr>
+      <p:grpSpPr>
+        <a:xfrm>
+          <a:off x="0" y="0"/>
+          <a:ext cx="0" cy="0"/>
+          <a:chOff x="0" y="0"/>
+          <a:chExt cx="0" cy="0"/>
+        </a:xfrm>
+      </p:grpSpPr>
+      <p:sp>
+        <p:nvSpPr>
+          <p:cNvPr id="2" name="Title 1"/>
+          <p:cNvSpPr>
+            <a:spLocks noGrp="1"/>
+          </p:cNvSpPr>
+          <p:nvPr>
+            <p:ph type="title"/>
+          </p:nvPr>
+        </p:nvSpPr>
+        <p:spPr/>
+        <p:txBody>
+          <a:bodyPr/>
+          <a:lstStyle/>
+          <a:p>
+            <a:r>
+              <a:rPr lang="en-AU" dirty="0" smtClean="0"/>
+              <a:t>Exercise: Linear regression with JAGS</a:t>
+            </a:r>
+            <a:endParaRPr lang="en-AU" dirty="0"/>
+          </a:p>
+        </p:txBody>
+      </p:sp>
+      <p:sp>
+        <p:nvSpPr>
+          <p:cNvPr id="3" name="Content Placeholder 2"/>
+          <p:cNvSpPr>
+            <a:spLocks noGrp="1"/>
+          </p:cNvSpPr>
+          <p:nvPr>
+            <p:ph idx="1"/>
+          </p:nvPr>
+        </p:nvSpPr>
+        <p:spPr/>
+        <p:txBody>
+          <a:bodyPr/>
+          <a:lstStyle/>
+          <a:p>
+            <a:pPr marL="285750" indent="-285750">
+              <a:buFont typeface="Arial" panose="020B0604020202020204" pitchFamily="34" charset="0"/>
+              <a:buChar char="•"/>
+            </a:pPr>
+            <a:r>
+              <a:rPr lang="en-AU" dirty="0" smtClean="0"/>
+              <a:t>Continuing from previous example, add the covariate to the model.</a:t>
+            </a:r>
+          </a:p>
+          <a:p>
+            <a:pPr marL="285750" indent="-285750">
+              <a:buFont typeface="Arial" panose="020B0604020202020204" pitchFamily="34" charset="0"/>
+              <a:buChar char="•"/>
+            </a:pPr>
+            <a:r>
+              <a:rPr lang="en-AU" dirty="0" smtClean="0"/>
+              <a:t>Start with separate priors for each coefficient.</a:t>
+            </a:r>
+          </a:p>
+          <a:p>
+            <a:pPr marL="285750" indent="-285750">
+              <a:buFont typeface="Arial" panose="020B0604020202020204" pitchFamily="34" charset="0"/>
+              <a:buChar char="•"/>
+            </a:pPr>
+            <a:r>
+              <a:rPr lang="en-AU" dirty="0" smtClean="0"/>
+              <a:t>What happens if you use a single prior with priors on its </a:t>
+            </a:r>
+            <a:r>
+              <a:rPr lang="en-AU" smtClean="0"/>
+              <a:t>parameters instead?</a:t>
+            </a:r>
+            <a:endParaRPr lang="en-AU" dirty="0" smtClean="0"/>
+          </a:p>
+          <a:p>
+            <a:pPr marL="285750" indent="-285750">
+              <a:buFont typeface="Arial" panose="020B0604020202020204" pitchFamily="34" charset="0"/>
+              <a:buChar char="•"/>
+            </a:pPr>
+            <a:endParaRPr lang="en-AU" dirty="0"/>
+          </a:p>
+        </p:txBody>
+      </p:sp>
+      <p:sp>
+        <p:nvSpPr>
+          <p:cNvPr id="4" name="Footer Placeholder 3"/>
+          <p:cNvSpPr>
+            <a:spLocks noGrp="1"/>
+          </p:cNvSpPr>
+          <p:nvPr>
+            <p:ph type="ftr" sz="quarter" idx="11"/>
+          </p:nvPr>
+        </p:nvSpPr>
+        <p:spPr/>
+        <p:txBody>
+          <a:bodyPr/>
+          <a:lstStyle/>
+          <a:p>
+            <a:r>
+              <a:rPr lang="en-AU" smtClean="0"/>
+              <a:t>FACULTY RESEARCH OFFICE | HUMAN SCIENCES</a:t>
+            </a:r>
+            <a:endParaRPr lang="en-AU" dirty="0"/>
+          </a:p>
+        </p:txBody>
+      </p:sp>
+      <p:sp>
+        <p:nvSpPr>
+          <p:cNvPr id="5" name="Slide Number Placeholder 4"/>
+          <p:cNvSpPr>
+            <a:spLocks noGrp="1"/>
+          </p:cNvSpPr>
+          <p:nvPr>
+            <p:ph type="sldNum" sz="quarter" idx="12"/>
+          </p:nvPr>
+        </p:nvSpPr>
+        <p:spPr/>
+        <p:txBody>
+          <a:bodyPr/>
+          <a:lstStyle/>
+          <a:p>
+            <a:fld id="{D9C42BCC-44E8-4F98-A8FE-EAF16D8C1E6E}" type="slidenum">
+              <a:rPr lang="en-AU" smtClean="0"/>
+              <a:t>41</a:t>
+            </a:fld>
+            <a:endParaRPr lang="en-AU"/>
+          </a:p>
+        </p:txBody>
+      </p:sp>
+      <p:sp>
+        <p:nvSpPr>
+          <p:cNvPr id="6" name="Text Placeholder 5"/>
+          <p:cNvSpPr>
+            <a:spLocks noGrp="1"/>
+          </p:cNvSpPr>
+          <p:nvPr>
+            <p:ph type="body" sz="quarter" idx="15"/>
+          </p:nvPr>
+        </p:nvSpPr>
+        <p:spPr/>
+        <p:txBody>
+          <a:bodyPr/>
+          <a:lstStyle/>
+          <a:p>
+            <a:endParaRPr lang="en-AU"/>
+          </a:p>
+        </p:txBody>
+      </p:sp>
+      <p:pic>
+        <p:nvPicPr>
+          <p:cNvPr id="2050" name="Picture 2" descr="Image result for linear multiple regression diagram bayes"/>
+          <p:cNvPicPr>
+            <a:picLocks noGrp="1" noChangeAspect="1" noChangeArrowheads="1"/>
+          </p:cNvPicPr>
+          <p:nvPr>
+            <p:ph idx="16"/>
+          </p:nvPr>
+        </p:nvPicPr>
+        <p:blipFill>
+          <a:blip r:embed="rId2">
+            <a:extLst>
+              <a:ext uri="{28A0092B-C50C-407E-A947-70E740481C1C}">
+                <a14:useLocalDpi xmlns:a14="http://schemas.microsoft.com/office/drawing/2010/main" val="0"/>
+              </a:ext>
+            </a:extLst>
+          </a:blip>
+          <a:srcRect/>
+          <a:stretch>
+            <a:fillRect/>
+          </a:stretch>
+        </p:blipFill>
+        <p:spPr bwMode="auto">
+          <a:xfrm>
+            <a:off x="6248400" y="2299134"/>
+            <a:ext cx="5219700" cy="3166195"/>
+          </a:xfrm>
+          <a:prstGeom prst="rect">
+            <a:avLst/>
+          </a:prstGeom>
+          <a:noFill/>
+          <a:extLst>
+            <a:ext uri="{909E8E84-426E-40DD-AFC4-6F175D3DCCD1}">
+              <a14:hiddenFill xmlns:a14="http://schemas.microsoft.com/office/drawing/2010/main">
+                <a:solidFill>
+                  <a:srgbClr val="FFFFFF"/>
+                </a:solidFill>
+              </a14:hiddenFill>
+            </a:ext>
+          </a:extLst>
+        </p:spPr>
+      </p:pic>
+    </p:spTree>
+    <p:extLst>
+      <p:ext uri="{BB962C8B-B14F-4D97-AF65-F5344CB8AC3E}">
+        <p14:creationId xmlns:p14="http://schemas.microsoft.com/office/powerpoint/2010/main" val="313177248"/>
+      </p:ext>
+    </p:extLst>
+  </p:cSld>
+  <p:clrMapOvr>
+    <a:masterClrMapping/>
+  </p:clrMapOvr>
+</p:sld>
+</file>
+
+<file path=ppt/slides/slide42.xml><?xml version="1.0" encoding="utf-8"?>
+<p:sld xmlns:a="http://schemas.openxmlformats.org/drawingml/2006/main" xmlns:r="http://schemas.openxmlformats.org/officeDocument/2006/relationships" xmlns:p="http://schemas.openxmlformats.org/presentationml/2006/main">
+  <p:cSld>
+    <p:spTree>
+      <p:nvGrpSpPr>
+        <p:cNvPr id="1" name=""/>
+        <p:cNvGrpSpPr/>
+        <p:nvPr/>
+      </p:nvGrpSpPr>
+      <p:grpSpPr>
+        <a:xfrm>
+          <a:off x="0" y="0"/>
+          <a:ext cx="0" cy="0"/>
+          <a:chOff x="0" y="0"/>
+          <a:chExt cx="0" cy="0"/>
+        </a:xfrm>
+      </p:grpSpPr>
+      <p:sp>
+        <p:nvSpPr>
+          <p:cNvPr id="6" name="Text Placeholder 5"/>
+          <p:cNvSpPr>
+            <a:spLocks noGrp="1"/>
+          </p:cNvSpPr>
+          <p:nvPr>
+            <p:ph type="body" sz="quarter" idx="15"/>
+          </p:nvPr>
+        </p:nvSpPr>
+        <p:spPr>
+          <a:xfrm>
+            <a:off x="720000" y="5969234"/>
+            <a:ext cx="6407150" cy="503238"/>
+          </a:xfrm>
+        </p:spPr>
+        <p:txBody>
+          <a:bodyPr/>
+          <a:lstStyle/>
+          <a:p>
+            <a:r>
+              <a:rPr lang="en-AU" dirty="0" smtClean="0">
+                <a:solidFill>
+                  <a:schemeClr val="bg1"/>
+                </a:solidFill>
+              </a:rPr>
+              <a:t>A large posterior</a:t>
+            </a:r>
+            <a:endParaRPr lang="en-AU" dirty="0">
+              <a:solidFill>
+                <a:schemeClr val="bg1"/>
+              </a:solidFill>
+            </a:endParaRPr>
+          </a:p>
+        </p:txBody>
+      </p:sp>
+      <p:sp>
+        <p:nvSpPr>
+          <p:cNvPr id="2" name="Title 1"/>
+          <p:cNvSpPr>
+            <a:spLocks noGrp="1"/>
+          </p:cNvSpPr>
+          <p:nvPr>
+            <p:ph type="title"/>
+          </p:nvPr>
+        </p:nvSpPr>
+        <p:spPr/>
+        <p:txBody>
+          <a:bodyPr/>
+          <a:lstStyle/>
+          <a:p>
+            <a:endParaRPr lang="en-AU"/>
+          </a:p>
+        </p:txBody>
+      </p:sp>
+    </p:spTree>
+    <p:extLst>
+      <p:ext uri="{BB962C8B-B14F-4D97-AF65-F5344CB8AC3E}">
+        <p14:creationId xmlns:p14="http://schemas.microsoft.com/office/powerpoint/2010/main" val="754052268"/>
       </p:ext>
     </p:extLst>
   </p:cSld>

--- a/Bayesian Data Analysis in R.pptx
+++ b/Bayesian Data Analysis in R.pptx
@@ -5,10 +5,10 @@
     <p:sldMasterId id="2147483648" r:id="rId1"/>
   </p:sldMasterIdLst>
   <p:notesMasterIdLst>
-    <p:notesMasterId r:id="rId44"/>
+    <p:notesMasterId r:id="rId46"/>
   </p:notesMasterIdLst>
   <p:handoutMasterIdLst>
-    <p:handoutMasterId r:id="rId45"/>
+    <p:handoutMasterId r:id="rId47"/>
   </p:handoutMasterIdLst>
   <p:sldIdLst>
     <p:sldId id="275" r:id="rId2"/>
@@ -52,7 +52,9 @@
     <p:sldId id="363" r:id="rId40"/>
     <p:sldId id="364" r:id="rId41"/>
     <p:sldId id="365" r:id="rId42"/>
-    <p:sldId id="347" r:id="rId43"/>
+    <p:sldId id="366" r:id="rId43"/>
+    <p:sldId id="367" r:id="rId44"/>
+    <p:sldId id="347" r:id="rId45"/>
   </p:sldIdLst>
   <p:sldSz cx="12192000" cy="6858000"/>
   <p:notesSz cx="7099300" cy="10234613"/>
@@ -5023,6 +5025,47 @@
           </a:p>
         </p:txBody>
       </p:sp>
+      <p:pic>
+        <p:nvPicPr>
+          <p:cNvPr id="4" name="Picture 6" descr="Image result for r logo"/>
+          <p:cNvPicPr>
+            <a:picLocks noChangeAspect="1" noChangeArrowheads="1"/>
+          </p:cNvPicPr>
+          <p:nvPr/>
+        </p:nvPicPr>
+        <p:blipFill>
+          <a:blip r:embed="rId2" cstate="print">
+            <a:extLst>
+              <a:ext uri="{28A0092B-C50C-407E-A947-70E740481C1C}">
+                <a14:useLocalDpi xmlns:a14="http://schemas.microsoft.com/office/drawing/2010/main" val="0"/>
+              </a:ext>
+            </a:extLst>
+          </a:blip>
+          <a:srcRect/>
+          <a:stretch>
+            <a:fillRect/>
+          </a:stretch>
+        </p:blipFill>
+        <p:spPr bwMode="auto">
+          <a:xfrm>
+            <a:off x="9027617" y="4563374"/>
+            <a:ext cx="2497893" cy="1935522"/>
+          </a:xfrm>
+          <a:prstGeom prst="rect">
+            <a:avLst/>
+          </a:prstGeom>
+          <a:noFill/>
+          <a:extLst>
+            <a:ext uri="{909E8E84-426E-40DD-AFC4-6F175D3DCCD1}">
+              <a14:hiddenFill xmlns:a14="http://schemas.microsoft.com/office/drawing/2010/main">
+                <a:solidFill>
+                  <a:srgbClr val="FFFFFF"/>
+                </a:solidFill>
+              </a14:hiddenFill>
+            </a:ext>
+          </a:extLst>
+        </p:spPr>
+      </p:pic>
     </p:spTree>
     <p:extLst>
       <p:ext uri="{BB962C8B-B14F-4D97-AF65-F5344CB8AC3E}">
@@ -17511,13 +17554,8 @@
             </a:pPr>
             <a:r>
               <a:rPr lang="en-AU" dirty="0" smtClean="0"/>
-              <a:t>What happens if you use a single prior with priors on its </a:t>
-            </a:r>
-            <a:r>
-              <a:rPr lang="en-AU" smtClean="0"/>
-              <a:t>parameters instead?</a:t>
-            </a:r>
-            <a:endParaRPr lang="en-AU" dirty="0" smtClean="0"/>
+              <a:t>What happens if you use a single prior with priors on its parameters instead?</a:t>
+            </a:r>
           </a:p>
           <a:p>
             <a:pPr marL="285750" indent="-285750">
@@ -17668,6 +17706,371 @@
       </p:grpSpPr>
       <p:sp>
         <p:nvSpPr>
+          <p:cNvPr id="9" name="Text Placeholder 8"/>
+          <p:cNvSpPr>
+            <a:spLocks noGrp="1"/>
+          </p:cNvSpPr>
+          <p:nvPr>
+            <p:ph type="body" idx="14"/>
+          </p:nvPr>
+        </p:nvSpPr>
+        <p:spPr/>
+        <p:txBody>
+          <a:bodyPr/>
+          <a:lstStyle/>
+          <a:p>
+            <a:endParaRPr lang="en-AU"/>
+          </a:p>
+        </p:txBody>
+      </p:sp>
+      <p:sp>
+        <p:nvSpPr>
+          <p:cNvPr id="8" name="Title 7"/>
+          <p:cNvSpPr>
+            <a:spLocks noGrp="1"/>
+          </p:cNvSpPr>
+          <p:nvPr>
+            <p:ph type="title"/>
+          </p:nvPr>
+        </p:nvSpPr>
+        <p:spPr/>
+        <p:txBody>
+          <a:bodyPr/>
+          <a:lstStyle/>
+          <a:p>
+            <a:r>
+              <a:rPr lang="en-AU" dirty="0" smtClean="0"/>
+              <a:t>Where to go from here?</a:t>
+            </a:r>
+            <a:endParaRPr lang="en-AU" dirty="0"/>
+          </a:p>
+        </p:txBody>
+      </p:sp>
+      <p:sp>
+        <p:nvSpPr>
+          <p:cNvPr id="10" name="Text Placeholder 9"/>
+          <p:cNvSpPr>
+            <a:spLocks noGrp="1"/>
+          </p:cNvSpPr>
+          <p:nvPr>
+            <p:ph type="body" sz="quarter" idx="15"/>
+          </p:nvPr>
+        </p:nvSpPr>
+        <p:spPr/>
+        <p:txBody>
+          <a:bodyPr/>
+          <a:lstStyle/>
+          <a:p>
+            <a:endParaRPr lang="en-AU"/>
+          </a:p>
+        </p:txBody>
+      </p:sp>
+      <p:sp>
+        <p:nvSpPr>
+          <p:cNvPr id="4" name="Footer Placeholder 3"/>
+          <p:cNvSpPr>
+            <a:spLocks noGrp="1"/>
+          </p:cNvSpPr>
+          <p:nvPr>
+            <p:ph type="ftr" sz="quarter" idx="4294967295"/>
+          </p:nvPr>
+        </p:nvSpPr>
+        <p:spPr>
+          <a:xfrm>
+            <a:off x="0" y="6381750"/>
+            <a:ext cx="5375275" cy="365125"/>
+          </a:xfrm>
+        </p:spPr>
+        <p:txBody>
+          <a:bodyPr/>
+          <a:lstStyle/>
+          <a:p>
+            <a:r>
+              <a:rPr lang="en-AU" smtClean="0"/>
+              <a:t>FACULTY RESEARCH OFFICE | HUMAN SCIENCES</a:t>
+            </a:r>
+            <a:endParaRPr lang="en-AU" dirty="0"/>
+          </a:p>
+        </p:txBody>
+      </p:sp>
+      <p:sp>
+        <p:nvSpPr>
+          <p:cNvPr id="5" name="Slide Number Placeholder 4"/>
+          <p:cNvSpPr>
+            <a:spLocks noGrp="1"/>
+          </p:cNvSpPr>
+          <p:nvPr>
+            <p:ph type="sldNum" sz="quarter" idx="4294967295"/>
+          </p:nvPr>
+        </p:nvSpPr>
+        <p:spPr>
+          <a:xfrm>
+            <a:off x="9347200" y="6381750"/>
+            <a:ext cx="2844800" cy="365125"/>
+          </a:xfrm>
+        </p:spPr>
+        <p:txBody>
+          <a:bodyPr/>
+          <a:lstStyle/>
+          <a:p>
+            <a:fld id="{D9C42BCC-44E8-4F98-A8FE-EAF16D8C1E6E}" type="slidenum">
+              <a:rPr lang="en-AU" smtClean="0"/>
+              <a:t>42</a:t>
+            </a:fld>
+            <a:endParaRPr lang="en-AU"/>
+          </a:p>
+        </p:txBody>
+      </p:sp>
+    </p:spTree>
+    <p:extLst>
+      <p:ext uri="{BB962C8B-B14F-4D97-AF65-F5344CB8AC3E}">
+        <p14:creationId xmlns:p14="http://schemas.microsoft.com/office/powerpoint/2010/main" val="437289660"/>
+      </p:ext>
+    </p:extLst>
+  </p:cSld>
+  <p:clrMapOvr>
+    <a:masterClrMapping/>
+  </p:clrMapOvr>
+</p:sld>
+</file>
+
+<file path=ppt/slides/slide43.xml><?xml version="1.0" encoding="utf-8"?>
+<p:sld xmlns:a="http://schemas.openxmlformats.org/drawingml/2006/main" xmlns:r="http://schemas.openxmlformats.org/officeDocument/2006/relationships" xmlns:p="http://schemas.openxmlformats.org/presentationml/2006/main">
+  <p:cSld>
+    <p:spTree>
+      <p:nvGrpSpPr>
+        <p:cNvPr id="1" name=""/>
+        <p:cNvGrpSpPr/>
+        <p:nvPr/>
+      </p:nvGrpSpPr>
+      <p:grpSpPr>
+        <a:xfrm>
+          <a:off x="0" y="0"/>
+          <a:ext cx="0" cy="0"/>
+          <a:chOff x="0" y="0"/>
+          <a:chExt cx="0" cy="0"/>
+        </a:xfrm>
+      </p:grpSpPr>
+      <p:sp>
+        <p:nvSpPr>
+          <p:cNvPr id="7" name="Content Placeholder 6"/>
+          <p:cNvSpPr>
+            <a:spLocks noGrp="1"/>
+          </p:cNvSpPr>
+          <p:nvPr>
+            <p:ph sz="quarter" idx="16"/>
+          </p:nvPr>
+        </p:nvSpPr>
+        <p:spPr/>
+        <p:txBody>
+          <a:bodyPr/>
+          <a:lstStyle/>
+          <a:p>
+            <a:r>
+              <a:rPr lang="en-AU" dirty="0" smtClean="0"/>
+              <a:t>Try to apply this to your own data.</a:t>
+            </a:r>
+          </a:p>
+          <a:p>
+            <a:r>
+              <a:rPr lang="en-AU" dirty="0" smtClean="0"/>
+              <a:t>Simulations can be instructive.</a:t>
+            </a:r>
+          </a:p>
+          <a:p>
+            <a:endParaRPr lang="en-AU" dirty="0" smtClean="0"/>
+          </a:p>
+          <a:p>
+            <a:r>
+              <a:rPr lang="en-AU" dirty="0" smtClean="0"/>
+              <a:t>Further reading:</a:t>
+            </a:r>
+          </a:p>
+          <a:p>
+            <a:pPr lvl="1"/>
+            <a:r>
+              <a:rPr lang="en-AU" dirty="0" smtClean="0"/>
+              <a:t>More about </a:t>
+            </a:r>
+            <a:r>
+              <a:rPr lang="en-AU" dirty="0" err="1" smtClean="0"/>
+              <a:t>brms</a:t>
+            </a:r>
+            <a:r>
+              <a:rPr lang="en-AU" dirty="0" smtClean="0"/>
+              <a:t>: </a:t>
+            </a:r>
+            <a:r>
+              <a:rPr lang="en-AU" dirty="0" smtClean="0">
+                <a:hlinkClick r:id="rId2"/>
+              </a:rPr>
+              <a:t>https://paul-buerkner.github.io/blog/brms-blogposts/</a:t>
+            </a:r>
+            <a:endParaRPr lang="en-AU" dirty="0" smtClean="0"/>
+          </a:p>
+          <a:p>
+            <a:pPr lvl="1"/>
+            <a:r>
+              <a:rPr lang="en-AU" dirty="0" smtClean="0"/>
+              <a:t>Andrew </a:t>
+            </a:r>
+            <a:r>
+              <a:rPr lang="en-AU" dirty="0" err="1" smtClean="0"/>
+              <a:t>Gelman’s</a:t>
+            </a:r>
+            <a:r>
+              <a:rPr lang="en-AU" dirty="0" smtClean="0"/>
+              <a:t> blog: </a:t>
+            </a:r>
+            <a:r>
+              <a:rPr lang="en-AU" dirty="0" smtClean="0">
+                <a:hlinkClick r:id="rId3"/>
+              </a:rPr>
+              <a:t>https://andrewgelman.com/</a:t>
+            </a:r>
+            <a:endParaRPr lang="en-AU" dirty="0" smtClean="0"/>
+          </a:p>
+          <a:p>
+            <a:pPr lvl="1"/>
+            <a:r>
+              <a:rPr lang="en-AU" dirty="0" smtClean="0"/>
+              <a:t>John </a:t>
+            </a:r>
+            <a:r>
+              <a:rPr lang="en-AU" dirty="0" err="1" smtClean="0"/>
+              <a:t>Kruschke’s</a:t>
+            </a:r>
+            <a:r>
+              <a:rPr lang="en-AU" dirty="0" smtClean="0"/>
+              <a:t> blog: </a:t>
+            </a:r>
+            <a:r>
+              <a:rPr lang="en-AU" dirty="0" smtClean="0">
+                <a:hlinkClick r:id="rId4"/>
+              </a:rPr>
+              <a:t>http://doingbayesiandataanalysis.blogspot.com/</a:t>
+            </a:r>
+            <a:endParaRPr lang="en-AU" dirty="0" smtClean="0"/>
+          </a:p>
+          <a:p>
+            <a:pPr lvl="1"/>
+            <a:endParaRPr lang="en-AU" dirty="0" smtClean="0"/>
+          </a:p>
+        </p:txBody>
+      </p:sp>
+      <p:sp>
+        <p:nvSpPr>
+          <p:cNvPr id="5" name="Title 4"/>
+          <p:cNvSpPr>
+            <a:spLocks noGrp="1"/>
+          </p:cNvSpPr>
+          <p:nvPr>
+            <p:ph type="title"/>
+          </p:nvPr>
+        </p:nvSpPr>
+        <p:spPr/>
+        <p:txBody>
+          <a:bodyPr/>
+          <a:lstStyle/>
+          <a:p>
+            <a:r>
+              <a:rPr lang="en-AU" dirty="0" smtClean="0"/>
+              <a:t>Next steps</a:t>
+            </a:r>
+            <a:endParaRPr lang="en-AU" dirty="0"/>
+          </a:p>
+        </p:txBody>
+      </p:sp>
+      <p:sp>
+        <p:nvSpPr>
+          <p:cNvPr id="6" name="Text Placeholder 5"/>
+          <p:cNvSpPr>
+            <a:spLocks noGrp="1"/>
+          </p:cNvSpPr>
+          <p:nvPr>
+            <p:ph type="body" sz="quarter" idx="15"/>
+          </p:nvPr>
+        </p:nvSpPr>
+        <p:spPr/>
+        <p:txBody>
+          <a:bodyPr/>
+          <a:lstStyle/>
+          <a:p>
+            <a:endParaRPr lang="en-AU"/>
+          </a:p>
+        </p:txBody>
+      </p:sp>
+      <p:pic>
+        <p:nvPicPr>
+          <p:cNvPr id="3074" name="Picture 2" descr="Related image"/>
+          <p:cNvPicPr>
+            <a:picLocks noChangeAspect="1" noChangeArrowheads="1"/>
+          </p:cNvPicPr>
+          <p:nvPr/>
+        </p:nvPicPr>
+        <p:blipFill rotWithShape="1">
+          <a:blip r:embed="rId5">
+            <a:extLst>
+              <a:ext uri="{28A0092B-C50C-407E-A947-70E740481C1C}">
+                <a14:useLocalDpi xmlns:a14="http://schemas.microsoft.com/office/drawing/2010/main" val="0"/>
+              </a:ext>
+            </a:extLst>
+          </a:blip>
+          <a:srcRect l="-160" t="22494" r="160" b="30336"/>
+          <a:stretch/>
+        </p:blipFill>
+        <p:spPr bwMode="auto">
+          <a:xfrm>
+            <a:off x="5840083" y="4097545"/>
+            <a:ext cx="5376683" cy="2536167"/>
+          </a:xfrm>
+          <a:prstGeom prst="rect">
+            <a:avLst/>
+          </a:prstGeom>
+          <a:noFill/>
+          <a:extLst>
+            <a:ext uri="{909E8E84-426E-40DD-AFC4-6F175D3DCCD1}">
+              <a14:hiddenFill xmlns:a14="http://schemas.microsoft.com/office/drawing/2010/main">
+                <a:solidFill>
+                  <a:srgbClr val="FFFFFF"/>
+                </a:solidFill>
+              </a14:hiddenFill>
+            </a:ext>
+          </a:extLst>
+        </p:spPr>
+      </p:pic>
+    </p:spTree>
+    <p:extLst>
+      <p:ext uri="{BB962C8B-B14F-4D97-AF65-F5344CB8AC3E}">
+        <p14:creationId xmlns:p14="http://schemas.microsoft.com/office/powerpoint/2010/main" val="36392372"/>
+      </p:ext>
+    </p:extLst>
+  </p:cSld>
+  <p:clrMapOvr>
+    <a:masterClrMapping/>
+  </p:clrMapOvr>
+</p:sld>
+</file>
+
+<file path=ppt/slides/slide44.xml><?xml version="1.0" encoding="utf-8"?>
+<p:sld xmlns:a="http://schemas.openxmlformats.org/drawingml/2006/main" xmlns:r="http://schemas.openxmlformats.org/officeDocument/2006/relationships" xmlns:p="http://schemas.openxmlformats.org/presentationml/2006/main">
+  <p:cSld>
+    <p:spTree>
+      <p:nvGrpSpPr>
+        <p:cNvPr id="1" name=""/>
+        <p:cNvGrpSpPr/>
+        <p:nvPr/>
+      </p:nvGrpSpPr>
+      <p:grpSpPr>
+        <a:xfrm>
+          <a:off x="0" y="0"/>
+          <a:ext cx="0" cy="0"/>
+          <a:chOff x="0" y="0"/>
+          <a:chExt cx="0" cy="0"/>
+        </a:xfrm>
+      </p:grpSpPr>
+      <p:sp>
+        <p:nvSpPr>
           <p:cNvPr id="6" name="Text Placeholder 5"/>
           <p:cNvSpPr>
             <a:spLocks noGrp="1"/>
@@ -17692,7 +18095,7 @@
                   <a:schemeClr val="bg1"/>
                 </a:solidFill>
               </a:rPr>
-              <a:t>A large posterior</a:t>
+              <a:t>May all your posteriors be large.</a:t>
             </a:r>
             <a:endParaRPr lang="en-AU" dirty="0">
               <a:solidFill>

--- a/Bayesian Data Analysis in R.pptx
+++ b/Bayesian Data Analysis in R.pptx
@@ -2756,38 +2756,6 @@
           </a:prstGeom>
         </p:spPr>
       </p:pic>
-      <p:pic>
-        <p:nvPicPr>
-          <p:cNvPr id="9" name="Picture Placeholder 9"/>
-          <p:cNvPicPr>
-            <a:picLocks noChangeAspect="1"/>
-          </p:cNvPicPr>
-          <p:nvPr userDrawn="1"/>
-        </p:nvPicPr>
-        <p:blipFill rotWithShape="1">
-          <a:blip r:embed="rId3">
-            <a:extLst>
-              <a:ext uri="{28A0092B-C50C-407E-A947-70E740481C1C}">
-                <a14:useLocalDpi xmlns:a14="http://schemas.microsoft.com/office/drawing/2010/main" val="0"/>
-              </a:ext>
-            </a:extLst>
-          </a:blip>
-          <a:srcRect/>
-          <a:stretch/>
-        </p:blipFill>
-        <p:spPr>
-          <a:xfrm>
-            <a:off x="258700" y="944159"/>
-            <a:ext cx="11696065" cy="5732866"/>
-          </a:xfrm>
-          <a:prstGeom prst="rect">
-            <a:avLst/>
-          </a:prstGeom>
-          <a:ln>
-            <a:noFill/>
-          </a:ln>
-        </p:spPr>
-      </p:pic>
       <p:sp>
         <p:nvSpPr>
           <p:cNvPr id="11" name="Title 1"/>
@@ -2871,7 +2839,7 @@
           <p:nvPr userDrawn="1"/>
         </p:nvPicPr>
         <p:blipFill>
-          <a:blip r:embed="rId4" cstate="print">
+          <a:blip r:embed="rId3" cstate="print">
             <a:extLst>
               <a:ext uri="{28A0092B-C50C-407E-A947-70E740481C1C}">
                 <a14:useLocalDpi xmlns:a14="http://schemas.microsoft.com/office/drawing/2010/main" val="0"/>
@@ -4975,66 +4943,16 @@
           <a:chExt cx="0" cy="0"/>
         </a:xfrm>
       </p:grpSpPr>
-      <p:sp>
-        <p:nvSpPr>
-          <p:cNvPr id="5" name="Title 4"/>
-          <p:cNvSpPr>
-            <a:spLocks noGrp="1"/>
-          </p:cNvSpPr>
-          <p:nvPr>
-            <p:ph type="title"/>
-          </p:nvPr>
-        </p:nvSpPr>
-        <p:spPr/>
-        <p:txBody>
-          <a:bodyPr/>
-          <a:lstStyle/>
-          <a:p>
-            <a:r>
-              <a:rPr lang="en-AU" dirty="0" smtClean="0">
-                <a:solidFill>
-                  <a:schemeClr val="bg1"/>
-                </a:solidFill>
-              </a:rPr>
-              <a:t>Bayesian Data Analysis in R</a:t>
-            </a:r>
-            <a:endParaRPr lang="en-AU" dirty="0">
-              <a:solidFill>
-                <a:schemeClr val="bg1"/>
-              </a:solidFill>
-            </a:endParaRPr>
-          </a:p>
-        </p:txBody>
-      </p:sp>
-      <p:sp>
-        <p:nvSpPr>
-          <p:cNvPr id="2" name="Text Placeholder 1"/>
-          <p:cNvSpPr>
-            <a:spLocks noGrp="1"/>
-          </p:cNvSpPr>
-          <p:nvPr>
-            <p:ph type="body" sz="quarter" idx="15"/>
-          </p:nvPr>
-        </p:nvSpPr>
-        <p:spPr/>
-        <p:txBody>
-          <a:bodyPr/>
-          <a:lstStyle/>
-          <a:p>
-            <a:endParaRPr lang="en-AU"/>
-          </a:p>
-        </p:txBody>
-      </p:sp>
       <p:pic>
         <p:nvPicPr>
-          <p:cNvPr id="4" name="Picture 6" descr="Image result for r logo"/>
+          <p:cNvPr id="6" name="Picture 2" descr="Related image"/>
           <p:cNvPicPr>
             <a:picLocks noChangeAspect="1" noChangeArrowheads="1"/>
           </p:cNvPicPr>
           <p:nvPr/>
         </p:nvPicPr>
         <p:blipFill>
-          <a:blip r:embed="rId2" cstate="print">
+          <a:blip r:embed="rId2">
             <a:extLst>
               <a:ext uri="{28A0092B-C50C-407E-A947-70E740481C1C}">
                 <a14:useLocalDpi xmlns:a14="http://schemas.microsoft.com/office/drawing/2010/main" val="0"/>
@@ -5048,8 +4966,8 @@
         </p:blipFill>
         <p:spPr bwMode="auto">
           <a:xfrm>
-            <a:off x="9027617" y="4563374"/>
-            <a:ext cx="2497893" cy="1935522"/>
+            <a:off x="0" y="-162290"/>
+            <a:ext cx="12192000" cy="9381456"/>
           </a:xfrm>
           <a:prstGeom prst="rect">
             <a:avLst/>
@@ -5066,6 +4984,61 @@
           </a:extLst>
         </p:spPr>
       </p:pic>
+      <p:sp>
+        <p:nvSpPr>
+          <p:cNvPr id="5" name="Title 4"/>
+          <p:cNvSpPr>
+            <a:spLocks noGrp="1"/>
+          </p:cNvSpPr>
+          <p:nvPr>
+            <p:ph type="title"/>
+          </p:nvPr>
+        </p:nvSpPr>
+        <p:spPr>
+          <a:xfrm>
+            <a:off x="720000" y="1811459"/>
+            <a:ext cx="8045752" cy="608315"/>
+          </a:xfrm>
+        </p:spPr>
+        <p:txBody>
+          <a:bodyPr/>
+          <a:lstStyle/>
+          <a:p>
+            <a:r>
+              <a:rPr lang="en-AU" dirty="0" smtClean="0">
+                <a:solidFill>
+                  <a:schemeClr val="bg1"/>
+                </a:solidFill>
+              </a:rPr>
+              <a:t>Bayesian Data Analysis in R</a:t>
+            </a:r>
+            <a:endParaRPr lang="en-AU" dirty="0">
+              <a:solidFill>
+                <a:schemeClr val="bg1"/>
+              </a:solidFill>
+            </a:endParaRPr>
+          </a:p>
+        </p:txBody>
+      </p:sp>
+      <p:sp>
+        <p:nvSpPr>
+          <p:cNvPr id="2" name="Text Placeholder 1"/>
+          <p:cNvSpPr>
+            <a:spLocks noGrp="1"/>
+          </p:cNvSpPr>
+          <p:nvPr>
+            <p:ph type="body" sz="quarter" idx="15"/>
+          </p:nvPr>
+        </p:nvSpPr>
+        <p:spPr/>
+        <p:txBody>
+          <a:bodyPr/>
+          <a:lstStyle/>
+          <a:p>
+            <a:endParaRPr lang="en-AU"/>
+          </a:p>
+        </p:txBody>
+      </p:sp>
     </p:spTree>
     <p:extLst>
       <p:ext uri="{BB962C8B-B14F-4D97-AF65-F5344CB8AC3E}">
@@ -13371,6 +13344,13 @@
   <p:clrMapOvr>
     <a:masterClrMapping/>
   </p:clrMapOvr>
+  <p:timing>
+    <p:tnLst>
+      <p:par>
+        <p:cTn id="1" dur="indefinite" restart="never" nodeType="tmRoot"/>
+      </p:par>
+    </p:tnLst>
+  </p:timing>
 </p:sld>
 </file>
 
@@ -14326,6 +14306,13 @@
   <p:clrMapOvr>
     <a:masterClrMapping/>
   </p:clrMapOvr>
+  <p:timing>
+    <p:tnLst>
+      <p:par>
+        <p:cTn id="1" dur="indefinite" restart="never" nodeType="tmRoot"/>
+      </p:par>
+    </p:tnLst>
+  </p:timing>
 </p:sld>
 </file>
 
@@ -14609,6 +14596,13 @@
   <p:clrMapOvr>
     <a:masterClrMapping/>
   </p:clrMapOvr>
+  <p:timing>
+    <p:tnLst>
+      <p:par>
+        <p:cTn id="1" dur="indefinite" restart="never" nodeType="tmRoot"/>
+      </p:par>
+    </p:tnLst>
+  </p:timing>
 </p:sld>
 </file>
 
@@ -14770,6 +14764,13 @@
   <p:clrMapOvr>
     <a:masterClrMapping/>
   </p:clrMapOvr>
+  <p:timing>
+    <p:tnLst>
+      <p:par>
+        <p:cTn id="1" dur="indefinite" restart="never" nodeType="tmRoot"/>
+      </p:par>
+    </p:tnLst>
+  </p:timing>
 </p:sld>
 </file>
 
@@ -15040,6 +15041,13 @@
   <p:clrMapOvr>
     <a:masterClrMapping/>
   </p:clrMapOvr>
+  <p:timing>
+    <p:tnLst>
+      <p:par>
+        <p:cTn id="1" dur="indefinite" restart="never" nodeType="tmRoot"/>
+      </p:par>
+    </p:tnLst>
+  </p:timing>
 </p:sld>
 </file>
 
@@ -15461,6 +15469,13 @@
   <p:clrMapOvr>
     <a:masterClrMapping/>
   </p:clrMapOvr>
+  <p:timing>
+    <p:tnLst>
+      <p:par>
+        <p:cTn id="1" dur="indefinite" restart="never" nodeType="tmRoot"/>
+      </p:par>
+    </p:tnLst>
+  </p:timing>
 </p:sld>
 </file>
 
@@ -15958,6 +15973,13 @@
   <p:clrMapOvr>
     <a:masterClrMapping/>
   </p:clrMapOvr>
+  <p:timing>
+    <p:tnLst>
+      <p:par>
+        <p:cTn id="1" dur="indefinite" restart="never" nodeType="tmRoot"/>
+      </p:par>
+    </p:tnLst>
+  </p:timing>
 </p:sld>
 </file>
 
@@ -16789,6 +16811,13 @@
   <p:clrMapOvr>
     <a:masterClrMapping/>
   </p:clrMapOvr>
+  <p:timing>
+    <p:tnLst>
+      <p:par>
+        <p:cTn id="1" dur="indefinite" restart="never" nodeType="tmRoot"/>
+      </p:par>
+    </p:tnLst>
+  </p:timing>
 </p:sld>
 </file>
 
@@ -16913,6 +16942,13 @@
   <p:clrMapOvr>
     <a:masterClrMapping/>
   </p:clrMapOvr>
+  <p:timing>
+    <p:tnLst>
+      <p:par>
+        <p:cTn id="1" dur="indefinite" restart="never" nodeType="tmRoot"/>
+      </p:par>
+    </p:tnLst>
+  </p:timing>
 </p:sld>
 </file>
 
@@ -17109,6 +17145,13 @@
   <p:clrMapOvr>
     <a:masterClrMapping/>
   </p:clrMapOvr>
+  <p:timing>
+    <p:tnLst>
+      <p:par>
+        <p:cTn id="1" dur="indefinite" restart="never" nodeType="tmRoot"/>
+      </p:par>
+    </p:tnLst>
+  </p:timing>
 </p:sld>
 </file>
 
@@ -17470,6 +17513,13 @@
   <p:clrMapOvr>
     <a:masterClrMapping/>
   </p:clrMapOvr>
+  <p:timing>
+    <p:tnLst>
+      <p:par>
+        <p:cTn id="1" dur="indefinite" restart="never" nodeType="tmRoot"/>
+      </p:par>
+    </p:tnLst>
+  </p:timing>
 </p:sld>
 </file>
 
@@ -17684,6 +17734,13 @@
   <p:clrMapOvr>
     <a:masterClrMapping/>
   </p:clrMapOvr>
+  <p:timing>
+    <p:tnLst>
+      <p:par>
+        <p:cTn id="1" dur="indefinite" restart="never" nodeType="tmRoot"/>
+      </p:par>
+    </p:tnLst>
+  </p:timing>
 </p:sld>
 </file>
 
@@ -17831,6 +17888,13 @@
   <p:clrMapOvr>
     <a:masterClrMapping/>
   </p:clrMapOvr>
+  <p:timing>
+    <p:tnLst>
+      <p:par>
+        <p:cTn id="1" dur="indefinite" restart="never" nodeType="tmRoot"/>
+      </p:par>
+    </p:tnLst>
+  </p:timing>
 </p:sld>
 </file>
 
@@ -18049,6 +18113,13 @@
   <p:clrMapOvr>
     <a:masterClrMapping/>
   </p:clrMapOvr>
+  <p:timing>
+    <p:tnLst>
+      <p:par>
+        <p:cTn id="1" dur="indefinite" restart="never" nodeType="tmRoot"/>
+      </p:par>
+    </p:tnLst>
+  </p:timing>
 </p:sld>
 </file>
 
@@ -18069,6 +18140,47 @@
           <a:chExt cx="0" cy="0"/>
         </a:xfrm>
       </p:grpSpPr>
+      <p:pic>
+        <p:nvPicPr>
+          <p:cNvPr id="6146" name="Picture 2" descr="Related image"/>
+          <p:cNvPicPr>
+            <a:picLocks noChangeAspect="1" noChangeArrowheads="1"/>
+          </p:cNvPicPr>
+          <p:nvPr/>
+        </p:nvPicPr>
+        <p:blipFill>
+          <a:blip r:embed="rId2">
+            <a:extLst>
+              <a:ext uri="{28A0092B-C50C-407E-A947-70E740481C1C}">
+                <a14:useLocalDpi xmlns:a14="http://schemas.microsoft.com/office/drawing/2010/main" val="0"/>
+              </a:ext>
+            </a:extLst>
+          </a:blip>
+          <a:srcRect/>
+          <a:stretch>
+            <a:fillRect/>
+          </a:stretch>
+        </p:blipFill>
+        <p:spPr bwMode="auto">
+          <a:xfrm>
+            <a:off x="241840" y="-1"/>
+            <a:ext cx="9144000" cy="6858001"/>
+          </a:xfrm>
+          <a:prstGeom prst="rect">
+            <a:avLst/>
+          </a:prstGeom>
+          <a:noFill/>
+          <a:extLst>
+            <a:ext uri="{909E8E84-426E-40DD-AFC4-6F175D3DCCD1}">
+              <a14:hiddenFill xmlns:a14="http://schemas.microsoft.com/office/drawing/2010/main">
+                <a:solidFill>
+                  <a:srgbClr val="FFFFFF"/>
+                </a:solidFill>
+              </a14:hiddenFill>
+            </a:ext>
+          </a:extLst>
+        </p:spPr>
+      </p:pic>
       <p:sp>
         <p:nvSpPr>
           <p:cNvPr id="6" name="Text Placeholder 5"/>
@@ -18081,7 +18193,7 @@
         </p:nvSpPr>
         <p:spPr>
           <a:xfrm>
-            <a:off x="720000" y="5969234"/>
+            <a:off x="720000" y="6082735"/>
             <a:ext cx="6407150" cy="503238"/>
           </a:xfrm>
         </p:spPr>
